--- a/file/NEW UI 설계화면.pptx
+++ b/file/NEW UI 설계화면.pptx
@@ -23,9 +23,12 @@
     <p:sldId id="273" r:id="rId17"/>
     <p:sldId id="276" r:id="rId18"/>
     <p:sldId id="272" r:id="rId19"/>
-    <p:sldId id="274" r:id="rId20"/>
-    <p:sldId id="277" r:id="rId21"/>
-    <p:sldId id="278" r:id="rId22"/>
+    <p:sldId id="279" r:id="rId20"/>
+    <p:sldId id="280" r:id="rId21"/>
+    <p:sldId id="281" r:id="rId22"/>
+    <p:sldId id="274" r:id="rId23"/>
+    <p:sldId id="277" r:id="rId24"/>
+    <p:sldId id="278" r:id="rId25"/>
   </p:sldIdLst>
   <p:sldSz cx="12192000" cy="6858000"/>
   <p:notesSz cx="6858000" cy="9144000"/>
@@ -124,6 +127,11 @@
       </a:defRPr>
     </a:lvl9pPr>
   </p:defaultTextStyle>
+  <p:extLst>
+    <p:ext uri="{EFAFB233-063F-42B5-8137-9DF3F51BA10A}">
+      <p15:sldGuideLst xmlns:p15="http://schemas.microsoft.com/office/powerpoint/2012/main"/>
+    </p:ext>
+  </p:extLst>
 </p:presentation>
 </file>
 
@@ -258,7 +266,7 @@
           <a:p>
             <a:fld id="{A932F02E-EDEC-469B-A980-0F40584B42E2}" type="datetimeFigureOut">
               <a:rPr lang="ko-KR" altLang="en-US" smtClean="0"/>
-              <a:t>2020-03-11</a:t>
+              <a:t>2020-03-12</a:t>
             </a:fld>
             <a:endParaRPr lang="ko-KR" altLang="en-US"/>
           </a:p>
@@ -428,7 +436,7 @@
           <a:p>
             <a:fld id="{A932F02E-EDEC-469B-A980-0F40584B42E2}" type="datetimeFigureOut">
               <a:rPr lang="ko-KR" altLang="en-US" smtClean="0"/>
-              <a:t>2020-03-11</a:t>
+              <a:t>2020-03-12</a:t>
             </a:fld>
             <a:endParaRPr lang="ko-KR" altLang="en-US"/>
           </a:p>
@@ -608,7 +616,7 @@
           <a:p>
             <a:fld id="{A932F02E-EDEC-469B-A980-0F40584B42E2}" type="datetimeFigureOut">
               <a:rPr lang="ko-KR" altLang="en-US" smtClean="0"/>
-              <a:t>2020-03-11</a:t>
+              <a:t>2020-03-12</a:t>
             </a:fld>
             <a:endParaRPr lang="ko-KR" altLang="en-US"/>
           </a:p>
@@ -778,7 +786,7 @@
           <a:p>
             <a:fld id="{A932F02E-EDEC-469B-A980-0F40584B42E2}" type="datetimeFigureOut">
               <a:rPr lang="ko-KR" altLang="en-US" smtClean="0"/>
-              <a:t>2020-03-11</a:t>
+              <a:t>2020-03-12</a:t>
             </a:fld>
             <a:endParaRPr lang="ko-KR" altLang="en-US"/>
           </a:p>
@@ -1024,7 +1032,7 @@
           <a:p>
             <a:fld id="{A932F02E-EDEC-469B-A980-0F40584B42E2}" type="datetimeFigureOut">
               <a:rPr lang="ko-KR" altLang="en-US" smtClean="0"/>
-              <a:t>2020-03-11</a:t>
+              <a:t>2020-03-12</a:t>
             </a:fld>
             <a:endParaRPr lang="ko-KR" altLang="en-US"/>
           </a:p>
@@ -1256,7 +1264,7 @@
           <a:p>
             <a:fld id="{A932F02E-EDEC-469B-A980-0F40584B42E2}" type="datetimeFigureOut">
               <a:rPr lang="ko-KR" altLang="en-US" smtClean="0"/>
-              <a:t>2020-03-11</a:t>
+              <a:t>2020-03-12</a:t>
             </a:fld>
             <a:endParaRPr lang="ko-KR" altLang="en-US"/>
           </a:p>
@@ -1623,7 +1631,7 @@
           <a:p>
             <a:fld id="{A932F02E-EDEC-469B-A980-0F40584B42E2}" type="datetimeFigureOut">
               <a:rPr lang="ko-KR" altLang="en-US" smtClean="0"/>
-              <a:t>2020-03-11</a:t>
+              <a:t>2020-03-12</a:t>
             </a:fld>
             <a:endParaRPr lang="ko-KR" altLang="en-US"/>
           </a:p>
@@ -1741,7 +1749,7 @@
           <a:p>
             <a:fld id="{A932F02E-EDEC-469B-A980-0F40584B42E2}" type="datetimeFigureOut">
               <a:rPr lang="ko-KR" altLang="en-US" smtClean="0"/>
-              <a:t>2020-03-11</a:t>
+              <a:t>2020-03-12</a:t>
             </a:fld>
             <a:endParaRPr lang="ko-KR" altLang="en-US"/>
           </a:p>
@@ -1836,7 +1844,7 @@
           <a:p>
             <a:fld id="{A932F02E-EDEC-469B-A980-0F40584B42E2}" type="datetimeFigureOut">
               <a:rPr lang="ko-KR" altLang="en-US" smtClean="0"/>
-              <a:t>2020-03-11</a:t>
+              <a:t>2020-03-12</a:t>
             </a:fld>
             <a:endParaRPr lang="ko-KR" altLang="en-US"/>
           </a:p>
@@ -2113,7 +2121,7 @@
           <a:p>
             <a:fld id="{A932F02E-EDEC-469B-A980-0F40584B42E2}" type="datetimeFigureOut">
               <a:rPr lang="ko-KR" altLang="en-US" smtClean="0"/>
-              <a:t>2020-03-11</a:t>
+              <a:t>2020-03-12</a:t>
             </a:fld>
             <a:endParaRPr lang="ko-KR" altLang="en-US"/>
           </a:p>
@@ -2366,7 +2374,7 @@
           <a:p>
             <a:fld id="{A932F02E-EDEC-469B-A980-0F40584B42E2}" type="datetimeFigureOut">
               <a:rPr lang="ko-KR" altLang="en-US" smtClean="0"/>
-              <a:t>2020-03-11</a:t>
+              <a:t>2020-03-12</a:t>
             </a:fld>
             <a:endParaRPr lang="ko-KR" altLang="en-US"/>
           </a:p>
@@ -2579,7 +2587,7 @@
           <a:p>
             <a:fld id="{A932F02E-EDEC-469B-A980-0F40584B42E2}" type="datetimeFigureOut">
               <a:rPr lang="ko-KR" altLang="en-US" smtClean="0"/>
-              <a:t>2020-03-11</a:t>
+              <a:t>2020-03-12</a:t>
             </a:fld>
             <a:endParaRPr lang="ko-KR" altLang="en-US"/>
           </a:p>
@@ -17421,11 +17429,7 @@
             </a:r>
             <a:r>
               <a:rPr lang="ko-KR" altLang="en-US" noProof="1" smtClean="0"/>
-              <a:t>사원 </a:t>
-            </a:r>
-            <a:r>
-              <a:rPr lang="ko-KR" altLang="en-US" noProof="1" smtClean="0"/>
-              <a:t>현황 조회</a:t>
+              <a:t>사원 현황 조회</a:t>
             </a:r>
             <a:endParaRPr lang="en-US" altLang="ko-KR" noProof="1"/>
           </a:p>
@@ -17577,6 +17581,52 @@
           </a:p>
         </p:txBody>
       </p:sp>
+      <p:sp>
+        <p:nvSpPr>
+          <p:cNvPr id="17" name="TextBox 16"/>
+          <p:cNvSpPr txBox="1"/>
+          <p:nvPr/>
+        </p:nvSpPr>
+        <p:spPr>
+          <a:xfrm>
+            <a:off x="985395" y="458031"/>
+            <a:ext cx="4629003" cy="369332"/>
+          </a:xfrm>
+          <a:prstGeom prst="rect">
+            <a:avLst/>
+          </a:prstGeom>
+          <a:noFill/>
+        </p:spPr>
+        <p:txBody>
+          <a:bodyPr wrap="square" rtlCol="0">
+            <a:spAutoFit/>
+          </a:bodyPr>
+          <a:lstStyle/>
+          <a:p>
+            <a:r>
+              <a:rPr lang="en-US" altLang="ko-KR" dirty="0" smtClean="0"/>
+              <a:t>Main- </a:t>
+            </a:r>
+            <a:r>
+              <a:rPr lang="en-US" altLang="ko-KR" noProof="1" smtClean="0"/>
+              <a:t>MainFrame &gt; </a:t>
+            </a:r>
+            <a:r>
+              <a:rPr lang="ko-KR" altLang="en-US" noProof="1" smtClean="0"/>
+              <a:t>사원관리 </a:t>
+            </a:r>
+            <a:r>
+              <a:rPr lang="en-US" altLang="ko-KR" noProof="1" smtClean="0"/>
+              <a:t>&gt; </a:t>
+            </a:r>
+            <a:r>
+              <a:rPr lang="ko-KR" altLang="en-US" noProof="1" smtClean="0"/>
+              <a:t>사원권한</a:t>
+            </a:r>
+            <a:endParaRPr lang="en-US" altLang="ko-KR" noProof="1"/>
+          </a:p>
+        </p:txBody>
+      </p:sp>
       <p:pic>
         <p:nvPicPr>
           <p:cNvPr id="3" name="그림 2"/>
@@ -17624,10 +17674,18 @@
           <a:lstStyle/>
           <a:p>
             <a:r>
-              <a:rPr lang="ko-KR" altLang="en-US" sz="1400" b="1" dirty="0" smtClean="0"/>
+              <a:rPr lang="ko-KR" altLang="en-US" sz="1400" b="1" dirty="0" smtClean="0">
+                <a:solidFill>
+                  <a:srgbClr val="FFC000"/>
+                </a:solidFill>
+              </a:rPr>
               <a:t>사원관리</a:t>
             </a:r>
-            <a:endParaRPr lang="ko-KR" altLang="en-US" sz="1400" b="1" dirty="0"/>
+            <a:endParaRPr lang="ko-KR" altLang="en-US" sz="1400" b="1" dirty="0">
+              <a:solidFill>
+                <a:srgbClr val="FFC000"/>
+              </a:solidFill>
+            </a:endParaRPr>
           </a:p>
         </p:txBody>
       </p:sp>
@@ -17688,6 +17746,191 @@
               <a:t>은행 업무 관리</a:t>
             </a:r>
             <a:endParaRPr lang="ko-KR" altLang="en-US" sz="1400" b="1" dirty="0"/>
+          </a:p>
+        </p:txBody>
+      </p:sp>
+      <p:sp>
+        <p:nvSpPr>
+          <p:cNvPr id="35" name="TextBox 34"/>
+          <p:cNvSpPr txBox="1"/>
+          <p:nvPr/>
+        </p:nvSpPr>
+        <p:spPr>
+          <a:xfrm>
+            <a:off x="4950691" y="2900218"/>
+            <a:ext cx="1801091" cy="276999"/>
+          </a:xfrm>
+          <a:prstGeom prst="rect">
+            <a:avLst/>
+          </a:prstGeom>
+          <a:noFill/>
+        </p:spPr>
+        <p:txBody>
+          <a:bodyPr wrap="square" rtlCol="0">
+            <a:spAutoFit/>
+          </a:bodyPr>
+          <a:lstStyle/>
+          <a:p>
+            <a:r>
+              <a:rPr lang="ko-KR" altLang="en-US" sz="1200" noProof="1" smtClean="0"/>
+              <a:t>테스트님 환영합니다 </a:t>
+            </a:r>
+            <a:r>
+              <a:rPr lang="en-US" altLang="ko-KR" sz="1200" noProof="1" smtClean="0"/>
+              <a:t>~</a:t>
+            </a:r>
+            <a:endParaRPr lang="ko-KR" altLang="en-US" sz="1200" noProof="1"/>
+          </a:p>
+        </p:txBody>
+      </p:sp>
+      <p:sp>
+        <p:nvSpPr>
+          <p:cNvPr id="36" name="직사각형 35"/>
+          <p:cNvSpPr/>
+          <p:nvPr/>
+        </p:nvSpPr>
+        <p:spPr>
+          <a:xfrm>
+            <a:off x="6751782" y="2900218"/>
+            <a:ext cx="1062182" cy="276999"/>
+          </a:xfrm>
+          <a:prstGeom prst="rect">
+            <a:avLst/>
+          </a:prstGeom>
+          <a:solidFill>
+            <a:schemeClr val="bg2">
+              <a:lumMod val="90000"/>
+            </a:schemeClr>
+          </a:solidFill>
+        </p:spPr>
+        <p:style>
+          <a:lnRef idx="2">
+            <a:schemeClr val="accent1">
+              <a:shade val="50000"/>
+            </a:schemeClr>
+          </a:lnRef>
+          <a:fillRef idx="1">
+            <a:schemeClr val="accent1"/>
+          </a:fillRef>
+          <a:effectRef idx="0">
+            <a:schemeClr val="accent1"/>
+          </a:effectRef>
+          <a:fontRef idx="minor">
+            <a:schemeClr val="lt1"/>
+          </a:fontRef>
+        </p:style>
+        <p:txBody>
+          <a:bodyPr rtlCol="0" anchor="ctr"/>
+          <a:lstStyle/>
+          <a:p>
+            <a:pPr algn="ctr"/>
+            <a:endParaRPr lang="ko-KR" altLang="en-US"/>
+          </a:p>
+        </p:txBody>
+      </p:sp>
+      <p:sp>
+        <p:nvSpPr>
+          <p:cNvPr id="37" name="TextBox 36"/>
+          <p:cNvSpPr txBox="1"/>
+          <p:nvPr/>
+        </p:nvSpPr>
+        <p:spPr>
+          <a:xfrm>
+            <a:off x="6890323" y="2900218"/>
+            <a:ext cx="1801091" cy="276999"/>
+          </a:xfrm>
+          <a:prstGeom prst="rect">
+            <a:avLst/>
+          </a:prstGeom>
+          <a:noFill/>
+        </p:spPr>
+        <p:txBody>
+          <a:bodyPr wrap="square" rtlCol="0">
+            <a:spAutoFit/>
+          </a:bodyPr>
+          <a:lstStyle/>
+          <a:p>
+            <a:r>
+              <a:rPr lang="ko-KR" altLang="en-US" sz="1200" noProof="1" smtClean="0"/>
+              <a:t>로그아웃</a:t>
+            </a:r>
+            <a:endParaRPr lang="ko-KR" altLang="en-US" sz="1200" noProof="1"/>
+          </a:p>
+        </p:txBody>
+      </p:sp>
+      <p:pic>
+        <p:nvPicPr>
+          <p:cNvPr id="38" name="그림 37"/>
+          <p:cNvPicPr>
+            <a:picLocks noChangeAspect="1"/>
+          </p:cNvPicPr>
+          <p:nvPr/>
+        </p:nvPicPr>
+        <p:blipFill>
+          <a:blip r:embed="rId3" cstate="print">
+            <a:extLst>
+              <a:ext uri="{28A0092B-C50C-407E-A947-70E740481C1C}">
+                <a14:useLocalDpi xmlns:a14="http://schemas.microsoft.com/office/drawing/2010/main" val="0"/>
+              </a:ext>
+            </a:extLst>
+          </a:blip>
+          <a:stretch>
+            <a:fillRect/>
+          </a:stretch>
+        </p:blipFill>
+        <p:spPr>
+          <a:xfrm>
+            <a:off x="5623242" y="3462332"/>
+            <a:ext cx="692989" cy="692989"/>
+          </a:xfrm>
+          <a:prstGeom prst="rect">
+            <a:avLst/>
+          </a:prstGeom>
+        </p:spPr>
+      </p:pic>
+      <p:sp>
+        <p:nvSpPr>
+          <p:cNvPr id="39" name="TextBox 38"/>
+          <p:cNvSpPr txBox="1"/>
+          <p:nvPr/>
+        </p:nvSpPr>
+        <p:spPr>
+          <a:xfrm>
+            <a:off x="3694545" y="4488872"/>
+            <a:ext cx="5209310" cy="584775"/>
+          </a:xfrm>
+          <a:prstGeom prst="rect">
+            <a:avLst/>
+          </a:prstGeom>
+          <a:noFill/>
+        </p:spPr>
+        <p:txBody>
+          <a:bodyPr wrap="square" rtlCol="0">
+            <a:spAutoFit/>
+          </a:bodyPr>
+          <a:lstStyle/>
+          <a:p>
+            <a:r>
+              <a:rPr lang="en-US" altLang="ko-KR" sz="3200" b="1" dirty="0" smtClean="0">
+                <a:effectLst>
+                  <a:outerShdw blurRad="38100" dist="38100" dir="2700000" algn="tl">
+                    <a:srgbClr val="000000">
+                      <a:alpha val="43137"/>
+                    </a:srgbClr>
+                  </a:outerShdw>
+                </a:effectLst>
+              </a:rPr>
+              <a:t>Better Financial Support</a:t>
+            </a:r>
+            <a:endParaRPr lang="ko-KR" altLang="en-US" sz="3200" b="1" dirty="0">
+              <a:effectLst>
+                <a:outerShdw blurRad="38100" dist="38100" dir="2700000" algn="tl">
+                  <a:srgbClr val="000000">
+                    <a:alpha val="43137"/>
+                  </a:srgbClr>
+                </a:outerShdw>
+              </a:effectLst>
+            </a:endParaRPr>
           </a:p>
         </p:txBody>
       </p:sp>
@@ -17768,23 +18011,79 @@
       </p:sp>
       <p:sp>
         <p:nvSpPr>
-          <p:cNvPr id="2" name="직사각형 1"/>
+          <p:cNvPr id="11" name="TextBox 10"/>
+          <p:cNvSpPr txBox="1"/>
+          <p:nvPr/>
+        </p:nvSpPr>
+        <p:spPr>
+          <a:xfrm>
+            <a:off x="4830624" y="2561541"/>
+            <a:ext cx="914132" cy="276999"/>
+          </a:xfrm>
+          <a:prstGeom prst="rect">
+            <a:avLst/>
+          </a:prstGeom>
+          <a:noFill/>
+        </p:spPr>
+        <p:txBody>
+          <a:bodyPr wrap="square" rtlCol="0">
+            <a:spAutoFit/>
+          </a:bodyPr>
+          <a:lstStyle/>
+          <a:p>
+            <a:r>
+              <a:rPr lang="ko-KR" altLang="en-US" sz="1200" dirty="0" smtClean="0"/>
+              <a:t>사원 검색</a:t>
+            </a:r>
+            <a:endParaRPr lang="ko-KR" altLang="en-US" sz="1200" dirty="0"/>
+          </a:p>
+        </p:txBody>
+      </p:sp>
+      <p:sp>
+        <p:nvSpPr>
+          <p:cNvPr id="20" name="TextBox 19"/>
+          <p:cNvSpPr txBox="1"/>
+          <p:nvPr/>
+        </p:nvSpPr>
+        <p:spPr>
+          <a:xfrm>
+            <a:off x="4786139" y="2855452"/>
+            <a:ext cx="983951" cy="307777"/>
+          </a:xfrm>
+          <a:prstGeom prst="rect">
+            <a:avLst/>
+          </a:prstGeom>
+          <a:noFill/>
+          <a:ln>
+            <a:noFill/>
+          </a:ln>
+        </p:spPr>
+        <p:txBody>
+          <a:bodyPr wrap="square" rtlCol="0">
+            <a:spAutoFit/>
+          </a:bodyPr>
+          <a:lstStyle/>
+          <a:p>
+            <a:endParaRPr lang="en-US" altLang="ko-KR" sz="1400" dirty="0" smtClean="0"/>
+          </a:p>
+        </p:txBody>
+      </p:sp>
+      <p:sp>
+        <p:nvSpPr>
+          <p:cNvPr id="21" name="직사각형 20"/>
           <p:cNvSpPr/>
           <p:nvPr/>
         </p:nvSpPr>
         <p:spPr>
           <a:xfrm>
-            <a:off x="2955636" y="2624369"/>
-            <a:ext cx="6382328" cy="3046758"/>
+            <a:off x="4821120" y="2876023"/>
+            <a:ext cx="948970" cy="277218"/>
           </a:xfrm>
           <a:prstGeom prst="rect">
             <a:avLst/>
           </a:prstGeom>
           <a:solidFill>
-            <a:schemeClr val="accent4">
-              <a:lumMod val="20000"/>
-              <a:lumOff val="80000"/>
-            </a:schemeClr>
+            <a:schemeClr val="bg1"/>
           </a:solidFill>
           <a:ln>
             <a:noFill/>
@@ -17817,21 +18116,180 @@
       </p:sp>
       <p:sp>
         <p:nvSpPr>
-          <p:cNvPr id="14" name="모서리가 둥근 직사각형 13"/>
+          <p:cNvPr id="22" name="TextBox 21"/>
+          <p:cNvSpPr txBox="1"/>
+          <p:nvPr/>
+        </p:nvSpPr>
+        <p:spPr>
+          <a:xfrm>
+            <a:off x="4830362" y="2884139"/>
+            <a:ext cx="914132" cy="276999"/>
+          </a:xfrm>
+          <a:prstGeom prst="rect">
+            <a:avLst/>
+          </a:prstGeom>
+          <a:noFill/>
+        </p:spPr>
+        <p:txBody>
+          <a:bodyPr wrap="square" rtlCol="0">
+            <a:spAutoFit/>
+          </a:bodyPr>
+          <a:lstStyle/>
+          <a:p>
+            <a:r>
+              <a:rPr lang="ko-KR" altLang="en-US" sz="1200" dirty="0" smtClean="0"/>
+              <a:t>사원 정보</a:t>
+            </a:r>
+            <a:endParaRPr lang="ko-KR" altLang="en-US" sz="1200" dirty="0"/>
+          </a:p>
+        </p:txBody>
+      </p:sp>
+      <p:sp>
+        <p:nvSpPr>
+          <p:cNvPr id="23" name="TextBox 22"/>
+          <p:cNvSpPr txBox="1"/>
+          <p:nvPr/>
+        </p:nvSpPr>
+        <p:spPr>
+          <a:xfrm>
+            <a:off x="4846716" y="3156646"/>
+            <a:ext cx="983951" cy="307777"/>
+          </a:xfrm>
+          <a:prstGeom prst="rect">
+            <a:avLst/>
+          </a:prstGeom>
+          <a:noFill/>
+          <a:ln>
+            <a:noFill/>
+          </a:ln>
+        </p:spPr>
+        <p:txBody>
+          <a:bodyPr wrap="square" rtlCol="0">
+            <a:spAutoFit/>
+          </a:bodyPr>
+          <a:lstStyle/>
+          <a:p>
+            <a:endParaRPr lang="en-US" altLang="ko-KR" sz="1400" dirty="0" smtClean="0"/>
+          </a:p>
+        </p:txBody>
+      </p:sp>
+      <p:sp>
+        <p:nvSpPr>
+          <p:cNvPr id="24" name="직사각형 23"/>
           <p:cNvSpPr/>
           <p:nvPr/>
         </p:nvSpPr>
         <p:spPr>
           <a:xfrm>
-            <a:off x="8366863" y="5174098"/>
-            <a:ext cx="773477" cy="335840"/>
-          </a:xfrm>
-          <a:prstGeom prst="roundRect">
+            <a:off x="4881697" y="3177217"/>
+            <a:ext cx="948970" cy="277218"/>
+          </a:xfrm>
+          <a:prstGeom prst="rect">
             <a:avLst/>
           </a:prstGeom>
           <a:solidFill>
             <a:schemeClr val="bg1"/>
           </a:solidFill>
+          <a:ln>
+            <a:noFill/>
+          </a:ln>
+        </p:spPr>
+        <p:style>
+          <a:lnRef idx="2">
+            <a:schemeClr val="accent1">
+              <a:shade val="50000"/>
+            </a:schemeClr>
+          </a:lnRef>
+          <a:fillRef idx="1">
+            <a:schemeClr val="accent1"/>
+          </a:fillRef>
+          <a:effectRef idx="0">
+            <a:schemeClr val="accent1"/>
+          </a:effectRef>
+          <a:fontRef idx="minor">
+            <a:schemeClr val="lt1"/>
+          </a:fontRef>
+        </p:style>
+        <p:txBody>
+          <a:bodyPr rtlCol="0" anchor="ctr"/>
+          <a:lstStyle/>
+          <a:p>
+            <a:pPr algn="ctr"/>
+            <a:endParaRPr lang="ko-KR" altLang="en-US"/>
+          </a:p>
+        </p:txBody>
+      </p:sp>
+      <p:sp>
+        <p:nvSpPr>
+          <p:cNvPr id="25" name="TextBox 24"/>
+          <p:cNvSpPr txBox="1"/>
+          <p:nvPr/>
+        </p:nvSpPr>
+        <p:spPr>
+          <a:xfrm>
+            <a:off x="4817051" y="3185333"/>
+            <a:ext cx="914132" cy="276999"/>
+          </a:xfrm>
+          <a:prstGeom prst="rect">
+            <a:avLst/>
+          </a:prstGeom>
+          <a:solidFill>
+            <a:schemeClr val="accent4"/>
+          </a:solidFill>
+        </p:spPr>
+        <p:txBody>
+          <a:bodyPr wrap="square" rtlCol="0">
+            <a:spAutoFit/>
+          </a:bodyPr>
+          <a:lstStyle/>
+          <a:p>
+            <a:r>
+              <a:rPr lang="ko-KR" altLang="en-US" sz="1200" dirty="0" smtClean="0"/>
+              <a:t>사원 권한</a:t>
+            </a:r>
+            <a:endParaRPr lang="ko-KR" altLang="en-US" sz="1200" dirty="0"/>
+          </a:p>
+        </p:txBody>
+      </p:sp>
+      <p:pic>
+        <p:nvPicPr>
+          <p:cNvPr id="26" name="그림 25"/>
+          <p:cNvPicPr>
+            <a:picLocks noChangeAspect="1"/>
+          </p:cNvPicPr>
+          <p:nvPr/>
+        </p:nvPicPr>
+        <p:blipFill>
+          <a:blip r:embed="rId4"/>
+          <a:stretch>
+            <a:fillRect/>
+          </a:stretch>
+        </p:blipFill>
+        <p:spPr>
+          <a:xfrm>
+            <a:off x="5614398" y="2916059"/>
+            <a:ext cx="95263" cy="181000"/>
+          </a:xfrm>
+          <a:prstGeom prst="rect">
+            <a:avLst/>
+          </a:prstGeom>
+        </p:spPr>
+      </p:pic>
+      <p:sp>
+        <p:nvSpPr>
+          <p:cNvPr id="12" name="직사각형 11"/>
+          <p:cNvSpPr/>
+          <p:nvPr/>
+        </p:nvSpPr>
+        <p:spPr>
+          <a:xfrm>
+            <a:off x="4817051" y="2532854"/>
+            <a:ext cx="914132" cy="929478"/>
+          </a:xfrm>
+          <a:prstGeom prst="rect">
+            <a:avLst/>
+          </a:prstGeom>
+          <a:noFill/>
           <a:ln>
             <a:solidFill>
               <a:schemeClr val="bg2">
@@ -17865,150 +18323,10 @@
           </a:p>
         </p:txBody>
       </p:sp>
-      <p:sp>
-        <p:nvSpPr>
-          <p:cNvPr id="15" name="TextBox 14"/>
-          <p:cNvSpPr txBox="1"/>
-          <p:nvPr/>
-        </p:nvSpPr>
-        <p:spPr>
-          <a:xfrm>
-            <a:off x="8483585" y="5202161"/>
-            <a:ext cx="662643" cy="307777"/>
-          </a:xfrm>
-          <a:prstGeom prst="rect">
-            <a:avLst/>
-          </a:prstGeom>
-          <a:noFill/>
-        </p:spPr>
-        <p:txBody>
-          <a:bodyPr wrap="square" rtlCol="0">
-            <a:spAutoFit/>
-          </a:bodyPr>
-          <a:lstStyle/>
-          <a:p>
-            <a:r>
-              <a:rPr lang="ko-KR" altLang="en-US" sz="1400" dirty="0" smtClean="0"/>
-              <a:t>조회</a:t>
-            </a:r>
-            <a:endParaRPr lang="ko-KR" altLang="en-US" sz="1400" dirty="0"/>
-          </a:p>
-        </p:txBody>
-      </p:sp>
-      <p:sp>
-        <p:nvSpPr>
-          <p:cNvPr id="35" name="TextBox 34"/>
-          <p:cNvSpPr txBox="1"/>
-          <p:nvPr/>
-        </p:nvSpPr>
-        <p:spPr>
-          <a:xfrm>
-            <a:off x="985395" y="458031"/>
-            <a:ext cx="8478645" cy="369332"/>
-          </a:xfrm>
-          <a:prstGeom prst="rect">
-            <a:avLst/>
-          </a:prstGeom>
-          <a:noFill/>
-        </p:spPr>
-        <p:txBody>
-          <a:bodyPr wrap="square" rtlCol="0">
-            <a:spAutoFit/>
-          </a:bodyPr>
-          <a:lstStyle/>
-          <a:p>
-            <a:r>
-              <a:rPr lang="en-US" altLang="ko-KR" dirty="0" smtClean="0"/>
-              <a:t>Main- </a:t>
-            </a:r>
-            <a:r>
-              <a:rPr lang="en-US" altLang="ko-KR" noProof="1" smtClean="0"/>
-              <a:t>MainFrame &gt; </a:t>
-            </a:r>
-            <a:r>
-              <a:rPr lang="ko-KR" altLang="en-US" noProof="1" smtClean="0"/>
-              <a:t>사원관리 </a:t>
-            </a:r>
-            <a:r>
-              <a:rPr lang="en-US" altLang="ko-KR" noProof="1" smtClean="0"/>
-              <a:t>&gt; </a:t>
-            </a:r>
-            <a:r>
-              <a:rPr lang="ko-KR" altLang="en-US" noProof="1" smtClean="0"/>
-              <a:t>사원정보  </a:t>
-            </a:r>
-            <a:r>
-              <a:rPr lang="en-US" altLang="ko-KR" noProof="1" smtClean="0"/>
-              <a:t>&gt; </a:t>
-            </a:r>
-            <a:r>
-              <a:rPr lang="ko-KR" altLang="en-US" noProof="1" smtClean="0"/>
-              <a:t>사원 현황 조회</a:t>
-            </a:r>
-            <a:endParaRPr lang="en-US" altLang="ko-KR" noProof="1"/>
-          </a:p>
-        </p:txBody>
-      </p:sp>
-      <p:sp>
-        <p:nvSpPr>
-          <p:cNvPr id="11" name="TextBox 10"/>
-          <p:cNvSpPr txBox="1"/>
-          <p:nvPr/>
-        </p:nvSpPr>
-        <p:spPr>
-          <a:xfrm>
-            <a:off x="3095625" y="2792537"/>
-            <a:ext cx="3799721" cy="830997"/>
-          </a:xfrm>
-          <a:prstGeom prst="rect">
-            <a:avLst/>
-          </a:prstGeom>
-          <a:noFill/>
-        </p:spPr>
-        <p:txBody>
-          <a:bodyPr wrap="square" rtlCol="0">
-            <a:spAutoFit/>
-          </a:bodyPr>
-          <a:lstStyle/>
-          <a:p>
-            <a:r>
-              <a:rPr lang="ko-KR" altLang="en-US" sz="1600" dirty="0" smtClean="0"/>
-              <a:t>전체 직원 수</a:t>
-            </a:r>
-            <a:r>
-              <a:rPr lang="en-US" altLang="ko-KR" sz="1600" dirty="0" smtClean="0"/>
-              <a:t>/ </a:t>
-            </a:r>
-            <a:r>
-              <a:rPr lang="ko-KR" altLang="en-US" sz="1600" dirty="0" smtClean="0"/>
-              <a:t>부서별 직원 비율</a:t>
-            </a:r>
-            <a:endParaRPr lang="en-US" altLang="ko-KR" sz="1600" dirty="0" smtClean="0"/>
-          </a:p>
-          <a:p>
-            <a:r>
-              <a:rPr lang="en-US" altLang="ko-KR" sz="1600" dirty="0" smtClean="0"/>
-              <a:t>1</a:t>
-            </a:r>
-            <a:r>
-              <a:rPr lang="ko-KR" altLang="en-US" sz="1600" dirty="0" smtClean="0"/>
-              <a:t>인 평균 급여액</a:t>
-            </a:r>
-            <a:endParaRPr lang="en-US" altLang="ko-KR" sz="1600" dirty="0" smtClean="0"/>
-          </a:p>
-          <a:p>
-            <a:r>
-              <a:rPr lang="ko-KR" altLang="en-US" sz="1600" dirty="0" smtClean="0"/>
-              <a:t>보너스 현황</a:t>
-            </a:r>
-            <a:endParaRPr lang="ko-KR" altLang="en-US" sz="1600" dirty="0"/>
-          </a:p>
-        </p:txBody>
-      </p:sp>
     </p:spTree>
     <p:extLst>
       <p:ext uri="{BB962C8B-B14F-4D97-AF65-F5344CB8AC3E}">
-        <p14:creationId xmlns:p14="http://schemas.microsoft.com/office/powerpoint/2010/main" val="2594051761"/>
+        <p14:creationId xmlns:p14="http://schemas.microsoft.com/office/powerpoint/2010/main" val="2114859235"/>
       </p:ext>
     </p:extLst>
   </p:cSld>
@@ -18510,11 +18828,7 @@
           <a:p>
             <a:r>
               <a:rPr lang="en-US" altLang="ko-KR" dirty="0" smtClean="0"/>
-              <a:t>Main- </a:t>
-            </a:r>
-            <a:r>
-              <a:rPr lang="en-US" altLang="ko-KR" dirty="0" smtClean="0"/>
-              <a:t>Login – case1: success</a:t>
+              <a:t>Main- Login – case1: success</a:t>
             </a:r>
             <a:endParaRPr lang="ko-KR" altLang="en-US" dirty="0"/>
           </a:p>
@@ -19234,20 +19548,150 @@
       </p:sp>
       <p:sp>
         <p:nvSpPr>
+          <p:cNvPr id="9" name="직사각형 8"/>
+          <p:cNvSpPr/>
+          <p:nvPr/>
+        </p:nvSpPr>
+        <p:spPr>
+          <a:xfrm>
+            <a:off x="3168073" y="2752436"/>
+            <a:ext cx="2946400" cy="341746"/>
+          </a:xfrm>
+          <a:prstGeom prst="rect">
+            <a:avLst/>
+          </a:prstGeom>
+          <a:solidFill>
+            <a:schemeClr val="bg1"/>
+          </a:solidFill>
+          <a:ln>
+            <a:noFill/>
+          </a:ln>
+        </p:spPr>
+        <p:style>
+          <a:lnRef idx="2">
+            <a:schemeClr val="accent1">
+              <a:shade val="50000"/>
+            </a:schemeClr>
+          </a:lnRef>
+          <a:fillRef idx="1">
+            <a:schemeClr val="accent1"/>
+          </a:fillRef>
+          <a:effectRef idx="0">
+            <a:schemeClr val="accent1"/>
+          </a:effectRef>
+          <a:fontRef idx="minor">
+            <a:schemeClr val="lt1"/>
+          </a:fontRef>
+        </p:style>
+        <p:txBody>
+          <a:bodyPr rtlCol="0" anchor="ctr"/>
+          <a:lstStyle/>
+          <a:p>
+            <a:pPr algn="ctr"/>
+            <a:endParaRPr lang="ko-KR" altLang="en-US"/>
+          </a:p>
+        </p:txBody>
+      </p:sp>
+      <p:sp>
+        <p:nvSpPr>
+          <p:cNvPr id="28" name="직사각형 27"/>
+          <p:cNvSpPr/>
+          <p:nvPr/>
+        </p:nvSpPr>
+        <p:spPr>
+          <a:xfrm>
+            <a:off x="6253014" y="2752436"/>
+            <a:ext cx="2946400" cy="341746"/>
+          </a:xfrm>
+          <a:prstGeom prst="rect">
+            <a:avLst/>
+          </a:prstGeom>
+          <a:solidFill>
+            <a:schemeClr val="bg1"/>
+          </a:solidFill>
+          <a:ln>
+            <a:solidFill>
+              <a:schemeClr val="tx1">
+                <a:lumMod val="50000"/>
+                <a:lumOff val="50000"/>
+              </a:schemeClr>
+            </a:solidFill>
+          </a:ln>
+        </p:spPr>
+        <p:style>
+          <a:lnRef idx="2">
+            <a:schemeClr val="accent1">
+              <a:shade val="50000"/>
+            </a:schemeClr>
+          </a:lnRef>
+          <a:fillRef idx="1">
+            <a:schemeClr val="accent1"/>
+          </a:fillRef>
+          <a:effectRef idx="0">
+            <a:schemeClr val="accent1"/>
+          </a:effectRef>
+          <a:fontRef idx="minor">
+            <a:schemeClr val="lt1"/>
+          </a:fontRef>
+        </p:style>
+        <p:txBody>
+          <a:bodyPr rtlCol="0" anchor="ctr"/>
+          <a:lstStyle/>
+          <a:p>
+            <a:pPr algn="ctr"/>
+            <a:endParaRPr lang="ko-KR" altLang="en-US"/>
+          </a:p>
+        </p:txBody>
+      </p:sp>
+      <p:sp>
+        <p:nvSpPr>
+          <p:cNvPr id="13" name="TextBox 12"/>
+          <p:cNvSpPr txBox="1"/>
+          <p:nvPr/>
+        </p:nvSpPr>
+        <p:spPr>
+          <a:xfrm>
+            <a:off x="4738652" y="2786405"/>
+            <a:ext cx="1484073" cy="307777"/>
+          </a:xfrm>
+          <a:prstGeom prst="rect">
+            <a:avLst/>
+          </a:prstGeom>
+          <a:noFill/>
+        </p:spPr>
+        <p:txBody>
+          <a:bodyPr wrap="square" rtlCol="0">
+            <a:spAutoFit/>
+          </a:bodyPr>
+          <a:lstStyle/>
+          <a:p>
+            <a:r>
+              <a:rPr lang="ko-KR" altLang="en-US" sz="1400" b="1" dirty="0" smtClean="0"/>
+              <a:t>사원 이름 입력</a:t>
+            </a:r>
+            <a:endParaRPr lang="ko-KR" altLang="en-US" sz="1400" b="1" dirty="0"/>
+          </a:p>
+        </p:txBody>
+      </p:sp>
+      <p:sp>
+        <p:nvSpPr>
           <p:cNvPr id="14" name="모서리가 둥근 직사각형 13"/>
           <p:cNvSpPr/>
           <p:nvPr/>
         </p:nvSpPr>
         <p:spPr>
           <a:xfrm>
-            <a:off x="8366863" y="5174098"/>
+            <a:off x="5338030" y="3328069"/>
             <a:ext cx="773477" cy="335840"/>
           </a:xfrm>
           <a:prstGeom prst="roundRect">
             <a:avLst/>
           </a:prstGeom>
           <a:solidFill>
-            <a:schemeClr val="accent4"/>
+            <a:schemeClr val="accent2">
+              <a:lumMod val="20000"/>
+              <a:lumOff val="80000"/>
+            </a:schemeClr>
           </a:solidFill>
           <a:ln>
             <a:solidFill>
@@ -19290,7 +19734,7 @@
         </p:nvSpPr>
         <p:spPr>
           <a:xfrm>
-            <a:off x="8483585" y="5202161"/>
+            <a:off x="5461636" y="3351417"/>
             <a:ext cx="662643" cy="307777"/>
           </a:xfrm>
           <a:prstGeom prst="rect">
@@ -19314,13 +19758,484 @@
       </p:sp>
       <p:sp>
         <p:nvSpPr>
+          <p:cNvPr id="32" name="모서리가 둥근 직사각형 31"/>
+          <p:cNvSpPr/>
+          <p:nvPr/>
+        </p:nvSpPr>
+        <p:spPr>
+          <a:xfrm>
+            <a:off x="6254607" y="3330819"/>
+            <a:ext cx="773477" cy="335840"/>
+          </a:xfrm>
+          <a:prstGeom prst="roundRect">
+            <a:avLst/>
+          </a:prstGeom>
+          <a:solidFill>
+            <a:schemeClr val="accent2">
+              <a:lumMod val="20000"/>
+              <a:lumOff val="80000"/>
+            </a:schemeClr>
+          </a:solidFill>
+          <a:ln>
+            <a:solidFill>
+              <a:schemeClr val="bg2">
+                <a:lumMod val="75000"/>
+              </a:schemeClr>
+            </a:solidFill>
+          </a:ln>
+        </p:spPr>
+        <p:style>
+          <a:lnRef idx="2">
+            <a:schemeClr val="accent1">
+              <a:shade val="50000"/>
+            </a:schemeClr>
+          </a:lnRef>
+          <a:fillRef idx="1">
+            <a:schemeClr val="accent1"/>
+          </a:fillRef>
+          <a:effectRef idx="0">
+            <a:schemeClr val="accent1"/>
+          </a:effectRef>
+          <a:fontRef idx="minor">
+            <a:schemeClr val="lt1"/>
+          </a:fontRef>
+        </p:style>
+        <p:txBody>
+          <a:bodyPr rtlCol="0" anchor="ctr"/>
+          <a:lstStyle/>
+          <a:p>
+            <a:pPr algn="ctr"/>
+            <a:endParaRPr lang="ko-KR" altLang="en-US"/>
+          </a:p>
+        </p:txBody>
+      </p:sp>
+      <p:sp>
+        <p:nvSpPr>
+          <p:cNvPr id="41" name="TextBox 40"/>
+          <p:cNvSpPr txBox="1"/>
+          <p:nvPr/>
+        </p:nvSpPr>
+        <p:spPr>
+          <a:xfrm>
+            <a:off x="6377958" y="3344405"/>
+            <a:ext cx="662643" cy="307777"/>
+          </a:xfrm>
+          <a:prstGeom prst="rect">
+            <a:avLst/>
+          </a:prstGeom>
+          <a:noFill/>
+        </p:spPr>
+        <p:txBody>
+          <a:bodyPr wrap="square" rtlCol="0">
+            <a:spAutoFit/>
+          </a:bodyPr>
+          <a:lstStyle/>
+          <a:p>
+            <a:r>
+              <a:rPr lang="ko-KR" altLang="en-US" sz="1400" dirty="0" smtClean="0"/>
+              <a:t>취소</a:t>
+            </a:r>
+            <a:endParaRPr lang="ko-KR" altLang="en-US" sz="1400" dirty="0"/>
+          </a:p>
+        </p:txBody>
+      </p:sp>
+      <p:sp>
+        <p:nvSpPr>
+          <p:cNvPr id="16" name="직사각형 15"/>
+          <p:cNvSpPr/>
+          <p:nvPr/>
+        </p:nvSpPr>
+        <p:spPr>
+          <a:xfrm>
+            <a:off x="3093720" y="3794760"/>
+            <a:ext cx="6105694" cy="1821180"/>
+          </a:xfrm>
+          <a:prstGeom prst="rect">
+            <a:avLst/>
+          </a:prstGeom>
+          <a:solidFill>
+            <a:schemeClr val="bg1"/>
+          </a:solidFill>
+          <a:ln w="3175">
+            <a:solidFill>
+              <a:schemeClr val="bg2">
+                <a:lumMod val="90000"/>
+              </a:schemeClr>
+            </a:solidFill>
+          </a:ln>
+        </p:spPr>
+        <p:style>
+          <a:lnRef idx="2">
+            <a:schemeClr val="accent1">
+              <a:shade val="50000"/>
+            </a:schemeClr>
+          </a:lnRef>
+          <a:fillRef idx="1">
+            <a:schemeClr val="accent1"/>
+          </a:fillRef>
+          <a:effectRef idx="0">
+            <a:schemeClr val="accent1"/>
+          </a:effectRef>
+          <a:fontRef idx="minor">
+            <a:schemeClr val="lt1"/>
+          </a:fontRef>
+        </p:style>
+        <p:txBody>
+          <a:bodyPr rtlCol="0" anchor="ctr"/>
+          <a:lstStyle/>
+          <a:p>
+            <a:pPr algn="ctr"/>
+            <a:endParaRPr lang="ko-KR" altLang="en-US" dirty="0"/>
+          </a:p>
+        </p:txBody>
+      </p:sp>
+      <p:sp>
+        <p:nvSpPr>
+          <p:cNvPr id="18" name="직사각형 17"/>
+          <p:cNvSpPr/>
+          <p:nvPr/>
+        </p:nvSpPr>
+        <p:spPr>
+          <a:xfrm>
+            <a:off x="3093720" y="3794760"/>
+            <a:ext cx="6105694" cy="228600"/>
+          </a:xfrm>
+          <a:prstGeom prst="rect">
+            <a:avLst/>
+          </a:prstGeom>
+          <a:solidFill>
+            <a:schemeClr val="accent4">
+              <a:lumMod val="20000"/>
+              <a:lumOff val="80000"/>
+            </a:schemeClr>
+          </a:solidFill>
+          <a:ln w="3175">
+            <a:solidFill>
+              <a:schemeClr val="bg2">
+                <a:lumMod val="90000"/>
+              </a:schemeClr>
+            </a:solidFill>
+          </a:ln>
+        </p:spPr>
+        <p:style>
+          <a:lnRef idx="2">
+            <a:schemeClr val="accent1">
+              <a:shade val="50000"/>
+            </a:schemeClr>
+          </a:lnRef>
+          <a:fillRef idx="1">
+            <a:schemeClr val="accent1"/>
+          </a:fillRef>
+          <a:effectRef idx="0">
+            <a:schemeClr val="accent1"/>
+          </a:effectRef>
+          <a:fontRef idx="minor">
+            <a:schemeClr val="lt1"/>
+          </a:fontRef>
+        </p:style>
+        <p:txBody>
+          <a:bodyPr rtlCol="0" anchor="ctr"/>
+          <a:lstStyle/>
+          <a:p>
+            <a:pPr algn="ctr"/>
+            <a:endParaRPr lang="ko-KR" altLang="en-US"/>
+          </a:p>
+        </p:txBody>
+      </p:sp>
+      <p:sp>
+        <p:nvSpPr>
+          <p:cNvPr id="19" name="TextBox 18"/>
+          <p:cNvSpPr txBox="1"/>
+          <p:nvPr/>
+        </p:nvSpPr>
+        <p:spPr>
+          <a:xfrm>
+            <a:off x="3093720" y="3794760"/>
+            <a:ext cx="6050280" cy="276999"/>
+          </a:xfrm>
+          <a:prstGeom prst="rect">
+            <a:avLst/>
+          </a:prstGeom>
+          <a:noFill/>
+        </p:spPr>
+        <p:txBody>
+          <a:bodyPr wrap="square" rtlCol="0">
+            <a:spAutoFit/>
+          </a:bodyPr>
+          <a:lstStyle/>
+          <a:p>
+            <a:r>
+              <a:rPr lang="ko-KR" altLang="en-US" sz="1200" dirty="0" smtClean="0"/>
+              <a:t>  </a:t>
+            </a:r>
+            <a:r>
+              <a:rPr lang="ko-KR" altLang="en-US" sz="1200" dirty="0" smtClean="0"/>
+              <a:t>      사원코드                 사원이름                    직책                     </a:t>
+            </a:r>
+            <a:r>
+              <a:rPr lang="ko-KR" altLang="en-US" sz="1200" dirty="0" smtClean="0"/>
+              <a:t>권한</a:t>
+            </a:r>
+            <a:endParaRPr lang="ko-KR" altLang="en-US" sz="1200" dirty="0"/>
+          </a:p>
+        </p:txBody>
+      </p:sp>
+      <p:sp>
+        <p:nvSpPr>
+          <p:cNvPr id="27" name="직사각형 26"/>
+          <p:cNvSpPr/>
+          <p:nvPr/>
+        </p:nvSpPr>
+        <p:spPr>
+          <a:xfrm>
+            <a:off x="9044940" y="4023360"/>
+            <a:ext cx="144780" cy="1592580"/>
+          </a:xfrm>
+          <a:prstGeom prst="rect">
+            <a:avLst/>
+          </a:prstGeom>
+          <a:solidFill>
+            <a:schemeClr val="accent4">
+              <a:lumMod val="20000"/>
+              <a:lumOff val="80000"/>
+            </a:schemeClr>
+          </a:solidFill>
+          <a:ln w="6350">
+            <a:solidFill>
+              <a:schemeClr val="bg2"/>
+            </a:solidFill>
+          </a:ln>
+        </p:spPr>
+        <p:style>
+          <a:lnRef idx="2">
+            <a:schemeClr val="accent1">
+              <a:shade val="50000"/>
+            </a:schemeClr>
+          </a:lnRef>
+          <a:fillRef idx="1">
+            <a:schemeClr val="accent1"/>
+          </a:fillRef>
+          <a:effectRef idx="0">
+            <a:schemeClr val="accent1"/>
+          </a:effectRef>
+          <a:fontRef idx="minor">
+            <a:schemeClr val="lt1"/>
+          </a:fontRef>
+        </p:style>
+        <p:txBody>
+          <a:bodyPr rtlCol="0" anchor="ctr"/>
+          <a:lstStyle/>
+          <a:p>
+            <a:pPr algn="ctr"/>
+            <a:endParaRPr lang="ko-KR" altLang="en-US"/>
+          </a:p>
+        </p:txBody>
+      </p:sp>
+      <p:pic>
+        <p:nvPicPr>
+          <p:cNvPr id="29" name="그림 28"/>
+          <p:cNvPicPr>
+            <a:picLocks noChangeAspect="1"/>
+          </p:cNvPicPr>
+          <p:nvPr/>
+        </p:nvPicPr>
+        <p:blipFill>
+          <a:blip r:embed="rId3"/>
+          <a:stretch>
+            <a:fillRect/>
+          </a:stretch>
+        </p:blipFill>
+        <p:spPr>
+          <a:xfrm>
+            <a:off x="9052972" y="4033901"/>
+            <a:ext cx="133369" cy="161948"/>
+          </a:xfrm>
+          <a:prstGeom prst="rect">
+            <a:avLst/>
+          </a:prstGeom>
+        </p:spPr>
+      </p:pic>
+      <p:pic>
+        <p:nvPicPr>
+          <p:cNvPr id="30" name="그림 29"/>
+          <p:cNvPicPr>
+            <a:picLocks noChangeAspect="1"/>
+          </p:cNvPicPr>
+          <p:nvPr/>
+        </p:nvPicPr>
+        <p:blipFill>
+          <a:blip r:embed="rId4"/>
+          <a:stretch>
+            <a:fillRect/>
+          </a:stretch>
+        </p:blipFill>
+        <p:spPr>
+          <a:xfrm>
+            <a:off x="9050236" y="5439767"/>
+            <a:ext cx="142895" cy="171474"/>
+          </a:xfrm>
+          <a:prstGeom prst="rect">
+            <a:avLst/>
+          </a:prstGeom>
+        </p:spPr>
+      </p:pic>
+      <p:cxnSp>
+        <p:nvCxnSpPr>
+          <p:cNvPr id="47" name="직선 연결선 46"/>
+          <p:cNvCxnSpPr/>
+          <p:nvPr/>
+        </p:nvCxnSpPr>
+        <p:spPr>
+          <a:xfrm>
+            <a:off x="4706324" y="3799459"/>
+            <a:ext cx="7144" cy="1816481"/>
+          </a:xfrm>
+          <a:prstGeom prst="line">
+            <a:avLst/>
+          </a:prstGeom>
+          <a:ln w="3175">
+            <a:solidFill>
+              <a:schemeClr val="bg2">
+                <a:lumMod val="90000"/>
+              </a:schemeClr>
+            </a:solidFill>
+          </a:ln>
+        </p:spPr>
+        <p:style>
+          <a:lnRef idx="1">
+            <a:schemeClr val="accent1"/>
+          </a:lnRef>
+          <a:fillRef idx="0">
+            <a:schemeClr val="accent1"/>
+          </a:fillRef>
+          <a:effectRef idx="0">
+            <a:schemeClr val="accent1"/>
+          </a:effectRef>
+          <a:fontRef idx="minor">
+            <a:schemeClr val="tx1"/>
+          </a:fontRef>
+        </p:style>
+      </p:cxnSp>
+      <p:cxnSp>
+        <p:nvCxnSpPr>
+          <p:cNvPr id="48" name="직선 연결선 47"/>
+          <p:cNvCxnSpPr/>
+          <p:nvPr/>
+        </p:nvCxnSpPr>
+        <p:spPr>
+          <a:xfrm>
+            <a:off x="6318928" y="3796537"/>
+            <a:ext cx="7144" cy="1816481"/>
+          </a:xfrm>
+          <a:prstGeom prst="line">
+            <a:avLst/>
+          </a:prstGeom>
+          <a:ln w="3175">
+            <a:solidFill>
+              <a:schemeClr val="bg2">
+                <a:lumMod val="90000"/>
+              </a:schemeClr>
+            </a:solidFill>
+          </a:ln>
+        </p:spPr>
+        <p:style>
+          <a:lnRef idx="1">
+            <a:schemeClr val="accent1"/>
+          </a:lnRef>
+          <a:fillRef idx="0">
+            <a:schemeClr val="accent1"/>
+          </a:fillRef>
+          <a:effectRef idx="0">
+            <a:schemeClr val="accent1"/>
+          </a:effectRef>
+          <a:fontRef idx="minor">
+            <a:schemeClr val="tx1"/>
+          </a:fontRef>
+        </p:style>
+      </p:cxnSp>
+      <p:cxnSp>
+        <p:nvCxnSpPr>
+          <p:cNvPr id="51" name="직선 연결선 50"/>
+          <p:cNvCxnSpPr/>
+          <p:nvPr/>
+        </p:nvCxnSpPr>
+        <p:spPr>
+          <a:xfrm>
+            <a:off x="7726214" y="3784982"/>
+            <a:ext cx="7144" cy="1816481"/>
+          </a:xfrm>
+          <a:prstGeom prst="line">
+            <a:avLst/>
+          </a:prstGeom>
+          <a:ln w="3175">
+            <a:solidFill>
+              <a:schemeClr val="bg2">
+                <a:lumMod val="90000"/>
+              </a:schemeClr>
+            </a:solidFill>
+          </a:ln>
+        </p:spPr>
+        <p:style>
+          <a:lnRef idx="1">
+            <a:schemeClr val="accent1"/>
+          </a:lnRef>
+          <a:fillRef idx="0">
+            <a:schemeClr val="accent1"/>
+          </a:fillRef>
+          <a:effectRef idx="0">
+            <a:schemeClr val="accent1"/>
+          </a:effectRef>
+          <a:fontRef idx="minor">
+            <a:schemeClr val="tx1"/>
+          </a:fontRef>
+        </p:style>
+      </p:cxnSp>
+      <p:cxnSp>
+        <p:nvCxnSpPr>
+          <p:cNvPr id="52" name="직선 연결선 51"/>
+          <p:cNvCxnSpPr/>
+          <p:nvPr/>
+        </p:nvCxnSpPr>
+        <p:spPr>
+          <a:xfrm>
+            <a:off x="9035246" y="3792007"/>
+            <a:ext cx="7144" cy="1816481"/>
+          </a:xfrm>
+          <a:prstGeom prst="line">
+            <a:avLst/>
+          </a:prstGeom>
+          <a:ln w="3175">
+            <a:solidFill>
+              <a:schemeClr val="bg2">
+                <a:lumMod val="90000"/>
+              </a:schemeClr>
+            </a:solidFill>
+          </a:ln>
+        </p:spPr>
+        <p:style>
+          <a:lnRef idx="1">
+            <a:schemeClr val="accent1"/>
+          </a:lnRef>
+          <a:fillRef idx="0">
+            <a:schemeClr val="accent1"/>
+          </a:fillRef>
+          <a:effectRef idx="0">
+            <a:schemeClr val="accent1"/>
+          </a:effectRef>
+          <a:fontRef idx="minor">
+            <a:schemeClr val="tx1"/>
+          </a:fontRef>
+        </p:style>
+      </p:cxnSp>
+      <p:sp>
+        <p:nvSpPr>
           <p:cNvPr id="35" name="TextBox 34"/>
           <p:cNvSpPr txBox="1"/>
           <p:nvPr/>
         </p:nvSpPr>
         <p:spPr>
           <a:xfrm>
-            <a:off x="985395" y="467556"/>
+            <a:off x="985395" y="458031"/>
             <a:ext cx="8478645" cy="369332"/>
           </a:xfrm>
           <a:prstGeom prst="rect">
@@ -19352,104 +20267,16 @@
             </a:r>
             <a:r>
               <a:rPr lang="ko-KR" altLang="en-US" noProof="1" smtClean="0"/>
-              <a:t>사원정보  </a:t>
-            </a:r>
-            <a:r>
-              <a:rPr lang="en-US" altLang="ko-KR" noProof="1" smtClean="0"/>
-              <a:t>&gt; </a:t>
-            </a:r>
-            <a:r>
-              <a:rPr lang="ko-KR" altLang="en-US" noProof="1" smtClean="0"/>
-              <a:t>사원 현황 조회  </a:t>
-            </a:r>
-            <a:r>
-              <a:rPr lang="en-US" altLang="ko-KR" noProof="1" smtClean="0"/>
-              <a:t>&gt;  </a:t>
-            </a:r>
-            <a:r>
-              <a:rPr lang="ko-KR" altLang="en-US" noProof="1" smtClean="0"/>
-              <a:t>조회</a:t>
+              <a:t>사원권한</a:t>
             </a:r>
             <a:endParaRPr lang="en-US" altLang="ko-KR" noProof="1"/>
-          </a:p>
-        </p:txBody>
-      </p:sp>
-      <p:sp>
-        <p:nvSpPr>
-          <p:cNvPr id="11" name="TextBox 10"/>
-          <p:cNvSpPr txBox="1"/>
-          <p:nvPr/>
-        </p:nvSpPr>
-        <p:spPr>
-          <a:xfrm>
-            <a:off x="3095625" y="2792537"/>
-            <a:ext cx="3799721" cy="830997"/>
-          </a:xfrm>
-          <a:prstGeom prst="rect">
-            <a:avLst/>
-          </a:prstGeom>
-          <a:noFill/>
-        </p:spPr>
-        <p:txBody>
-          <a:bodyPr wrap="square" rtlCol="0">
-            <a:spAutoFit/>
-          </a:bodyPr>
-          <a:lstStyle/>
-          <a:p>
-            <a:r>
-              <a:rPr lang="ko-KR" altLang="en-US" sz="1600" b="1" dirty="0" smtClean="0">
-                <a:solidFill>
-                  <a:schemeClr val="accent4"/>
-                </a:solidFill>
-              </a:rPr>
-              <a:t>전체 직원 수</a:t>
-            </a:r>
-            <a:r>
-              <a:rPr lang="en-US" altLang="ko-KR" sz="1600" b="1" dirty="0" smtClean="0">
-                <a:solidFill>
-                  <a:schemeClr val="accent4"/>
-                </a:solidFill>
-              </a:rPr>
-              <a:t>/ </a:t>
-            </a:r>
-            <a:r>
-              <a:rPr lang="ko-KR" altLang="en-US" sz="1600" b="1" dirty="0" smtClean="0">
-                <a:solidFill>
-                  <a:schemeClr val="accent4"/>
-                </a:solidFill>
-              </a:rPr>
-              <a:t>부서별 직원 비율</a:t>
-            </a:r>
-            <a:endParaRPr lang="en-US" altLang="ko-KR" sz="1600" b="1" dirty="0" smtClean="0">
-              <a:solidFill>
-                <a:schemeClr val="accent4"/>
-              </a:solidFill>
-            </a:endParaRPr>
-          </a:p>
-          <a:p>
-            <a:r>
-              <a:rPr lang="en-US" altLang="ko-KR" sz="1600" dirty="0" smtClean="0"/>
-              <a:t>1</a:t>
-            </a:r>
-            <a:r>
-              <a:rPr lang="ko-KR" altLang="en-US" sz="1600" dirty="0" smtClean="0"/>
-              <a:t>인 평균 급여액</a:t>
-            </a:r>
-            <a:endParaRPr lang="en-US" altLang="ko-KR" sz="1600" dirty="0" smtClean="0"/>
-          </a:p>
-          <a:p>
-            <a:r>
-              <a:rPr lang="ko-KR" altLang="en-US" sz="1600" dirty="0" smtClean="0"/>
-              <a:t>보너스 현황</a:t>
-            </a:r>
-            <a:endParaRPr lang="ko-KR" altLang="en-US" sz="1600" dirty="0"/>
           </a:p>
         </p:txBody>
       </p:sp>
     </p:spTree>
     <p:extLst>
       <p:ext uri="{BB962C8B-B14F-4D97-AF65-F5344CB8AC3E}">
-        <p14:creationId xmlns:p14="http://schemas.microsoft.com/office/powerpoint/2010/main" val="110943254"/>
+        <p14:creationId xmlns:p14="http://schemas.microsoft.com/office/powerpoint/2010/main" val="922239618"/>
       </p:ext>
     </p:extLst>
   </p:cSld>
@@ -19832,6 +20659,2354 @@
       </p:sp>
       <p:sp>
         <p:nvSpPr>
+          <p:cNvPr id="9" name="직사각형 8"/>
+          <p:cNvSpPr/>
+          <p:nvPr/>
+        </p:nvSpPr>
+        <p:spPr>
+          <a:xfrm>
+            <a:off x="3168073" y="2752436"/>
+            <a:ext cx="2946400" cy="341746"/>
+          </a:xfrm>
+          <a:prstGeom prst="rect">
+            <a:avLst/>
+          </a:prstGeom>
+          <a:solidFill>
+            <a:schemeClr val="bg1"/>
+          </a:solidFill>
+          <a:ln>
+            <a:noFill/>
+          </a:ln>
+        </p:spPr>
+        <p:style>
+          <a:lnRef idx="2">
+            <a:schemeClr val="accent1">
+              <a:shade val="50000"/>
+            </a:schemeClr>
+          </a:lnRef>
+          <a:fillRef idx="1">
+            <a:schemeClr val="accent1"/>
+          </a:fillRef>
+          <a:effectRef idx="0">
+            <a:schemeClr val="accent1"/>
+          </a:effectRef>
+          <a:fontRef idx="minor">
+            <a:schemeClr val="lt1"/>
+          </a:fontRef>
+        </p:style>
+        <p:txBody>
+          <a:bodyPr rtlCol="0" anchor="ctr"/>
+          <a:lstStyle/>
+          <a:p>
+            <a:pPr algn="ctr"/>
+            <a:endParaRPr lang="ko-KR" altLang="en-US"/>
+          </a:p>
+        </p:txBody>
+      </p:sp>
+      <p:sp>
+        <p:nvSpPr>
+          <p:cNvPr id="28" name="직사각형 27"/>
+          <p:cNvSpPr/>
+          <p:nvPr/>
+        </p:nvSpPr>
+        <p:spPr>
+          <a:xfrm>
+            <a:off x="6253014" y="2752436"/>
+            <a:ext cx="2946400" cy="341746"/>
+          </a:xfrm>
+          <a:prstGeom prst="rect">
+            <a:avLst/>
+          </a:prstGeom>
+          <a:solidFill>
+            <a:schemeClr val="bg1"/>
+          </a:solidFill>
+          <a:ln>
+            <a:solidFill>
+              <a:schemeClr val="tx1">
+                <a:lumMod val="50000"/>
+                <a:lumOff val="50000"/>
+              </a:schemeClr>
+            </a:solidFill>
+          </a:ln>
+        </p:spPr>
+        <p:style>
+          <a:lnRef idx="2">
+            <a:schemeClr val="accent1">
+              <a:shade val="50000"/>
+            </a:schemeClr>
+          </a:lnRef>
+          <a:fillRef idx="1">
+            <a:schemeClr val="accent1"/>
+          </a:fillRef>
+          <a:effectRef idx="0">
+            <a:schemeClr val="accent1"/>
+          </a:effectRef>
+          <a:fontRef idx="minor">
+            <a:schemeClr val="lt1"/>
+          </a:fontRef>
+        </p:style>
+        <p:txBody>
+          <a:bodyPr rtlCol="0" anchor="ctr"/>
+          <a:lstStyle/>
+          <a:p>
+            <a:pPr algn="ctr"/>
+            <a:endParaRPr lang="ko-KR" altLang="en-US"/>
+          </a:p>
+        </p:txBody>
+      </p:sp>
+      <p:sp>
+        <p:nvSpPr>
+          <p:cNvPr id="13" name="TextBox 12"/>
+          <p:cNvSpPr txBox="1"/>
+          <p:nvPr/>
+        </p:nvSpPr>
+        <p:spPr>
+          <a:xfrm>
+            <a:off x="4738652" y="2786405"/>
+            <a:ext cx="1484073" cy="307777"/>
+          </a:xfrm>
+          <a:prstGeom prst="rect">
+            <a:avLst/>
+          </a:prstGeom>
+          <a:noFill/>
+        </p:spPr>
+        <p:txBody>
+          <a:bodyPr wrap="square" rtlCol="0">
+            <a:spAutoFit/>
+          </a:bodyPr>
+          <a:lstStyle/>
+          <a:p>
+            <a:r>
+              <a:rPr lang="ko-KR" altLang="en-US" sz="1400" b="1" dirty="0" smtClean="0"/>
+              <a:t>사원 이름 입력</a:t>
+            </a:r>
+            <a:endParaRPr lang="ko-KR" altLang="en-US" sz="1400" b="1" dirty="0"/>
+          </a:p>
+        </p:txBody>
+      </p:sp>
+      <p:sp>
+        <p:nvSpPr>
+          <p:cNvPr id="14" name="모서리가 둥근 직사각형 13"/>
+          <p:cNvSpPr/>
+          <p:nvPr/>
+        </p:nvSpPr>
+        <p:spPr>
+          <a:xfrm>
+            <a:off x="5338030" y="3328069"/>
+            <a:ext cx="773477" cy="335840"/>
+          </a:xfrm>
+          <a:prstGeom prst="roundRect">
+            <a:avLst/>
+          </a:prstGeom>
+          <a:solidFill>
+            <a:schemeClr val="accent4"/>
+          </a:solidFill>
+          <a:ln>
+            <a:solidFill>
+              <a:schemeClr val="bg2">
+                <a:lumMod val="75000"/>
+              </a:schemeClr>
+            </a:solidFill>
+          </a:ln>
+        </p:spPr>
+        <p:style>
+          <a:lnRef idx="2">
+            <a:schemeClr val="accent1">
+              <a:shade val="50000"/>
+            </a:schemeClr>
+          </a:lnRef>
+          <a:fillRef idx="1">
+            <a:schemeClr val="accent1"/>
+          </a:fillRef>
+          <a:effectRef idx="0">
+            <a:schemeClr val="accent1"/>
+          </a:effectRef>
+          <a:fontRef idx="minor">
+            <a:schemeClr val="lt1"/>
+          </a:fontRef>
+        </p:style>
+        <p:txBody>
+          <a:bodyPr rtlCol="0" anchor="ctr"/>
+          <a:lstStyle/>
+          <a:p>
+            <a:pPr algn="ctr"/>
+            <a:endParaRPr lang="ko-KR" altLang="en-US"/>
+          </a:p>
+        </p:txBody>
+      </p:sp>
+      <p:sp>
+        <p:nvSpPr>
+          <p:cNvPr id="15" name="TextBox 14"/>
+          <p:cNvSpPr txBox="1"/>
+          <p:nvPr/>
+        </p:nvSpPr>
+        <p:spPr>
+          <a:xfrm>
+            <a:off x="5461636" y="3351417"/>
+            <a:ext cx="662643" cy="307777"/>
+          </a:xfrm>
+          <a:prstGeom prst="rect">
+            <a:avLst/>
+          </a:prstGeom>
+          <a:noFill/>
+        </p:spPr>
+        <p:txBody>
+          <a:bodyPr wrap="square" rtlCol="0">
+            <a:spAutoFit/>
+          </a:bodyPr>
+          <a:lstStyle/>
+          <a:p>
+            <a:r>
+              <a:rPr lang="ko-KR" altLang="en-US" sz="1400" dirty="0" smtClean="0"/>
+              <a:t>조회</a:t>
+            </a:r>
+            <a:endParaRPr lang="ko-KR" altLang="en-US" sz="1400" dirty="0"/>
+          </a:p>
+        </p:txBody>
+      </p:sp>
+      <p:sp>
+        <p:nvSpPr>
+          <p:cNvPr id="32" name="모서리가 둥근 직사각형 31"/>
+          <p:cNvSpPr/>
+          <p:nvPr/>
+        </p:nvSpPr>
+        <p:spPr>
+          <a:xfrm>
+            <a:off x="6254607" y="3330819"/>
+            <a:ext cx="773477" cy="335840"/>
+          </a:xfrm>
+          <a:prstGeom prst="roundRect">
+            <a:avLst/>
+          </a:prstGeom>
+          <a:solidFill>
+            <a:schemeClr val="accent2">
+              <a:lumMod val="20000"/>
+              <a:lumOff val="80000"/>
+            </a:schemeClr>
+          </a:solidFill>
+          <a:ln>
+            <a:solidFill>
+              <a:schemeClr val="bg2">
+                <a:lumMod val="75000"/>
+              </a:schemeClr>
+            </a:solidFill>
+          </a:ln>
+        </p:spPr>
+        <p:style>
+          <a:lnRef idx="2">
+            <a:schemeClr val="accent1">
+              <a:shade val="50000"/>
+            </a:schemeClr>
+          </a:lnRef>
+          <a:fillRef idx="1">
+            <a:schemeClr val="accent1"/>
+          </a:fillRef>
+          <a:effectRef idx="0">
+            <a:schemeClr val="accent1"/>
+          </a:effectRef>
+          <a:fontRef idx="minor">
+            <a:schemeClr val="lt1"/>
+          </a:fontRef>
+        </p:style>
+        <p:txBody>
+          <a:bodyPr rtlCol="0" anchor="ctr"/>
+          <a:lstStyle/>
+          <a:p>
+            <a:pPr algn="ctr"/>
+            <a:endParaRPr lang="ko-KR" altLang="en-US"/>
+          </a:p>
+        </p:txBody>
+      </p:sp>
+      <p:sp>
+        <p:nvSpPr>
+          <p:cNvPr id="41" name="TextBox 40"/>
+          <p:cNvSpPr txBox="1"/>
+          <p:nvPr/>
+        </p:nvSpPr>
+        <p:spPr>
+          <a:xfrm>
+            <a:off x="6377958" y="3344405"/>
+            <a:ext cx="662643" cy="307777"/>
+          </a:xfrm>
+          <a:prstGeom prst="rect">
+            <a:avLst/>
+          </a:prstGeom>
+          <a:noFill/>
+        </p:spPr>
+        <p:txBody>
+          <a:bodyPr wrap="square" rtlCol="0">
+            <a:spAutoFit/>
+          </a:bodyPr>
+          <a:lstStyle/>
+          <a:p>
+            <a:r>
+              <a:rPr lang="ko-KR" altLang="en-US" sz="1400" dirty="0" smtClean="0"/>
+              <a:t>취소</a:t>
+            </a:r>
+            <a:endParaRPr lang="ko-KR" altLang="en-US" sz="1400" dirty="0"/>
+          </a:p>
+        </p:txBody>
+      </p:sp>
+      <p:sp>
+        <p:nvSpPr>
+          <p:cNvPr id="16" name="직사각형 15"/>
+          <p:cNvSpPr/>
+          <p:nvPr/>
+        </p:nvSpPr>
+        <p:spPr>
+          <a:xfrm>
+            <a:off x="3093720" y="3794760"/>
+            <a:ext cx="6105694" cy="1821180"/>
+          </a:xfrm>
+          <a:prstGeom prst="rect">
+            <a:avLst/>
+          </a:prstGeom>
+          <a:solidFill>
+            <a:schemeClr val="bg1"/>
+          </a:solidFill>
+          <a:ln w="3175">
+            <a:solidFill>
+              <a:schemeClr val="bg2">
+                <a:lumMod val="90000"/>
+              </a:schemeClr>
+            </a:solidFill>
+          </a:ln>
+        </p:spPr>
+        <p:style>
+          <a:lnRef idx="2">
+            <a:schemeClr val="accent1">
+              <a:shade val="50000"/>
+            </a:schemeClr>
+          </a:lnRef>
+          <a:fillRef idx="1">
+            <a:schemeClr val="accent1"/>
+          </a:fillRef>
+          <a:effectRef idx="0">
+            <a:schemeClr val="accent1"/>
+          </a:effectRef>
+          <a:fontRef idx="minor">
+            <a:schemeClr val="lt1"/>
+          </a:fontRef>
+        </p:style>
+        <p:txBody>
+          <a:bodyPr rtlCol="0" anchor="ctr"/>
+          <a:lstStyle/>
+          <a:p>
+            <a:pPr algn="ctr"/>
+            <a:endParaRPr lang="ko-KR" altLang="en-US" dirty="0"/>
+          </a:p>
+        </p:txBody>
+      </p:sp>
+      <p:sp>
+        <p:nvSpPr>
+          <p:cNvPr id="18" name="직사각형 17"/>
+          <p:cNvSpPr/>
+          <p:nvPr/>
+        </p:nvSpPr>
+        <p:spPr>
+          <a:xfrm>
+            <a:off x="3093720" y="3794760"/>
+            <a:ext cx="6105694" cy="228600"/>
+          </a:xfrm>
+          <a:prstGeom prst="rect">
+            <a:avLst/>
+          </a:prstGeom>
+          <a:solidFill>
+            <a:schemeClr val="accent4">
+              <a:lumMod val="20000"/>
+              <a:lumOff val="80000"/>
+            </a:schemeClr>
+          </a:solidFill>
+          <a:ln w="3175">
+            <a:solidFill>
+              <a:schemeClr val="bg2">
+                <a:lumMod val="90000"/>
+              </a:schemeClr>
+            </a:solidFill>
+          </a:ln>
+        </p:spPr>
+        <p:style>
+          <a:lnRef idx="2">
+            <a:schemeClr val="accent1">
+              <a:shade val="50000"/>
+            </a:schemeClr>
+          </a:lnRef>
+          <a:fillRef idx="1">
+            <a:schemeClr val="accent1"/>
+          </a:fillRef>
+          <a:effectRef idx="0">
+            <a:schemeClr val="accent1"/>
+          </a:effectRef>
+          <a:fontRef idx="minor">
+            <a:schemeClr val="lt1"/>
+          </a:fontRef>
+        </p:style>
+        <p:txBody>
+          <a:bodyPr rtlCol="0" anchor="ctr"/>
+          <a:lstStyle/>
+          <a:p>
+            <a:pPr algn="ctr"/>
+            <a:endParaRPr lang="ko-KR" altLang="en-US"/>
+          </a:p>
+        </p:txBody>
+      </p:sp>
+      <p:sp>
+        <p:nvSpPr>
+          <p:cNvPr id="19" name="TextBox 18"/>
+          <p:cNvSpPr txBox="1"/>
+          <p:nvPr/>
+        </p:nvSpPr>
+        <p:spPr>
+          <a:xfrm>
+            <a:off x="3093720" y="3794760"/>
+            <a:ext cx="6050280" cy="276999"/>
+          </a:xfrm>
+          <a:prstGeom prst="rect">
+            <a:avLst/>
+          </a:prstGeom>
+          <a:noFill/>
+        </p:spPr>
+        <p:txBody>
+          <a:bodyPr wrap="square" rtlCol="0">
+            <a:spAutoFit/>
+          </a:bodyPr>
+          <a:lstStyle/>
+          <a:p>
+            <a:r>
+              <a:rPr lang="ko-KR" altLang="en-US" sz="1200" dirty="0" smtClean="0"/>
+              <a:t>  </a:t>
+            </a:r>
+            <a:r>
+              <a:rPr lang="ko-KR" altLang="en-US" sz="1200" dirty="0" smtClean="0"/>
+              <a:t>      사원코드                 사원이름                    직책                     </a:t>
+            </a:r>
+            <a:r>
+              <a:rPr lang="ko-KR" altLang="en-US" sz="1200" dirty="0" smtClean="0"/>
+              <a:t>권한</a:t>
+            </a:r>
+            <a:endParaRPr lang="ko-KR" altLang="en-US" sz="1200" dirty="0"/>
+          </a:p>
+        </p:txBody>
+      </p:sp>
+      <p:sp>
+        <p:nvSpPr>
+          <p:cNvPr id="27" name="직사각형 26"/>
+          <p:cNvSpPr/>
+          <p:nvPr/>
+        </p:nvSpPr>
+        <p:spPr>
+          <a:xfrm>
+            <a:off x="9044940" y="4023360"/>
+            <a:ext cx="144780" cy="1592580"/>
+          </a:xfrm>
+          <a:prstGeom prst="rect">
+            <a:avLst/>
+          </a:prstGeom>
+          <a:solidFill>
+            <a:schemeClr val="accent4">
+              <a:lumMod val="20000"/>
+              <a:lumOff val="80000"/>
+            </a:schemeClr>
+          </a:solidFill>
+          <a:ln w="6350">
+            <a:solidFill>
+              <a:schemeClr val="bg2"/>
+            </a:solidFill>
+          </a:ln>
+        </p:spPr>
+        <p:style>
+          <a:lnRef idx="2">
+            <a:schemeClr val="accent1">
+              <a:shade val="50000"/>
+            </a:schemeClr>
+          </a:lnRef>
+          <a:fillRef idx="1">
+            <a:schemeClr val="accent1"/>
+          </a:fillRef>
+          <a:effectRef idx="0">
+            <a:schemeClr val="accent1"/>
+          </a:effectRef>
+          <a:fontRef idx="minor">
+            <a:schemeClr val="lt1"/>
+          </a:fontRef>
+        </p:style>
+        <p:txBody>
+          <a:bodyPr rtlCol="0" anchor="ctr"/>
+          <a:lstStyle/>
+          <a:p>
+            <a:pPr algn="ctr"/>
+            <a:endParaRPr lang="ko-KR" altLang="en-US"/>
+          </a:p>
+        </p:txBody>
+      </p:sp>
+      <p:pic>
+        <p:nvPicPr>
+          <p:cNvPr id="29" name="그림 28"/>
+          <p:cNvPicPr>
+            <a:picLocks noChangeAspect="1"/>
+          </p:cNvPicPr>
+          <p:nvPr/>
+        </p:nvPicPr>
+        <p:blipFill>
+          <a:blip r:embed="rId3"/>
+          <a:stretch>
+            <a:fillRect/>
+          </a:stretch>
+        </p:blipFill>
+        <p:spPr>
+          <a:xfrm>
+            <a:off x="9052972" y="4033901"/>
+            <a:ext cx="133369" cy="161948"/>
+          </a:xfrm>
+          <a:prstGeom prst="rect">
+            <a:avLst/>
+          </a:prstGeom>
+        </p:spPr>
+      </p:pic>
+      <p:pic>
+        <p:nvPicPr>
+          <p:cNvPr id="30" name="그림 29"/>
+          <p:cNvPicPr>
+            <a:picLocks noChangeAspect="1"/>
+          </p:cNvPicPr>
+          <p:nvPr/>
+        </p:nvPicPr>
+        <p:blipFill>
+          <a:blip r:embed="rId4"/>
+          <a:stretch>
+            <a:fillRect/>
+          </a:stretch>
+        </p:blipFill>
+        <p:spPr>
+          <a:xfrm>
+            <a:off x="9050236" y="5439767"/>
+            <a:ext cx="142895" cy="171474"/>
+          </a:xfrm>
+          <a:prstGeom prst="rect">
+            <a:avLst/>
+          </a:prstGeom>
+        </p:spPr>
+      </p:pic>
+      <p:cxnSp>
+        <p:nvCxnSpPr>
+          <p:cNvPr id="47" name="직선 연결선 46"/>
+          <p:cNvCxnSpPr/>
+          <p:nvPr/>
+        </p:nvCxnSpPr>
+        <p:spPr>
+          <a:xfrm>
+            <a:off x="4706324" y="3799459"/>
+            <a:ext cx="7144" cy="1816481"/>
+          </a:xfrm>
+          <a:prstGeom prst="line">
+            <a:avLst/>
+          </a:prstGeom>
+          <a:ln w="3175">
+            <a:solidFill>
+              <a:schemeClr val="bg2">
+                <a:lumMod val="90000"/>
+              </a:schemeClr>
+            </a:solidFill>
+          </a:ln>
+        </p:spPr>
+        <p:style>
+          <a:lnRef idx="1">
+            <a:schemeClr val="accent1"/>
+          </a:lnRef>
+          <a:fillRef idx="0">
+            <a:schemeClr val="accent1"/>
+          </a:fillRef>
+          <a:effectRef idx="0">
+            <a:schemeClr val="accent1"/>
+          </a:effectRef>
+          <a:fontRef idx="minor">
+            <a:schemeClr val="tx1"/>
+          </a:fontRef>
+        </p:style>
+      </p:cxnSp>
+      <p:cxnSp>
+        <p:nvCxnSpPr>
+          <p:cNvPr id="48" name="직선 연결선 47"/>
+          <p:cNvCxnSpPr/>
+          <p:nvPr/>
+        </p:nvCxnSpPr>
+        <p:spPr>
+          <a:xfrm>
+            <a:off x="6318928" y="3796537"/>
+            <a:ext cx="7144" cy="1816481"/>
+          </a:xfrm>
+          <a:prstGeom prst="line">
+            <a:avLst/>
+          </a:prstGeom>
+          <a:ln w="3175">
+            <a:solidFill>
+              <a:schemeClr val="bg2">
+                <a:lumMod val="90000"/>
+              </a:schemeClr>
+            </a:solidFill>
+          </a:ln>
+        </p:spPr>
+        <p:style>
+          <a:lnRef idx="1">
+            <a:schemeClr val="accent1"/>
+          </a:lnRef>
+          <a:fillRef idx="0">
+            <a:schemeClr val="accent1"/>
+          </a:fillRef>
+          <a:effectRef idx="0">
+            <a:schemeClr val="accent1"/>
+          </a:effectRef>
+          <a:fontRef idx="minor">
+            <a:schemeClr val="tx1"/>
+          </a:fontRef>
+        </p:style>
+      </p:cxnSp>
+      <p:cxnSp>
+        <p:nvCxnSpPr>
+          <p:cNvPr id="51" name="직선 연결선 50"/>
+          <p:cNvCxnSpPr/>
+          <p:nvPr/>
+        </p:nvCxnSpPr>
+        <p:spPr>
+          <a:xfrm>
+            <a:off x="7726214" y="3784982"/>
+            <a:ext cx="7144" cy="1816481"/>
+          </a:xfrm>
+          <a:prstGeom prst="line">
+            <a:avLst/>
+          </a:prstGeom>
+          <a:ln w="3175">
+            <a:solidFill>
+              <a:schemeClr val="bg2">
+                <a:lumMod val="90000"/>
+              </a:schemeClr>
+            </a:solidFill>
+          </a:ln>
+        </p:spPr>
+        <p:style>
+          <a:lnRef idx="1">
+            <a:schemeClr val="accent1"/>
+          </a:lnRef>
+          <a:fillRef idx="0">
+            <a:schemeClr val="accent1"/>
+          </a:fillRef>
+          <a:effectRef idx="0">
+            <a:schemeClr val="accent1"/>
+          </a:effectRef>
+          <a:fontRef idx="minor">
+            <a:schemeClr val="tx1"/>
+          </a:fontRef>
+        </p:style>
+      </p:cxnSp>
+      <p:cxnSp>
+        <p:nvCxnSpPr>
+          <p:cNvPr id="52" name="직선 연결선 51"/>
+          <p:cNvCxnSpPr/>
+          <p:nvPr/>
+        </p:nvCxnSpPr>
+        <p:spPr>
+          <a:xfrm>
+            <a:off x="9035246" y="3792007"/>
+            <a:ext cx="7144" cy="1816481"/>
+          </a:xfrm>
+          <a:prstGeom prst="line">
+            <a:avLst/>
+          </a:prstGeom>
+          <a:ln w="3175">
+            <a:solidFill>
+              <a:schemeClr val="bg2">
+                <a:lumMod val="90000"/>
+              </a:schemeClr>
+            </a:solidFill>
+          </a:ln>
+        </p:spPr>
+        <p:style>
+          <a:lnRef idx="1">
+            <a:schemeClr val="accent1"/>
+          </a:lnRef>
+          <a:fillRef idx="0">
+            <a:schemeClr val="accent1"/>
+          </a:fillRef>
+          <a:effectRef idx="0">
+            <a:schemeClr val="accent1"/>
+          </a:effectRef>
+          <a:fontRef idx="minor">
+            <a:schemeClr val="tx1"/>
+          </a:fontRef>
+        </p:style>
+      </p:cxnSp>
+      <p:sp>
+        <p:nvSpPr>
+          <p:cNvPr id="35" name="TextBox 34"/>
+          <p:cNvSpPr txBox="1"/>
+          <p:nvPr/>
+        </p:nvSpPr>
+        <p:spPr>
+          <a:xfrm>
+            <a:off x="985395" y="458031"/>
+            <a:ext cx="8478645" cy="369332"/>
+          </a:xfrm>
+          <a:prstGeom prst="rect">
+            <a:avLst/>
+          </a:prstGeom>
+          <a:noFill/>
+        </p:spPr>
+        <p:txBody>
+          <a:bodyPr wrap="square" rtlCol="0">
+            <a:spAutoFit/>
+          </a:bodyPr>
+          <a:lstStyle/>
+          <a:p>
+            <a:r>
+              <a:rPr lang="en-US" altLang="ko-KR" dirty="0" smtClean="0"/>
+              <a:t>Main- </a:t>
+            </a:r>
+            <a:r>
+              <a:rPr lang="en-US" altLang="ko-KR" noProof="1" smtClean="0"/>
+              <a:t>MainFrame &gt; </a:t>
+            </a:r>
+            <a:r>
+              <a:rPr lang="ko-KR" altLang="en-US" noProof="1" smtClean="0"/>
+              <a:t>사원관리 </a:t>
+            </a:r>
+            <a:r>
+              <a:rPr lang="en-US" altLang="ko-KR" noProof="1" smtClean="0"/>
+              <a:t>&gt; </a:t>
+            </a:r>
+            <a:r>
+              <a:rPr lang="ko-KR" altLang="en-US" noProof="1" smtClean="0"/>
+              <a:t>사원권한  </a:t>
+            </a:r>
+            <a:r>
+              <a:rPr lang="en-US" altLang="ko-KR" noProof="1" smtClean="0"/>
+              <a:t>&gt;  </a:t>
+            </a:r>
+            <a:r>
+              <a:rPr lang="ko-KR" altLang="en-US" noProof="1" smtClean="0"/>
+              <a:t>조회</a:t>
+            </a:r>
+            <a:endParaRPr lang="en-US" altLang="ko-KR" noProof="1"/>
+          </a:p>
+        </p:txBody>
+      </p:sp>
+      <p:sp>
+        <p:nvSpPr>
+          <p:cNvPr id="31" name="TextBox 30"/>
+          <p:cNvSpPr txBox="1"/>
+          <p:nvPr/>
+        </p:nvSpPr>
+        <p:spPr>
+          <a:xfrm>
+            <a:off x="6253014" y="2783614"/>
+            <a:ext cx="1514143" cy="307777"/>
+          </a:xfrm>
+          <a:prstGeom prst="rect">
+            <a:avLst/>
+          </a:prstGeom>
+          <a:noFill/>
+        </p:spPr>
+        <p:txBody>
+          <a:bodyPr wrap="square" rtlCol="0">
+            <a:spAutoFit/>
+          </a:bodyPr>
+          <a:lstStyle/>
+          <a:p>
+            <a:r>
+              <a:rPr lang="ko-KR" altLang="en-US" sz="1400" dirty="0" smtClean="0"/>
+              <a:t>테스트</a:t>
+            </a:r>
+            <a:endParaRPr lang="ko-KR" altLang="en-US" sz="1400" dirty="0"/>
+          </a:p>
+        </p:txBody>
+      </p:sp>
+      <p:sp>
+        <p:nvSpPr>
+          <p:cNvPr id="36" name="TextBox 35"/>
+          <p:cNvSpPr txBox="1"/>
+          <p:nvPr/>
+        </p:nvSpPr>
+        <p:spPr>
+          <a:xfrm>
+            <a:off x="5135728" y="4048721"/>
+            <a:ext cx="1514143" cy="261610"/>
+          </a:xfrm>
+          <a:prstGeom prst="rect">
+            <a:avLst/>
+          </a:prstGeom>
+          <a:noFill/>
+        </p:spPr>
+        <p:txBody>
+          <a:bodyPr wrap="square" rtlCol="0">
+            <a:spAutoFit/>
+          </a:bodyPr>
+          <a:lstStyle/>
+          <a:p>
+            <a:r>
+              <a:rPr lang="ko-KR" altLang="en-US" sz="1100" dirty="0" smtClean="0"/>
+              <a:t>테스트</a:t>
+            </a:r>
+            <a:endParaRPr lang="ko-KR" altLang="en-US" sz="1100" dirty="0"/>
+          </a:p>
+        </p:txBody>
+      </p:sp>
+    </p:spTree>
+    <p:extLst>
+      <p:ext uri="{BB962C8B-B14F-4D97-AF65-F5344CB8AC3E}">
+        <p14:creationId xmlns:p14="http://schemas.microsoft.com/office/powerpoint/2010/main" val="404772233"/>
+      </p:ext>
+    </p:extLst>
+  </p:cSld>
+  <p:clrMapOvr>
+    <a:masterClrMapping/>
+  </p:clrMapOvr>
+</p:sld>
+</file>
+
+<file path=ppt/slides/slide22.xml><?xml version="1.0" encoding="utf-8"?>
+<p:sld xmlns:a="http://schemas.openxmlformats.org/drawingml/2006/main" xmlns:r="http://schemas.openxmlformats.org/officeDocument/2006/relationships" xmlns:p="http://schemas.openxmlformats.org/presentationml/2006/main">
+  <p:cSld>
+    <p:spTree>
+      <p:nvGrpSpPr>
+        <p:cNvPr id="1" name=""/>
+        <p:cNvGrpSpPr/>
+        <p:nvPr/>
+      </p:nvGrpSpPr>
+      <p:grpSpPr>
+        <a:xfrm>
+          <a:off x="0" y="0"/>
+          <a:ext cx="0" cy="0"/>
+          <a:chOff x="0" y="0"/>
+          <a:chExt cx="0" cy="0"/>
+        </a:xfrm>
+      </p:grpSpPr>
+      <p:sp>
+        <p:nvSpPr>
+          <p:cNvPr id="4" name="직사각형 3"/>
+          <p:cNvSpPr/>
+          <p:nvPr/>
+        </p:nvSpPr>
+        <p:spPr>
+          <a:xfrm>
+            <a:off x="2788920" y="1478280"/>
+            <a:ext cx="6675120" cy="4312920"/>
+          </a:xfrm>
+          <a:prstGeom prst="rect">
+            <a:avLst/>
+          </a:prstGeom>
+          <a:noFill/>
+        </p:spPr>
+        <p:style>
+          <a:lnRef idx="2">
+            <a:schemeClr val="accent1">
+              <a:shade val="50000"/>
+            </a:schemeClr>
+          </a:lnRef>
+          <a:fillRef idx="1">
+            <a:schemeClr val="accent1"/>
+          </a:fillRef>
+          <a:effectRef idx="0">
+            <a:schemeClr val="accent1"/>
+          </a:effectRef>
+          <a:fontRef idx="minor">
+            <a:schemeClr val="lt1"/>
+          </a:fontRef>
+        </p:style>
+        <p:txBody>
+          <a:bodyPr rtlCol="0" anchor="ctr"/>
+          <a:lstStyle/>
+          <a:p>
+            <a:pPr algn="ctr"/>
+            <a:endParaRPr lang="ko-KR" altLang="en-US"/>
+          </a:p>
+        </p:txBody>
+      </p:sp>
+      <p:sp>
+        <p:nvSpPr>
+          <p:cNvPr id="5" name="직사각형 4"/>
+          <p:cNvSpPr/>
+          <p:nvPr/>
+        </p:nvSpPr>
+        <p:spPr>
+          <a:xfrm>
+            <a:off x="2788920" y="1478281"/>
+            <a:ext cx="6675120" cy="362734"/>
+          </a:xfrm>
+          <a:prstGeom prst="rect">
+            <a:avLst/>
+          </a:prstGeom>
+          <a:noFill/>
+        </p:spPr>
+        <p:style>
+          <a:lnRef idx="2">
+            <a:schemeClr val="accent1">
+              <a:shade val="50000"/>
+            </a:schemeClr>
+          </a:lnRef>
+          <a:fillRef idx="1">
+            <a:schemeClr val="accent1"/>
+          </a:fillRef>
+          <a:effectRef idx="0">
+            <a:schemeClr val="accent1"/>
+          </a:effectRef>
+          <a:fontRef idx="minor">
+            <a:schemeClr val="lt1"/>
+          </a:fontRef>
+        </p:style>
+        <p:txBody>
+          <a:bodyPr rtlCol="0" anchor="ctr"/>
+          <a:lstStyle/>
+          <a:p>
+            <a:pPr algn="ctr"/>
+            <a:endParaRPr lang="ko-KR" altLang="en-US"/>
+          </a:p>
+        </p:txBody>
+      </p:sp>
+      <p:sp>
+        <p:nvSpPr>
+          <p:cNvPr id="6" name="TextBox 5"/>
+          <p:cNvSpPr txBox="1"/>
+          <p:nvPr/>
+        </p:nvSpPr>
+        <p:spPr>
+          <a:xfrm>
+            <a:off x="2816628" y="1514765"/>
+            <a:ext cx="4350789" cy="307777"/>
+          </a:xfrm>
+          <a:prstGeom prst="rect">
+            <a:avLst/>
+          </a:prstGeom>
+          <a:noFill/>
+        </p:spPr>
+        <p:txBody>
+          <a:bodyPr wrap="square" rtlCol="0">
+            <a:spAutoFit/>
+          </a:bodyPr>
+          <a:lstStyle/>
+          <a:p>
+            <a:r>
+              <a:rPr lang="en-US" altLang="ko-KR" sz="1400" dirty="0" smtClean="0"/>
+              <a:t>YN Bank </a:t>
+            </a:r>
+            <a:r>
+              <a:rPr lang="ko-KR" altLang="en-US" sz="1400" dirty="0" smtClean="0"/>
+              <a:t>직원 프로그램</a:t>
+            </a:r>
+            <a:endParaRPr lang="ko-KR" altLang="en-US" sz="1400" dirty="0"/>
+          </a:p>
+        </p:txBody>
+      </p:sp>
+      <p:pic>
+        <p:nvPicPr>
+          <p:cNvPr id="3" name="그림 2"/>
+          <p:cNvPicPr>
+            <a:picLocks noChangeAspect="1"/>
+          </p:cNvPicPr>
+          <p:nvPr/>
+        </p:nvPicPr>
+        <p:blipFill>
+          <a:blip r:embed="rId2"/>
+          <a:stretch>
+            <a:fillRect/>
+          </a:stretch>
+        </p:blipFill>
+        <p:spPr>
+          <a:xfrm>
+            <a:off x="2847384" y="1957526"/>
+            <a:ext cx="1800476" cy="666843"/>
+          </a:xfrm>
+          <a:prstGeom prst="rect">
+            <a:avLst/>
+          </a:prstGeom>
+        </p:spPr>
+      </p:pic>
+      <p:sp>
+        <p:nvSpPr>
+          <p:cNvPr id="7" name="TextBox 6"/>
+          <p:cNvSpPr txBox="1"/>
+          <p:nvPr/>
+        </p:nvSpPr>
+        <p:spPr>
+          <a:xfrm>
+            <a:off x="4706324" y="2137058"/>
+            <a:ext cx="1263413" cy="307777"/>
+          </a:xfrm>
+          <a:prstGeom prst="rect">
+            <a:avLst/>
+          </a:prstGeom>
+          <a:noFill/>
+        </p:spPr>
+        <p:txBody>
+          <a:bodyPr wrap="square" rtlCol="0">
+            <a:spAutoFit/>
+          </a:bodyPr>
+          <a:lstStyle/>
+          <a:p>
+            <a:r>
+              <a:rPr lang="ko-KR" altLang="en-US" sz="1400" b="1" dirty="0" smtClean="0"/>
+              <a:t>사원관리</a:t>
+            </a:r>
+            <a:endParaRPr lang="ko-KR" altLang="en-US" sz="1400" b="1" dirty="0"/>
+          </a:p>
+        </p:txBody>
+      </p:sp>
+      <p:sp>
+        <p:nvSpPr>
+          <p:cNvPr id="33" name="TextBox 32"/>
+          <p:cNvSpPr txBox="1"/>
+          <p:nvPr/>
+        </p:nvSpPr>
+        <p:spPr>
+          <a:xfrm>
+            <a:off x="5892800" y="2137058"/>
+            <a:ext cx="1497093" cy="307777"/>
+          </a:xfrm>
+          <a:prstGeom prst="rect">
+            <a:avLst/>
+          </a:prstGeom>
+          <a:noFill/>
+        </p:spPr>
+        <p:txBody>
+          <a:bodyPr wrap="square" rtlCol="0">
+            <a:spAutoFit/>
+          </a:bodyPr>
+          <a:lstStyle/>
+          <a:p>
+            <a:r>
+              <a:rPr lang="ko-KR" altLang="en-US" sz="1400" b="1" smtClean="0"/>
+              <a:t>고객 정보 관리</a:t>
+            </a:r>
+            <a:endParaRPr lang="ko-KR" altLang="en-US" sz="1400" b="1" dirty="0"/>
+          </a:p>
+        </p:txBody>
+      </p:sp>
+      <p:sp>
+        <p:nvSpPr>
+          <p:cNvPr id="34" name="TextBox 33"/>
+          <p:cNvSpPr txBox="1"/>
+          <p:nvPr/>
+        </p:nvSpPr>
+        <p:spPr>
+          <a:xfrm>
+            <a:off x="7462982" y="2137058"/>
+            <a:ext cx="1513191" cy="307777"/>
+          </a:xfrm>
+          <a:prstGeom prst="rect">
+            <a:avLst/>
+          </a:prstGeom>
+          <a:noFill/>
+        </p:spPr>
+        <p:txBody>
+          <a:bodyPr wrap="square" rtlCol="0">
+            <a:spAutoFit/>
+          </a:bodyPr>
+          <a:lstStyle/>
+          <a:p>
+            <a:r>
+              <a:rPr lang="ko-KR" altLang="en-US" sz="1400" b="1" smtClean="0"/>
+              <a:t>은행 업무 관리</a:t>
+            </a:r>
+            <a:endParaRPr lang="ko-KR" altLang="en-US" sz="1400" b="1" dirty="0"/>
+          </a:p>
+        </p:txBody>
+      </p:sp>
+      <p:sp>
+        <p:nvSpPr>
+          <p:cNvPr id="8" name="TextBox 7"/>
+          <p:cNvSpPr txBox="1"/>
+          <p:nvPr/>
+        </p:nvSpPr>
+        <p:spPr>
+          <a:xfrm>
+            <a:off x="4786401" y="2532854"/>
+            <a:ext cx="983951" cy="307777"/>
+          </a:xfrm>
+          <a:prstGeom prst="rect">
+            <a:avLst/>
+          </a:prstGeom>
+          <a:noFill/>
+          <a:ln>
+            <a:noFill/>
+          </a:ln>
+        </p:spPr>
+        <p:txBody>
+          <a:bodyPr wrap="square" rtlCol="0">
+            <a:spAutoFit/>
+          </a:bodyPr>
+          <a:lstStyle/>
+          <a:p>
+            <a:endParaRPr lang="en-US" altLang="ko-KR" sz="1400" dirty="0" smtClean="0"/>
+          </a:p>
+        </p:txBody>
+      </p:sp>
+      <p:sp>
+        <p:nvSpPr>
+          <p:cNvPr id="10" name="직사각형 9"/>
+          <p:cNvSpPr/>
+          <p:nvPr/>
+        </p:nvSpPr>
+        <p:spPr>
+          <a:xfrm>
+            <a:off x="4821382" y="2553425"/>
+            <a:ext cx="948970" cy="277218"/>
+          </a:xfrm>
+          <a:prstGeom prst="rect">
+            <a:avLst/>
+          </a:prstGeom>
+          <a:solidFill>
+            <a:schemeClr val="bg1"/>
+          </a:solidFill>
+          <a:ln>
+            <a:noFill/>
+          </a:ln>
+        </p:spPr>
+        <p:style>
+          <a:lnRef idx="2">
+            <a:schemeClr val="accent1">
+              <a:shade val="50000"/>
+            </a:schemeClr>
+          </a:lnRef>
+          <a:fillRef idx="1">
+            <a:schemeClr val="accent1"/>
+          </a:fillRef>
+          <a:effectRef idx="0">
+            <a:schemeClr val="accent1"/>
+          </a:effectRef>
+          <a:fontRef idx="minor">
+            <a:schemeClr val="lt1"/>
+          </a:fontRef>
+        </p:style>
+        <p:txBody>
+          <a:bodyPr rtlCol="0" anchor="ctr"/>
+          <a:lstStyle/>
+          <a:p>
+            <a:pPr algn="ctr"/>
+            <a:endParaRPr lang="ko-KR" altLang="en-US"/>
+          </a:p>
+        </p:txBody>
+      </p:sp>
+      <p:sp>
+        <p:nvSpPr>
+          <p:cNvPr id="2" name="직사각형 1"/>
+          <p:cNvSpPr/>
+          <p:nvPr/>
+        </p:nvSpPr>
+        <p:spPr>
+          <a:xfrm>
+            <a:off x="2955636" y="2624369"/>
+            <a:ext cx="6382328" cy="3046758"/>
+          </a:xfrm>
+          <a:prstGeom prst="rect">
+            <a:avLst/>
+          </a:prstGeom>
+          <a:solidFill>
+            <a:schemeClr val="accent4">
+              <a:lumMod val="20000"/>
+              <a:lumOff val="80000"/>
+            </a:schemeClr>
+          </a:solidFill>
+          <a:ln>
+            <a:noFill/>
+          </a:ln>
+        </p:spPr>
+        <p:style>
+          <a:lnRef idx="2">
+            <a:schemeClr val="accent1">
+              <a:shade val="50000"/>
+            </a:schemeClr>
+          </a:lnRef>
+          <a:fillRef idx="1">
+            <a:schemeClr val="accent1"/>
+          </a:fillRef>
+          <a:effectRef idx="0">
+            <a:schemeClr val="accent1"/>
+          </a:effectRef>
+          <a:fontRef idx="minor">
+            <a:schemeClr val="lt1"/>
+          </a:fontRef>
+        </p:style>
+        <p:txBody>
+          <a:bodyPr rtlCol="0" anchor="ctr"/>
+          <a:lstStyle/>
+          <a:p>
+            <a:pPr algn="ctr"/>
+            <a:endParaRPr lang="ko-KR" altLang="en-US"/>
+          </a:p>
+        </p:txBody>
+      </p:sp>
+      <p:sp>
+        <p:nvSpPr>
+          <p:cNvPr id="14" name="모서리가 둥근 직사각형 13"/>
+          <p:cNvSpPr/>
+          <p:nvPr/>
+        </p:nvSpPr>
+        <p:spPr>
+          <a:xfrm>
+            <a:off x="8366863" y="5174098"/>
+            <a:ext cx="773477" cy="335840"/>
+          </a:xfrm>
+          <a:prstGeom prst="roundRect">
+            <a:avLst/>
+          </a:prstGeom>
+          <a:solidFill>
+            <a:schemeClr val="bg1"/>
+          </a:solidFill>
+          <a:ln>
+            <a:solidFill>
+              <a:schemeClr val="bg2">
+                <a:lumMod val="75000"/>
+              </a:schemeClr>
+            </a:solidFill>
+          </a:ln>
+        </p:spPr>
+        <p:style>
+          <a:lnRef idx="2">
+            <a:schemeClr val="accent1">
+              <a:shade val="50000"/>
+            </a:schemeClr>
+          </a:lnRef>
+          <a:fillRef idx="1">
+            <a:schemeClr val="accent1"/>
+          </a:fillRef>
+          <a:effectRef idx="0">
+            <a:schemeClr val="accent1"/>
+          </a:effectRef>
+          <a:fontRef idx="minor">
+            <a:schemeClr val="lt1"/>
+          </a:fontRef>
+        </p:style>
+        <p:txBody>
+          <a:bodyPr rtlCol="0" anchor="ctr"/>
+          <a:lstStyle/>
+          <a:p>
+            <a:pPr algn="ctr"/>
+            <a:endParaRPr lang="ko-KR" altLang="en-US"/>
+          </a:p>
+        </p:txBody>
+      </p:sp>
+      <p:sp>
+        <p:nvSpPr>
+          <p:cNvPr id="15" name="TextBox 14"/>
+          <p:cNvSpPr txBox="1"/>
+          <p:nvPr/>
+        </p:nvSpPr>
+        <p:spPr>
+          <a:xfrm>
+            <a:off x="8483585" y="5202161"/>
+            <a:ext cx="662643" cy="307777"/>
+          </a:xfrm>
+          <a:prstGeom prst="rect">
+            <a:avLst/>
+          </a:prstGeom>
+          <a:noFill/>
+        </p:spPr>
+        <p:txBody>
+          <a:bodyPr wrap="square" rtlCol="0">
+            <a:spAutoFit/>
+          </a:bodyPr>
+          <a:lstStyle/>
+          <a:p>
+            <a:r>
+              <a:rPr lang="ko-KR" altLang="en-US" sz="1400" dirty="0" smtClean="0"/>
+              <a:t>조회</a:t>
+            </a:r>
+            <a:endParaRPr lang="ko-KR" altLang="en-US" sz="1400" dirty="0"/>
+          </a:p>
+        </p:txBody>
+      </p:sp>
+      <p:sp>
+        <p:nvSpPr>
+          <p:cNvPr id="35" name="TextBox 34"/>
+          <p:cNvSpPr txBox="1"/>
+          <p:nvPr/>
+        </p:nvSpPr>
+        <p:spPr>
+          <a:xfrm>
+            <a:off x="985395" y="458031"/>
+            <a:ext cx="8478645" cy="369332"/>
+          </a:xfrm>
+          <a:prstGeom prst="rect">
+            <a:avLst/>
+          </a:prstGeom>
+          <a:noFill/>
+        </p:spPr>
+        <p:txBody>
+          <a:bodyPr wrap="square" rtlCol="0">
+            <a:spAutoFit/>
+          </a:bodyPr>
+          <a:lstStyle/>
+          <a:p>
+            <a:r>
+              <a:rPr lang="en-US" altLang="ko-KR" dirty="0" smtClean="0"/>
+              <a:t>Main- </a:t>
+            </a:r>
+            <a:r>
+              <a:rPr lang="en-US" altLang="ko-KR" noProof="1" smtClean="0"/>
+              <a:t>MainFrame &gt; </a:t>
+            </a:r>
+            <a:r>
+              <a:rPr lang="ko-KR" altLang="en-US" noProof="1" smtClean="0"/>
+              <a:t>사원관리 </a:t>
+            </a:r>
+            <a:r>
+              <a:rPr lang="en-US" altLang="ko-KR" noProof="1" smtClean="0"/>
+              <a:t>&gt; </a:t>
+            </a:r>
+            <a:r>
+              <a:rPr lang="ko-KR" altLang="en-US" noProof="1" smtClean="0"/>
+              <a:t>사원정보  </a:t>
+            </a:r>
+            <a:r>
+              <a:rPr lang="en-US" altLang="ko-KR" noProof="1" smtClean="0"/>
+              <a:t>&gt; </a:t>
+            </a:r>
+            <a:r>
+              <a:rPr lang="ko-KR" altLang="en-US" noProof="1" smtClean="0"/>
+              <a:t>사원 현황 조회</a:t>
+            </a:r>
+            <a:endParaRPr lang="en-US" altLang="ko-KR" noProof="1"/>
+          </a:p>
+        </p:txBody>
+      </p:sp>
+      <p:sp>
+        <p:nvSpPr>
+          <p:cNvPr id="11" name="TextBox 10"/>
+          <p:cNvSpPr txBox="1"/>
+          <p:nvPr/>
+        </p:nvSpPr>
+        <p:spPr>
+          <a:xfrm>
+            <a:off x="3095625" y="2792537"/>
+            <a:ext cx="3799721" cy="830997"/>
+          </a:xfrm>
+          <a:prstGeom prst="rect">
+            <a:avLst/>
+          </a:prstGeom>
+          <a:noFill/>
+        </p:spPr>
+        <p:txBody>
+          <a:bodyPr wrap="square" rtlCol="0">
+            <a:spAutoFit/>
+          </a:bodyPr>
+          <a:lstStyle/>
+          <a:p>
+            <a:r>
+              <a:rPr lang="ko-KR" altLang="en-US" sz="1600" dirty="0" smtClean="0"/>
+              <a:t>전체 직원 수</a:t>
+            </a:r>
+            <a:r>
+              <a:rPr lang="en-US" altLang="ko-KR" sz="1600" dirty="0" smtClean="0"/>
+              <a:t>/ </a:t>
+            </a:r>
+            <a:r>
+              <a:rPr lang="ko-KR" altLang="en-US" sz="1600" dirty="0" smtClean="0"/>
+              <a:t>부서별 직원 비율</a:t>
+            </a:r>
+            <a:endParaRPr lang="en-US" altLang="ko-KR" sz="1600" dirty="0" smtClean="0"/>
+          </a:p>
+          <a:p>
+            <a:r>
+              <a:rPr lang="en-US" altLang="ko-KR" sz="1600" dirty="0" smtClean="0"/>
+              <a:t>1</a:t>
+            </a:r>
+            <a:r>
+              <a:rPr lang="ko-KR" altLang="en-US" sz="1600" dirty="0" smtClean="0"/>
+              <a:t>인 평균 급여액</a:t>
+            </a:r>
+            <a:endParaRPr lang="en-US" altLang="ko-KR" sz="1600" dirty="0" smtClean="0"/>
+          </a:p>
+          <a:p>
+            <a:r>
+              <a:rPr lang="ko-KR" altLang="en-US" sz="1600" dirty="0" smtClean="0"/>
+              <a:t>보너스 현황</a:t>
+            </a:r>
+            <a:endParaRPr lang="ko-KR" altLang="en-US" sz="1600" dirty="0"/>
+          </a:p>
+        </p:txBody>
+      </p:sp>
+    </p:spTree>
+    <p:extLst>
+      <p:ext uri="{BB962C8B-B14F-4D97-AF65-F5344CB8AC3E}">
+        <p14:creationId xmlns:p14="http://schemas.microsoft.com/office/powerpoint/2010/main" val="2594051761"/>
+      </p:ext>
+    </p:extLst>
+  </p:cSld>
+  <p:clrMapOvr>
+    <a:masterClrMapping/>
+  </p:clrMapOvr>
+</p:sld>
+</file>
+
+<file path=ppt/slides/slide23.xml><?xml version="1.0" encoding="utf-8"?>
+<p:sld xmlns:a="http://schemas.openxmlformats.org/drawingml/2006/main" xmlns:r="http://schemas.openxmlformats.org/officeDocument/2006/relationships" xmlns:p="http://schemas.openxmlformats.org/presentationml/2006/main">
+  <p:cSld>
+    <p:spTree>
+      <p:nvGrpSpPr>
+        <p:cNvPr id="1" name=""/>
+        <p:cNvGrpSpPr/>
+        <p:nvPr/>
+      </p:nvGrpSpPr>
+      <p:grpSpPr>
+        <a:xfrm>
+          <a:off x="0" y="0"/>
+          <a:ext cx="0" cy="0"/>
+          <a:chOff x="0" y="0"/>
+          <a:chExt cx="0" cy="0"/>
+        </a:xfrm>
+      </p:grpSpPr>
+      <p:sp>
+        <p:nvSpPr>
+          <p:cNvPr id="4" name="직사각형 3"/>
+          <p:cNvSpPr/>
+          <p:nvPr/>
+        </p:nvSpPr>
+        <p:spPr>
+          <a:xfrm>
+            <a:off x="2788920" y="1478280"/>
+            <a:ext cx="6675120" cy="4312920"/>
+          </a:xfrm>
+          <a:prstGeom prst="rect">
+            <a:avLst/>
+          </a:prstGeom>
+          <a:noFill/>
+        </p:spPr>
+        <p:style>
+          <a:lnRef idx="2">
+            <a:schemeClr val="accent1">
+              <a:shade val="50000"/>
+            </a:schemeClr>
+          </a:lnRef>
+          <a:fillRef idx="1">
+            <a:schemeClr val="accent1"/>
+          </a:fillRef>
+          <a:effectRef idx="0">
+            <a:schemeClr val="accent1"/>
+          </a:effectRef>
+          <a:fontRef idx="minor">
+            <a:schemeClr val="lt1"/>
+          </a:fontRef>
+        </p:style>
+        <p:txBody>
+          <a:bodyPr rtlCol="0" anchor="ctr"/>
+          <a:lstStyle/>
+          <a:p>
+            <a:pPr algn="ctr"/>
+            <a:endParaRPr lang="ko-KR" altLang="en-US"/>
+          </a:p>
+        </p:txBody>
+      </p:sp>
+      <p:sp>
+        <p:nvSpPr>
+          <p:cNvPr id="5" name="직사각형 4"/>
+          <p:cNvSpPr/>
+          <p:nvPr/>
+        </p:nvSpPr>
+        <p:spPr>
+          <a:xfrm>
+            <a:off x="2788920" y="1478281"/>
+            <a:ext cx="6675120" cy="362734"/>
+          </a:xfrm>
+          <a:prstGeom prst="rect">
+            <a:avLst/>
+          </a:prstGeom>
+          <a:noFill/>
+        </p:spPr>
+        <p:style>
+          <a:lnRef idx="2">
+            <a:schemeClr val="accent1">
+              <a:shade val="50000"/>
+            </a:schemeClr>
+          </a:lnRef>
+          <a:fillRef idx="1">
+            <a:schemeClr val="accent1"/>
+          </a:fillRef>
+          <a:effectRef idx="0">
+            <a:schemeClr val="accent1"/>
+          </a:effectRef>
+          <a:fontRef idx="minor">
+            <a:schemeClr val="lt1"/>
+          </a:fontRef>
+        </p:style>
+        <p:txBody>
+          <a:bodyPr rtlCol="0" anchor="ctr"/>
+          <a:lstStyle/>
+          <a:p>
+            <a:pPr algn="ctr"/>
+            <a:endParaRPr lang="ko-KR" altLang="en-US"/>
+          </a:p>
+        </p:txBody>
+      </p:sp>
+      <p:sp>
+        <p:nvSpPr>
+          <p:cNvPr id="6" name="TextBox 5"/>
+          <p:cNvSpPr txBox="1"/>
+          <p:nvPr/>
+        </p:nvSpPr>
+        <p:spPr>
+          <a:xfrm>
+            <a:off x="2816628" y="1514765"/>
+            <a:ext cx="4350789" cy="307777"/>
+          </a:xfrm>
+          <a:prstGeom prst="rect">
+            <a:avLst/>
+          </a:prstGeom>
+          <a:noFill/>
+        </p:spPr>
+        <p:txBody>
+          <a:bodyPr wrap="square" rtlCol="0">
+            <a:spAutoFit/>
+          </a:bodyPr>
+          <a:lstStyle/>
+          <a:p>
+            <a:r>
+              <a:rPr lang="en-US" altLang="ko-KR" sz="1400" dirty="0" smtClean="0"/>
+              <a:t>YN Bank </a:t>
+            </a:r>
+            <a:r>
+              <a:rPr lang="ko-KR" altLang="en-US" sz="1400" dirty="0" smtClean="0"/>
+              <a:t>직원 프로그램</a:t>
+            </a:r>
+            <a:endParaRPr lang="ko-KR" altLang="en-US" sz="1400" dirty="0"/>
+          </a:p>
+        </p:txBody>
+      </p:sp>
+      <p:pic>
+        <p:nvPicPr>
+          <p:cNvPr id="3" name="그림 2"/>
+          <p:cNvPicPr>
+            <a:picLocks noChangeAspect="1"/>
+          </p:cNvPicPr>
+          <p:nvPr/>
+        </p:nvPicPr>
+        <p:blipFill>
+          <a:blip r:embed="rId2"/>
+          <a:stretch>
+            <a:fillRect/>
+          </a:stretch>
+        </p:blipFill>
+        <p:spPr>
+          <a:xfrm>
+            <a:off x="2847384" y="1957526"/>
+            <a:ext cx="1800476" cy="666843"/>
+          </a:xfrm>
+          <a:prstGeom prst="rect">
+            <a:avLst/>
+          </a:prstGeom>
+        </p:spPr>
+      </p:pic>
+      <p:sp>
+        <p:nvSpPr>
+          <p:cNvPr id="7" name="TextBox 6"/>
+          <p:cNvSpPr txBox="1"/>
+          <p:nvPr/>
+        </p:nvSpPr>
+        <p:spPr>
+          <a:xfrm>
+            <a:off x="4706324" y="2137058"/>
+            <a:ext cx="1263413" cy="307777"/>
+          </a:xfrm>
+          <a:prstGeom prst="rect">
+            <a:avLst/>
+          </a:prstGeom>
+          <a:noFill/>
+        </p:spPr>
+        <p:txBody>
+          <a:bodyPr wrap="square" rtlCol="0">
+            <a:spAutoFit/>
+          </a:bodyPr>
+          <a:lstStyle/>
+          <a:p>
+            <a:r>
+              <a:rPr lang="ko-KR" altLang="en-US" sz="1400" b="1" dirty="0" smtClean="0"/>
+              <a:t>사원관리</a:t>
+            </a:r>
+            <a:endParaRPr lang="ko-KR" altLang="en-US" sz="1400" b="1" dirty="0"/>
+          </a:p>
+        </p:txBody>
+      </p:sp>
+      <p:sp>
+        <p:nvSpPr>
+          <p:cNvPr id="33" name="TextBox 32"/>
+          <p:cNvSpPr txBox="1"/>
+          <p:nvPr/>
+        </p:nvSpPr>
+        <p:spPr>
+          <a:xfrm>
+            <a:off x="5892800" y="2137058"/>
+            <a:ext cx="1497093" cy="307777"/>
+          </a:xfrm>
+          <a:prstGeom prst="rect">
+            <a:avLst/>
+          </a:prstGeom>
+          <a:noFill/>
+        </p:spPr>
+        <p:txBody>
+          <a:bodyPr wrap="square" rtlCol="0">
+            <a:spAutoFit/>
+          </a:bodyPr>
+          <a:lstStyle/>
+          <a:p>
+            <a:r>
+              <a:rPr lang="ko-KR" altLang="en-US" sz="1400" b="1" smtClean="0"/>
+              <a:t>고객 정보 관리</a:t>
+            </a:r>
+            <a:endParaRPr lang="ko-KR" altLang="en-US" sz="1400" b="1" dirty="0"/>
+          </a:p>
+        </p:txBody>
+      </p:sp>
+      <p:sp>
+        <p:nvSpPr>
+          <p:cNvPr id="34" name="TextBox 33"/>
+          <p:cNvSpPr txBox="1"/>
+          <p:nvPr/>
+        </p:nvSpPr>
+        <p:spPr>
+          <a:xfrm>
+            <a:off x="7462982" y="2137058"/>
+            <a:ext cx="1513191" cy="307777"/>
+          </a:xfrm>
+          <a:prstGeom prst="rect">
+            <a:avLst/>
+          </a:prstGeom>
+          <a:noFill/>
+        </p:spPr>
+        <p:txBody>
+          <a:bodyPr wrap="square" rtlCol="0">
+            <a:spAutoFit/>
+          </a:bodyPr>
+          <a:lstStyle/>
+          <a:p>
+            <a:r>
+              <a:rPr lang="ko-KR" altLang="en-US" sz="1400" b="1" smtClean="0"/>
+              <a:t>은행 업무 관리</a:t>
+            </a:r>
+            <a:endParaRPr lang="ko-KR" altLang="en-US" sz="1400" b="1" dirty="0"/>
+          </a:p>
+        </p:txBody>
+      </p:sp>
+      <p:sp>
+        <p:nvSpPr>
+          <p:cNvPr id="8" name="TextBox 7"/>
+          <p:cNvSpPr txBox="1"/>
+          <p:nvPr/>
+        </p:nvSpPr>
+        <p:spPr>
+          <a:xfrm>
+            <a:off x="4786401" y="2532854"/>
+            <a:ext cx="983951" cy="307777"/>
+          </a:xfrm>
+          <a:prstGeom prst="rect">
+            <a:avLst/>
+          </a:prstGeom>
+          <a:noFill/>
+          <a:ln>
+            <a:noFill/>
+          </a:ln>
+        </p:spPr>
+        <p:txBody>
+          <a:bodyPr wrap="square" rtlCol="0">
+            <a:spAutoFit/>
+          </a:bodyPr>
+          <a:lstStyle/>
+          <a:p>
+            <a:endParaRPr lang="en-US" altLang="ko-KR" sz="1400" dirty="0" smtClean="0"/>
+          </a:p>
+        </p:txBody>
+      </p:sp>
+      <p:sp>
+        <p:nvSpPr>
+          <p:cNvPr id="10" name="직사각형 9"/>
+          <p:cNvSpPr/>
+          <p:nvPr/>
+        </p:nvSpPr>
+        <p:spPr>
+          <a:xfrm>
+            <a:off x="4821382" y="2553425"/>
+            <a:ext cx="948970" cy="277218"/>
+          </a:xfrm>
+          <a:prstGeom prst="rect">
+            <a:avLst/>
+          </a:prstGeom>
+          <a:solidFill>
+            <a:schemeClr val="bg1"/>
+          </a:solidFill>
+          <a:ln>
+            <a:noFill/>
+          </a:ln>
+        </p:spPr>
+        <p:style>
+          <a:lnRef idx="2">
+            <a:schemeClr val="accent1">
+              <a:shade val="50000"/>
+            </a:schemeClr>
+          </a:lnRef>
+          <a:fillRef idx="1">
+            <a:schemeClr val="accent1"/>
+          </a:fillRef>
+          <a:effectRef idx="0">
+            <a:schemeClr val="accent1"/>
+          </a:effectRef>
+          <a:fontRef idx="minor">
+            <a:schemeClr val="lt1"/>
+          </a:fontRef>
+        </p:style>
+        <p:txBody>
+          <a:bodyPr rtlCol="0" anchor="ctr"/>
+          <a:lstStyle/>
+          <a:p>
+            <a:pPr algn="ctr"/>
+            <a:endParaRPr lang="ko-KR" altLang="en-US"/>
+          </a:p>
+        </p:txBody>
+      </p:sp>
+      <p:sp>
+        <p:nvSpPr>
+          <p:cNvPr id="2" name="직사각형 1"/>
+          <p:cNvSpPr/>
+          <p:nvPr/>
+        </p:nvSpPr>
+        <p:spPr>
+          <a:xfrm>
+            <a:off x="2955636" y="2624369"/>
+            <a:ext cx="6382328" cy="3046758"/>
+          </a:xfrm>
+          <a:prstGeom prst="rect">
+            <a:avLst/>
+          </a:prstGeom>
+          <a:solidFill>
+            <a:schemeClr val="accent4">
+              <a:lumMod val="20000"/>
+              <a:lumOff val="80000"/>
+            </a:schemeClr>
+          </a:solidFill>
+          <a:ln>
+            <a:noFill/>
+          </a:ln>
+        </p:spPr>
+        <p:style>
+          <a:lnRef idx="2">
+            <a:schemeClr val="accent1">
+              <a:shade val="50000"/>
+            </a:schemeClr>
+          </a:lnRef>
+          <a:fillRef idx="1">
+            <a:schemeClr val="accent1"/>
+          </a:fillRef>
+          <a:effectRef idx="0">
+            <a:schemeClr val="accent1"/>
+          </a:effectRef>
+          <a:fontRef idx="minor">
+            <a:schemeClr val="lt1"/>
+          </a:fontRef>
+        </p:style>
+        <p:txBody>
+          <a:bodyPr rtlCol="0" anchor="ctr"/>
+          <a:lstStyle/>
+          <a:p>
+            <a:pPr algn="ctr"/>
+            <a:endParaRPr lang="ko-KR" altLang="en-US"/>
+          </a:p>
+        </p:txBody>
+      </p:sp>
+      <p:sp>
+        <p:nvSpPr>
+          <p:cNvPr id="14" name="모서리가 둥근 직사각형 13"/>
+          <p:cNvSpPr/>
+          <p:nvPr/>
+        </p:nvSpPr>
+        <p:spPr>
+          <a:xfrm>
+            <a:off x="8366863" y="5174098"/>
+            <a:ext cx="773477" cy="335840"/>
+          </a:xfrm>
+          <a:prstGeom prst="roundRect">
+            <a:avLst/>
+          </a:prstGeom>
+          <a:solidFill>
+            <a:schemeClr val="accent4"/>
+          </a:solidFill>
+          <a:ln>
+            <a:solidFill>
+              <a:schemeClr val="bg2">
+                <a:lumMod val="75000"/>
+              </a:schemeClr>
+            </a:solidFill>
+          </a:ln>
+        </p:spPr>
+        <p:style>
+          <a:lnRef idx="2">
+            <a:schemeClr val="accent1">
+              <a:shade val="50000"/>
+            </a:schemeClr>
+          </a:lnRef>
+          <a:fillRef idx="1">
+            <a:schemeClr val="accent1"/>
+          </a:fillRef>
+          <a:effectRef idx="0">
+            <a:schemeClr val="accent1"/>
+          </a:effectRef>
+          <a:fontRef idx="minor">
+            <a:schemeClr val="lt1"/>
+          </a:fontRef>
+        </p:style>
+        <p:txBody>
+          <a:bodyPr rtlCol="0" anchor="ctr"/>
+          <a:lstStyle/>
+          <a:p>
+            <a:pPr algn="ctr"/>
+            <a:endParaRPr lang="ko-KR" altLang="en-US"/>
+          </a:p>
+        </p:txBody>
+      </p:sp>
+      <p:sp>
+        <p:nvSpPr>
+          <p:cNvPr id="15" name="TextBox 14"/>
+          <p:cNvSpPr txBox="1"/>
+          <p:nvPr/>
+        </p:nvSpPr>
+        <p:spPr>
+          <a:xfrm>
+            <a:off x="8483585" y="5202161"/>
+            <a:ext cx="662643" cy="307777"/>
+          </a:xfrm>
+          <a:prstGeom prst="rect">
+            <a:avLst/>
+          </a:prstGeom>
+          <a:noFill/>
+        </p:spPr>
+        <p:txBody>
+          <a:bodyPr wrap="square" rtlCol="0">
+            <a:spAutoFit/>
+          </a:bodyPr>
+          <a:lstStyle/>
+          <a:p>
+            <a:r>
+              <a:rPr lang="ko-KR" altLang="en-US" sz="1400" dirty="0" smtClean="0"/>
+              <a:t>조회</a:t>
+            </a:r>
+            <a:endParaRPr lang="ko-KR" altLang="en-US" sz="1400" dirty="0"/>
+          </a:p>
+        </p:txBody>
+      </p:sp>
+      <p:sp>
+        <p:nvSpPr>
+          <p:cNvPr id="35" name="TextBox 34"/>
+          <p:cNvSpPr txBox="1"/>
+          <p:nvPr/>
+        </p:nvSpPr>
+        <p:spPr>
+          <a:xfrm>
+            <a:off x="985395" y="467556"/>
+            <a:ext cx="8478645" cy="369332"/>
+          </a:xfrm>
+          <a:prstGeom prst="rect">
+            <a:avLst/>
+          </a:prstGeom>
+          <a:noFill/>
+        </p:spPr>
+        <p:txBody>
+          <a:bodyPr wrap="square" rtlCol="0">
+            <a:spAutoFit/>
+          </a:bodyPr>
+          <a:lstStyle/>
+          <a:p>
+            <a:r>
+              <a:rPr lang="en-US" altLang="ko-KR" dirty="0" smtClean="0"/>
+              <a:t>Main- </a:t>
+            </a:r>
+            <a:r>
+              <a:rPr lang="en-US" altLang="ko-KR" noProof="1" smtClean="0"/>
+              <a:t>MainFrame &gt; </a:t>
+            </a:r>
+            <a:r>
+              <a:rPr lang="ko-KR" altLang="en-US" noProof="1" smtClean="0"/>
+              <a:t>사원관리 </a:t>
+            </a:r>
+            <a:r>
+              <a:rPr lang="en-US" altLang="ko-KR" noProof="1" smtClean="0"/>
+              <a:t>&gt; </a:t>
+            </a:r>
+            <a:r>
+              <a:rPr lang="ko-KR" altLang="en-US" noProof="1" smtClean="0"/>
+              <a:t>사원정보  </a:t>
+            </a:r>
+            <a:r>
+              <a:rPr lang="en-US" altLang="ko-KR" noProof="1" smtClean="0"/>
+              <a:t>&gt; </a:t>
+            </a:r>
+            <a:r>
+              <a:rPr lang="ko-KR" altLang="en-US" noProof="1" smtClean="0"/>
+              <a:t>사원 현황 조회  </a:t>
+            </a:r>
+            <a:r>
+              <a:rPr lang="en-US" altLang="ko-KR" noProof="1" smtClean="0"/>
+              <a:t>&gt;  </a:t>
+            </a:r>
+            <a:r>
+              <a:rPr lang="ko-KR" altLang="en-US" noProof="1" smtClean="0"/>
+              <a:t>조회</a:t>
+            </a:r>
+            <a:endParaRPr lang="en-US" altLang="ko-KR" noProof="1"/>
+          </a:p>
+        </p:txBody>
+      </p:sp>
+      <p:sp>
+        <p:nvSpPr>
+          <p:cNvPr id="11" name="TextBox 10"/>
+          <p:cNvSpPr txBox="1"/>
+          <p:nvPr/>
+        </p:nvSpPr>
+        <p:spPr>
+          <a:xfrm>
+            <a:off x="3095625" y="2792537"/>
+            <a:ext cx="3799721" cy="830997"/>
+          </a:xfrm>
+          <a:prstGeom prst="rect">
+            <a:avLst/>
+          </a:prstGeom>
+          <a:noFill/>
+        </p:spPr>
+        <p:txBody>
+          <a:bodyPr wrap="square" rtlCol="0">
+            <a:spAutoFit/>
+          </a:bodyPr>
+          <a:lstStyle/>
+          <a:p>
+            <a:r>
+              <a:rPr lang="ko-KR" altLang="en-US" sz="1600" b="1" dirty="0" smtClean="0">
+                <a:solidFill>
+                  <a:schemeClr val="accent4"/>
+                </a:solidFill>
+              </a:rPr>
+              <a:t>전체 직원 수</a:t>
+            </a:r>
+            <a:r>
+              <a:rPr lang="en-US" altLang="ko-KR" sz="1600" b="1" dirty="0" smtClean="0">
+                <a:solidFill>
+                  <a:schemeClr val="accent4"/>
+                </a:solidFill>
+              </a:rPr>
+              <a:t>/ </a:t>
+            </a:r>
+            <a:r>
+              <a:rPr lang="ko-KR" altLang="en-US" sz="1600" b="1" dirty="0" smtClean="0">
+                <a:solidFill>
+                  <a:schemeClr val="accent4"/>
+                </a:solidFill>
+              </a:rPr>
+              <a:t>부서별 직원 비율</a:t>
+            </a:r>
+            <a:endParaRPr lang="en-US" altLang="ko-KR" sz="1600" b="1" dirty="0" smtClean="0">
+              <a:solidFill>
+                <a:schemeClr val="accent4"/>
+              </a:solidFill>
+            </a:endParaRPr>
+          </a:p>
+          <a:p>
+            <a:r>
+              <a:rPr lang="en-US" altLang="ko-KR" sz="1600" dirty="0" smtClean="0"/>
+              <a:t>1</a:t>
+            </a:r>
+            <a:r>
+              <a:rPr lang="ko-KR" altLang="en-US" sz="1600" dirty="0" smtClean="0"/>
+              <a:t>인 평균 급여액</a:t>
+            </a:r>
+            <a:endParaRPr lang="en-US" altLang="ko-KR" sz="1600" dirty="0" smtClean="0"/>
+          </a:p>
+          <a:p>
+            <a:r>
+              <a:rPr lang="ko-KR" altLang="en-US" sz="1600" dirty="0" smtClean="0"/>
+              <a:t>보너스 현황</a:t>
+            </a:r>
+            <a:endParaRPr lang="ko-KR" altLang="en-US" sz="1600" dirty="0"/>
+          </a:p>
+        </p:txBody>
+      </p:sp>
+    </p:spTree>
+    <p:extLst>
+      <p:ext uri="{BB962C8B-B14F-4D97-AF65-F5344CB8AC3E}">
+        <p14:creationId xmlns:p14="http://schemas.microsoft.com/office/powerpoint/2010/main" val="110943254"/>
+      </p:ext>
+    </p:extLst>
+  </p:cSld>
+  <p:clrMapOvr>
+    <a:masterClrMapping/>
+  </p:clrMapOvr>
+</p:sld>
+</file>
+
+<file path=ppt/slides/slide24.xml><?xml version="1.0" encoding="utf-8"?>
+<p:sld xmlns:a="http://schemas.openxmlformats.org/drawingml/2006/main" xmlns:r="http://schemas.openxmlformats.org/officeDocument/2006/relationships" xmlns:p="http://schemas.openxmlformats.org/presentationml/2006/main">
+  <p:cSld>
+    <p:spTree>
+      <p:nvGrpSpPr>
+        <p:cNvPr id="1" name=""/>
+        <p:cNvGrpSpPr/>
+        <p:nvPr/>
+      </p:nvGrpSpPr>
+      <p:grpSpPr>
+        <a:xfrm>
+          <a:off x="0" y="0"/>
+          <a:ext cx="0" cy="0"/>
+          <a:chOff x="0" y="0"/>
+          <a:chExt cx="0" cy="0"/>
+        </a:xfrm>
+      </p:grpSpPr>
+      <p:sp>
+        <p:nvSpPr>
+          <p:cNvPr id="4" name="직사각형 3"/>
+          <p:cNvSpPr/>
+          <p:nvPr/>
+        </p:nvSpPr>
+        <p:spPr>
+          <a:xfrm>
+            <a:off x="2788920" y="1478280"/>
+            <a:ext cx="6675120" cy="4312920"/>
+          </a:xfrm>
+          <a:prstGeom prst="rect">
+            <a:avLst/>
+          </a:prstGeom>
+          <a:noFill/>
+        </p:spPr>
+        <p:style>
+          <a:lnRef idx="2">
+            <a:schemeClr val="accent1">
+              <a:shade val="50000"/>
+            </a:schemeClr>
+          </a:lnRef>
+          <a:fillRef idx="1">
+            <a:schemeClr val="accent1"/>
+          </a:fillRef>
+          <a:effectRef idx="0">
+            <a:schemeClr val="accent1"/>
+          </a:effectRef>
+          <a:fontRef idx="minor">
+            <a:schemeClr val="lt1"/>
+          </a:fontRef>
+        </p:style>
+        <p:txBody>
+          <a:bodyPr rtlCol="0" anchor="ctr"/>
+          <a:lstStyle/>
+          <a:p>
+            <a:pPr algn="ctr"/>
+            <a:endParaRPr lang="ko-KR" altLang="en-US"/>
+          </a:p>
+        </p:txBody>
+      </p:sp>
+      <p:sp>
+        <p:nvSpPr>
+          <p:cNvPr id="5" name="직사각형 4"/>
+          <p:cNvSpPr/>
+          <p:nvPr/>
+        </p:nvSpPr>
+        <p:spPr>
+          <a:xfrm>
+            <a:off x="2788920" y="1478281"/>
+            <a:ext cx="6675120" cy="362734"/>
+          </a:xfrm>
+          <a:prstGeom prst="rect">
+            <a:avLst/>
+          </a:prstGeom>
+          <a:noFill/>
+        </p:spPr>
+        <p:style>
+          <a:lnRef idx="2">
+            <a:schemeClr val="accent1">
+              <a:shade val="50000"/>
+            </a:schemeClr>
+          </a:lnRef>
+          <a:fillRef idx="1">
+            <a:schemeClr val="accent1"/>
+          </a:fillRef>
+          <a:effectRef idx="0">
+            <a:schemeClr val="accent1"/>
+          </a:effectRef>
+          <a:fontRef idx="minor">
+            <a:schemeClr val="lt1"/>
+          </a:fontRef>
+        </p:style>
+        <p:txBody>
+          <a:bodyPr rtlCol="0" anchor="ctr"/>
+          <a:lstStyle/>
+          <a:p>
+            <a:pPr algn="ctr"/>
+            <a:endParaRPr lang="ko-KR" altLang="en-US"/>
+          </a:p>
+        </p:txBody>
+      </p:sp>
+      <p:sp>
+        <p:nvSpPr>
+          <p:cNvPr id="6" name="TextBox 5"/>
+          <p:cNvSpPr txBox="1"/>
+          <p:nvPr/>
+        </p:nvSpPr>
+        <p:spPr>
+          <a:xfrm>
+            <a:off x="2816628" y="1514765"/>
+            <a:ext cx="4350789" cy="307777"/>
+          </a:xfrm>
+          <a:prstGeom prst="rect">
+            <a:avLst/>
+          </a:prstGeom>
+          <a:noFill/>
+        </p:spPr>
+        <p:txBody>
+          <a:bodyPr wrap="square" rtlCol="0">
+            <a:spAutoFit/>
+          </a:bodyPr>
+          <a:lstStyle/>
+          <a:p>
+            <a:r>
+              <a:rPr lang="en-US" altLang="ko-KR" sz="1400" dirty="0" smtClean="0"/>
+              <a:t>YN Bank </a:t>
+            </a:r>
+            <a:r>
+              <a:rPr lang="ko-KR" altLang="en-US" sz="1400" dirty="0" smtClean="0"/>
+              <a:t>직원 프로그램</a:t>
+            </a:r>
+            <a:endParaRPr lang="ko-KR" altLang="en-US" sz="1400" dirty="0"/>
+          </a:p>
+        </p:txBody>
+      </p:sp>
+      <p:pic>
+        <p:nvPicPr>
+          <p:cNvPr id="3" name="그림 2"/>
+          <p:cNvPicPr>
+            <a:picLocks noChangeAspect="1"/>
+          </p:cNvPicPr>
+          <p:nvPr/>
+        </p:nvPicPr>
+        <p:blipFill>
+          <a:blip r:embed="rId2"/>
+          <a:stretch>
+            <a:fillRect/>
+          </a:stretch>
+        </p:blipFill>
+        <p:spPr>
+          <a:xfrm>
+            <a:off x="2847384" y="1957526"/>
+            <a:ext cx="1800476" cy="666843"/>
+          </a:xfrm>
+          <a:prstGeom prst="rect">
+            <a:avLst/>
+          </a:prstGeom>
+        </p:spPr>
+      </p:pic>
+      <p:sp>
+        <p:nvSpPr>
+          <p:cNvPr id="7" name="TextBox 6"/>
+          <p:cNvSpPr txBox="1"/>
+          <p:nvPr/>
+        </p:nvSpPr>
+        <p:spPr>
+          <a:xfrm>
+            <a:off x="4706324" y="2137058"/>
+            <a:ext cx="1263413" cy="307777"/>
+          </a:xfrm>
+          <a:prstGeom prst="rect">
+            <a:avLst/>
+          </a:prstGeom>
+          <a:noFill/>
+        </p:spPr>
+        <p:txBody>
+          <a:bodyPr wrap="square" rtlCol="0">
+            <a:spAutoFit/>
+          </a:bodyPr>
+          <a:lstStyle/>
+          <a:p>
+            <a:r>
+              <a:rPr lang="ko-KR" altLang="en-US" sz="1400" b="1" dirty="0" smtClean="0"/>
+              <a:t>사원관리</a:t>
+            </a:r>
+            <a:endParaRPr lang="ko-KR" altLang="en-US" sz="1400" b="1" dirty="0"/>
+          </a:p>
+        </p:txBody>
+      </p:sp>
+      <p:sp>
+        <p:nvSpPr>
+          <p:cNvPr id="33" name="TextBox 32"/>
+          <p:cNvSpPr txBox="1"/>
+          <p:nvPr/>
+        </p:nvSpPr>
+        <p:spPr>
+          <a:xfrm>
+            <a:off x="5892800" y="2137058"/>
+            <a:ext cx="1497093" cy="307777"/>
+          </a:xfrm>
+          <a:prstGeom prst="rect">
+            <a:avLst/>
+          </a:prstGeom>
+          <a:noFill/>
+        </p:spPr>
+        <p:txBody>
+          <a:bodyPr wrap="square" rtlCol="0">
+            <a:spAutoFit/>
+          </a:bodyPr>
+          <a:lstStyle/>
+          <a:p>
+            <a:r>
+              <a:rPr lang="ko-KR" altLang="en-US" sz="1400" b="1" smtClean="0"/>
+              <a:t>고객 정보 관리</a:t>
+            </a:r>
+            <a:endParaRPr lang="ko-KR" altLang="en-US" sz="1400" b="1" dirty="0"/>
+          </a:p>
+        </p:txBody>
+      </p:sp>
+      <p:sp>
+        <p:nvSpPr>
+          <p:cNvPr id="34" name="TextBox 33"/>
+          <p:cNvSpPr txBox="1"/>
+          <p:nvPr/>
+        </p:nvSpPr>
+        <p:spPr>
+          <a:xfrm>
+            <a:off x="7462982" y="2137058"/>
+            <a:ext cx="1513191" cy="307777"/>
+          </a:xfrm>
+          <a:prstGeom prst="rect">
+            <a:avLst/>
+          </a:prstGeom>
+          <a:noFill/>
+        </p:spPr>
+        <p:txBody>
+          <a:bodyPr wrap="square" rtlCol="0">
+            <a:spAutoFit/>
+          </a:bodyPr>
+          <a:lstStyle/>
+          <a:p>
+            <a:r>
+              <a:rPr lang="ko-KR" altLang="en-US" sz="1400" b="1" smtClean="0"/>
+              <a:t>은행 업무 관리</a:t>
+            </a:r>
+            <a:endParaRPr lang="ko-KR" altLang="en-US" sz="1400" b="1" dirty="0"/>
+          </a:p>
+        </p:txBody>
+      </p:sp>
+      <p:sp>
+        <p:nvSpPr>
+          <p:cNvPr id="8" name="TextBox 7"/>
+          <p:cNvSpPr txBox="1"/>
+          <p:nvPr/>
+        </p:nvSpPr>
+        <p:spPr>
+          <a:xfrm>
+            <a:off x="4786401" y="2532854"/>
+            <a:ext cx="983951" cy="307777"/>
+          </a:xfrm>
+          <a:prstGeom prst="rect">
+            <a:avLst/>
+          </a:prstGeom>
+          <a:noFill/>
+          <a:ln>
+            <a:noFill/>
+          </a:ln>
+        </p:spPr>
+        <p:txBody>
+          <a:bodyPr wrap="square" rtlCol="0">
+            <a:spAutoFit/>
+          </a:bodyPr>
+          <a:lstStyle/>
+          <a:p>
+            <a:endParaRPr lang="en-US" altLang="ko-KR" sz="1400" dirty="0" smtClean="0"/>
+          </a:p>
+        </p:txBody>
+      </p:sp>
+      <p:sp>
+        <p:nvSpPr>
+          <p:cNvPr id="10" name="직사각형 9"/>
+          <p:cNvSpPr/>
+          <p:nvPr/>
+        </p:nvSpPr>
+        <p:spPr>
+          <a:xfrm>
+            <a:off x="4821382" y="2553425"/>
+            <a:ext cx="948970" cy="277218"/>
+          </a:xfrm>
+          <a:prstGeom prst="rect">
+            <a:avLst/>
+          </a:prstGeom>
+          <a:solidFill>
+            <a:schemeClr val="bg1"/>
+          </a:solidFill>
+          <a:ln>
+            <a:noFill/>
+          </a:ln>
+        </p:spPr>
+        <p:style>
+          <a:lnRef idx="2">
+            <a:schemeClr val="accent1">
+              <a:shade val="50000"/>
+            </a:schemeClr>
+          </a:lnRef>
+          <a:fillRef idx="1">
+            <a:schemeClr val="accent1"/>
+          </a:fillRef>
+          <a:effectRef idx="0">
+            <a:schemeClr val="accent1"/>
+          </a:effectRef>
+          <a:fontRef idx="minor">
+            <a:schemeClr val="lt1"/>
+          </a:fontRef>
+        </p:style>
+        <p:txBody>
+          <a:bodyPr rtlCol="0" anchor="ctr"/>
+          <a:lstStyle/>
+          <a:p>
+            <a:pPr algn="ctr"/>
+            <a:endParaRPr lang="ko-KR" altLang="en-US"/>
+          </a:p>
+        </p:txBody>
+      </p:sp>
+      <p:sp>
+        <p:nvSpPr>
+          <p:cNvPr id="2" name="직사각형 1"/>
+          <p:cNvSpPr/>
+          <p:nvPr/>
+        </p:nvSpPr>
+        <p:spPr>
+          <a:xfrm>
+            <a:off x="2955636" y="2624369"/>
+            <a:ext cx="6382328" cy="3046758"/>
+          </a:xfrm>
+          <a:prstGeom prst="rect">
+            <a:avLst/>
+          </a:prstGeom>
+          <a:solidFill>
+            <a:schemeClr val="accent4">
+              <a:lumMod val="20000"/>
+              <a:lumOff val="80000"/>
+            </a:schemeClr>
+          </a:solidFill>
+          <a:ln>
+            <a:noFill/>
+          </a:ln>
+        </p:spPr>
+        <p:style>
+          <a:lnRef idx="2">
+            <a:schemeClr val="accent1">
+              <a:shade val="50000"/>
+            </a:schemeClr>
+          </a:lnRef>
+          <a:fillRef idx="1">
+            <a:schemeClr val="accent1"/>
+          </a:fillRef>
+          <a:effectRef idx="0">
+            <a:schemeClr val="accent1"/>
+          </a:effectRef>
+          <a:fontRef idx="minor">
+            <a:schemeClr val="lt1"/>
+          </a:fontRef>
+        </p:style>
+        <p:txBody>
+          <a:bodyPr rtlCol="0" anchor="ctr"/>
+          <a:lstStyle/>
+          <a:p>
+            <a:pPr algn="ctr"/>
+            <a:endParaRPr lang="ko-KR" altLang="en-US"/>
+          </a:p>
+        </p:txBody>
+      </p:sp>
+      <p:sp>
+        <p:nvSpPr>
           <p:cNvPr id="14" name="모서리가 둥근 직사각형 13"/>
           <p:cNvSpPr/>
           <p:nvPr/>
@@ -20583,7 +23758,7 @@
             </a:r>
             <a:r>
               <a:rPr lang="en-US" altLang="ko-KR" sz="800" noProof="1" smtClean="0"/>
-              <a:t>m%</a:t>
+              <a:t>b%</a:t>
             </a:r>
             <a:endParaRPr lang="ko-KR" altLang="en-US" sz="800" noProof="1"/>
           </a:p>
@@ -20617,7 +23792,7 @@
             </a:r>
             <a:r>
               <a:rPr lang="en-US" altLang="ko-KR" sz="800" noProof="1" smtClean="0"/>
-              <a:t>n%</a:t>
+              <a:t>a%</a:t>
             </a:r>
             <a:endParaRPr lang="ko-KR" altLang="en-US" sz="800" noProof="1"/>
           </a:p>
@@ -21542,11 +24717,7 @@
           <a:p>
             <a:r>
               <a:rPr lang="en-US" altLang="ko-KR" dirty="0" smtClean="0"/>
-              <a:t>Main- </a:t>
-            </a:r>
-            <a:r>
-              <a:rPr lang="en-US" altLang="ko-KR" dirty="0" smtClean="0"/>
-              <a:t>Login – case1: success</a:t>
+              <a:t>Main- Login – case1: success</a:t>
             </a:r>
             <a:endParaRPr lang="ko-KR" altLang="en-US" dirty="0"/>
           </a:p>
@@ -22057,11 +25228,7 @@
           <a:p>
             <a:r>
               <a:rPr lang="en-US" altLang="ko-KR" dirty="0" smtClean="0"/>
-              <a:t>Main- </a:t>
-            </a:r>
-            <a:r>
-              <a:rPr lang="en-US" altLang="ko-KR" dirty="0" smtClean="0"/>
-              <a:t>Login – case2: fail</a:t>
+              <a:t>Main- Login – case2: fail</a:t>
             </a:r>
             <a:endParaRPr lang="ko-KR" altLang="en-US" dirty="0"/>
           </a:p>

--- a/file/NEW UI 설계화면.pptx
+++ b/file/NEW UI 설계화면.pptx
@@ -23,12 +23,13 @@
     <p:sldId id="273" r:id="rId17"/>
     <p:sldId id="276" r:id="rId18"/>
     <p:sldId id="272" r:id="rId19"/>
-    <p:sldId id="279" r:id="rId20"/>
-    <p:sldId id="280" r:id="rId21"/>
-    <p:sldId id="281" r:id="rId22"/>
-    <p:sldId id="274" r:id="rId23"/>
-    <p:sldId id="277" r:id="rId24"/>
-    <p:sldId id="278" r:id="rId25"/>
+    <p:sldId id="274" r:id="rId20"/>
+    <p:sldId id="277" r:id="rId21"/>
+    <p:sldId id="278" r:id="rId22"/>
+    <p:sldId id="279" r:id="rId23"/>
+    <p:sldId id="280" r:id="rId24"/>
+    <p:sldId id="281" r:id="rId25"/>
+    <p:sldId id="282" r:id="rId26"/>
   </p:sldIdLst>
   <p:sldSz cx="12192000" cy="6858000"/>
   <p:notesSz cx="6858000" cy="9144000"/>
@@ -17581,52 +17582,6 @@
           </a:p>
         </p:txBody>
       </p:sp>
-      <p:sp>
-        <p:nvSpPr>
-          <p:cNvPr id="17" name="TextBox 16"/>
-          <p:cNvSpPr txBox="1"/>
-          <p:nvPr/>
-        </p:nvSpPr>
-        <p:spPr>
-          <a:xfrm>
-            <a:off x="985395" y="458031"/>
-            <a:ext cx="4629003" cy="369332"/>
-          </a:xfrm>
-          <a:prstGeom prst="rect">
-            <a:avLst/>
-          </a:prstGeom>
-          <a:noFill/>
-        </p:spPr>
-        <p:txBody>
-          <a:bodyPr wrap="square" rtlCol="0">
-            <a:spAutoFit/>
-          </a:bodyPr>
-          <a:lstStyle/>
-          <a:p>
-            <a:r>
-              <a:rPr lang="en-US" altLang="ko-KR" dirty="0" smtClean="0"/>
-              <a:t>Main- </a:t>
-            </a:r>
-            <a:r>
-              <a:rPr lang="en-US" altLang="ko-KR" noProof="1" smtClean="0"/>
-              <a:t>MainFrame &gt; </a:t>
-            </a:r>
-            <a:r>
-              <a:rPr lang="ko-KR" altLang="en-US" noProof="1" smtClean="0"/>
-              <a:t>사원관리 </a:t>
-            </a:r>
-            <a:r>
-              <a:rPr lang="en-US" altLang="ko-KR" noProof="1" smtClean="0"/>
-              <a:t>&gt; </a:t>
-            </a:r>
-            <a:r>
-              <a:rPr lang="ko-KR" altLang="en-US" noProof="1" smtClean="0"/>
-              <a:t>사원권한</a:t>
-            </a:r>
-            <a:endParaRPr lang="en-US" altLang="ko-KR" noProof="1"/>
-          </a:p>
-        </p:txBody>
-      </p:sp>
       <p:pic>
         <p:nvPicPr>
           <p:cNvPr id="3" name="그림 2"/>
@@ -17674,18 +17629,10 @@
           <a:lstStyle/>
           <a:p>
             <a:r>
-              <a:rPr lang="ko-KR" altLang="en-US" sz="1400" b="1" dirty="0" smtClean="0">
-                <a:solidFill>
-                  <a:srgbClr val="FFC000"/>
-                </a:solidFill>
-              </a:rPr>
+              <a:rPr lang="ko-KR" altLang="en-US" sz="1400" b="1" dirty="0" smtClean="0"/>
               <a:t>사원관리</a:t>
             </a:r>
-            <a:endParaRPr lang="ko-KR" altLang="en-US" sz="1400" b="1" dirty="0">
-              <a:solidFill>
-                <a:srgbClr val="FFC000"/>
-              </a:solidFill>
-            </a:endParaRPr>
+            <a:endParaRPr lang="ko-KR" altLang="en-US" sz="1400" b="1" dirty="0"/>
           </a:p>
         </p:txBody>
       </p:sp>
@@ -17746,191 +17693,6 @@
               <a:t>은행 업무 관리</a:t>
             </a:r>
             <a:endParaRPr lang="ko-KR" altLang="en-US" sz="1400" b="1" dirty="0"/>
-          </a:p>
-        </p:txBody>
-      </p:sp>
-      <p:sp>
-        <p:nvSpPr>
-          <p:cNvPr id="35" name="TextBox 34"/>
-          <p:cNvSpPr txBox="1"/>
-          <p:nvPr/>
-        </p:nvSpPr>
-        <p:spPr>
-          <a:xfrm>
-            <a:off x="4950691" y="2900218"/>
-            <a:ext cx="1801091" cy="276999"/>
-          </a:xfrm>
-          <a:prstGeom prst="rect">
-            <a:avLst/>
-          </a:prstGeom>
-          <a:noFill/>
-        </p:spPr>
-        <p:txBody>
-          <a:bodyPr wrap="square" rtlCol="0">
-            <a:spAutoFit/>
-          </a:bodyPr>
-          <a:lstStyle/>
-          <a:p>
-            <a:r>
-              <a:rPr lang="ko-KR" altLang="en-US" sz="1200" noProof="1" smtClean="0"/>
-              <a:t>테스트님 환영합니다 </a:t>
-            </a:r>
-            <a:r>
-              <a:rPr lang="en-US" altLang="ko-KR" sz="1200" noProof="1" smtClean="0"/>
-              <a:t>~</a:t>
-            </a:r>
-            <a:endParaRPr lang="ko-KR" altLang="en-US" sz="1200" noProof="1"/>
-          </a:p>
-        </p:txBody>
-      </p:sp>
-      <p:sp>
-        <p:nvSpPr>
-          <p:cNvPr id="36" name="직사각형 35"/>
-          <p:cNvSpPr/>
-          <p:nvPr/>
-        </p:nvSpPr>
-        <p:spPr>
-          <a:xfrm>
-            <a:off x="6751782" y="2900218"/>
-            <a:ext cx="1062182" cy="276999"/>
-          </a:xfrm>
-          <a:prstGeom prst="rect">
-            <a:avLst/>
-          </a:prstGeom>
-          <a:solidFill>
-            <a:schemeClr val="bg2">
-              <a:lumMod val="90000"/>
-            </a:schemeClr>
-          </a:solidFill>
-        </p:spPr>
-        <p:style>
-          <a:lnRef idx="2">
-            <a:schemeClr val="accent1">
-              <a:shade val="50000"/>
-            </a:schemeClr>
-          </a:lnRef>
-          <a:fillRef idx="1">
-            <a:schemeClr val="accent1"/>
-          </a:fillRef>
-          <a:effectRef idx="0">
-            <a:schemeClr val="accent1"/>
-          </a:effectRef>
-          <a:fontRef idx="minor">
-            <a:schemeClr val="lt1"/>
-          </a:fontRef>
-        </p:style>
-        <p:txBody>
-          <a:bodyPr rtlCol="0" anchor="ctr"/>
-          <a:lstStyle/>
-          <a:p>
-            <a:pPr algn="ctr"/>
-            <a:endParaRPr lang="ko-KR" altLang="en-US"/>
-          </a:p>
-        </p:txBody>
-      </p:sp>
-      <p:sp>
-        <p:nvSpPr>
-          <p:cNvPr id="37" name="TextBox 36"/>
-          <p:cNvSpPr txBox="1"/>
-          <p:nvPr/>
-        </p:nvSpPr>
-        <p:spPr>
-          <a:xfrm>
-            <a:off x="6890323" y="2900218"/>
-            <a:ext cx="1801091" cy="276999"/>
-          </a:xfrm>
-          <a:prstGeom prst="rect">
-            <a:avLst/>
-          </a:prstGeom>
-          <a:noFill/>
-        </p:spPr>
-        <p:txBody>
-          <a:bodyPr wrap="square" rtlCol="0">
-            <a:spAutoFit/>
-          </a:bodyPr>
-          <a:lstStyle/>
-          <a:p>
-            <a:r>
-              <a:rPr lang="ko-KR" altLang="en-US" sz="1200" noProof="1" smtClean="0"/>
-              <a:t>로그아웃</a:t>
-            </a:r>
-            <a:endParaRPr lang="ko-KR" altLang="en-US" sz="1200" noProof="1"/>
-          </a:p>
-        </p:txBody>
-      </p:sp>
-      <p:pic>
-        <p:nvPicPr>
-          <p:cNvPr id="38" name="그림 37"/>
-          <p:cNvPicPr>
-            <a:picLocks noChangeAspect="1"/>
-          </p:cNvPicPr>
-          <p:nvPr/>
-        </p:nvPicPr>
-        <p:blipFill>
-          <a:blip r:embed="rId3" cstate="print">
-            <a:extLst>
-              <a:ext uri="{28A0092B-C50C-407E-A947-70E740481C1C}">
-                <a14:useLocalDpi xmlns:a14="http://schemas.microsoft.com/office/drawing/2010/main" val="0"/>
-              </a:ext>
-            </a:extLst>
-          </a:blip>
-          <a:stretch>
-            <a:fillRect/>
-          </a:stretch>
-        </p:blipFill>
-        <p:spPr>
-          <a:xfrm>
-            <a:off x="5623242" y="3462332"/>
-            <a:ext cx="692989" cy="692989"/>
-          </a:xfrm>
-          <a:prstGeom prst="rect">
-            <a:avLst/>
-          </a:prstGeom>
-        </p:spPr>
-      </p:pic>
-      <p:sp>
-        <p:nvSpPr>
-          <p:cNvPr id="39" name="TextBox 38"/>
-          <p:cNvSpPr txBox="1"/>
-          <p:nvPr/>
-        </p:nvSpPr>
-        <p:spPr>
-          <a:xfrm>
-            <a:off x="3694545" y="4488872"/>
-            <a:ext cx="5209310" cy="584775"/>
-          </a:xfrm>
-          <a:prstGeom prst="rect">
-            <a:avLst/>
-          </a:prstGeom>
-          <a:noFill/>
-        </p:spPr>
-        <p:txBody>
-          <a:bodyPr wrap="square" rtlCol="0">
-            <a:spAutoFit/>
-          </a:bodyPr>
-          <a:lstStyle/>
-          <a:p>
-            <a:r>
-              <a:rPr lang="en-US" altLang="ko-KR" sz="3200" b="1" dirty="0" smtClean="0">
-                <a:effectLst>
-                  <a:outerShdw blurRad="38100" dist="38100" dir="2700000" algn="tl">
-                    <a:srgbClr val="000000">
-                      <a:alpha val="43137"/>
-                    </a:srgbClr>
-                  </a:outerShdw>
-                </a:effectLst>
-              </a:rPr>
-              <a:t>Better Financial Support</a:t>
-            </a:r>
-            <a:endParaRPr lang="ko-KR" altLang="en-US" sz="3200" b="1" dirty="0">
-              <a:effectLst>
-                <a:outerShdw blurRad="38100" dist="38100" dir="2700000" algn="tl">
-                  <a:srgbClr val="000000">
-                    <a:alpha val="43137"/>
-                  </a:srgbClr>
-                </a:outerShdw>
-              </a:effectLst>
-            </a:endParaRPr>
           </a:p>
         </p:txBody>
       </p:sp>
@@ -18011,79 +17773,23 @@
       </p:sp>
       <p:sp>
         <p:nvSpPr>
-          <p:cNvPr id="11" name="TextBox 10"/>
-          <p:cNvSpPr txBox="1"/>
-          <p:nvPr/>
-        </p:nvSpPr>
-        <p:spPr>
-          <a:xfrm>
-            <a:off x="4830624" y="2561541"/>
-            <a:ext cx="914132" cy="276999"/>
-          </a:xfrm>
-          <a:prstGeom prst="rect">
-            <a:avLst/>
-          </a:prstGeom>
-          <a:noFill/>
-        </p:spPr>
-        <p:txBody>
-          <a:bodyPr wrap="square" rtlCol="0">
-            <a:spAutoFit/>
-          </a:bodyPr>
-          <a:lstStyle/>
-          <a:p>
-            <a:r>
-              <a:rPr lang="ko-KR" altLang="en-US" sz="1200" dirty="0" smtClean="0"/>
-              <a:t>사원 검색</a:t>
-            </a:r>
-            <a:endParaRPr lang="ko-KR" altLang="en-US" sz="1200" dirty="0"/>
-          </a:p>
-        </p:txBody>
-      </p:sp>
-      <p:sp>
-        <p:nvSpPr>
-          <p:cNvPr id="20" name="TextBox 19"/>
-          <p:cNvSpPr txBox="1"/>
-          <p:nvPr/>
-        </p:nvSpPr>
-        <p:spPr>
-          <a:xfrm>
-            <a:off x="4786139" y="2855452"/>
-            <a:ext cx="983951" cy="307777"/>
-          </a:xfrm>
-          <a:prstGeom prst="rect">
-            <a:avLst/>
-          </a:prstGeom>
-          <a:noFill/>
-          <a:ln>
-            <a:noFill/>
-          </a:ln>
-        </p:spPr>
-        <p:txBody>
-          <a:bodyPr wrap="square" rtlCol="0">
-            <a:spAutoFit/>
-          </a:bodyPr>
-          <a:lstStyle/>
-          <a:p>
-            <a:endParaRPr lang="en-US" altLang="ko-KR" sz="1400" dirty="0" smtClean="0"/>
-          </a:p>
-        </p:txBody>
-      </p:sp>
-      <p:sp>
-        <p:nvSpPr>
-          <p:cNvPr id="21" name="직사각형 20"/>
+          <p:cNvPr id="2" name="직사각형 1"/>
           <p:cNvSpPr/>
           <p:nvPr/>
         </p:nvSpPr>
         <p:spPr>
           <a:xfrm>
-            <a:off x="4821120" y="2876023"/>
-            <a:ext cx="948970" cy="277218"/>
+            <a:off x="2955636" y="2624369"/>
+            <a:ext cx="6382328" cy="3046758"/>
           </a:xfrm>
           <a:prstGeom prst="rect">
             <a:avLst/>
           </a:prstGeom>
           <a:solidFill>
-            <a:schemeClr val="bg1"/>
+            <a:schemeClr val="accent4">
+              <a:lumMod val="20000"/>
+              <a:lumOff val="80000"/>
+            </a:schemeClr>
           </a:solidFill>
           <a:ln>
             <a:noFill/>
@@ -18116,180 +17822,21 @@
       </p:sp>
       <p:sp>
         <p:nvSpPr>
-          <p:cNvPr id="22" name="TextBox 21"/>
-          <p:cNvSpPr txBox="1"/>
-          <p:nvPr/>
-        </p:nvSpPr>
-        <p:spPr>
-          <a:xfrm>
-            <a:off x="4830362" y="2884139"/>
-            <a:ext cx="914132" cy="276999"/>
-          </a:xfrm>
-          <a:prstGeom prst="rect">
-            <a:avLst/>
-          </a:prstGeom>
-          <a:noFill/>
-        </p:spPr>
-        <p:txBody>
-          <a:bodyPr wrap="square" rtlCol="0">
-            <a:spAutoFit/>
-          </a:bodyPr>
-          <a:lstStyle/>
-          <a:p>
-            <a:r>
-              <a:rPr lang="ko-KR" altLang="en-US" sz="1200" dirty="0" smtClean="0"/>
-              <a:t>사원 정보</a:t>
-            </a:r>
-            <a:endParaRPr lang="ko-KR" altLang="en-US" sz="1200" dirty="0"/>
-          </a:p>
-        </p:txBody>
-      </p:sp>
-      <p:sp>
-        <p:nvSpPr>
-          <p:cNvPr id="23" name="TextBox 22"/>
-          <p:cNvSpPr txBox="1"/>
-          <p:nvPr/>
-        </p:nvSpPr>
-        <p:spPr>
-          <a:xfrm>
-            <a:off x="4846716" y="3156646"/>
-            <a:ext cx="983951" cy="307777"/>
-          </a:xfrm>
-          <a:prstGeom prst="rect">
-            <a:avLst/>
-          </a:prstGeom>
-          <a:noFill/>
-          <a:ln>
-            <a:noFill/>
-          </a:ln>
-        </p:spPr>
-        <p:txBody>
-          <a:bodyPr wrap="square" rtlCol="0">
-            <a:spAutoFit/>
-          </a:bodyPr>
-          <a:lstStyle/>
-          <a:p>
-            <a:endParaRPr lang="en-US" altLang="ko-KR" sz="1400" dirty="0" smtClean="0"/>
-          </a:p>
-        </p:txBody>
-      </p:sp>
-      <p:sp>
-        <p:nvSpPr>
-          <p:cNvPr id="24" name="직사각형 23"/>
+          <p:cNvPr id="14" name="모서리가 둥근 직사각형 13"/>
           <p:cNvSpPr/>
           <p:nvPr/>
         </p:nvSpPr>
         <p:spPr>
           <a:xfrm>
-            <a:off x="4881697" y="3177217"/>
-            <a:ext cx="948970" cy="277218"/>
-          </a:xfrm>
-          <a:prstGeom prst="rect">
+            <a:off x="8366863" y="5174098"/>
+            <a:ext cx="773477" cy="335840"/>
+          </a:xfrm>
+          <a:prstGeom prst="roundRect">
             <a:avLst/>
           </a:prstGeom>
           <a:solidFill>
             <a:schemeClr val="bg1"/>
           </a:solidFill>
-          <a:ln>
-            <a:noFill/>
-          </a:ln>
-        </p:spPr>
-        <p:style>
-          <a:lnRef idx="2">
-            <a:schemeClr val="accent1">
-              <a:shade val="50000"/>
-            </a:schemeClr>
-          </a:lnRef>
-          <a:fillRef idx="1">
-            <a:schemeClr val="accent1"/>
-          </a:fillRef>
-          <a:effectRef idx="0">
-            <a:schemeClr val="accent1"/>
-          </a:effectRef>
-          <a:fontRef idx="minor">
-            <a:schemeClr val="lt1"/>
-          </a:fontRef>
-        </p:style>
-        <p:txBody>
-          <a:bodyPr rtlCol="0" anchor="ctr"/>
-          <a:lstStyle/>
-          <a:p>
-            <a:pPr algn="ctr"/>
-            <a:endParaRPr lang="ko-KR" altLang="en-US"/>
-          </a:p>
-        </p:txBody>
-      </p:sp>
-      <p:sp>
-        <p:nvSpPr>
-          <p:cNvPr id="25" name="TextBox 24"/>
-          <p:cNvSpPr txBox="1"/>
-          <p:nvPr/>
-        </p:nvSpPr>
-        <p:spPr>
-          <a:xfrm>
-            <a:off x="4817051" y="3185333"/>
-            <a:ext cx="914132" cy="276999"/>
-          </a:xfrm>
-          <a:prstGeom prst="rect">
-            <a:avLst/>
-          </a:prstGeom>
-          <a:solidFill>
-            <a:schemeClr val="accent4"/>
-          </a:solidFill>
-        </p:spPr>
-        <p:txBody>
-          <a:bodyPr wrap="square" rtlCol="0">
-            <a:spAutoFit/>
-          </a:bodyPr>
-          <a:lstStyle/>
-          <a:p>
-            <a:r>
-              <a:rPr lang="ko-KR" altLang="en-US" sz="1200" dirty="0" smtClean="0"/>
-              <a:t>사원 권한</a:t>
-            </a:r>
-            <a:endParaRPr lang="ko-KR" altLang="en-US" sz="1200" dirty="0"/>
-          </a:p>
-        </p:txBody>
-      </p:sp>
-      <p:pic>
-        <p:nvPicPr>
-          <p:cNvPr id="26" name="그림 25"/>
-          <p:cNvPicPr>
-            <a:picLocks noChangeAspect="1"/>
-          </p:cNvPicPr>
-          <p:nvPr/>
-        </p:nvPicPr>
-        <p:blipFill>
-          <a:blip r:embed="rId4"/>
-          <a:stretch>
-            <a:fillRect/>
-          </a:stretch>
-        </p:blipFill>
-        <p:spPr>
-          <a:xfrm>
-            <a:off x="5614398" y="2916059"/>
-            <a:ext cx="95263" cy="181000"/>
-          </a:xfrm>
-          <a:prstGeom prst="rect">
-            <a:avLst/>
-          </a:prstGeom>
-        </p:spPr>
-      </p:pic>
-      <p:sp>
-        <p:nvSpPr>
-          <p:cNvPr id="12" name="직사각형 11"/>
-          <p:cNvSpPr/>
-          <p:nvPr/>
-        </p:nvSpPr>
-        <p:spPr>
-          <a:xfrm>
-            <a:off x="4817051" y="2532854"/>
-            <a:ext cx="914132" cy="929478"/>
-          </a:xfrm>
-          <a:prstGeom prst="rect">
-            <a:avLst/>
-          </a:prstGeom>
-          <a:noFill/>
           <a:ln>
             <a:solidFill>
               <a:schemeClr val="bg2">
@@ -18323,10 +17870,150 @@
           </a:p>
         </p:txBody>
       </p:sp>
+      <p:sp>
+        <p:nvSpPr>
+          <p:cNvPr id="15" name="TextBox 14"/>
+          <p:cNvSpPr txBox="1"/>
+          <p:nvPr/>
+        </p:nvSpPr>
+        <p:spPr>
+          <a:xfrm>
+            <a:off x="8483585" y="5202161"/>
+            <a:ext cx="662643" cy="307777"/>
+          </a:xfrm>
+          <a:prstGeom prst="rect">
+            <a:avLst/>
+          </a:prstGeom>
+          <a:noFill/>
+        </p:spPr>
+        <p:txBody>
+          <a:bodyPr wrap="square" rtlCol="0">
+            <a:spAutoFit/>
+          </a:bodyPr>
+          <a:lstStyle/>
+          <a:p>
+            <a:r>
+              <a:rPr lang="ko-KR" altLang="en-US" sz="1400" dirty="0" smtClean="0"/>
+              <a:t>조회</a:t>
+            </a:r>
+            <a:endParaRPr lang="ko-KR" altLang="en-US" sz="1400" dirty="0"/>
+          </a:p>
+        </p:txBody>
+      </p:sp>
+      <p:sp>
+        <p:nvSpPr>
+          <p:cNvPr id="35" name="TextBox 34"/>
+          <p:cNvSpPr txBox="1"/>
+          <p:nvPr/>
+        </p:nvSpPr>
+        <p:spPr>
+          <a:xfrm>
+            <a:off x="985395" y="458031"/>
+            <a:ext cx="8478645" cy="369332"/>
+          </a:xfrm>
+          <a:prstGeom prst="rect">
+            <a:avLst/>
+          </a:prstGeom>
+          <a:noFill/>
+        </p:spPr>
+        <p:txBody>
+          <a:bodyPr wrap="square" rtlCol="0">
+            <a:spAutoFit/>
+          </a:bodyPr>
+          <a:lstStyle/>
+          <a:p>
+            <a:r>
+              <a:rPr lang="en-US" altLang="ko-KR" dirty="0" smtClean="0"/>
+              <a:t>Main- </a:t>
+            </a:r>
+            <a:r>
+              <a:rPr lang="en-US" altLang="ko-KR" noProof="1" smtClean="0"/>
+              <a:t>MainFrame &gt; </a:t>
+            </a:r>
+            <a:r>
+              <a:rPr lang="ko-KR" altLang="en-US" noProof="1" smtClean="0"/>
+              <a:t>사원관리 </a:t>
+            </a:r>
+            <a:r>
+              <a:rPr lang="en-US" altLang="ko-KR" noProof="1" smtClean="0"/>
+              <a:t>&gt; </a:t>
+            </a:r>
+            <a:r>
+              <a:rPr lang="ko-KR" altLang="en-US" noProof="1" smtClean="0"/>
+              <a:t>사원정보  </a:t>
+            </a:r>
+            <a:r>
+              <a:rPr lang="en-US" altLang="ko-KR" noProof="1" smtClean="0"/>
+              <a:t>&gt; </a:t>
+            </a:r>
+            <a:r>
+              <a:rPr lang="ko-KR" altLang="en-US" noProof="1" smtClean="0"/>
+              <a:t>사원 현황 조회</a:t>
+            </a:r>
+            <a:endParaRPr lang="en-US" altLang="ko-KR" noProof="1"/>
+          </a:p>
+        </p:txBody>
+      </p:sp>
+      <p:sp>
+        <p:nvSpPr>
+          <p:cNvPr id="11" name="TextBox 10"/>
+          <p:cNvSpPr txBox="1"/>
+          <p:nvPr/>
+        </p:nvSpPr>
+        <p:spPr>
+          <a:xfrm>
+            <a:off x="3095625" y="2792537"/>
+            <a:ext cx="3799721" cy="830997"/>
+          </a:xfrm>
+          <a:prstGeom prst="rect">
+            <a:avLst/>
+          </a:prstGeom>
+          <a:noFill/>
+        </p:spPr>
+        <p:txBody>
+          <a:bodyPr wrap="square" rtlCol="0">
+            <a:spAutoFit/>
+          </a:bodyPr>
+          <a:lstStyle/>
+          <a:p>
+            <a:r>
+              <a:rPr lang="ko-KR" altLang="en-US" sz="1600" dirty="0" smtClean="0"/>
+              <a:t>전체 직원 수</a:t>
+            </a:r>
+            <a:r>
+              <a:rPr lang="en-US" altLang="ko-KR" sz="1600" dirty="0" smtClean="0"/>
+              <a:t>/ </a:t>
+            </a:r>
+            <a:r>
+              <a:rPr lang="ko-KR" altLang="en-US" sz="1600" dirty="0" smtClean="0"/>
+              <a:t>부서별 직원 비율</a:t>
+            </a:r>
+            <a:endParaRPr lang="en-US" altLang="ko-KR" sz="1600" dirty="0" smtClean="0"/>
+          </a:p>
+          <a:p>
+            <a:r>
+              <a:rPr lang="en-US" altLang="ko-KR" sz="1600" dirty="0" smtClean="0"/>
+              <a:t>1</a:t>
+            </a:r>
+            <a:r>
+              <a:rPr lang="ko-KR" altLang="en-US" sz="1600" dirty="0" smtClean="0"/>
+              <a:t>인 평균 급여액</a:t>
+            </a:r>
+            <a:endParaRPr lang="en-US" altLang="ko-KR" sz="1600" dirty="0" smtClean="0"/>
+          </a:p>
+          <a:p>
+            <a:r>
+              <a:rPr lang="ko-KR" altLang="en-US" sz="1600" dirty="0" smtClean="0"/>
+              <a:t>보너스 현황</a:t>
+            </a:r>
+            <a:endParaRPr lang="ko-KR" altLang="en-US" sz="1600" dirty="0"/>
+          </a:p>
+        </p:txBody>
+      </p:sp>
     </p:spTree>
     <p:extLst>
       <p:ext uri="{BB962C8B-B14F-4D97-AF65-F5344CB8AC3E}">
-        <p14:creationId xmlns:p14="http://schemas.microsoft.com/office/powerpoint/2010/main" val="2114859235"/>
+        <p14:creationId xmlns:p14="http://schemas.microsoft.com/office/powerpoint/2010/main" val="2594051761"/>
       </p:ext>
     </p:extLst>
   </p:cSld>
@@ -19548,150 +19235,20 @@
       </p:sp>
       <p:sp>
         <p:nvSpPr>
-          <p:cNvPr id="9" name="직사각형 8"/>
-          <p:cNvSpPr/>
-          <p:nvPr/>
-        </p:nvSpPr>
-        <p:spPr>
-          <a:xfrm>
-            <a:off x="3168073" y="2752436"/>
-            <a:ext cx="2946400" cy="341746"/>
-          </a:xfrm>
-          <a:prstGeom prst="rect">
-            <a:avLst/>
-          </a:prstGeom>
-          <a:solidFill>
-            <a:schemeClr val="bg1"/>
-          </a:solidFill>
-          <a:ln>
-            <a:noFill/>
-          </a:ln>
-        </p:spPr>
-        <p:style>
-          <a:lnRef idx="2">
-            <a:schemeClr val="accent1">
-              <a:shade val="50000"/>
-            </a:schemeClr>
-          </a:lnRef>
-          <a:fillRef idx="1">
-            <a:schemeClr val="accent1"/>
-          </a:fillRef>
-          <a:effectRef idx="0">
-            <a:schemeClr val="accent1"/>
-          </a:effectRef>
-          <a:fontRef idx="minor">
-            <a:schemeClr val="lt1"/>
-          </a:fontRef>
-        </p:style>
-        <p:txBody>
-          <a:bodyPr rtlCol="0" anchor="ctr"/>
-          <a:lstStyle/>
-          <a:p>
-            <a:pPr algn="ctr"/>
-            <a:endParaRPr lang="ko-KR" altLang="en-US"/>
-          </a:p>
-        </p:txBody>
-      </p:sp>
-      <p:sp>
-        <p:nvSpPr>
-          <p:cNvPr id="28" name="직사각형 27"/>
-          <p:cNvSpPr/>
-          <p:nvPr/>
-        </p:nvSpPr>
-        <p:spPr>
-          <a:xfrm>
-            <a:off x="6253014" y="2752436"/>
-            <a:ext cx="2946400" cy="341746"/>
-          </a:xfrm>
-          <a:prstGeom prst="rect">
-            <a:avLst/>
-          </a:prstGeom>
-          <a:solidFill>
-            <a:schemeClr val="bg1"/>
-          </a:solidFill>
-          <a:ln>
-            <a:solidFill>
-              <a:schemeClr val="tx1">
-                <a:lumMod val="50000"/>
-                <a:lumOff val="50000"/>
-              </a:schemeClr>
-            </a:solidFill>
-          </a:ln>
-        </p:spPr>
-        <p:style>
-          <a:lnRef idx="2">
-            <a:schemeClr val="accent1">
-              <a:shade val="50000"/>
-            </a:schemeClr>
-          </a:lnRef>
-          <a:fillRef idx="1">
-            <a:schemeClr val="accent1"/>
-          </a:fillRef>
-          <a:effectRef idx="0">
-            <a:schemeClr val="accent1"/>
-          </a:effectRef>
-          <a:fontRef idx="minor">
-            <a:schemeClr val="lt1"/>
-          </a:fontRef>
-        </p:style>
-        <p:txBody>
-          <a:bodyPr rtlCol="0" anchor="ctr"/>
-          <a:lstStyle/>
-          <a:p>
-            <a:pPr algn="ctr"/>
-            <a:endParaRPr lang="ko-KR" altLang="en-US"/>
-          </a:p>
-        </p:txBody>
-      </p:sp>
-      <p:sp>
-        <p:nvSpPr>
-          <p:cNvPr id="13" name="TextBox 12"/>
-          <p:cNvSpPr txBox="1"/>
-          <p:nvPr/>
-        </p:nvSpPr>
-        <p:spPr>
-          <a:xfrm>
-            <a:off x="4738652" y="2786405"/>
-            <a:ext cx="1484073" cy="307777"/>
-          </a:xfrm>
-          <a:prstGeom prst="rect">
-            <a:avLst/>
-          </a:prstGeom>
-          <a:noFill/>
-        </p:spPr>
-        <p:txBody>
-          <a:bodyPr wrap="square" rtlCol="0">
-            <a:spAutoFit/>
-          </a:bodyPr>
-          <a:lstStyle/>
-          <a:p>
-            <a:r>
-              <a:rPr lang="ko-KR" altLang="en-US" sz="1400" b="1" dirty="0" smtClean="0"/>
-              <a:t>사원 이름 입력</a:t>
-            </a:r>
-            <a:endParaRPr lang="ko-KR" altLang="en-US" sz="1400" b="1" dirty="0"/>
-          </a:p>
-        </p:txBody>
-      </p:sp>
-      <p:sp>
-        <p:nvSpPr>
           <p:cNvPr id="14" name="모서리가 둥근 직사각형 13"/>
           <p:cNvSpPr/>
           <p:nvPr/>
         </p:nvSpPr>
         <p:spPr>
           <a:xfrm>
-            <a:off x="5338030" y="3328069"/>
+            <a:off x="8366863" y="5174098"/>
             <a:ext cx="773477" cy="335840"/>
           </a:xfrm>
           <a:prstGeom prst="roundRect">
             <a:avLst/>
           </a:prstGeom>
           <a:solidFill>
-            <a:schemeClr val="accent2">
-              <a:lumMod val="20000"/>
-              <a:lumOff val="80000"/>
-            </a:schemeClr>
+            <a:schemeClr val="accent4"/>
           </a:solidFill>
           <a:ln>
             <a:solidFill>
@@ -19734,7 +19291,7 @@
         </p:nvSpPr>
         <p:spPr>
           <a:xfrm>
-            <a:off x="5461636" y="3351417"/>
+            <a:off x="8483585" y="5202161"/>
             <a:ext cx="662643" cy="307777"/>
           </a:xfrm>
           <a:prstGeom prst="rect">
@@ -19758,67 +19315,14 @@
       </p:sp>
       <p:sp>
         <p:nvSpPr>
-          <p:cNvPr id="32" name="모서리가 둥근 직사각형 31"/>
-          <p:cNvSpPr/>
-          <p:nvPr/>
-        </p:nvSpPr>
-        <p:spPr>
-          <a:xfrm>
-            <a:off x="6254607" y="3330819"/>
-            <a:ext cx="773477" cy="335840"/>
-          </a:xfrm>
-          <a:prstGeom prst="roundRect">
-            <a:avLst/>
-          </a:prstGeom>
-          <a:solidFill>
-            <a:schemeClr val="accent2">
-              <a:lumMod val="20000"/>
-              <a:lumOff val="80000"/>
-            </a:schemeClr>
-          </a:solidFill>
-          <a:ln>
-            <a:solidFill>
-              <a:schemeClr val="bg2">
-                <a:lumMod val="75000"/>
-              </a:schemeClr>
-            </a:solidFill>
-          </a:ln>
-        </p:spPr>
-        <p:style>
-          <a:lnRef idx="2">
-            <a:schemeClr val="accent1">
-              <a:shade val="50000"/>
-            </a:schemeClr>
-          </a:lnRef>
-          <a:fillRef idx="1">
-            <a:schemeClr val="accent1"/>
-          </a:fillRef>
-          <a:effectRef idx="0">
-            <a:schemeClr val="accent1"/>
-          </a:effectRef>
-          <a:fontRef idx="minor">
-            <a:schemeClr val="lt1"/>
-          </a:fontRef>
-        </p:style>
-        <p:txBody>
-          <a:bodyPr rtlCol="0" anchor="ctr"/>
-          <a:lstStyle/>
-          <a:p>
-            <a:pPr algn="ctr"/>
-            <a:endParaRPr lang="ko-KR" altLang="en-US"/>
-          </a:p>
-        </p:txBody>
-      </p:sp>
-      <p:sp>
-        <p:nvSpPr>
-          <p:cNvPr id="41" name="TextBox 40"/>
+          <p:cNvPr id="35" name="TextBox 34"/>
           <p:cNvSpPr txBox="1"/>
           <p:nvPr/>
         </p:nvSpPr>
         <p:spPr>
           <a:xfrm>
-            <a:off x="6377958" y="3344405"/>
-            <a:ext cx="662643" cy="307777"/>
+            <a:off x="985395" y="467556"/>
+            <a:ext cx="8478645" cy="369332"/>
           </a:xfrm>
           <a:prstGeom prst="rect">
             <a:avLst/>
@@ -19832,126 +19336,55 @@
           <a:lstStyle/>
           <a:p>
             <a:r>
-              <a:rPr lang="ko-KR" altLang="en-US" sz="1400" dirty="0" smtClean="0"/>
-              <a:t>취소</a:t>
-            </a:r>
-            <a:endParaRPr lang="ko-KR" altLang="en-US" sz="1400" dirty="0"/>
-          </a:p>
-        </p:txBody>
-      </p:sp>
-      <p:sp>
-        <p:nvSpPr>
-          <p:cNvPr id="16" name="직사각형 15"/>
-          <p:cNvSpPr/>
-          <p:nvPr/>
-        </p:nvSpPr>
-        <p:spPr>
-          <a:xfrm>
-            <a:off x="3093720" y="3794760"/>
-            <a:ext cx="6105694" cy="1821180"/>
-          </a:xfrm>
-          <a:prstGeom prst="rect">
-            <a:avLst/>
-          </a:prstGeom>
-          <a:solidFill>
-            <a:schemeClr val="bg1"/>
-          </a:solidFill>
-          <a:ln w="3175">
-            <a:solidFill>
-              <a:schemeClr val="bg2">
-                <a:lumMod val="90000"/>
-              </a:schemeClr>
-            </a:solidFill>
-          </a:ln>
-        </p:spPr>
-        <p:style>
-          <a:lnRef idx="2">
-            <a:schemeClr val="accent1">
-              <a:shade val="50000"/>
-            </a:schemeClr>
-          </a:lnRef>
-          <a:fillRef idx="1">
-            <a:schemeClr val="accent1"/>
-          </a:fillRef>
-          <a:effectRef idx="0">
-            <a:schemeClr val="accent1"/>
-          </a:effectRef>
-          <a:fontRef idx="minor">
-            <a:schemeClr val="lt1"/>
-          </a:fontRef>
-        </p:style>
-        <p:txBody>
-          <a:bodyPr rtlCol="0" anchor="ctr"/>
-          <a:lstStyle/>
-          <a:p>
-            <a:pPr algn="ctr"/>
-            <a:endParaRPr lang="ko-KR" altLang="en-US" dirty="0"/>
-          </a:p>
-        </p:txBody>
-      </p:sp>
-      <p:sp>
-        <p:nvSpPr>
-          <p:cNvPr id="18" name="직사각형 17"/>
-          <p:cNvSpPr/>
-          <p:nvPr/>
-        </p:nvSpPr>
-        <p:spPr>
-          <a:xfrm>
-            <a:off x="3093720" y="3794760"/>
-            <a:ext cx="6105694" cy="228600"/>
-          </a:xfrm>
-          <a:prstGeom prst="rect">
-            <a:avLst/>
-          </a:prstGeom>
-          <a:solidFill>
-            <a:schemeClr val="accent4">
-              <a:lumMod val="20000"/>
-              <a:lumOff val="80000"/>
-            </a:schemeClr>
-          </a:solidFill>
-          <a:ln w="3175">
-            <a:solidFill>
-              <a:schemeClr val="bg2">
-                <a:lumMod val="90000"/>
-              </a:schemeClr>
-            </a:solidFill>
-          </a:ln>
-        </p:spPr>
-        <p:style>
-          <a:lnRef idx="2">
-            <a:schemeClr val="accent1">
-              <a:shade val="50000"/>
-            </a:schemeClr>
-          </a:lnRef>
-          <a:fillRef idx="1">
-            <a:schemeClr val="accent1"/>
-          </a:fillRef>
-          <a:effectRef idx="0">
-            <a:schemeClr val="accent1"/>
-          </a:effectRef>
-          <a:fontRef idx="minor">
-            <a:schemeClr val="lt1"/>
-          </a:fontRef>
-        </p:style>
-        <p:txBody>
-          <a:bodyPr rtlCol="0" anchor="ctr"/>
-          <a:lstStyle/>
-          <a:p>
-            <a:pPr algn="ctr"/>
-            <a:endParaRPr lang="ko-KR" altLang="en-US"/>
-          </a:p>
-        </p:txBody>
-      </p:sp>
-      <p:sp>
-        <p:nvSpPr>
-          <p:cNvPr id="19" name="TextBox 18"/>
+              <a:rPr lang="en-US" altLang="ko-KR" dirty="0" smtClean="0"/>
+              <a:t>Main- </a:t>
+            </a:r>
+            <a:r>
+              <a:rPr lang="en-US" altLang="ko-KR" noProof="1" smtClean="0"/>
+              <a:t>MainFrame &gt; </a:t>
+            </a:r>
+            <a:r>
+              <a:rPr lang="ko-KR" altLang="en-US" noProof="1" smtClean="0"/>
+              <a:t>사원관리 </a:t>
+            </a:r>
+            <a:r>
+              <a:rPr lang="en-US" altLang="ko-KR" noProof="1" smtClean="0"/>
+              <a:t>&gt; </a:t>
+            </a:r>
+            <a:r>
+              <a:rPr lang="ko-KR" altLang="en-US" noProof="1" smtClean="0"/>
+              <a:t>사원정보  </a:t>
+            </a:r>
+            <a:r>
+              <a:rPr lang="en-US" altLang="ko-KR" noProof="1" smtClean="0"/>
+              <a:t>&gt; </a:t>
+            </a:r>
+            <a:r>
+              <a:rPr lang="ko-KR" altLang="en-US" noProof="1" smtClean="0"/>
+              <a:t>사원 현황 조회  </a:t>
+            </a:r>
+            <a:r>
+              <a:rPr lang="en-US" altLang="ko-KR" noProof="1" smtClean="0"/>
+              <a:t>&gt;  </a:t>
+            </a:r>
+            <a:r>
+              <a:rPr lang="ko-KR" altLang="en-US" noProof="1" smtClean="0"/>
+              <a:t>조회</a:t>
+            </a:r>
+            <a:endParaRPr lang="en-US" altLang="ko-KR" noProof="1"/>
+          </a:p>
+        </p:txBody>
+      </p:sp>
+      <p:sp>
+        <p:nvSpPr>
+          <p:cNvPr id="11" name="TextBox 10"/>
           <p:cNvSpPr txBox="1"/>
           <p:nvPr/>
         </p:nvSpPr>
         <p:spPr>
           <a:xfrm>
-            <a:off x="3093720" y="3794760"/>
-            <a:ext cx="6050280" cy="276999"/>
+            <a:off x="3095625" y="2792537"/>
+            <a:ext cx="3799721" cy="830997"/>
           </a:xfrm>
           <a:prstGeom prst="rect">
             <a:avLst/>
@@ -19965,318 +19398,59 @@
           <a:lstStyle/>
           <a:p>
             <a:r>
-              <a:rPr lang="ko-KR" altLang="en-US" sz="1200" dirty="0" smtClean="0"/>
-              <a:t>  </a:t>
-            </a:r>
-            <a:r>
-              <a:rPr lang="ko-KR" altLang="en-US" sz="1200" dirty="0" smtClean="0"/>
-              <a:t>      사원코드                 사원이름                    직책                     </a:t>
-            </a:r>
-            <a:r>
-              <a:rPr lang="ko-KR" altLang="en-US" sz="1200" dirty="0" smtClean="0"/>
-              <a:t>권한</a:t>
-            </a:r>
-            <a:endParaRPr lang="ko-KR" altLang="en-US" sz="1200" dirty="0"/>
-          </a:p>
-        </p:txBody>
-      </p:sp>
-      <p:sp>
-        <p:nvSpPr>
-          <p:cNvPr id="27" name="직사각형 26"/>
-          <p:cNvSpPr/>
-          <p:nvPr/>
-        </p:nvSpPr>
-        <p:spPr>
-          <a:xfrm>
-            <a:off x="9044940" y="4023360"/>
-            <a:ext cx="144780" cy="1592580"/>
-          </a:xfrm>
-          <a:prstGeom prst="rect">
-            <a:avLst/>
-          </a:prstGeom>
-          <a:solidFill>
-            <a:schemeClr val="accent4">
-              <a:lumMod val="20000"/>
-              <a:lumOff val="80000"/>
-            </a:schemeClr>
-          </a:solidFill>
-          <a:ln w="6350">
-            <a:solidFill>
-              <a:schemeClr val="bg2"/>
-            </a:solidFill>
-          </a:ln>
-        </p:spPr>
-        <p:style>
-          <a:lnRef idx="2">
-            <a:schemeClr val="accent1">
-              <a:shade val="50000"/>
-            </a:schemeClr>
-          </a:lnRef>
-          <a:fillRef idx="1">
-            <a:schemeClr val="accent1"/>
-          </a:fillRef>
-          <a:effectRef idx="0">
-            <a:schemeClr val="accent1"/>
-          </a:effectRef>
-          <a:fontRef idx="minor">
-            <a:schemeClr val="lt1"/>
-          </a:fontRef>
-        </p:style>
-        <p:txBody>
-          <a:bodyPr rtlCol="0" anchor="ctr"/>
-          <a:lstStyle/>
-          <a:p>
-            <a:pPr algn="ctr"/>
-            <a:endParaRPr lang="ko-KR" altLang="en-US"/>
-          </a:p>
-        </p:txBody>
-      </p:sp>
-      <p:pic>
-        <p:nvPicPr>
-          <p:cNvPr id="29" name="그림 28"/>
-          <p:cNvPicPr>
-            <a:picLocks noChangeAspect="1"/>
-          </p:cNvPicPr>
-          <p:nvPr/>
-        </p:nvPicPr>
-        <p:blipFill>
-          <a:blip r:embed="rId3"/>
-          <a:stretch>
-            <a:fillRect/>
-          </a:stretch>
-        </p:blipFill>
-        <p:spPr>
-          <a:xfrm>
-            <a:off x="9052972" y="4033901"/>
-            <a:ext cx="133369" cy="161948"/>
-          </a:xfrm>
-          <a:prstGeom prst="rect">
-            <a:avLst/>
-          </a:prstGeom>
-        </p:spPr>
-      </p:pic>
-      <p:pic>
-        <p:nvPicPr>
-          <p:cNvPr id="30" name="그림 29"/>
-          <p:cNvPicPr>
-            <a:picLocks noChangeAspect="1"/>
-          </p:cNvPicPr>
-          <p:nvPr/>
-        </p:nvPicPr>
-        <p:blipFill>
-          <a:blip r:embed="rId4"/>
-          <a:stretch>
-            <a:fillRect/>
-          </a:stretch>
-        </p:blipFill>
-        <p:spPr>
-          <a:xfrm>
-            <a:off x="9050236" y="5439767"/>
-            <a:ext cx="142895" cy="171474"/>
-          </a:xfrm>
-          <a:prstGeom prst="rect">
-            <a:avLst/>
-          </a:prstGeom>
-        </p:spPr>
-      </p:pic>
-      <p:cxnSp>
-        <p:nvCxnSpPr>
-          <p:cNvPr id="47" name="직선 연결선 46"/>
-          <p:cNvCxnSpPr/>
-          <p:nvPr/>
-        </p:nvCxnSpPr>
-        <p:spPr>
-          <a:xfrm>
-            <a:off x="4706324" y="3799459"/>
-            <a:ext cx="7144" cy="1816481"/>
-          </a:xfrm>
-          <a:prstGeom prst="line">
-            <a:avLst/>
-          </a:prstGeom>
-          <a:ln w="3175">
-            <a:solidFill>
-              <a:schemeClr val="bg2">
-                <a:lumMod val="90000"/>
-              </a:schemeClr>
-            </a:solidFill>
-          </a:ln>
-        </p:spPr>
-        <p:style>
-          <a:lnRef idx="1">
-            <a:schemeClr val="accent1"/>
-          </a:lnRef>
-          <a:fillRef idx="0">
-            <a:schemeClr val="accent1"/>
-          </a:fillRef>
-          <a:effectRef idx="0">
-            <a:schemeClr val="accent1"/>
-          </a:effectRef>
-          <a:fontRef idx="minor">
-            <a:schemeClr val="tx1"/>
-          </a:fontRef>
-        </p:style>
-      </p:cxnSp>
-      <p:cxnSp>
-        <p:nvCxnSpPr>
-          <p:cNvPr id="48" name="직선 연결선 47"/>
-          <p:cNvCxnSpPr/>
-          <p:nvPr/>
-        </p:nvCxnSpPr>
-        <p:spPr>
-          <a:xfrm>
-            <a:off x="6318928" y="3796537"/>
-            <a:ext cx="7144" cy="1816481"/>
-          </a:xfrm>
-          <a:prstGeom prst="line">
-            <a:avLst/>
-          </a:prstGeom>
-          <a:ln w="3175">
-            <a:solidFill>
-              <a:schemeClr val="bg2">
-                <a:lumMod val="90000"/>
-              </a:schemeClr>
-            </a:solidFill>
-          </a:ln>
-        </p:spPr>
-        <p:style>
-          <a:lnRef idx="1">
-            <a:schemeClr val="accent1"/>
-          </a:lnRef>
-          <a:fillRef idx="0">
-            <a:schemeClr val="accent1"/>
-          </a:fillRef>
-          <a:effectRef idx="0">
-            <a:schemeClr val="accent1"/>
-          </a:effectRef>
-          <a:fontRef idx="minor">
-            <a:schemeClr val="tx1"/>
-          </a:fontRef>
-        </p:style>
-      </p:cxnSp>
-      <p:cxnSp>
-        <p:nvCxnSpPr>
-          <p:cNvPr id="51" name="직선 연결선 50"/>
-          <p:cNvCxnSpPr/>
-          <p:nvPr/>
-        </p:nvCxnSpPr>
-        <p:spPr>
-          <a:xfrm>
-            <a:off x="7726214" y="3784982"/>
-            <a:ext cx="7144" cy="1816481"/>
-          </a:xfrm>
-          <a:prstGeom prst="line">
-            <a:avLst/>
-          </a:prstGeom>
-          <a:ln w="3175">
-            <a:solidFill>
-              <a:schemeClr val="bg2">
-                <a:lumMod val="90000"/>
-              </a:schemeClr>
-            </a:solidFill>
-          </a:ln>
-        </p:spPr>
-        <p:style>
-          <a:lnRef idx="1">
-            <a:schemeClr val="accent1"/>
-          </a:lnRef>
-          <a:fillRef idx="0">
-            <a:schemeClr val="accent1"/>
-          </a:fillRef>
-          <a:effectRef idx="0">
-            <a:schemeClr val="accent1"/>
-          </a:effectRef>
-          <a:fontRef idx="minor">
-            <a:schemeClr val="tx1"/>
-          </a:fontRef>
-        </p:style>
-      </p:cxnSp>
-      <p:cxnSp>
-        <p:nvCxnSpPr>
-          <p:cNvPr id="52" name="직선 연결선 51"/>
-          <p:cNvCxnSpPr/>
-          <p:nvPr/>
-        </p:nvCxnSpPr>
-        <p:spPr>
-          <a:xfrm>
-            <a:off x="9035246" y="3792007"/>
-            <a:ext cx="7144" cy="1816481"/>
-          </a:xfrm>
-          <a:prstGeom prst="line">
-            <a:avLst/>
-          </a:prstGeom>
-          <a:ln w="3175">
-            <a:solidFill>
-              <a:schemeClr val="bg2">
-                <a:lumMod val="90000"/>
-              </a:schemeClr>
-            </a:solidFill>
-          </a:ln>
-        </p:spPr>
-        <p:style>
-          <a:lnRef idx="1">
-            <a:schemeClr val="accent1"/>
-          </a:lnRef>
-          <a:fillRef idx="0">
-            <a:schemeClr val="accent1"/>
-          </a:fillRef>
-          <a:effectRef idx="0">
-            <a:schemeClr val="accent1"/>
-          </a:effectRef>
-          <a:fontRef idx="minor">
-            <a:schemeClr val="tx1"/>
-          </a:fontRef>
-        </p:style>
-      </p:cxnSp>
-      <p:sp>
-        <p:nvSpPr>
-          <p:cNvPr id="35" name="TextBox 34"/>
-          <p:cNvSpPr txBox="1"/>
-          <p:nvPr/>
-        </p:nvSpPr>
-        <p:spPr>
-          <a:xfrm>
-            <a:off x="985395" y="458031"/>
-            <a:ext cx="8478645" cy="369332"/>
-          </a:xfrm>
-          <a:prstGeom prst="rect">
-            <a:avLst/>
-          </a:prstGeom>
-          <a:noFill/>
-        </p:spPr>
-        <p:txBody>
-          <a:bodyPr wrap="square" rtlCol="0">
-            <a:spAutoFit/>
-          </a:bodyPr>
-          <a:lstStyle/>
-          <a:p>
-            <a:r>
-              <a:rPr lang="en-US" altLang="ko-KR" dirty="0" smtClean="0"/>
-              <a:t>Main- </a:t>
-            </a:r>
-            <a:r>
-              <a:rPr lang="en-US" altLang="ko-KR" noProof="1" smtClean="0"/>
-              <a:t>MainFrame &gt; </a:t>
-            </a:r>
-            <a:r>
-              <a:rPr lang="ko-KR" altLang="en-US" noProof="1" smtClean="0"/>
-              <a:t>사원관리 </a:t>
-            </a:r>
-            <a:r>
-              <a:rPr lang="en-US" altLang="ko-KR" noProof="1" smtClean="0"/>
-              <a:t>&gt; </a:t>
-            </a:r>
-            <a:r>
-              <a:rPr lang="ko-KR" altLang="en-US" noProof="1" smtClean="0"/>
-              <a:t>사원권한</a:t>
-            </a:r>
-            <a:endParaRPr lang="en-US" altLang="ko-KR" noProof="1"/>
+              <a:rPr lang="ko-KR" altLang="en-US" sz="1600" b="1" dirty="0" smtClean="0">
+                <a:solidFill>
+                  <a:schemeClr val="accent4"/>
+                </a:solidFill>
+              </a:rPr>
+              <a:t>전체 직원 수</a:t>
+            </a:r>
+            <a:r>
+              <a:rPr lang="en-US" altLang="ko-KR" sz="1600" b="1" dirty="0" smtClean="0">
+                <a:solidFill>
+                  <a:schemeClr val="accent4"/>
+                </a:solidFill>
+              </a:rPr>
+              <a:t>/ </a:t>
+            </a:r>
+            <a:r>
+              <a:rPr lang="ko-KR" altLang="en-US" sz="1600" b="1" dirty="0" smtClean="0">
+                <a:solidFill>
+                  <a:schemeClr val="accent4"/>
+                </a:solidFill>
+              </a:rPr>
+              <a:t>부서별 직원 비율</a:t>
+            </a:r>
+            <a:endParaRPr lang="en-US" altLang="ko-KR" sz="1600" b="1" dirty="0" smtClean="0">
+              <a:solidFill>
+                <a:schemeClr val="accent4"/>
+              </a:solidFill>
+            </a:endParaRPr>
+          </a:p>
+          <a:p>
+            <a:r>
+              <a:rPr lang="en-US" altLang="ko-KR" sz="1600" dirty="0" smtClean="0"/>
+              <a:t>1</a:t>
+            </a:r>
+            <a:r>
+              <a:rPr lang="ko-KR" altLang="en-US" sz="1600" dirty="0" smtClean="0"/>
+              <a:t>인 평균 급여액</a:t>
+            </a:r>
+            <a:endParaRPr lang="en-US" altLang="ko-KR" sz="1600" dirty="0" smtClean="0"/>
+          </a:p>
+          <a:p>
+            <a:r>
+              <a:rPr lang="ko-KR" altLang="en-US" sz="1600" dirty="0" smtClean="0"/>
+              <a:t>보너스 현황</a:t>
+            </a:r>
+            <a:endParaRPr lang="ko-KR" altLang="en-US" sz="1600" dirty="0"/>
           </a:p>
         </p:txBody>
       </p:sp>
     </p:spTree>
     <p:extLst>
       <p:ext uri="{BB962C8B-B14F-4D97-AF65-F5344CB8AC3E}">
-        <p14:creationId xmlns:p14="http://schemas.microsoft.com/office/powerpoint/2010/main" val="922239618"/>
+        <p14:creationId xmlns:p14="http://schemas.microsoft.com/office/powerpoint/2010/main" val="110943254"/>
       </p:ext>
     </p:extLst>
   </p:cSld>
@@ -20659,140 +19833,13 @@
       </p:sp>
       <p:sp>
         <p:nvSpPr>
-          <p:cNvPr id="9" name="직사각형 8"/>
-          <p:cNvSpPr/>
-          <p:nvPr/>
-        </p:nvSpPr>
-        <p:spPr>
-          <a:xfrm>
-            <a:off x="3168073" y="2752436"/>
-            <a:ext cx="2946400" cy="341746"/>
-          </a:xfrm>
-          <a:prstGeom prst="rect">
-            <a:avLst/>
-          </a:prstGeom>
-          <a:solidFill>
-            <a:schemeClr val="bg1"/>
-          </a:solidFill>
-          <a:ln>
-            <a:noFill/>
-          </a:ln>
-        </p:spPr>
-        <p:style>
-          <a:lnRef idx="2">
-            <a:schemeClr val="accent1">
-              <a:shade val="50000"/>
-            </a:schemeClr>
-          </a:lnRef>
-          <a:fillRef idx="1">
-            <a:schemeClr val="accent1"/>
-          </a:fillRef>
-          <a:effectRef idx="0">
-            <a:schemeClr val="accent1"/>
-          </a:effectRef>
-          <a:fontRef idx="minor">
-            <a:schemeClr val="lt1"/>
-          </a:fontRef>
-        </p:style>
-        <p:txBody>
-          <a:bodyPr rtlCol="0" anchor="ctr"/>
-          <a:lstStyle/>
-          <a:p>
-            <a:pPr algn="ctr"/>
-            <a:endParaRPr lang="ko-KR" altLang="en-US"/>
-          </a:p>
-        </p:txBody>
-      </p:sp>
-      <p:sp>
-        <p:nvSpPr>
-          <p:cNvPr id="28" name="직사각형 27"/>
-          <p:cNvSpPr/>
-          <p:nvPr/>
-        </p:nvSpPr>
-        <p:spPr>
-          <a:xfrm>
-            <a:off x="6253014" y="2752436"/>
-            <a:ext cx="2946400" cy="341746"/>
-          </a:xfrm>
-          <a:prstGeom prst="rect">
-            <a:avLst/>
-          </a:prstGeom>
-          <a:solidFill>
-            <a:schemeClr val="bg1"/>
-          </a:solidFill>
-          <a:ln>
-            <a:solidFill>
-              <a:schemeClr val="tx1">
-                <a:lumMod val="50000"/>
-                <a:lumOff val="50000"/>
-              </a:schemeClr>
-            </a:solidFill>
-          </a:ln>
-        </p:spPr>
-        <p:style>
-          <a:lnRef idx="2">
-            <a:schemeClr val="accent1">
-              <a:shade val="50000"/>
-            </a:schemeClr>
-          </a:lnRef>
-          <a:fillRef idx="1">
-            <a:schemeClr val="accent1"/>
-          </a:fillRef>
-          <a:effectRef idx="0">
-            <a:schemeClr val="accent1"/>
-          </a:effectRef>
-          <a:fontRef idx="minor">
-            <a:schemeClr val="lt1"/>
-          </a:fontRef>
-        </p:style>
-        <p:txBody>
-          <a:bodyPr rtlCol="0" anchor="ctr"/>
-          <a:lstStyle/>
-          <a:p>
-            <a:pPr algn="ctr"/>
-            <a:endParaRPr lang="ko-KR" altLang="en-US"/>
-          </a:p>
-        </p:txBody>
-      </p:sp>
-      <p:sp>
-        <p:nvSpPr>
-          <p:cNvPr id="13" name="TextBox 12"/>
-          <p:cNvSpPr txBox="1"/>
-          <p:nvPr/>
-        </p:nvSpPr>
-        <p:spPr>
-          <a:xfrm>
-            <a:off x="4738652" y="2786405"/>
-            <a:ext cx="1484073" cy="307777"/>
-          </a:xfrm>
-          <a:prstGeom prst="rect">
-            <a:avLst/>
-          </a:prstGeom>
-          <a:noFill/>
-        </p:spPr>
-        <p:txBody>
-          <a:bodyPr wrap="square" rtlCol="0">
-            <a:spAutoFit/>
-          </a:bodyPr>
-          <a:lstStyle/>
-          <a:p>
-            <a:r>
-              <a:rPr lang="ko-KR" altLang="en-US" sz="1400" b="1" dirty="0" smtClean="0"/>
-              <a:t>사원 이름 입력</a:t>
-            </a:r>
-            <a:endParaRPr lang="ko-KR" altLang="en-US" sz="1400" b="1" dirty="0"/>
-          </a:p>
-        </p:txBody>
-      </p:sp>
-      <p:sp>
-        <p:nvSpPr>
           <p:cNvPr id="14" name="모서리가 둥근 직사각형 13"/>
           <p:cNvSpPr/>
           <p:nvPr/>
         </p:nvSpPr>
         <p:spPr>
           <a:xfrm>
-            <a:off x="5338030" y="3328069"/>
+            <a:off x="8366863" y="5174098"/>
             <a:ext cx="773477" cy="335840"/>
           </a:xfrm>
           <a:prstGeom prst="roundRect">
@@ -20842,7 +19889,7 @@
         </p:nvSpPr>
         <p:spPr>
           <a:xfrm>
-            <a:off x="5461636" y="3351417"/>
+            <a:off x="8483585" y="5202161"/>
             <a:ext cx="662643" cy="307777"/>
           </a:xfrm>
           <a:prstGeom prst="rect">
@@ -20866,20 +19913,154 @@
       </p:sp>
       <p:sp>
         <p:nvSpPr>
-          <p:cNvPr id="32" name="모서리가 둥근 직사각형 31"/>
+          <p:cNvPr id="35" name="TextBox 34"/>
+          <p:cNvSpPr txBox="1"/>
+          <p:nvPr/>
+        </p:nvSpPr>
+        <p:spPr>
+          <a:xfrm>
+            <a:off x="985395" y="467556"/>
+            <a:ext cx="8478645" cy="369332"/>
+          </a:xfrm>
+          <a:prstGeom prst="rect">
+            <a:avLst/>
+          </a:prstGeom>
+          <a:noFill/>
+        </p:spPr>
+        <p:txBody>
+          <a:bodyPr wrap="square" rtlCol="0">
+            <a:spAutoFit/>
+          </a:bodyPr>
+          <a:lstStyle/>
+          <a:p>
+            <a:r>
+              <a:rPr lang="en-US" altLang="ko-KR" dirty="0" smtClean="0"/>
+              <a:t>Main- </a:t>
+            </a:r>
+            <a:r>
+              <a:rPr lang="en-US" altLang="ko-KR" noProof="1" smtClean="0"/>
+              <a:t>MainFrame &gt; </a:t>
+            </a:r>
+            <a:r>
+              <a:rPr lang="ko-KR" altLang="en-US" noProof="1" smtClean="0"/>
+              <a:t>사원관리 </a:t>
+            </a:r>
+            <a:r>
+              <a:rPr lang="en-US" altLang="ko-KR" noProof="1" smtClean="0"/>
+              <a:t>&gt; </a:t>
+            </a:r>
+            <a:r>
+              <a:rPr lang="ko-KR" altLang="en-US" noProof="1" smtClean="0"/>
+              <a:t>사원정보  </a:t>
+            </a:r>
+            <a:r>
+              <a:rPr lang="en-US" altLang="ko-KR" noProof="1" smtClean="0"/>
+              <a:t>&gt; </a:t>
+            </a:r>
+            <a:r>
+              <a:rPr lang="ko-KR" altLang="en-US" noProof="1" smtClean="0"/>
+              <a:t>사원 현황 조회  </a:t>
+            </a:r>
+            <a:r>
+              <a:rPr lang="en-US" altLang="ko-KR" noProof="1" smtClean="0"/>
+              <a:t>&gt;  </a:t>
+            </a:r>
+            <a:r>
+              <a:rPr lang="ko-KR" altLang="en-US" noProof="1" smtClean="0"/>
+              <a:t>조회</a:t>
+            </a:r>
+            <a:endParaRPr lang="en-US" altLang="ko-KR" noProof="1"/>
+          </a:p>
+        </p:txBody>
+      </p:sp>
+      <p:sp>
+        <p:nvSpPr>
+          <p:cNvPr id="11" name="TextBox 10"/>
+          <p:cNvSpPr txBox="1"/>
+          <p:nvPr/>
+        </p:nvSpPr>
+        <p:spPr>
+          <a:xfrm>
+            <a:off x="3095625" y="2792537"/>
+            <a:ext cx="3799721" cy="830997"/>
+          </a:xfrm>
+          <a:prstGeom prst="rect">
+            <a:avLst/>
+          </a:prstGeom>
+          <a:noFill/>
+        </p:spPr>
+        <p:txBody>
+          <a:bodyPr wrap="square" rtlCol="0">
+            <a:spAutoFit/>
+          </a:bodyPr>
+          <a:lstStyle/>
+          <a:p>
+            <a:r>
+              <a:rPr lang="ko-KR" altLang="en-US" sz="1600" b="1" dirty="0" smtClean="0">
+                <a:solidFill>
+                  <a:schemeClr val="accent4"/>
+                </a:solidFill>
+              </a:rPr>
+              <a:t>전체 직원 수</a:t>
+            </a:r>
+            <a:r>
+              <a:rPr lang="en-US" altLang="ko-KR" sz="1600" b="1" dirty="0" smtClean="0">
+                <a:solidFill>
+                  <a:schemeClr val="accent4"/>
+                </a:solidFill>
+              </a:rPr>
+              <a:t>/ </a:t>
+            </a:r>
+            <a:r>
+              <a:rPr lang="ko-KR" altLang="en-US" sz="1600" b="1" dirty="0" smtClean="0">
+                <a:solidFill>
+                  <a:schemeClr val="accent4"/>
+                </a:solidFill>
+              </a:rPr>
+              <a:t>부서별 직원 비율</a:t>
+            </a:r>
+            <a:endParaRPr lang="en-US" altLang="ko-KR" sz="1600" b="1" dirty="0" smtClean="0">
+              <a:solidFill>
+                <a:schemeClr val="accent4"/>
+              </a:solidFill>
+            </a:endParaRPr>
+          </a:p>
+          <a:p>
+            <a:r>
+              <a:rPr lang="en-US" altLang="ko-KR" sz="1600" dirty="0" smtClean="0"/>
+              <a:t>1</a:t>
+            </a:r>
+            <a:r>
+              <a:rPr lang="ko-KR" altLang="en-US" sz="1600" dirty="0" smtClean="0"/>
+              <a:t>인 평균 급여액</a:t>
+            </a:r>
+            <a:endParaRPr lang="en-US" altLang="ko-KR" sz="1600" dirty="0" smtClean="0"/>
+          </a:p>
+          <a:p>
+            <a:r>
+              <a:rPr lang="ko-KR" altLang="en-US" sz="1600" dirty="0" smtClean="0"/>
+              <a:t>보너스 현황</a:t>
+            </a:r>
+            <a:endParaRPr lang="ko-KR" altLang="en-US" sz="1600" dirty="0"/>
+          </a:p>
+        </p:txBody>
+      </p:sp>
+      <p:sp>
+        <p:nvSpPr>
+          <p:cNvPr id="9" name="직사각형 8"/>
           <p:cNvSpPr/>
           <p:nvPr/>
         </p:nvSpPr>
         <p:spPr>
           <a:xfrm>
-            <a:off x="6254607" y="3330819"/>
-            <a:ext cx="773477" cy="335840"/>
-          </a:xfrm>
-          <a:prstGeom prst="roundRect">
+            <a:off x="6895346" y="981075"/>
+            <a:ext cx="3734554" cy="3876675"/>
+          </a:xfrm>
+          <a:prstGeom prst="rect">
             <a:avLst/>
           </a:prstGeom>
           <a:solidFill>
-            <a:schemeClr val="accent2">
+            <a:schemeClr val="accent4">
               <a:lumMod val="20000"/>
               <a:lumOff val="80000"/>
             </a:schemeClr>
@@ -20919,14 +20100,62 @@
       </p:sp>
       <p:sp>
         <p:nvSpPr>
-          <p:cNvPr id="41" name="TextBox 40"/>
+          <p:cNvPr id="12" name="직사각형 11"/>
+          <p:cNvSpPr/>
+          <p:nvPr/>
+        </p:nvSpPr>
+        <p:spPr>
+          <a:xfrm>
+            <a:off x="6895346" y="981075"/>
+            <a:ext cx="3734554" cy="314325"/>
+          </a:xfrm>
+          <a:prstGeom prst="rect">
+            <a:avLst/>
+          </a:prstGeom>
+          <a:noFill/>
+          <a:ln>
+            <a:solidFill>
+              <a:schemeClr val="bg2">
+                <a:lumMod val="75000"/>
+              </a:schemeClr>
+            </a:solidFill>
+          </a:ln>
+        </p:spPr>
+        <p:style>
+          <a:lnRef idx="2">
+            <a:schemeClr val="accent1">
+              <a:shade val="50000"/>
+            </a:schemeClr>
+          </a:lnRef>
+          <a:fillRef idx="1">
+            <a:schemeClr val="accent1"/>
+          </a:fillRef>
+          <a:effectRef idx="0">
+            <a:schemeClr val="accent1"/>
+          </a:effectRef>
+          <a:fontRef idx="minor">
+            <a:schemeClr val="lt1"/>
+          </a:fontRef>
+        </p:style>
+        <p:txBody>
+          <a:bodyPr rtlCol="0" anchor="ctr"/>
+          <a:lstStyle/>
+          <a:p>
+            <a:pPr algn="ctr"/>
+            <a:endParaRPr lang="ko-KR" altLang="en-US"/>
+          </a:p>
+        </p:txBody>
+      </p:sp>
+      <p:sp>
+        <p:nvSpPr>
+          <p:cNvPr id="13" name="TextBox 12"/>
           <p:cNvSpPr txBox="1"/>
           <p:nvPr/>
         </p:nvSpPr>
         <p:spPr>
           <a:xfrm>
-            <a:off x="6377958" y="3344405"/>
-            <a:ext cx="662643" cy="307777"/>
+            <a:off x="6895346" y="993775"/>
+            <a:ext cx="2442618" cy="276999"/>
           </a:xfrm>
           <a:prstGeom prst="rect">
             <a:avLst/>
@@ -20940,8 +20169,46 @@
           <a:lstStyle/>
           <a:p>
             <a:r>
-              <a:rPr lang="ko-KR" altLang="en-US" sz="1400" dirty="0" smtClean="0"/>
-              <a:t>취소</a:t>
+              <a:rPr lang="ko-KR" altLang="en-US" sz="1200" dirty="0" smtClean="0"/>
+              <a:t>전체 직원 수 </a:t>
+            </a:r>
+            <a:r>
+              <a:rPr lang="en-US" altLang="ko-KR" sz="1200" dirty="0" smtClean="0"/>
+              <a:t>/ </a:t>
+            </a:r>
+            <a:r>
+              <a:rPr lang="ko-KR" altLang="en-US" sz="1200" dirty="0" smtClean="0"/>
+              <a:t>부서별 직원 비율</a:t>
+            </a:r>
+            <a:endParaRPr lang="ko-KR" altLang="en-US" sz="1200" dirty="0"/>
+          </a:p>
+        </p:txBody>
+      </p:sp>
+      <p:sp>
+        <p:nvSpPr>
+          <p:cNvPr id="16" name="TextBox 15"/>
+          <p:cNvSpPr txBox="1"/>
+          <p:nvPr/>
+        </p:nvSpPr>
+        <p:spPr>
+          <a:xfrm>
+            <a:off x="7829550" y="1383030"/>
+            <a:ext cx="2159000" cy="307777"/>
+          </a:xfrm>
+          <a:prstGeom prst="rect">
+            <a:avLst/>
+          </a:prstGeom>
+          <a:noFill/>
+        </p:spPr>
+        <p:txBody>
+          <a:bodyPr wrap="square" rtlCol="0">
+            <a:spAutoFit/>
+          </a:bodyPr>
+          <a:lstStyle/>
+          <a:p>
+            <a:r>
+              <a:rPr lang="en-US" altLang="ko-KR" sz="1400" dirty="0" smtClean="0"/>
+              <a:t>Employee Pie Chart</a:t>
             </a:r>
             <a:endParaRPr lang="ko-KR" altLang="en-US" sz="1400" dirty="0"/>
           </a:p>
@@ -20949,25 +20216,437 @@
       </p:sp>
       <p:sp>
         <p:nvSpPr>
-          <p:cNvPr id="16" name="직사각형 15"/>
+          <p:cNvPr id="17" name="TextBox 16"/>
+          <p:cNvSpPr txBox="1"/>
+          <p:nvPr/>
+        </p:nvSpPr>
+        <p:spPr>
+          <a:xfrm>
+            <a:off x="8076727" y="1647632"/>
+            <a:ext cx="1970243" cy="261610"/>
+          </a:xfrm>
+          <a:prstGeom prst="rect">
+            <a:avLst/>
+          </a:prstGeom>
+          <a:noFill/>
+        </p:spPr>
+        <p:txBody>
+          <a:bodyPr wrap="square" rtlCol="0">
+            <a:spAutoFit/>
+          </a:bodyPr>
+          <a:lstStyle/>
+          <a:p>
+            <a:r>
+              <a:rPr lang="ko-KR" altLang="en-US" sz="1100" dirty="0" smtClean="0"/>
+              <a:t>전체 직원 수 </a:t>
+            </a:r>
+            <a:r>
+              <a:rPr lang="en-US" altLang="ko-KR" sz="1100" dirty="0" smtClean="0"/>
+              <a:t>: N</a:t>
+            </a:r>
+            <a:r>
+              <a:rPr lang="ko-KR" altLang="en-US" sz="1100" dirty="0" smtClean="0"/>
+              <a:t>명</a:t>
+            </a:r>
+            <a:endParaRPr lang="ko-KR" altLang="en-US" sz="1100" dirty="0"/>
+          </a:p>
+        </p:txBody>
+      </p:sp>
+      <p:sp>
+        <p:nvSpPr>
+          <p:cNvPr id="18" name="타원 17"/>
           <p:cNvSpPr/>
           <p:nvPr/>
         </p:nvSpPr>
         <p:spPr>
           <a:xfrm>
-            <a:off x="3093720" y="3794760"/>
-            <a:ext cx="6105694" cy="1821180"/>
-          </a:xfrm>
-          <a:prstGeom prst="rect">
+            <a:off x="7619707" y="2074790"/>
+            <a:ext cx="2229363" cy="2175374"/>
+          </a:xfrm>
+          <a:prstGeom prst="ellipse">
             <a:avLst/>
           </a:prstGeom>
           <a:solidFill>
-            <a:schemeClr val="bg1"/>
+            <a:schemeClr val="accent4"/>
           </a:solidFill>
-          <a:ln w="3175">
+          <a:ln>
+            <a:noFill/>
+          </a:ln>
+        </p:spPr>
+        <p:style>
+          <a:lnRef idx="2">
+            <a:schemeClr val="accent1">
+              <a:shade val="50000"/>
+            </a:schemeClr>
+          </a:lnRef>
+          <a:fillRef idx="1">
+            <a:schemeClr val="accent1"/>
+          </a:fillRef>
+          <a:effectRef idx="0">
+            <a:schemeClr val="accent1"/>
+          </a:effectRef>
+          <a:fontRef idx="minor">
+            <a:schemeClr val="lt1"/>
+          </a:fontRef>
+        </p:style>
+        <p:txBody>
+          <a:bodyPr rtlCol="0" anchor="ctr"/>
+          <a:lstStyle/>
+          <a:p>
+            <a:pPr algn="ctr"/>
+            <a:endParaRPr lang="ko-KR" altLang="en-US"/>
+          </a:p>
+        </p:txBody>
+      </p:sp>
+      <p:sp>
+        <p:nvSpPr>
+          <p:cNvPr id="20" name="원형 19"/>
+          <p:cNvSpPr/>
+          <p:nvPr/>
+        </p:nvSpPr>
+        <p:spPr>
+          <a:xfrm>
+            <a:off x="7601116" y="2007155"/>
+            <a:ext cx="2275661" cy="2211258"/>
+          </a:xfrm>
+          <a:prstGeom prst="pie">
+            <a:avLst/>
+          </a:prstGeom>
+          <a:solidFill>
+            <a:schemeClr val="accent2"/>
+          </a:solidFill>
+          <a:ln>
+            <a:solidFill>
+              <a:schemeClr val="accent2"/>
+            </a:solidFill>
+          </a:ln>
+          <a:scene3d>
+            <a:camera prst="orthographicFront">
+              <a:rot lat="0" lon="0" rev="16200000"/>
+            </a:camera>
+            <a:lightRig rig="threePt" dir="t"/>
+          </a:scene3d>
+        </p:spPr>
+        <p:style>
+          <a:lnRef idx="2">
+            <a:schemeClr val="accent1">
+              <a:shade val="50000"/>
+            </a:schemeClr>
+          </a:lnRef>
+          <a:fillRef idx="1">
+            <a:schemeClr val="accent1"/>
+          </a:fillRef>
+          <a:effectRef idx="0">
+            <a:schemeClr val="accent1"/>
+          </a:effectRef>
+          <a:fontRef idx="minor">
+            <a:schemeClr val="lt1"/>
+          </a:fontRef>
+        </p:style>
+        <p:txBody>
+          <a:bodyPr rtlCol="0" anchor="ctr"/>
+          <a:lstStyle/>
+          <a:p>
+            <a:pPr algn="ctr"/>
+            <a:endParaRPr lang="ko-KR" altLang="en-US">
+              <a:solidFill>
+                <a:schemeClr val="tx1"/>
+              </a:solidFill>
+            </a:endParaRPr>
+          </a:p>
+        </p:txBody>
+      </p:sp>
+      <p:sp>
+        <p:nvSpPr>
+          <p:cNvPr id="21" name="모서리가 둥근 직사각형 20"/>
+          <p:cNvSpPr/>
+          <p:nvPr/>
+        </p:nvSpPr>
+        <p:spPr>
+          <a:xfrm>
+            <a:off x="8166100" y="4457700"/>
+            <a:ext cx="1406192" cy="273050"/>
+          </a:xfrm>
+          <a:prstGeom prst="roundRect">
+            <a:avLst/>
+          </a:prstGeom>
+          <a:solidFill>
+            <a:schemeClr val="bg1">
+              <a:lumMod val="85000"/>
+            </a:schemeClr>
+          </a:solidFill>
+          <a:ln>
+            <a:noFill/>
+          </a:ln>
+        </p:spPr>
+        <p:style>
+          <a:lnRef idx="2">
+            <a:schemeClr val="accent1">
+              <a:shade val="50000"/>
+            </a:schemeClr>
+          </a:lnRef>
+          <a:fillRef idx="1">
+            <a:schemeClr val="accent1"/>
+          </a:fillRef>
+          <a:effectRef idx="0">
+            <a:schemeClr val="accent1"/>
+          </a:effectRef>
+          <a:fontRef idx="minor">
+            <a:schemeClr val="lt1"/>
+          </a:fontRef>
+        </p:style>
+        <p:txBody>
+          <a:bodyPr rtlCol="0" anchor="ctr"/>
+          <a:lstStyle/>
+          <a:p>
+            <a:pPr algn="ctr"/>
+            <a:endParaRPr lang="ko-KR" altLang="en-US"/>
+          </a:p>
+        </p:txBody>
+      </p:sp>
+      <p:sp>
+        <p:nvSpPr>
+          <p:cNvPr id="22" name="타원 21"/>
+          <p:cNvSpPr/>
+          <p:nvPr/>
+        </p:nvSpPr>
+        <p:spPr>
+          <a:xfrm>
+            <a:off x="8301256" y="4506196"/>
+            <a:ext cx="174157" cy="171450"/>
+          </a:xfrm>
+          <a:prstGeom prst="ellipse">
+            <a:avLst/>
+          </a:prstGeom>
+          <a:solidFill>
+            <a:schemeClr val="accent2"/>
+          </a:solidFill>
+          <a:ln>
+            <a:noFill/>
+          </a:ln>
+        </p:spPr>
+        <p:style>
+          <a:lnRef idx="2">
+            <a:schemeClr val="accent1">
+              <a:shade val="50000"/>
+            </a:schemeClr>
+          </a:lnRef>
+          <a:fillRef idx="1">
+            <a:schemeClr val="accent1"/>
+          </a:fillRef>
+          <a:effectRef idx="0">
+            <a:schemeClr val="accent1"/>
+          </a:effectRef>
+          <a:fontRef idx="minor">
+            <a:schemeClr val="lt1"/>
+          </a:fontRef>
+        </p:style>
+        <p:txBody>
+          <a:bodyPr rtlCol="0" anchor="ctr"/>
+          <a:lstStyle/>
+          <a:p>
+            <a:pPr algn="ctr"/>
+            <a:endParaRPr lang="ko-KR" altLang="en-US"/>
+          </a:p>
+        </p:txBody>
+      </p:sp>
+      <p:sp>
+        <p:nvSpPr>
+          <p:cNvPr id="26" name="타원 25"/>
+          <p:cNvSpPr/>
+          <p:nvPr/>
+        </p:nvSpPr>
+        <p:spPr>
+          <a:xfrm>
+            <a:off x="8887691" y="4506196"/>
+            <a:ext cx="174157" cy="171450"/>
+          </a:xfrm>
+          <a:prstGeom prst="ellipse">
+            <a:avLst/>
+          </a:prstGeom>
+          <a:solidFill>
+            <a:schemeClr val="accent4"/>
+          </a:solidFill>
+          <a:ln>
+            <a:noFill/>
+          </a:ln>
+        </p:spPr>
+        <p:style>
+          <a:lnRef idx="2">
+            <a:schemeClr val="accent1">
+              <a:shade val="50000"/>
+            </a:schemeClr>
+          </a:lnRef>
+          <a:fillRef idx="1">
+            <a:schemeClr val="accent1"/>
+          </a:fillRef>
+          <a:effectRef idx="0">
+            <a:schemeClr val="accent1"/>
+          </a:effectRef>
+          <a:fontRef idx="minor">
+            <a:schemeClr val="lt1"/>
+          </a:fontRef>
+        </p:style>
+        <p:txBody>
+          <a:bodyPr rtlCol="0" anchor="ctr"/>
+          <a:lstStyle/>
+          <a:p>
+            <a:pPr algn="ctr"/>
+            <a:endParaRPr lang="ko-KR" altLang="en-US"/>
+          </a:p>
+        </p:txBody>
+      </p:sp>
+      <p:sp>
+        <p:nvSpPr>
+          <p:cNvPr id="23" name="TextBox 22"/>
+          <p:cNvSpPr txBox="1"/>
+          <p:nvPr/>
+        </p:nvSpPr>
+        <p:spPr>
+          <a:xfrm>
+            <a:off x="8406833" y="4484370"/>
+            <a:ext cx="500760" cy="215444"/>
+          </a:xfrm>
+          <a:prstGeom prst="rect">
+            <a:avLst/>
+          </a:prstGeom>
+          <a:noFill/>
+        </p:spPr>
+        <p:txBody>
+          <a:bodyPr wrap="square" rtlCol="0">
+            <a:spAutoFit/>
+          </a:bodyPr>
+          <a:lstStyle/>
+          <a:p>
+            <a:r>
+              <a:rPr lang="ko-KR" altLang="en-US" sz="800" noProof="1" smtClean="0"/>
+              <a:t>인사팀</a:t>
+            </a:r>
+            <a:endParaRPr lang="ko-KR" altLang="en-US" sz="800" noProof="1"/>
+          </a:p>
+        </p:txBody>
+      </p:sp>
+      <p:sp>
+        <p:nvSpPr>
+          <p:cNvPr id="28" name="TextBox 27"/>
+          <p:cNvSpPr txBox="1"/>
+          <p:nvPr/>
+        </p:nvSpPr>
+        <p:spPr>
+          <a:xfrm>
+            <a:off x="9011880" y="4484370"/>
+            <a:ext cx="500760" cy="215444"/>
+          </a:xfrm>
+          <a:prstGeom prst="rect">
+            <a:avLst/>
+          </a:prstGeom>
+          <a:noFill/>
+        </p:spPr>
+        <p:txBody>
+          <a:bodyPr wrap="square" rtlCol="0">
+            <a:spAutoFit/>
+          </a:bodyPr>
+          <a:lstStyle/>
+          <a:p>
+            <a:r>
+              <a:rPr lang="ko-KR" altLang="en-US" sz="800" noProof="1" smtClean="0"/>
+              <a:t>고객팀</a:t>
+            </a:r>
+            <a:endParaRPr lang="ko-KR" altLang="en-US" sz="800" noProof="1"/>
+          </a:p>
+        </p:txBody>
+      </p:sp>
+      <p:sp>
+        <p:nvSpPr>
+          <p:cNvPr id="29" name="TextBox 28"/>
+          <p:cNvSpPr txBox="1"/>
+          <p:nvPr/>
+        </p:nvSpPr>
+        <p:spPr>
+          <a:xfrm>
+            <a:off x="9545595" y="3774881"/>
+            <a:ext cx="717978" cy="215444"/>
+          </a:xfrm>
+          <a:prstGeom prst="rect">
+            <a:avLst/>
+          </a:prstGeom>
+          <a:noFill/>
+        </p:spPr>
+        <p:txBody>
+          <a:bodyPr wrap="square" rtlCol="0">
+            <a:spAutoFit/>
+          </a:bodyPr>
+          <a:lstStyle/>
+          <a:p>
+            <a:r>
+              <a:rPr lang="ko-KR" altLang="en-US" sz="800" noProof="1" smtClean="0"/>
+              <a:t>고객팀 </a:t>
+            </a:r>
+            <a:r>
+              <a:rPr lang="en-US" altLang="ko-KR" sz="800" noProof="1" smtClean="0"/>
+              <a:t>b%</a:t>
+            </a:r>
+            <a:endParaRPr lang="ko-KR" altLang="en-US" sz="800" noProof="1"/>
+          </a:p>
+        </p:txBody>
+      </p:sp>
+      <p:sp>
+        <p:nvSpPr>
+          <p:cNvPr id="30" name="TextBox 29"/>
+          <p:cNvSpPr txBox="1"/>
+          <p:nvPr/>
+        </p:nvSpPr>
+        <p:spPr>
+          <a:xfrm>
+            <a:off x="7278069" y="2258717"/>
+            <a:ext cx="683276" cy="215444"/>
+          </a:xfrm>
+          <a:prstGeom prst="rect">
+            <a:avLst/>
+          </a:prstGeom>
+          <a:noFill/>
+        </p:spPr>
+        <p:txBody>
+          <a:bodyPr wrap="square" rtlCol="0">
+            <a:spAutoFit/>
+          </a:bodyPr>
+          <a:lstStyle/>
+          <a:p>
+            <a:r>
+              <a:rPr lang="ko-KR" altLang="en-US" sz="800" noProof="1" smtClean="0"/>
+              <a:t>인사팀 </a:t>
+            </a:r>
+            <a:r>
+              <a:rPr lang="en-US" altLang="ko-KR" sz="800" noProof="1" smtClean="0"/>
+              <a:t>a%</a:t>
+            </a:r>
+            <a:endParaRPr lang="ko-KR" altLang="en-US" sz="800" noProof="1"/>
+          </a:p>
+        </p:txBody>
+      </p:sp>
+      <p:sp>
+        <p:nvSpPr>
+          <p:cNvPr id="31" name="직사각형 30"/>
+          <p:cNvSpPr/>
+          <p:nvPr/>
+        </p:nvSpPr>
+        <p:spPr>
+          <a:xfrm>
+            <a:off x="10369953" y="1041063"/>
+            <a:ext cx="215640" cy="201005"/>
+          </a:xfrm>
+          <a:prstGeom prst="rect">
+            <a:avLst/>
+          </a:prstGeom>
+          <a:solidFill>
+            <a:schemeClr val="bg2">
+              <a:lumMod val="75000"/>
+            </a:schemeClr>
+          </a:solidFill>
+          <a:ln>
             <a:solidFill>
               <a:schemeClr val="bg2">
-                <a:lumMod val="90000"/>
+                <a:lumMod val="75000"/>
               </a:schemeClr>
             </a:solidFill>
           </a:ln>
@@ -20993,73 +20672,20 @@
           <a:lstStyle/>
           <a:p>
             <a:pPr algn="ctr"/>
-            <a:endParaRPr lang="ko-KR" altLang="en-US" dirty="0"/>
-          </a:p>
-        </p:txBody>
-      </p:sp>
-      <p:sp>
-        <p:nvSpPr>
-          <p:cNvPr id="18" name="직사각형 17"/>
-          <p:cNvSpPr/>
-          <p:nvPr/>
-        </p:nvSpPr>
-        <p:spPr>
-          <a:xfrm>
-            <a:off x="3093720" y="3794760"/>
-            <a:ext cx="6105694" cy="228600"/>
-          </a:xfrm>
-          <a:prstGeom prst="rect">
-            <a:avLst/>
-          </a:prstGeom>
-          <a:solidFill>
-            <a:schemeClr val="accent4">
-              <a:lumMod val="20000"/>
-              <a:lumOff val="80000"/>
-            </a:schemeClr>
-          </a:solidFill>
-          <a:ln w="3175">
-            <a:solidFill>
-              <a:schemeClr val="bg2">
-                <a:lumMod val="90000"/>
-              </a:schemeClr>
-            </a:solidFill>
-          </a:ln>
-        </p:spPr>
-        <p:style>
-          <a:lnRef idx="2">
-            <a:schemeClr val="accent1">
-              <a:shade val="50000"/>
-            </a:schemeClr>
-          </a:lnRef>
-          <a:fillRef idx="1">
-            <a:schemeClr val="accent1"/>
-          </a:fillRef>
-          <a:effectRef idx="0">
-            <a:schemeClr val="accent1"/>
-          </a:effectRef>
-          <a:fontRef idx="minor">
-            <a:schemeClr val="lt1"/>
-          </a:fontRef>
-        </p:style>
-        <p:txBody>
-          <a:bodyPr rtlCol="0" anchor="ctr"/>
-          <a:lstStyle/>
-          <a:p>
-            <a:pPr algn="ctr"/>
             <a:endParaRPr lang="ko-KR" altLang="en-US"/>
           </a:p>
         </p:txBody>
       </p:sp>
       <p:sp>
         <p:nvSpPr>
-          <p:cNvPr id="19" name="TextBox 18"/>
+          <p:cNvPr id="32" name="TextBox 31"/>
           <p:cNvSpPr txBox="1"/>
           <p:nvPr/>
         </p:nvSpPr>
         <p:spPr>
           <a:xfrm>
-            <a:off x="3093720" y="3794760"/>
-            <a:ext cx="6050280" cy="276999"/>
+            <a:off x="10337351" y="929981"/>
+            <a:ext cx="215640" cy="369332"/>
           </a:xfrm>
           <a:prstGeom prst="rect">
             <a:avLst/>
@@ -21073,386 +20699,25 @@
           <a:lstStyle/>
           <a:p>
             <a:r>
-              <a:rPr lang="ko-KR" altLang="en-US" sz="1200" dirty="0" smtClean="0"/>
-              <a:t>  </a:t>
-            </a:r>
-            <a:r>
-              <a:rPr lang="ko-KR" altLang="en-US" sz="1200" dirty="0" smtClean="0"/>
-              <a:t>      사원코드                 사원이름                    직책                     </a:t>
-            </a:r>
-            <a:r>
-              <a:rPr lang="ko-KR" altLang="en-US" sz="1200" dirty="0" smtClean="0"/>
-              <a:t>권한</a:t>
-            </a:r>
-            <a:endParaRPr lang="ko-KR" altLang="en-US" sz="1200" dirty="0"/>
-          </a:p>
-        </p:txBody>
-      </p:sp>
-      <p:sp>
-        <p:nvSpPr>
-          <p:cNvPr id="27" name="직사각형 26"/>
-          <p:cNvSpPr/>
-          <p:nvPr/>
-        </p:nvSpPr>
-        <p:spPr>
-          <a:xfrm>
-            <a:off x="9044940" y="4023360"/>
-            <a:ext cx="144780" cy="1592580"/>
-          </a:xfrm>
-          <a:prstGeom prst="rect">
-            <a:avLst/>
-          </a:prstGeom>
-          <a:solidFill>
-            <a:schemeClr val="accent4">
-              <a:lumMod val="20000"/>
-              <a:lumOff val="80000"/>
-            </a:schemeClr>
-          </a:solidFill>
-          <a:ln w="6350">
-            <a:solidFill>
-              <a:schemeClr val="bg2"/>
-            </a:solidFill>
-          </a:ln>
-        </p:spPr>
-        <p:style>
-          <a:lnRef idx="2">
-            <a:schemeClr val="accent1">
-              <a:shade val="50000"/>
-            </a:schemeClr>
-          </a:lnRef>
-          <a:fillRef idx="1">
-            <a:schemeClr val="accent1"/>
-          </a:fillRef>
-          <a:effectRef idx="0">
-            <a:schemeClr val="accent1"/>
-          </a:effectRef>
-          <a:fontRef idx="minor">
-            <a:schemeClr val="lt1"/>
-          </a:fontRef>
-        </p:style>
-        <p:txBody>
-          <a:bodyPr rtlCol="0" anchor="ctr"/>
-          <a:lstStyle/>
-          <a:p>
-            <a:pPr algn="ctr"/>
-            <a:endParaRPr lang="ko-KR" altLang="en-US"/>
-          </a:p>
-        </p:txBody>
-      </p:sp>
-      <p:pic>
-        <p:nvPicPr>
-          <p:cNvPr id="29" name="그림 28"/>
-          <p:cNvPicPr>
-            <a:picLocks noChangeAspect="1"/>
-          </p:cNvPicPr>
-          <p:nvPr/>
-        </p:nvPicPr>
-        <p:blipFill>
-          <a:blip r:embed="rId3"/>
-          <a:stretch>
-            <a:fillRect/>
-          </a:stretch>
-        </p:blipFill>
-        <p:spPr>
-          <a:xfrm>
-            <a:off x="9052972" y="4033901"/>
-            <a:ext cx="133369" cy="161948"/>
-          </a:xfrm>
-          <a:prstGeom prst="rect">
-            <a:avLst/>
-          </a:prstGeom>
-        </p:spPr>
-      </p:pic>
-      <p:pic>
-        <p:nvPicPr>
-          <p:cNvPr id="30" name="그림 29"/>
-          <p:cNvPicPr>
-            <a:picLocks noChangeAspect="1"/>
-          </p:cNvPicPr>
-          <p:nvPr/>
-        </p:nvPicPr>
-        <p:blipFill>
-          <a:blip r:embed="rId4"/>
-          <a:stretch>
-            <a:fillRect/>
-          </a:stretch>
-        </p:blipFill>
-        <p:spPr>
-          <a:xfrm>
-            <a:off x="9050236" y="5439767"/>
-            <a:ext cx="142895" cy="171474"/>
-          </a:xfrm>
-          <a:prstGeom prst="rect">
-            <a:avLst/>
-          </a:prstGeom>
-        </p:spPr>
-      </p:pic>
-      <p:cxnSp>
-        <p:nvCxnSpPr>
-          <p:cNvPr id="47" name="직선 연결선 46"/>
-          <p:cNvCxnSpPr/>
-          <p:nvPr/>
-        </p:nvCxnSpPr>
-        <p:spPr>
-          <a:xfrm>
-            <a:off x="4706324" y="3799459"/>
-            <a:ext cx="7144" cy="1816481"/>
-          </a:xfrm>
-          <a:prstGeom prst="line">
-            <a:avLst/>
-          </a:prstGeom>
-          <a:ln w="3175">
-            <a:solidFill>
-              <a:schemeClr val="bg2">
-                <a:lumMod val="90000"/>
-              </a:schemeClr>
-            </a:solidFill>
-          </a:ln>
-        </p:spPr>
-        <p:style>
-          <a:lnRef idx="1">
-            <a:schemeClr val="accent1"/>
-          </a:lnRef>
-          <a:fillRef idx="0">
-            <a:schemeClr val="accent1"/>
-          </a:fillRef>
-          <a:effectRef idx="0">
-            <a:schemeClr val="accent1"/>
-          </a:effectRef>
-          <a:fontRef idx="minor">
-            <a:schemeClr val="tx1"/>
-          </a:fontRef>
-        </p:style>
-      </p:cxnSp>
-      <p:cxnSp>
-        <p:nvCxnSpPr>
-          <p:cNvPr id="48" name="직선 연결선 47"/>
-          <p:cNvCxnSpPr/>
-          <p:nvPr/>
-        </p:nvCxnSpPr>
-        <p:spPr>
-          <a:xfrm>
-            <a:off x="6318928" y="3796537"/>
-            <a:ext cx="7144" cy="1816481"/>
-          </a:xfrm>
-          <a:prstGeom prst="line">
-            <a:avLst/>
-          </a:prstGeom>
-          <a:ln w="3175">
-            <a:solidFill>
-              <a:schemeClr val="bg2">
-                <a:lumMod val="90000"/>
-              </a:schemeClr>
-            </a:solidFill>
-          </a:ln>
-        </p:spPr>
-        <p:style>
-          <a:lnRef idx="1">
-            <a:schemeClr val="accent1"/>
-          </a:lnRef>
-          <a:fillRef idx="0">
-            <a:schemeClr val="accent1"/>
-          </a:fillRef>
-          <a:effectRef idx="0">
-            <a:schemeClr val="accent1"/>
-          </a:effectRef>
-          <a:fontRef idx="minor">
-            <a:schemeClr val="tx1"/>
-          </a:fontRef>
-        </p:style>
-      </p:cxnSp>
-      <p:cxnSp>
-        <p:nvCxnSpPr>
-          <p:cNvPr id="51" name="직선 연결선 50"/>
-          <p:cNvCxnSpPr/>
-          <p:nvPr/>
-        </p:nvCxnSpPr>
-        <p:spPr>
-          <a:xfrm>
-            <a:off x="7726214" y="3784982"/>
-            <a:ext cx="7144" cy="1816481"/>
-          </a:xfrm>
-          <a:prstGeom prst="line">
-            <a:avLst/>
-          </a:prstGeom>
-          <a:ln w="3175">
-            <a:solidFill>
-              <a:schemeClr val="bg2">
-                <a:lumMod val="90000"/>
-              </a:schemeClr>
-            </a:solidFill>
-          </a:ln>
-        </p:spPr>
-        <p:style>
-          <a:lnRef idx="1">
-            <a:schemeClr val="accent1"/>
-          </a:lnRef>
-          <a:fillRef idx="0">
-            <a:schemeClr val="accent1"/>
-          </a:fillRef>
-          <a:effectRef idx="0">
-            <a:schemeClr val="accent1"/>
-          </a:effectRef>
-          <a:fontRef idx="minor">
-            <a:schemeClr val="tx1"/>
-          </a:fontRef>
-        </p:style>
-      </p:cxnSp>
-      <p:cxnSp>
-        <p:nvCxnSpPr>
-          <p:cNvPr id="52" name="직선 연결선 51"/>
-          <p:cNvCxnSpPr/>
-          <p:nvPr/>
-        </p:nvCxnSpPr>
-        <p:spPr>
-          <a:xfrm>
-            <a:off x="9035246" y="3792007"/>
-            <a:ext cx="7144" cy="1816481"/>
-          </a:xfrm>
-          <a:prstGeom prst="line">
-            <a:avLst/>
-          </a:prstGeom>
-          <a:ln w="3175">
-            <a:solidFill>
-              <a:schemeClr val="bg2">
-                <a:lumMod val="90000"/>
-              </a:schemeClr>
-            </a:solidFill>
-          </a:ln>
-        </p:spPr>
-        <p:style>
-          <a:lnRef idx="1">
-            <a:schemeClr val="accent1"/>
-          </a:lnRef>
-          <a:fillRef idx="0">
-            <a:schemeClr val="accent1"/>
-          </a:fillRef>
-          <a:effectRef idx="0">
-            <a:schemeClr val="accent1"/>
-          </a:effectRef>
-          <a:fontRef idx="minor">
-            <a:schemeClr val="tx1"/>
-          </a:fontRef>
-        </p:style>
-      </p:cxnSp>
-      <p:sp>
-        <p:nvSpPr>
-          <p:cNvPr id="35" name="TextBox 34"/>
-          <p:cNvSpPr txBox="1"/>
-          <p:nvPr/>
-        </p:nvSpPr>
-        <p:spPr>
-          <a:xfrm>
-            <a:off x="985395" y="458031"/>
-            <a:ext cx="8478645" cy="369332"/>
-          </a:xfrm>
-          <a:prstGeom prst="rect">
-            <a:avLst/>
-          </a:prstGeom>
-          <a:noFill/>
-        </p:spPr>
-        <p:txBody>
-          <a:bodyPr wrap="square" rtlCol="0">
-            <a:spAutoFit/>
-          </a:bodyPr>
-          <a:lstStyle/>
-          <a:p>
-            <a:r>
-              <a:rPr lang="en-US" altLang="ko-KR" dirty="0" smtClean="0"/>
-              <a:t>Main- </a:t>
-            </a:r>
-            <a:r>
-              <a:rPr lang="en-US" altLang="ko-KR" noProof="1" smtClean="0"/>
-              <a:t>MainFrame &gt; </a:t>
-            </a:r>
-            <a:r>
-              <a:rPr lang="ko-KR" altLang="en-US" noProof="1" smtClean="0"/>
-              <a:t>사원관리 </a:t>
-            </a:r>
-            <a:r>
-              <a:rPr lang="en-US" altLang="ko-KR" noProof="1" smtClean="0"/>
-              <a:t>&gt; </a:t>
-            </a:r>
-            <a:r>
-              <a:rPr lang="ko-KR" altLang="en-US" noProof="1" smtClean="0"/>
-              <a:t>사원권한  </a:t>
-            </a:r>
-            <a:r>
-              <a:rPr lang="en-US" altLang="ko-KR" noProof="1" smtClean="0"/>
-              <a:t>&gt;  </a:t>
-            </a:r>
-            <a:r>
-              <a:rPr lang="ko-KR" altLang="en-US" noProof="1" smtClean="0"/>
-              <a:t>조회</a:t>
-            </a:r>
-            <a:endParaRPr lang="en-US" altLang="ko-KR" noProof="1"/>
-          </a:p>
-        </p:txBody>
-      </p:sp>
-      <p:sp>
-        <p:nvSpPr>
-          <p:cNvPr id="31" name="TextBox 30"/>
-          <p:cNvSpPr txBox="1"/>
-          <p:nvPr/>
-        </p:nvSpPr>
-        <p:spPr>
-          <a:xfrm>
-            <a:off x="6253014" y="2783614"/>
-            <a:ext cx="1514143" cy="307777"/>
-          </a:xfrm>
-          <a:prstGeom prst="rect">
-            <a:avLst/>
-          </a:prstGeom>
-          <a:noFill/>
-        </p:spPr>
-        <p:txBody>
-          <a:bodyPr wrap="square" rtlCol="0">
-            <a:spAutoFit/>
-          </a:bodyPr>
-          <a:lstStyle/>
-          <a:p>
-            <a:r>
-              <a:rPr lang="ko-KR" altLang="en-US" sz="1400" dirty="0" smtClean="0"/>
-              <a:t>테스트</a:t>
-            </a:r>
-            <a:endParaRPr lang="ko-KR" altLang="en-US" sz="1400" dirty="0"/>
-          </a:p>
-        </p:txBody>
-      </p:sp>
-      <p:sp>
-        <p:nvSpPr>
-          <p:cNvPr id="36" name="TextBox 35"/>
-          <p:cNvSpPr txBox="1"/>
-          <p:nvPr/>
-        </p:nvSpPr>
-        <p:spPr>
-          <a:xfrm>
-            <a:off x="5135728" y="4048721"/>
-            <a:ext cx="1514143" cy="261610"/>
-          </a:xfrm>
-          <a:prstGeom prst="rect">
-            <a:avLst/>
-          </a:prstGeom>
-          <a:noFill/>
-        </p:spPr>
-        <p:txBody>
-          <a:bodyPr wrap="square" rtlCol="0">
-            <a:spAutoFit/>
-          </a:bodyPr>
-          <a:lstStyle/>
-          <a:p>
-            <a:r>
-              <a:rPr lang="ko-KR" altLang="en-US" sz="1100" dirty="0" smtClean="0"/>
-              <a:t>테스트</a:t>
-            </a:r>
-            <a:endParaRPr lang="ko-KR" altLang="en-US" sz="1100" dirty="0"/>
+              <a:rPr lang="en-US" altLang="ko-KR" dirty="0" smtClean="0">
+                <a:solidFill>
+                  <a:schemeClr val="bg1"/>
+                </a:solidFill>
+              </a:rPr>
+              <a:t>x</a:t>
+            </a:r>
+            <a:endParaRPr lang="ko-KR" altLang="en-US" dirty="0">
+              <a:solidFill>
+                <a:schemeClr val="bg1"/>
+              </a:solidFill>
+            </a:endParaRPr>
           </a:p>
         </p:txBody>
       </p:sp>
     </p:spTree>
     <p:extLst>
       <p:ext uri="{BB962C8B-B14F-4D97-AF65-F5344CB8AC3E}">
-        <p14:creationId xmlns:p14="http://schemas.microsoft.com/office/powerpoint/2010/main" val="404772233"/>
+        <p14:creationId xmlns:p14="http://schemas.microsoft.com/office/powerpoint/2010/main" val="692189930"/>
       </p:ext>
     </p:extLst>
   </p:cSld>
@@ -21595,6 +20860,52 @@
           </a:p>
         </p:txBody>
       </p:sp>
+      <p:sp>
+        <p:nvSpPr>
+          <p:cNvPr id="17" name="TextBox 16"/>
+          <p:cNvSpPr txBox="1"/>
+          <p:nvPr/>
+        </p:nvSpPr>
+        <p:spPr>
+          <a:xfrm>
+            <a:off x="985395" y="458031"/>
+            <a:ext cx="4629003" cy="369332"/>
+          </a:xfrm>
+          <a:prstGeom prst="rect">
+            <a:avLst/>
+          </a:prstGeom>
+          <a:noFill/>
+        </p:spPr>
+        <p:txBody>
+          <a:bodyPr wrap="square" rtlCol="0">
+            <a:spAutoFit/>
+          </a:bodyPr>
+          <a:lstStyle/>
+          <a:p>
+            <a:r>
+              <a:rPr lang="en-US" altLang="ko-KR" dirty="0" smtClean="0"/>
+              <a:t>Main- </a:t>
+            </a:r>
+            <a:r>
+              <a:rPr lang="en-US" altLang="ko-KR" noProof="1" smtClean="0"/>
+              <a:t>MainFrame &gt; </a:t>
+            </a:r>
+            <a:r>
+              <a:rPr lang="ko-KR" altLang="en-US" noProof="1" smtClean="0"/>
+              <a:t>사원관리 </a:t>
+            </a:r>
+            <a:r>
+              <a:rPr lang="en-US" altLang="ko-KR" noProof="1" smtClean="0"/>
+              <a:t>&gt; </a:t>
+            </a:r>
+            <a:r>
+              <a:rPr lang="ko-KR" altLang="en-US" noProof="1" smtClean="0"/>
+              <a:t>사원권한</a:t>
+            </a:r>
+            <a:endParaRPr lang="en-US" altLang="ko-KR" noProof="1"/>
+          </a:p>
+        </p:txBody>
+      </p:sp>
       <p:pic>
         <p:nvPicPr>
           <p:cNvPr id="3" name="그림 2"/>
@@ -21642,10 +20953,18 @@
           <a:lstStyle/>
           <a:p>
             <a:r>
-              <a:rPr lang="ko-KR" altLang="en-US" sz="1400" b="1" dirty="0" smtClean="0"/>
+              <a:rPr lang="ko-KR" altLang="en-US" sz="1400" b="1" dirty="0" smtClean="0">
+                <a:solidFill>
+                  <a:srgbClr val="FFC000"/>
+                </a:solidFill>
+              </a:rPr>
               <a:t>사원관리</a:t>
             </a:r>
-            <a:endParaRPr lang="ko-KR" altLang="en-US" sz="1400" b="1" dirty="0"/>
+            <a:endParaRPr lang="ko-KR" altLang="en-US" sz="1400" b="1" dirty="0">
+              <a:solidFill>
+                <a:srgbClr val="FFC000"/>
+              </a:solidFill>
+            </a:endParaRPr>
           </a:p>
         </p:txBody>
       </p:sp>
@@ -21706,6 +21025,191 @@
               <a:t>은행 업무 관리</a:t>
             </a:r>
             <a:endParaRPr lang="ko-KR" altLang="en-US" sz="1400" b="1" dirty="0"/>
+          </a:p>
+        </p:txBody>
+      </p:sp>
+      <p:sp>
+        <p:nvSpPr>
+          <p:cNvPr id="35" name="TextBox 34"/>
+          <p:cNvSpPr txBox="1"/>
+          <p:nvPr/>
+        </p:nvSpPr>
+        <p:spPr>
+          <a:xfrm>
+            <a:off x="4950691" y="2900218"/>
+            <a:ext cx="1801091" cy="276999"/>
+          </a:xfrm>
+          <a:prstGeom prst="rect">
+            <a:avLst/>
+          </a:prstGeom>
+          <a:noFill/>
+        </p:spPr>
+        <p:txBody>
+          <a:bodyPr wrap="square" rtlCol="0">
+            <a:spAutoFit/>
+          </a:bodyPr>
+          <a:lstStyle/>
+          <a:p>
+            <a:r>
+              <a:rPr lang="ko-KR" altLang="en-US" sz="1200" noProof="1" smtClean="0"/>
+              <a:t>테스트님 환영합니다 </a:t>
+            </a:r>
+            <a:r>
+              <a:rPr lang="en-US" altLang="ko-KR" sz="1200" noProof="1" smtClean="0"/>
+              <a:t>~</a:t>
+            </a:r>
+            <a:endParaRPr lang="ko-KR" altLang="en-US" sz="1200" noProof="1"/>
+          </a:p>
+        </p:txBody>
+      </p:sp>
+      <p:sp>
+        <p:nvSpPr>
+          <p:cNvPr id="36" name="직사각형 35"/>
+          <p:cNvSpPr/>
+          <p:nvPr/>
+        </p:nvSpPr>
+        <p:spPr>
+          <a:xfrm>
+            <a:off x="6751782" y="2900218"/>
+            <a:ext cx="1062182" cy="276999"/>
+          </a:xfrm>
+          <a:prstGeom prst="rect">
+            <a:avLst/>
+          </a:prstGeom>
+          <a:solidFill>
+            <a:schemeClr val="bg2">
+              <a:lumMod val="90000"/>
+            </a:schemeClr>
+          </a:solidFill>
+        </p:spPr>
+        <p:style>
+          <a:lnRef idx="2">
+            <a:schemeClr val="accent1">
+              <a:shade val="50000"/>
+            </a:schemeClr>
+          </a:lnRef>
+          <a:fillRef idx="1">
+            <a:schemeClr val="accent1"/>
+          </a:fillRef>
+          <a:effectRef idx="0">
+            <a:schemeClr val="accent1"/>
+          </a:effectRef>
+          <a:fontRef idx="minor">
+            <a:schemeClr val="lt1"/>
+          </a:fontRef>
+        </p:style>
+        <p:txBody>
+          <a:bodyPr rtlCol="0" anchor="ctr"/>
+          <a:lstStyle/>
+          <a:p>
+            <a:pPr algn="ctr"/>
+            <a:endParaRPr lang="ko-KR" altLang="en-US"/>
+          </a:p>
+        </p:txBody>
+      </p:sp>
+      <p:sp>
+        <p:nvSpPr>
+          <p:cNvPr id="37" name="TextBox 36"/>
+          <p:cNvSpPr txBox="1"/>
+          <p:nvPr/>
+        </p:nvSpPr>
+        <p:spPr>
+          <a:xfrm>
+            <a:off x="6890323" y="2900218"/>
+            <a:ext cx="1801091" cy="276999"/>
+          </a:xfrm>
+          <a:prstGeom prst="rect">
+            <a:avLst/>
+          </a:prstGeom>
+          <a:noFill/>
+        </p:spPr>
+        <p:txBody>
+          <a:bodyPr wrap="square" rtlCol="0">
+            <a:spAutoFit/>
+          </a:bodyPr>
+          <a:lstStyle/>
+          <a:p>
+            <a:r>
+              <a:rPr lang="ko-KR" altLang="en-US" sz="1200" noProof="1" smtClean="0"/>
+              <a:t>로그아웃</a:t>
+            </a:r>
+            <a:endParaRPr lang="ko-KR" altLang="en-US" sz="1200" noProof="1"/>
+          </a:p>
+        </p:txBody>
+      </p:sp>
+      <p:pic>
+        <p:nvPicPr>
+          <p:cNvPr id="38" name="그림 37"/>
+          <p:cNvPicPr>
+            <a:picLocks noChangeAspect="1"/>
+          </p:cNvPicPr>
+          <p:nvPr/>
+        </p:nvPicPr>
+        <p:blipFill>
+          <a:blip r:embed="rId3" cstate="print">
+            <a:extLst>
+              <a:ext uri="{28A0092B-C50C-407E-A947-70E740481C1C}">
+                <a14:useLocalDpi xmlns:a14="http://schemas.microsoft.com/office/drawing/2010/main" val="0"/>
+              </a:ext>
+            </a:extLst>
+          </a:blip>
+          <a:stretch>
+            <a:fillRect/>
+          </a:stretch>
+        </p:blipFill>
+        <p:spPr>
+          <a:xfrm>
+            <a:off x="5623242" y="3462332"/>
+            <a:ext cx="692989" cy="692989"/>
+          </a:xfrm>
+          <a:prstGeom prst="rect">
+            <a:avLst/>
+          </a:prstGeom>
+        </p:spPr>
+      </p:pic>
+      <p:sp>
+        <p:nvSpPr>
+          <p:cNvPr id="39" name="TextBox 38"/>
+          <p:cNvSpPr txBox="1"/>
+          <p:nvPr/>
+        </p:nvSpPr>
+        <p:spPr>
+          <a:xfrm>
+            <a:off x="3694545" y="4488872"/>
+            <a:ext cx="5209310" cy="584775"/>
+          </a:xfrm>
+          <a:prstGeom prst="rect">
+            <a:avLst/>
+          </a:prstGeom>
+          <a:noFill/>
+        </p:spPr>
+        <p:txBody>
+          <a:bodyPr wrap="square" rtlCol="0">
+            <a:spAutoFit/>
+          </a:bodyPr>
+          <a:lstStyle/>
+          <a:p>
+            <a:r>
+              <a:rPr lang="en-US" altLang="ko-KR" sz="3200" b="1" dirty="0" smtClean="0">
+                <a:effectLst>
+                  <a:outerShdw blurRad="38100" dist="38100" dir="2700000" algn="tl">
+                    <a:srgbClr val="000000">
+                      <a:alpha val="43137"/>
+                    </a:srgbClr>
+                  </a:outerShdw>
+                </a:effectLst>
+              </a:rPr>
+              <a:t>Better Financial Support</a:t>
+            </a:r>
+            <a:endParaRPr lang="ko-KR" altLang="en-US" sz="3200" b="1" dirty="0">
+              <a:effectLst>
+                <a:outerShdw blurRad="38100" dist="38100" dir="2700000" algn="tl">
+                  <a:srgbClr val="000000">
+                    <a:alpha val="43137"/>
+                  </a:srgbClr>
+                </a:outerShdw>
+              </a:effectLst>
+            </a:endParaRPr>
           </a:p>
         </p:txBody>
       </p:sp>
@@ -21786,23 +21290,79 @@
       </p:sp>
       <p:sp>
         <p:nvSpPr>
-          <p:cNvPr id="2" name="직사각형 1"/>
+          <p:cNvPr id="11" name="TextBox 10"/>
+          <p:cNvSpPr txBox="1"/>
+          <p:nvPr/>
+        </p:nvSpPr>
+        <p:spPr>
+          <a:xfrm>
+            <a:off x="4830624" y="2561541"/>
+            <a:ext cx="914132" cy="276999"/>
+          </a:xfrm>
+          <a:prstGeom prst="rect">
+            <a:avLst/>
+          </a:prstGeom>
+          <a:noFill/>
+        </p:spPr>
+        <p:txBody>
+          <a:bodyPr wrap="square" rtlCol="0">
+            <a:spAutoFit/>
+          </a:bodyPr>
+          <a:lstStyle/>
+          <a:p>
+            <a:r>
+              <a:rPr lang="ko-KR" altLang="en-US" sz="1200" dirty="0" smtClean="0"/>
+              <a:t>사원 검색</a:t>
+            </a:r>
+            <a:endParaRPr lang="ko-KR" altLang="en-US" sz="1200" dirty="0"/>
+          </a:p>
+        </p:txBody>
+      </p:sp>
+      <p:sp>
+        <p:nvSpPr>
+          <p:cNvPr id="20" name="TextBox 19"/>
+          <p:cNvSpPr txBox="1"/>
+          <p:nvPr/>
+        </p:nvSpPr>
+        <p:spPr>
+          <a:xfrm>
+            <a:off x="4786139" y="2855452"/>
+            <a:ext cx="983951" cy="307777"/>
+          </a:xfrm>
+          <a:prstGeom prst="rect">
+            <a:avLst/>
+          </a:prstGeom>
+          <a:noFill/>
+          <a:ln>
+            <a:noFill/>
+          </a:ln>
+        </p:spPr>
+        <p:txBody>
+          <a:bodyPr wrap="square" rtlCol="0">
+            <a:spAutoFit/>
+          </a:bodyPr>
+          <a:lstStyle/>
+          <a:p>
+            <a:endParaRPr lang="en-US" altLang="ko-KR" sz="1400" dirty="0" smtClean="0"/>
+          </a:p>
+        </p:txBody>
+      </p:sp>
+      <p:sp>
+        <p:nvSpPr>
+          <p:cNvPr id="21" name="직사각형 20"/>
           <p:cNvSpPr/>
           <p:nvPr/>
         </p:nvSpPr>
         <p:spPr>
           <a:xfrm>
-            <a:off x="2955636" y="2624369"/>
-            <a:ext cx="6382328" cy="3046758"/>
+            <a:off x="4821120" y="2876023"/>
+            <a:ext cx="948970" cy="277218"/>
           </a:xfrm>
           <a:prstGeom prst="rect">
             <a:avLst/>
           </a:prstGeom>
           <a:solidFill>
-            <a:schemeClr val="accent4">
-              <a:lumMod val="20000"/>
-              <a:lumOff val="80000"/>
-            </a:schemeClr>
+            <a:schemeClr val="bg1"/>
           </a:solidFill>
           <a:ln>
             <a:noFill/>
@@ -21835,21 +21395,180 @@
       </p:sp>
       <p:sp>
         <p:nvSpPr>
-          <p:cNvPr id="14" name="모서리가 둥근 직사각형 13"/>
+          <p:cNvPr id="22" name="TextBox 21"/>
+          <p:cNvSpPr txBox="1"/>
+          <p:nvPr/>
+        </p:nvSpPr>
+        <p:spPr>
+          <a:xfrm>
+            <a:off x="4830362" y="2884139"/>
+            <a:ext cx="914132" cy="276999"/>
+          </a:xfrm>
+          <a:prstGeom prst="rect">
+            <a:avLst/>
+          </a:prstGeom>
+          <a:noFill/>
+        </p:spPr>
+        <p:txBody>
+          <a:bodyPr wrap="square" rtlCol="0">
+            <a:spAutoFit/>
+          </a:bodyPr>
+          <a:lstStyle/>
+          <a:p>
+            <a:r>
+              <a:rPr lang="ko-KR" altLang="en-US" sz="1200" dirty="0" smtClean="0"/>
+              <a:t>사원 정보</a:t>
+            </a:r>
+            <a:endParaRPr lang="ko-KR" altLang="en-US" sz="1200" dirty="0"/>
+          </a:p>
+        </p:txBody>
+      </p:sp>
+      <p:sp>
+        <p:nvSpPr>
+          <p:cNvPr id="23" name="TextBox 22"/>
+          <p:cNvSpPr txBox="1"/>
+          <p:nvPr/>
+        </p:nvSpPr>
+        <p:spPr>
+          <a:xfrm>
+            <a:off x="4846716" y="3156646"/>
+            <a:ext cx="983951" cy="307777"/>
+          </a:xfrm>
+          <a:prstGeom prst="rect">
+            <a:avLst/>
+          </a:prstGeom>
+          <a:noFill/>
+          <a:ln>
+            <a:noFill/>
+          </a:ln>
+        </p:spPr>
+        <p:txBody>
+          <a:bodyPr wrap="square" rtlCol="0">
+            <a:spAutoFit/>
+          </a:bodyPr>
+          <a:lstStyle/>
+          <a:p>
+            <a:endParaRPr lang="en-US" altLang="ko-KR" sz="1400" dirty="0" smtClean="0"/>
+          </a:p>
+        </p:txBody>
+      </p:sp>
+      <p:sp>
+        <p:nvSpPr>
+          <p:cNvPr id="24" name="직사각형 23"/>
           <p:cNvSpPr/>
           <p:nvPr/>
         </p:nvSpPr>
         <p:spPr>
           <a:xfrm>
-            <a:off x="8366863" y="5174098"/>
-            <a:ext cx="773477" cy="335840"/>
-          </a:xfrm>
-          <a:prstGeom prst="roundRect">
+            <a:off x="4881697" y="3177217"/>
+            <a:ext cx="948970" cy="277218"/>
+          </a:xfrm>
+          <a:prstGeom prst="rect">
             <a:avLst/>
           </a:prstGeom>
           <a:solidFill>
             <a:schemeClr val="bg1"/>
           </a:solidFill>
+          <a:ln>
+            <a:noFill/>
+          </a:ln>
+        </p:spPr>
+        <p:style>
+          <a:lnRef idx="2">
+            <a:schemeClr val="accent1">
+              <a:shade val="50000"/>
+            </a:schemeClr>
+          </a:lnRef>
+          <a:fillRef idx="1">
+            <a:schemeClr val="accent1"/>
+          </a:fillRef>
+          <a:effectRef idx="0">
+            <a:schemeClr val="accent1"/>
+          </a:effectRef>
+          <a:fontRef idx="minor">
+            <a:schemeClr val="lt1"/>
+          </a:fontRef>
+        </p:style>
+        <p:txBody>
+          <a:bodyPr rtlCol="0" anchor="ctr"/>
+          <a:lstStyle/>
+          <a:p>
+            <a:pPr algn="ctr"/>
+            <a:endParaRPr lang="ko-KR" altLang="en-US"/>
+          </a:p>
+        </p:txBody>
+      </p:sp>
+      <p:sp>
+        <p:nvSpPr>
+          <p:cNvPr id="25" name="TextBox 24"/>
+          <p:cNvSpPr txBox="1"/>
+          <p:nvPr/>
+        </p:nvSpPr>
+        <p:spPr>
+          <a:xfrm>
+            <a:off x="4817051" y="3185333"/>
+            <a:ext cx="914132" cy="276999"/>
+          </a:xfrm>
+          <a:prstGeom prst="rect">
+            <a:avLst/>
+          </a:prstGeom>
+          <a:solidFill>
+            <a:schemeClr val="accent4"/>
+          </a:solidFill>
+        </p:spPr>
+        <p:txBody>
+          <a:bodyPr wrap="square" rtlCol="0">
+            <a:spAutoFit/>
+          </a:bodyPr>
+          <a:lstStyle/>
+          <a:p>
+            <a:r>
+              <a:rPr lang="ko-KR" altLang="en-US" sz="1200" dirty="0" smtClean="0"/>
+              <a:t>사원 권한</a:t>
+            </a:r>
+            <a:endParaRPr lang="ko-KR" altLang="en-US" sz="1200" dirty="0"/>
+          </a:p>
+        </p:txBody>
+      </p:sp>
+      <p:pic>
+        <p:nvPicPr>
+          <p:cNvPr id="26" name="그림 25"/>
+          <p:cNvPicPr>
+            <a:picLocks noChangeAspect="1"/>
+          </p:cNvPicPr>
+          <p:nvPr/>
+        </p:nvPicPr>
+        <p:blipFill>
+          <a:blip r:embed="rId4"/>
+          <a:stretch>
+            <a:fillRect/>
+          </a:stretch>
+        </p:blipFill>
+        <p:spPr>
+          <a:xfrm>
+            <a:off x="5614398" y="2916059"/>
+            <a:ext cx="95263" cy="181000"/>
+          </a:xfrm>
+          <a:prstGeom prst="rect">
+            <a:avLst/>
+          </a:prstGeom>
+        </p:spPr>
+      </p:pic>
+      <p:sp>
+        <p:nvSpPr>
+          <p:cNvPr id="12" name="직사각형 11"/>
+          <p:cNvSpPr/>
+          <p:nvPr/>
+        </p:nvSpPr>
+        <p:spPr>
+          <a:xfrm>
+            <a:off x="4817051" y="2532854"/>
+            <a:ext cx="914132" cy="929478"/>
+          </a:xfrm>
+          <a:prstGeom prst="rect">
+            <a:avLst/>
+          </a:prstGeom>
+          <a:noFill/>
           <a:ln>
             <a:solidFill>
               <a:schemeClr val="bg2">
@@ -21883,150 +21602,10 @@
           </a:p>
         </p:txBody>
       </p:sp>
-      <p:sp>
-        <p:nvSpPr>
-          <p:cNvPr id="15" name="TextBox 14"/>
-          <p:cNvSpPr txBox="1"/>
-          <p:nvPr/>
-        </p:nvSpPr>
-        <p:spPr>
-          <a:xfrm>
-            <a:off x="8483585" y="5202161"/>
-            <a:ext cx="662643" cy="307777"/>
-          </a:xfrm>
-          <a:prstGeom prst="rect">
-            <a:avLst/>
-          </a:prstGeom>
-          <a:noFill/>
-        </p:spPr>
-        <p:txBody>
-          <a:bodyPr wrap="square" rtlCol="0">
-            <a:spAutoFit/>
-          </a:bodyPr>
-          <a:lstStyle/>
-          <a:p>
-            <a:r>
-              <a:rPr lang="ko-KR" altLang="en-US" sz="1400" dirty="0" smtClean="0"/>
-              <a:t>조회</a:t>
-            </a:r>
-            <a:endParaRPr lang="ko-KR" altLang="en-US" sz="1400" dirty="0"/>
-          </a:p>
-        </p:txBody>
-      </p:sp>
-      <p:sp>
-        <p:nvSpPr>
-          <p:cNvPr id="35" name="TextBox 34"/>
-          <p:cNvSpPr txBox="1"/>
-          <p:nvPr/>
-        </p:nvSpPr>
-        <p:spPr>
-          <a:xfrm>
-            <a:off x="985395" y="458031"/>
-            <a:ext cx="8478645" cy="369332"/>
-          </a:xfrm>
-          <a:prstGeom prst="rect">
-            <a:avLst/>
-          </a:prstGeom>
-          <a:noFill/>
-        </p:spPr>
-        <p:txBody>
-          <a:bodyPr wrap="square" rtlCol="0">
-            <a:spAutoFit/>
-          </a:bodyPr>
-          <a:lstStyle/>
-          <a:p>
-            <a:r>
-              <a:rPr lang="en-US" altLang="ko-KR" dirty="0" smtClean="0"/>
-              <a:t>Main- </a:t>
-            </a:r>
-            <a:r>
-              <a:rPr lang="en-US" altLang="ko-KR" noProof="1" smtClean="0"/>
-              <a:t>MainFrame &gt; </a:t>
-            </a:r>
-            <a:r>
-              <a:rPr lang="ko-KR" altLang="en-US" noProof="1" smtClean="0"/>
-              <a:t>사원관리 </a:t>
-            </a:r>
-            <a:r>
-              <a:rPr lang="en-US" altLang="ko-KR" noProof="1" smtClean="0"/>
-              <a:t>&gt; </a:t>
-            </a:r>
-            <a:r>
-              <a:rPr lang="ko-KR" altLang="en-US" noProof="1" smtClean="0"/>
-              <a:t>사원정보  </a:t>
-            </a:r>
-            <a:r>
-              <a:rPr lang="en-US" altLang="ko-KR" noProof="1" smtClean="0"/>
-              <a:t>&gt; </a:t>
-            </a:r>
-            <a:r>
-              <a:rPr lang="ko-KR" altLang="en-US" noProof="1" smtClean="0"/>
-              <a:t>사원 현황 조회</a:t>
-            </a:r>
-            <a:endParaRPr lang="en-US" altLang="ko-KR" noProof="1"/>
-          </a:p>
-        </p:txBody>
-      </p:sp>
-      <p:sp>
-        <p:nvSpPr>
-          <p:cNvPr id="11" name="TextBox 10"/>
-          <p:cNvSpPr txBox="1"/>
-          <p:nvPr/>
-        </p:nvSpPr>
-        <p:spPr>
-          <a:xfrm>
-            <a:off x="3095625" y="2792537"/>
-            <a:ext cx="3799721" cy="830997"/>
-          </a:xfrm>
-          <a:prstGeom prst="rect">
-            <a:avLst/>
-          </a:prstGeom>
-          <a:noFill/>
-        </p:spPr>
-        <p:txBody>
-          <a:bodyPr wrap="square" rtlCol="0">
-            <a:spAutoFit/>
-          </a:bodyPr>
-          <a:lstStyle/>
-          <a:p>
-            <a:r>
-              <a:rPr lang="ko-KR" altLang="en-US" sz="1600" dirty="0" smtClean="0"/>
-              <a:t>전체 직원 수</a:t>
-            </a:r>
-            <a:r>
-              <a:rPr lang="en-US" altLang="ko-KR" sz="1600" dirty="0" smtClean="0"/>
-              <a:t>/ </a:t>
-            </a:r>
-            <a:r>
-              <a:rPr lang="ko-KR" altLang="en-US" sz="1600" dirty="0" smtClean="0"/>
-              <a:t>부서별 직원 비율</a:t>
-            </a:r>
-            <a:endParaRPr lang="en-US" altLang="ko-KR" sz="1600" dirty="0" smtClean="0"/>
-          </a:p>
-          <a:p>
-            <a:r>
-              <a:rPr lang="en-US" altLang="ko-KR" sz="1600" dirty="0" smtClean="0"/>
-              <a:t>1</a:t>
-            </a:r>
-            <a:r>
-              <a:rPr lang="ko-KR" altLang="en-US" sz="1600" dirty="0" smtClean="0"/>
-              <a:t>인 평균 급여액</a:t>
-            </a:r>
-            <a:endParaRPr lang="en-US" altLang="ko-KR" sz="1600" dirty="0" smtClean="0"/>
-          </a:p>
-          <a:p>
-            <a:r>
-              <a:rPr lang="ko-KR" altLang="en-US" sz="1600" dirty="0" smtClean="0"/>
-              <a:t>보너스 현황</a:t>
-            </a:r>
-            <a:endParaRPr lang="ko-KR" altLang="en-US" sz="1600" dirty="0"/>
-          </a:p>
-        </p:txBody>
-      </p:sp>
     </p:spTree>
     <p:extLst>
       <p:ext uri="{BB962C8B-B14F-4D97-AF65-F5344CB8AC3E}">
-        <p14:creationId xmlns:p14="http://schemas.microsoft.com/office/powerpoint/2010/main" val="2594051761"/>
+        <p14:creationId xmlns:p14="http://schemas.microsoft.com/office/powerpoint/2010/main" val="2114859235"/>
       </p:ext>
     </p:extLst>
   </p:cSld>
@@ -22409,20 +21988,150 @@
       </p:sp>
       <p:sp>
         <p:nvSpPr>
+          <p:cNvPr id="9" name="직사각형 8"/>
+          <p:cNvSpPr/>
+          <p:nvPr/>
+        </p:nvSpPr>
+        <p:spPr>
+          <a:xfrm>
+            <a:off x="3168073" y="2752436"/>
+            <a:ext cx="2946400" cy="341746"/>
+          </a:xfrm>
+          <a:prstGeom prst="rect">
+            <a:avLst/>
+          </a:prstGeom>
+          <a:solidFill>
+            <a:schemeClr val="bg1"/>
+          </a:solidFill>
+          <a:ln>
+            <a:noFill/>
+          </a:ln>
+        </p:spPr>
+        <p:style>
+          <a:lnRef idx="2">
+            <a:schemeClr val="accent1">
+              <a:shade val="50000"/>
+            </a:schemeClr>
+          </a:lnRef>
+          <a:fillRef idx="1">
+            <a:schemeClr val="accent1"/>
+          </a:fillRef>
+          <a:effectRef idx="0">
+            <a:schemeClr val="accent1"/>
+          </a:effectRef>
+          <a:fontRef idx="minor">
+            <a:schemeClr val="lt1"/>
+          </a:fontRef>
+        </p:style>
+        <p:txBody>
+          <a:bodyPr rtlCol="0" anchor="ctr"/>
+          <a:lstStyle/>
+          <a:p>
+            <a:pPr algn="ctr"/>
+            <a:endParaRPr lang="ko-KR" altLang="en-US"/>
+          </a:p>
+        </p:txBody>
+      </p:sp>
+      <p:sp>
+        <p:nvSpPr>
+          <p:cNvPr id="28" name="직사각형 27"/>
+          <p:cNvSpPr/>
+          <p:nvPr/>
+        </p:nvSpPr>
+        <p:spPr>
+          <a:xfrm>
+            <a:off x="6253014" y="2752436"/>
+            <a:ext cx="2946400" cy="341746"/>
+          </a:xfrm>
+          <a:prstGeom prst="rect">
+            <a:avLst/>
+          </a:prstGeom>
+          <a:solidFill>
+            <a:schemeClr val="bg1"/>
+          </a:solidFill>
+          <a:ln>
+            <a:solidFill>
+              <a:schemeClr val="tx1">
+                <a:lumMod val="50000"/>
+                <a:lumOff val="50000"/>
+              </a:schemeClr>
+            </a:solidFill>
+          </a:ln>
+        </p:spPr>
+        <p:style>
+          <a:lnRef idx="2">
+            <a:schemeClr val="accent1">
+              <a:shade val="50000"/>
+            </a:schemeClr>
+          </a:lnRef>
+          <a:fillRef idx="1">
+            <a:schemeClr val="accent1"/>
+          </a:fillRef>
+          <a:effectRef idx="0">
+            <a:schemeClr val="accent1"/>
+          </a:effectRef>
+          <a:fontRef idx="minor">
+            <a:schemeClr val="lt1"/>
+          </a:fontRef>
+        </p:style>
+        <p:txBody>
+          <a:bodyPr rtlCol="0" anchor="ctr"/>
+          <a:lstStyle/>
+          <a:p>
+            <a:pPr algn="ctr"/>
+            <a:endParaRPr lang="ko-KR" altLang="en-US"/>
+          </a:p>
+        </p:txBody>
+      </p:sp>
+      <p:sp>
+        <p:nvSpPr>
+          <p:cNvPr id="13" name="TextBox 12"/>
+          <p:cNvSpPr txBox="1"/>
+          <p:nvPr/>
+        </p:nvSpPr>
+        <p:spPr>
+          <a:xfrm>
+            <a:off x="4738652" y="2786405"/>
+            <a:ext cx="1484073" cy="307777"/>
+          </a:xfrm>
+          <a:prstGeom prst="rect">
+            <a:avLst/>
+          </a:prstGeom>
+          <a:noFill/>
+        </p:spPr>
+        <p:txBody>
+          <a:bodyPr wrap="square" rtlCol="0">
+            <a:spAutoFit/>
+          </a:bodyPr>
+          <a:lstStyle/>
+          <a:p>
+            <a:r>
+              <a:rPr lang="ko-KR" altLang="en-US" sz="1400" b="1" dirty="0" smtClean="0"/>
+              <a:t>사원 이름 입력</a:t>
+            </a:r>
+            <a:endParaRPr lang="ko-KR" altLang="en-US" sz="1400" b="1" dirty="0"/>
+          </a:p>
+        </p:txBody>
+      </p:sp>
+      <p:sp>
+        <p:nvSpPr>
           <p:cNvPr id="14" name="모서리가 둥근 직사각형 13"/>
           <p:cNvSpPr/>
           <p:nvPr/>
         </p:nvSpPr>
         <p:spPr>
           <a:xfrm>
-            <a:off x="8366863" y="5174098"/>
+            <a:off x="5338030" y="3328069"/>
             <a:ext cx="773477" cy="335840"/>
           </a:xfrm>
           <a:prstGeom prst="roundRect">
             <a:avLst/>
           </a:prstGeom>
           <a:solidFill>
-            <a:schemeClr val="accent4"/>
+            <a:schemeClr val="accent2">
+              <a:lumMod val="20000"/>
+              <a:lumOff val="80000"/>
+            </a:schemeClr>
           </a:solidFill>
           <a:ln>
             <a:solidFill>
@@ -22465,7 +22174,7 @@
         </p:nvSpPr>
         <p:spPr>
           <a:xfrm>
-            <a:off x="8483585" y="5202161"/>
+            <a:off x="5461636" y="3351417"/>
             <a:ext cx="662643" cy="307777"/>
           </a:xfrm>
           <a:prstGeom prst="rect">
@@ -22489,14 +22198,67 @@
       </p:sp>
       <p:sp>
         <p:nvSpPr>
-          <p:cNvPr id="35" name="TextBox 34"/>
+          <p:cNvPr id="32" name="모서리가 둥근 직사각형 31"/>
+          <p:cNvSpPr/>
+          <p:nvPr/>
+        </p:nvSpPr>
+        <p:spPr>
+          <a:xfrm>
+            <a:off x="6254607" y="3330819"/>
+            <a:ext cx="773477" cy="335840"/>
+          </a:xfrm>
+          <a:prstGeom prst="roundRect">
+            <a:avLst/>
+          </a:prstGeom>
+          <a:solidFill>
+            <a:schemeClr val="accent2">
+              <a:lumMod val="20000"/>
+              <a:lumOff val="80000"/>
+            </a:schemeClr>
+          </a:solidFill>
+          <a:ln>
+            <a:solidFill>
+              <a:schemeClr val="bg2">
+                <a:lumMod val="75000"/>
+              </a:schemeClr>
+            </a:solidFill>
+          </a:ln>
+        </p:spPr>
+        <p:style>
+          <a:lnRef idx="2">
+            <a:schemeClr val="accent1">
+              <a:shade val="50000"/>
+            </a:schemeClr>
+          </a:lnRef>
+          <a:fillRef idx="1">
+            <a:schemeClr val="accent1"/>
+          </a:fillRef>
+          <a:effectRef idx="0">
+            <a:schemeClr val="accent1"/>
+          </a:effectRef>
+          <a:fontRef idx="minor">
+            <a:schemeClr val="lt1"/>
+          </a:fontRef>
+        </p:style>
+        <p:txBody>
+          <a:bodyPr rtlCol="0" anchor="ctr"/>
+          <a:lstStyle/>
+          <a:p>
+            <a:pPr algn="ctr"/>
+            <a:endParaRPr lang="ko-KR" altLang="en-US"/>
+          </a:p>
+        </p:txBody>
+      </p:sp>
+      <p:sp>
+        <p:nvSpPr>
+          <p:cNvPr id="41" name="TextBox 40"/>
           <p:cNvSpPr txBox="1"/>
           <p:nvPr/>
         </p:nvSpPr>
         <p:spPr>
           <a:xfrm>
-            <a:off x="985395" y="467556"/>
-            <a:ext cx="8478645" cy="369332"/>
+            <a:off x="6377958" y="3344405"/>
+            <a:ext cx="662643" cy="307777"/>
           </a:xfrm>
           <a:prstGeom prst="rect">
             <a:avLst/>
@@ -22510,55 +22272,126 @@
           <a:lstStyle/>
           <a:p>
             <a:r>
-              <a:rPr lang="en-US" altLang="ko-KR" dirty="0" smtClean="0"/>
-              <a:t>Main- </a:t>
-            </a:r>
-            <a:r>
-              <a:rPr lang="en-US" altLang="ko-KR" noProof="1" smtClean="0"/>
-              <a:t>MainFrame &gt; </a:t>
-            </a:r>
-            <a:r>
-              <a:rPr lang="ko-KR" altLang="en-US" noProof="1" smtClean="0"/>
-              <a:t>사원관리 </a:t>
-            </a:r>
-            <a:r>
-              <a:rPr lang="en-US" altLang="ko-KR" noProof="1" smtClean="0"/>
-              <a:t>&gt; </a:t>
-            </a:r>
-            <a:r>
-              <a:rPr lang="ko-KR" altLang="en-US" noProof="1" smtClean="0"/>
-              <a:t>사원정보  </a:t>
-            </a:r>
-            <a:r>
-              <a:rPr lang="en-US" altLang="ko-KR" noProof="1" smtClean="0"/>
-              <a:t>&gt; </a:t>
-            </a:r>
-            <a:r>
-              <a:rPr lang="ko-KR" altLang="en-US" noProof="1" smtClean="0"/>
-              <a:t>사원 현황 조회  </a:t>
-            </a:r>
-            <a:r>
-              <a:rPr lang="en-US" altLang="ko-KR" noProof="1" smtClean="0"/>
-              <a:t>&gt;  </a:t>
-            </a:r>
-            <a:r>
-              <a:rPr lang="ko-KR" altLang="en-US" noProof="1" smtClean="0"/>
-              <a:t>조회</a:t>
-            </a:r>
-            <a:endParaRPr lang="en-US" altLang="ko-KR" noProof="1"/>
-          </a:p>
-        </p:txBody>
-      </p:sp>
-      <p:sp>
-        <p:nvSpPr>
-          <p:cNvPr id="11" name="TextBox 10"/>
+              <a:rPr lang="ko-KR" altLang="en-US" sz="1400" dirty="0" smtClean="0"/>
+              <a:t>취소</a:t>
+            </a:r>
+            <a:endParaRPr lang="ko-KR" altLang="en-US" sz="1400" dirty="0"/>
+          </a:p>
+        </p:txBody>
+      </p:sp>
+      <p:sp>
+        <p:nvSpPr>
+          <p:cNvPr id="16" name="직사각형 15"/>
+          <p:cNvSpPr/>
+          <p:nvPr/>
+        </p:nvSpPr>
+        <p:spPr>
+          <a:xfrm>
+            <a:off x="3093720" y="3794760"/>
+            <a:ext cx="6105694" cy="1821180"/>
+          </a:xfrm>
+          <a:prstGeom prst="rect">
+            <a:avLst/>
+          </a:prstGeom>
+          <a:solidFill>
+            <a:schemeClr val="bg1"/>
+          </a:solidFill>
+          <a:ln w="3175">
+            <a:solidFill>
+              <a:schemeClr val="bg2">
+                <a:lumMod val="90000"/>
+              </a:schemeClr>
+            </a:solidFill>
+          </a:ln>
+        </p:spPr>
+        <p:style>
+          <a:lnRef idx="2">
+            <a:schemeClr val="accent1">
+              <a:shade val="50000"/>
+            </a:schemeClr>
+          </a:lnRef>
+          <a:fillRef idx="1">
+            <a:schemeClr val="accent1"/>
+          </a:fillRef>
+          <a:effectRef idx="0">
+            <a:schemeClr val="accent1"/>
+          </a:effectRef>
+          <a:fontRef idx="minor">
+            <a:schemeClr val="lt1"/>
+          </a:fontRef>
+        </p:style>
+        <p:txBody>
+          <a:bodyPr rtlCol="0" anchor="ctr"/>
+          <a:lstStyle/>
+          <a:p>
+            <a:pPr algn="ctr"/>
+            <a:endParaRPr lang="ko-KR" altLang="en-US" dirty="0"/>
+          </a:p>
+        </p:txBody>
+      </p:sp>
+      <p:sp>
+        <p:nvSpPr>
+          <p:cNvPr id="18" name="직사각형 17"/>
+          <p:cNvSpPr/>
+          <p:nvPr/>
+        </p:nvSpPr>
+        <p:spPr>
+          <a:xfrm>
+            <a:off x="3093720" y="3794760"/>
+            <a:ext cx="6105694" cy="228600"/>
+          </a:xfrm>
+          <a:prstGeom prst="rect">
+            <a:avLst/>
+          </a:prstGeom>
+          <a:solidFill>
+            <a:schemeClr val="accent4">
+              <a:lumMod val="20000"/>
+              <a:lumOff val="80000"/>
+            </a:schemeClr>
+          </a:solidFill>
+          <a:ln w="3175">
+            <a:solidFill>
+              <a:schemeClr val="bg2">
+                <a:lumMod val="90000"/>
+              </a:schemeClr>
+            </a:solidFill>
+          </a:ln>
+        </p:spPr>
+        <p:style>
+          <a:lnRef idx="2">
+            <a:schemeClr val="accent1">
+              <a:shade val="50000"/>
+            </a:schemeClr>
+          </a:lnRef>
+          <a:fillRef idx="1">
+            <a:schemeClr val="accent1"/>
+          </a:fillRef>
+          <a:effectRef idx="0">
+            <a:schemeClr val="accent1"/>
+          </a:effectRef>
+          <a:fontRef idx="minor">
+            <a:schemeClr val="lt1"/>
+          </a:fontRef>
+        </p:style>
+        <p:txBody>
+          <a:bodyPr rtlCol="0" anchor="ctr"/>
+          <a:lstStyle/>
+          <a:p>
+            <a:pPr algn="ctr"/>
+            <a:endParaRPr lang="ko-KR" altLang="en-US"/>
+          </a:p>
+        </p:txBody>
+      </p:sp>
+      <p:sp>
+        <p:nvSpPr>
+          <p:cNvPr id="19" name="TextBox 18"/>
           <p:cNvSpPr txBox="1"/>
           <p:nvPr/>
         </p:nvSpPr>
         <p:spPr>
           <a:xfrm>
-            <a:off x="3095625" y="2792537"/>
-            <a:ext cx="3799721" cy="830997"/>
+            <a:off x="3093720" y="3794760"/>
+            <a:ext cx="6050280" cy="276999"/>
           </a:xfrm>
           <a:prstGeom prst="rect">
             <a:avLst/>
@@ -22572,59 +22405,310 @@
           <a:lstStyle/>
           <a:p>
             <a:r>
-              <a:rPr lang="ko-KR" altLang="en-US" sz="1600" b="1" dirty="0" smtClean="0">
-                <a:solidFill>
-                  <a:schemeClr val="accent4"/>
-                </a:solidFill>
-              </a:rPr>
-              <a:t>전체 직원 수</a:t>
-            </a:r>
-            <a:r>
-              <a:rPr lang="en-US" altLang="ko-KR" sz="1600" b="1" dirty="0" smtClean="0">
-                <a:solidFill>
-                  <a:schemeClr val="accent4"/>
-                </a:solidFill>
-              </a:rPr>
-              <a:t>/ </a:t>
-            </a:r>
-            <a:r>
-              <a:rPr lang="ko-KR" altLang="en-US" sz="1600" b="1" dirty="0" smtClean="0">
-                <a:solidFill>
-                  <a:schemeClr val="accent4"/>
-                </a:solidFill>
-              </a:rPr>
-              <a:t>부서별 직원 비율</a:t>
-            </a:r>
-            <a:endParaRPr lang="en-US" altLang="ko-KR" sz="1600" b="1" dirty="0" smtClean="0">
-              <a:solidFill>
-                <a:schemeClr val="accent4"/>
-              </a:solidFill>
-            </a:endParaRPr>
-          </a:p>
-          <a:p>
-            <a:r>
-              <a:rPr lang="en-US" altLang="ko-KR" sz="1600" dirty="0" smtClean="0"/>
-              <a:t>1</a:t>
-            </a:r>
-            <a:r>
-              <a:rPr lang="ko-KR" altLang="en-US" sz="1600" dirty="0" smtClean="0"/>
-              <a:t>인 평균 급여액</a:t>
-            </a:r>
-            <a:endParaRPr lang="en-US" altLang="ko-KR" sz="1600" dirty="0" smtClean="0"/>
-          </a:p>
-          <a:p>
-            <a:r>
-              <a:rPr lang="ko-KR" altLang="en-US" sz="1600" dirty="0" smtClean="0"/>
-              <a:t>보너스 현황</a:t>
-            </a:r>
-            <a:endParaRPr lang="ko-KR" altLang="en-US" sz="1600" dirty="0"/>
+              <a:rPr lang="ko-KR" altLang="en-US" sz="1200" dirty="0" smtClean="0"/>
+              <a:t>        사원코드                 사원이름                    직책                     권한</a:t>
+            </a:r>
+            <a:endParaRPr lang="ko-KR" altLang="en-US" sz="1200" dirty="0"/>
+          </a:p>
+        </p:txBody>
+      </p:sp>
+      <p:sp>
+        <p:nvSpPr>
+          <p:cNvPr id="27" name="직사각형 26"/>
+          <p:cNvSpPr/>
+          <p:nvPr/>
+        </p:nvSpPr>
+        <p:spPr>
+          <a:xfrm>
+            <a:off x="9044940" y="4023360"/>
+            <a:ext cx="144780" cy="1592580"/>
+          </a:xfrm>
+          <a:prstGeom prst="rect">
+            <a:avLst/>
+          </a:prstGeom>
+          <a:solidFill>
+            <a:schemeClr val="accent4">
+              <a:lumMod val="20000"/>
+              <a:lumOff val="80000"/>
+            </a:schemeClr>
+          </a:solidFill>
+          <a:ln w="6350">
+            <a:solidFill>
+              <a:schemeClr val="bg2"/>
+            </a:solidFill>
+          </a:ln>
+        </p:spPr>
+        <p:style>
+          <a:lnRef idx="2">
+            <a:schemeClr val="accent1">
+              <a:shade val="50000"/>
+            </a:schemeClr>
+          </a:lnRef>
+          <a:fillRef idx="1">
+            <a:schemeClr val="accent1"/>
+          </a:fillRef>
+          <a:effectRef idx="0">
+            <a:schemeClr val="accent1"/>
+          </a:effectRef>
+          <a:fontRef idx="minor">
+            <a:schemeClr val="lt1"/>
+          </a:fontRef>
+        </p:style>
+        <p:txBody>
+          <a:bodyPr rtlCol="0" anchor="ctr"/>
+          <a:lstStyle/>
+          <a:p>
+            <a:pPr algn="ctr"/>
+            <a:endParaRPr lang="ko-KR" altLang="en-US"/>
+          </a:p>
+        </p:txBody>
+      </p:sp>
+      <p:pic>
+        <p:nvPicPr>
+          <p:cNvPr id="29" name="그림 28"/>
+          <p:cNvPicPr>
+            <a:picLocks noChangeAspect="1"/>
+          </p:cNvPicPr>
+          <p:nvPr/>
+        </p:nvPicPr>
+        <p:blipFill>
+          <a:blip r:embed="rId3"/>
+          <a:stretch>
+            <a:fillRect/>
+          </a:stretch>
+        </p:blipFill>
+        <p:spPr>
+          <a:xfrm>
+            <a:off x="9052972" y="4033901"/>
+            <a:ext cx="133369" cy="161948"/>
+          </a:xfrm>
+          <a:prstGeom prst="rect">
+            <a:avLst/>
+          </a:prstGeom>
+        </p:spPr>
+      </p:pic>
+      <p:pic>
+        <p:nvPicPr>
+          <p:cNvPr id="30" name="그림 29"/>
+          <p:cNvPicPr>
+            <a:picLocks noChangeAspect="1"/>
+          </p:cNvPicPr>
+          <p:nvPr/>
+        </p:nvPicPr>
+        <p:blipFill>
+          <a:blip r:embed="rId4"/>
+          <a:stretch>
+            <a:fillRect/>
+          </a:stretch>
+        </p:blipFill>
+        <p:spPr>
+          <a:xfrm>
+            <a:off x="9050236" y="5439767"/>
+            <a:ext cx="142895" cy="171474"/>
+          </a:xfrm>
+          <a:prstGeom prst="rect">
+            <a:avLst/>
+          </a:prstGeom>
+        </p:spPr>
+      </p:pic>
+      <p:cxnSp>
+        <p:nvCxnSpPr>
+          <p:cNvPr id="47" name="직선 연결선 46"/>
+          <p:cNvCxnSpPr/>
+          <p:nvPr/>
+        </p:nvCxnSpPr>
+        <p:spPr>
+          <a:xfrm>
+            <a:off x="4706324" y="3799459"/>
+            <a:ext cx="7144" cy="1816481"/>
+          </a:xfrm>
+          <a:prstGeom prst="line">
+            <a:avLst/>
+          </a:prstGeom>
+          <a:ln w="3175">
+            <a:solidFill>
+              <a:schemeClr val="bg2">
+                <a:lumMod val="90000"/>
+              </a:schemeClr>
+            </a:solidFill>
+          </a:ln>
+        </p:spPr>
+        <p:style>
+          <a:lnRef idx="1">
+            <a:schemeClr val="accent1"/>
+          </a:lnRef>
+          <a:fillRef idx="0">
+            <a:schemeClr val="accent1"/>
+          </a:fillRef>
+          <a:effectRef idx="0">
+            <a:schemeClr val="accent1"/>
+          </a:effectRef>
+          <a:fontRef idx="minor">
+            <a:schemeClr val="tx1"/>
+          </a:fontRef>
+        </p:style>
+      </p:cxnSp>
+      <p:cxnSp>
+        <p:nvCxnSpPr>
+          <p:cNvPr id="48" name="직선 연결선 47"/>
+          <p:cNvCxnSpPr/>
+          <p:nvPr/>
+        </p:nvCxnSpPr>
+        <p:spPr>
+          <a:xfrm>
+            <a:off x="6318928" y="3796537"/>
+            <a:ext cx="7144" cy="1816481"/>
+          </a:xfrm>
+          <a:prstGeom prst="line">
+            <a:avLst/>
+          </a:prstGeom>
+          <a:ln w="3175">
+            <a:solidFill>
+              <a:schemeClr val="bg2">
+                <a:lumMod val="90000"/>
+              </a:schemeClr>
+            </a:solidFill>
+          </a:ln>
+        </p:spPr>
+        <p:style>
+          <a:lnRef idx="1">
+            <a:schemeClr val="accent1"/>
+          </a:lnRef>
+          <a:fillRef idx="0">
+            <a:schemeClr val="accent1"/>
+          </a:fillRef>
+          <a:effectRef idx="0">
+            <a:schemeClr val="accent1"/>
+          </a:effectRef>
+          <a:fontRef idx="minor">
+            <a:schemeClr val="tx1"/>
+          </a:fontRef>
+        </p:style>
+      </p:cxnSp>
+      <p:cxnSp>
+        <p:nvCxnSpPr>
+          <p:cNvPr id="51" name="직선 연결선 50"/>
+          <p:cNvCxnSpPr/>
+          <p:nvPr/>
+        </p:nvCxnSpPr>
+        <p:spPr>
+          <a:xfrm>
+            <a:off x="7726214" y="3784982"/>
+            <a:ext cx="7144" cy="1816481"/>
+          </a:xfrm>
+          <a:prstGeom prst="line">
+            <a:avLst/>
+          </a:prstGeom>
+          <a:ln w="3175">
+            <a:solidFill>
+              <a:schemeClr val="bg2">
+                <a:lumMod val="90000"/>
+              </a:schemeClr>
+            </a:solidFill>
+          </a:ln>
+        </p:spPr>
+        <p:style>
+          <a:lnRef idx="1">
+            <a:schemeClr val="accent1"/>
+          </a:lnRef>
+          <a:fillRef idx="0">
+            <a:schemeClr val="accent1"/>
+          </a:fillRef>
+          <a:effectRef idx="0">
+            <a:schemeClr val="accent1"/>
+          </a:effectRef>
+          <a:fontRef idx="minor">
+            <a:schemeClr val="tx1"/>
+          </a:fontRef>
+        </p:style>
+      </p:cxnSp>
+      <p:cxnSp>
+        <p:nvCxnSpPr>
+          <p:cNvPr id="52" name="직선 연결선 51"/>
+          <p:cNvCxnSpPr/>
+          <p:nvPr/>
+        </p:nvCxnSpPr>
+        <p:spPr>
+          <a:xfrm>
+            <a:off x="9035246" y="3792007"/>
+            <a:ext cx="7144" cy="1816481"/>
+          </a:xfrm>
+          <a:prstGeom prst="line">
+            <a:avLst/>
+          </a:prstGeom>
+          <a:ln w="3175">
+            <a:solidFill>
+              <a:schemeClr val="bg2">
+                <a:lumMod val="90000"/>
+              </a:schemeClr>
+            </a:solidFill>
+          </a:ln>
+        </p:spPr>
+        <p:style>
+          <a:lnRef idx="1">
+            <a:schemeClr val="accent1"/>
+          </a:lnRef>
+          <a:fillRef idx="0">
+            <a:schemeClr val="accent1"/>
+          </a:fillRef>
+          <a:effectRef idx="0">
+            <a:schemeClr val="accent1"/>
+          </a:effectRef>
+          <a:fontRef idx="minor">
+            <a:schemeClr val="tx1"/>
+          </a:fontRef>
+        </p:style>
+      </p:cxnSp>
+      <p:sp>
+        <p:nvSpPr>
+          <p:cNvPr id="35" name="TextBox 34"/>
+          <p:cNvSpPr txBox="1"/>
+          <p:nvPr/>
+        </p:nvSpPr>
+        <p:spPr>
+          <a:xfrm>
+            <a:off x="985395" y="458031"/>
+            <a:ext cx="8478645" cy="369332"/>
+          </a:xfrm>
+          <a:prstGeom prst="rect">
+            <a:avLst/>
+          </a:prstGeom>
+          <a:noFill/>
+        </p:spPr>
+        <p:txBody>
+          <a:bodyPr wrap="square" rtlCol="0">
+            <a:spAutoFit/>
+          </a:bodyPr>
+          <a:lstStyle/>
+          <a:p>
+            <a:r>
+              <a:rPr lang="en-US" altLang="ko-KR" dirty="0" smtClean="0"/>
+              <a:t>Main- </a:t>
+            </a:r>
+            <a:r>
+              <a:rPr lang="en-US" altLang="ko-KR" noProof="1" smtClean="0"/>
+              <a:t>MainFrame &gt; </a:t>
+            </a:r>
+            <a:r>
+              <a:rPr lang="ko-KR" altLang="en-US" noProof="1" smtClean="0"/>
+              <a:t>사원관리 </a:t>
+            </a:r>
+            <a:r>
+              <a:rPr lang="en-US" altLang="ko-KR" noProof="1" smtClean="0"/>
+              <a:t>&gt; </a:t>
+            </a:r>
+            <a:r>
+              <a:rPr lang="ko-KR" altLang="en-US" noProof="1" smtClean="0"/>
+              <a:t>사원권한</a:t>
+            </a:r>
+            <a:endParaRPr lang="en-US" altLang="ko-KR" noProof="1"/>
           </a:p>
         </p:txBody>
       </p:sp>
     </p:spTree>
     <p:extLst>
       <p:ext uri="{BB962C8B-B14F-4D97-AF65-F5344CB8AC3E}">
-        <p14:creationId xmlns:p14="http://schemas.microsoft.com/office/powerpoint/2010/main" val="110943254"/>
+        <p14:creationId xmlns:p14="http://schemas.microsoft.com/office/powerpoint/2010/main" val="922239618"/>
       </p:ext>
     </p:extLst>
   </p:cSld>
@@ -23007,13 +23091,140 @@
       </p:sp>
       <p:sp>
         <p:nvSpPr>
+          <p:cNvPr id="9" name="직사각형 8"/>
+          <p:cNvSpPr/>
+          <p:nvPr/>
+        </p:nvSpPr>
+        <p:spPr>
+          <a:xfrm>
+            <a:off x="3168073" y="2752436"/>
+            <a:ext cx="2946400" cy="341746"/>
+          </a:xfrm>
+          <a:prstGeom prst="rect">
+            <a:avLst/>
+          </a:prstGeom>
+          <a:solidFill>
+            <a:schemeClr val="bg1"/>
+          </a:solidFill>
+          <a:ln>
+            <a:noFill/>
+          </a:ln>
+        </p:spPr>
+        <p:style>
+          <a:lnRef idx="2">
+            <a:schemeClr val="accent1">
+              <a:shade val="50000"/>
+            </a:schemeClr>
+          </a:lnRef>
+          <a:fillRef idx="1">
+            <a:schemeClr val="accent1"/>
+          </a:fillRef>
+          <a:effectRef idx="0">
+            <a:schemeClr val="accent1"/>
+          </a:effectRef>
+          <a:fontRef idx="minor">
+            <a:schemeClr val="lt1"/>
+          </a:fontRef>
+        </p:style>
+        <p:txBody>
+          <a:bodyPr rtlCol="0" anchor="ctr"/>
+          <a:lstStyle/>
+          <a:p>
+            <a:pPr algn="ctr"/>
+            <a:endParaRPr lang="ko-KR" altLang="en-US"/>
+          </a:p>
+        </p:txBody>
+      </p:sp>
+      <p:sp>
+        <p:nvSpPr>
+          <p:cNvPr id="28" name="직사각형 27"/>
+          <p:cNvSpPr/>
+          <p:nvPr/>
+        </p:nvSpPr>
+        <p:spPr>
+          <a:xfrm>
+            <a:off x="6253014" y="2752436"/>
+            <a:ext cx="2946400" cy="341746"/>
+          </a:xfrm>
+          <a:prstGeom prst="rect">
+            <a:avLst/>
+          </a:prstGeom>
+          <a:solidFill>
+            <a:schemeClr val="bg1"/>
+          </a:solidFill>
+          <a:ln>
+            <a:solidFill>
+              <a:schemeClr val="tx1">
+                <a:lumMod val="50000"/>
+                <a:lumOff val="50000"/>
+              </a:schemeClr>
+            </a:solidFill>
+          </a:ln>
+        </p:spPr>
+        <p:style>
+          <a:lnRef idx="2">
+            <a:schemeClr val="accent1">
+              <a:shade val="50000"/>
+            </a:schemeClr>
+          </a:lnRef>
+          <a:fillRef idx="1">
+            <a:schemeClr val="accent1"/>
+          </a:fillRef>
+          <a:effectRef idx="0">
+            <a:schemeClr val="accent1"/>
+          </a:effectRef>
+          <a:fontRef idx="minor">
+            <a:schemeClr val="lt1"/>
+          </a:fontRef>
+        </p:style>
+        <p:txBody>
+          <a:bodyPr rtlCol="0" anchor="ctr"/>
+          <a:lstStyle/>
+          <a:p>
+            <a:pPr algn="ctr"/>
+            <a:endParaRPr lang="ko-KR" altLang="en-US"/>
+          </a:p>
+        </p:txBody>
+      </p:sp>
+      <p:sp>
+        <p:nvSpPr>
+          <p:cNvPr id="13" name="TextBox 12"/>
+          <p:cNvSpPr txBox="1"/>
+          <p:nvPr/>
+        </p:nvSpPr>
+        <p:spPr>
+          <a:xfrm>
+            <a:off x="4738652" y="2786405"/>
+            <a:ext cx="1484073" cy="307777"/>
+          </a:xfrm>
+          <a:prstGeom prst="rect">
+            <a:avLst/>
+          </a:prstGeom>
+          <a:noFill/>
+        </p:spPr>
+        <p:txBody>
+          <a:bodyPr wrap="square" rtlCol="0">
+            <a:spAutoFit/>
+          </a:bodyPr>
+          <a:lstStyle/>
+          <a:p>
+            <a:r>
+              <a:rPr lang="ko-KR" altLang="en-US" sz="1400" b="1" dirty="0" smtClean="0"/>
+              <a:t>사원 이름 입력</a:t>
+            </a:r>
+            <a:endParaRPr lang="ko-KR" altLang="en-US" sz="1400" b="1" dirty="0"/>
+          </a:p>
+        </p:txBody>
+      </p:sp>
+      <p:sp>
+        <p:nvSpPr>
           <p:cNvPr id="14" name="모서리가 둥근 직사각형 13"/>
           <p:cNvSpPr/>
           <p:nvPr/>
         </p:nvSpPr>
         <p:spPr>
           <a:xfrm>
-            <a:off x="8366863" y="5174098"/>
+            <a:off x="5338030" y="3328069"/>
             <a:ext cx="773477" cy="335840"/>
           </a:xfrm>
           <a:prstGeom prst="roundRect">
@@ -23063,7 +23274,7 @@
         </p:nvSpPr>
         <p:spPr>
           <a:xfrm>
-            <a:off x="8483585" y="5202161"/>
+            <a:off x="5461636" y="3351417"/>
             <a:ext cx="662643" cy="307777"/>
           </a:xfrm>
           <a:prstGeom prst="rect">
@@ -23087,154 +23298,20 @@
       </p:sp>
       <p:sp>
         <p:nvSpPr>
-          <p:cNvPr id="35" name="TextBox 34"/>
-          <p:cNvSpPr txBox="1"/>
-          <p:nvPr/>
-        </p:nvSpPr>
-        <p:spPr>
-          <a:xfrm>
-            <a:off x="985395" y="467556"/>
-            <a:ext cx="8478645" cy="369332"/>
-          </a:xfrm>
-          <a:prstGeom prst="rect">
-            <a:avLst/>
-          </a:prstGeom>
-          <a:noFill/>
-        </p:spPr>
-        <p:txBody>
-          <a:bodyPr wrap="square" rtlCol="0">
-            <a:spAutoFit/>
-          </a:bodyPr>
-          <a:lstStyle/>
-          <a:p>
-            <a:r>
-              <a:rPr lang="en-US" altLang="ko-KR" dirty="0" smtClean="0"/>
-              <a:t>Main- </a:t>
-            </a:r>
-            <a:r>
-              <a:rPr lang="en-US" altLang="ko-KR" noProof="1" smtClean="0"/>
-              <a:t>MainFrame &gt; </a:t>
-            </a:r>
-            <a:r>
-              <a:rPr lang="ko-KR" altLang="en-US" noProof="1" smtClean="0"/>
-              <a:t>사원관리 </a:t>
-            </a:r>
-            <a:r>
-              <a:rPr lang="en-US" altLang="ko-KR" noProof="1" smtClean="0"/>
-              <a:t>&gt; </a:t>
-            </a:r>
-            <a:r>
-              <a:rPr lang="ko-KR" altLang="en-US" noProof="1" smtClean="0"/>
-              <a:t>사원정보  </a:t>
-            </a:r>
-            <a:r>
-              <a:rPr lang="en-US" altLang="ko-KR" noProof="1" smtClean="0"/>
-              <a:t>&gt; </a:t>
-            </a:r>
-            <a:r>
-              <a:rPr lang="ko-KR" altLang="en-US" noProof="1" smtClean="0"/>
-              <a:t>사원 현황 조회  </a:t>
-            </a:r>
-            <a:r>
-              <a:rPr lang="en-US" altLang="ko-KR" noProof="1" smtClean="0"/>
-              <a:t>&gt;  </a:t>
-            </a:r>
-            <a:r>
-              <a:rPr lang="ko-KR" altLang="en-US" noProof="1" smtClean="0"/>
-              <a:t>조회</a:t>
-            </a:r>
-            <a:endParaRPr lang="en-US" altLang="ko-KR" noProof="1"/>
-          </a:p>
-        </p:txBody>
-      </p:sp>
-      <p:sp>
-        <p:nvSpPr>
-          <p:cNvPr id="11" name="TextBox 10"/>
-          <p:cNvSpPr txBox="1"/>
-          <p:nvPr/>
-        </p:nvSpPr>
-        <p:spPr>
-          <a:xfrm>
-            <a:off x="3095625" y="2792537"/>
-            <a:ext cx="3799721" cy="830997"/>
-          </a:xfrm>
-          <a:prstGeom prst="rect">
-            <a:avLst/>
-          </a:prstGeom>
-          <a:noFill/>
-        </p:spPr>
-        <p:txBody>
-          <a:bodyPr wrap="square" rtlCol="0">
-            <a:spAutoFit/>
-          </a:bodyPr>
-          <a:lstStyle/>
-          <a:p>
-            <a:r>
-              <a:rPr lang="ko-KR" altLang="en-US" sz="1600" b="1" dirty="0" smtClean="0">
-                <a:solidFill>
-                  <a:schemeClr val="accent4"/>
-                </a:solidFill>
-              </a:rPr>
-              <a:t>전체 직원 수</a:t>
-            </a:r>
-            <a:r>
-              <a:rPr lang="en-US" altLang="ko-KR" sz="1600" b="1" dirty="0" smtClean="0">
-                <a:solidFill>
-                  <a:schemeClr val="accent4"/>
-                </a:solidFill>
-              </a:rPr>
-              <a:t>/ </a:t>
-            </a:r>
-            <a:r>
-              <a:rPr lang="ko-KR" altLang="en-US" sz="1600" b="1" dirty="0" smtClean="0">
-                <a:solidFill>
-                  <a:schemeClr val="accent4"/>
-                </a:solidFill>
-              </a:rPr>
-              <a:t>부서별 직원 비율</a:t>
-            </a:r>
-            <a:endParaRPr lang="en-US" altLang="ko-KR" sz="1600" b="1" dirty="0" smtClean="0">
-              <a:solidFill>
-                <a:schemeClr val="accent4"/>
-              </a:solidFill>
-            </a:endParaRPr>
-          </a:p>
-          <a:p>
-            <a:r>
-              <a:rPr lang="en-US" altLang="ko-KR" sz="1600" dirty="0" smtClean="0"/>
-              <a:t>1</a:t>
-            </a:r>
-            <a:r>
-              <a:rPr lang="ko-KR" altLang="en-US" sz="1600" dirty="0" smtClean="0"/>
-              <a:t>인 평균 급여액</a:t>
-            </a:r>
-            <a:endParaRPr lang="en-US" altLang="ko-KR" sz="1600" dirty="0" smtClean="0"/>
-          </a:p>
-          <a:p>
-            <a:r>
-              <a:rPr lang="ko-KR" altLang="en-US" sz="1600" dirty="0" smtClean="0"/>
-              <a:t>보너스 현황</a:t>
-            </a:r>
-            <a:endParaRPr lang="ko-KR" altLang="en-US" sz="1600" dirty="0"/>
-          </a:p>
-        </p:txBody>
-      </p:sp>
-      <p:sp>
-        <p:nvSpPr>
-          <p:cNvPr id="9" name="직사각형 8"/>
+          <p:cNvPr id="32" name="모서리가 둥근 직사각형 31"/>
           <p:cNvSpPr/>
           <p:nvPr/>
         </p:nvSpPr>
         <p:spPr>
           <a:xfrm>
-            <a:off x="6895346" y="981075"/>
-            <a:ext cx="3734554" cy="3876675"/>
-          </a:xfrm>
-          <a:prstGeom prst="rect">
+            <a:off x="6254607" y="3330819"/>
+            <a:ext cx="773477" cy="335840"/>
+          </a:xfrm>
+          <a:prstGeom prst="roundRect">
             <a:avLst/>
           </a:prstGeom>
           <a:solidFill>
-            <a:schemeClr val="accent4">
+            <a:schemeClr val="accent2">
               <a:lumMod val="20000"/>
               <a:lumOff val="80000"/>
             </a:schemeClr>
@@ -23274,23 +23351,55 @@
       </p:sp>
       <p:sp>
         <p:nvSpPr>
-          <p:cNvPr id="12" name="직사각형 11"/>
+          <p:cNvPr id="41" name="TextBox 40"/>
+          <p:cNvSpPr txBox="1"/>
+          <p:nvPr/>
+        </p:nvSpPr>
+        <p:spPr>
+          <a:xfrm>
+            <a:off x="6377958" y="3344405"/>
+            <a:ext cx="662643" cy="307777"/>
+          </a:xfrm>
+          <a:prstGeom prst="rect">
+            <a:avLst/>
+          </a:prstGeom>
+          <a:noFill/>
+        </p:spPr>
+        <p:txBody>
+          <a:bodyPr wrap="square" rtlCol="0">
+            <a:spAutoFit/>
+          </a:bodyPr>
+          <a:lstStyle/>
+          <a:p>
+            <a:r>
+              <a:rPr lang="ko-KR" altLang="en-US" sz="1400" dirty="0" smtClean="0"/>
+              <a:t>취소</a:t>
+            </a:r>
+            <a:endParaRPr lang="ko-KR" altLang="en-US" sz="1400" dirty="0"/>
+          </a:p>
+        </p:txBody>
+      </p:sp>
+      <p:sp>
+        <p:nvSpPr>
+          <p:cNvPr id="16" name="직사각형 15"/>
           <p:cNvSpPr/>
           <p:nvPr/>
         </p:nvSpPr>
         <p:spPr>
           <a:xfrm>
-            <a:off x="6895346" y="981075"/>
-            <a:ext cx="3734554" cy="314325"/>
-          </a:xfrm>
-          <a:prstGeom prst="rect">
-            <a:avLst/>
-          </a:prstGeom>
-          <a:noFill/>
-          <a:ln>
+            <a:off x="3093720" y="3794760"/>
+            <a:ext cx="6105694" cy="1821180"/>
+          </a:xfrm>
+          <a:prstGeom prst="rect">
+            <a:avLst/>
+          </a:prstGeom>
+          <a:solidFill>
+            <a:schemeClr val="bg1"/>
+          </a:solidFill>
+          <a:ln w="3175">
             <a:solidFill>
               <a:schemeClr val="bg2">
-                <a:lumMod val="75000"/>
+                <a:lumMod val="90000"/>
               </a:schemeClr>
             </a:solidFill>
           </a:ln>
@@ -23316,20 +23425,73 @@
           <a:lstStyle/>
           <a:p>
             <a:pPr algn="ctr"/>
+            <a:endParaRPr lang="ko-KR" altLang="en-US" dirty="0"/>
+          </a:p>
+        </p:txBody>
+      </p:sp>
+      <p:sp>
+        <p:nvSpPr>
+          <p:cNvPr id="18" name="직사각형 17"/>
+          <p:cNvSpPr/>
+          <p:nvPr/>
+        </p:nvSpPr>
+        <p:spPr>
+          <a:xfrm>
+            <a:off x="3093720" y="3794760"/>
+            <a:ext cx="6105694" cy="228600"/>
+          </a:xfrm>
+          <a:prstGeom prst="rect">
+            <a:avLst/>
+          </a:prstGeom>
+          <a:solidFill>
+            <a:schemeClr val="accent4">
+              <a:lumMod val="20000"/>
+              <a:lumOff val="80000"/>
+            </a:schemeClr>
+          </a:solidFill>
+          <a:ln w="3175">
+            <a:solidFill>
+              <a:schemeClr val="bg2">
+                <a:lumMod val="90000"/>
+              </a:schemeClr>
+            </a:solidFill>
+          </a:ln>
+        </p:spPr>
+        <p:style>
+          <a:lnRef idx="2">
+            <a:schemeClr val="accent1">
+              <a:shade val="50000"/>
+            </a:schemeClr>
+          </a:lnRef>
+          <a:fillRef idx="1">
+            <a:schemeClr val="accent1"/>
+          </a:fillRef>
+          <a:effectRef idx="0">
+            <a:schemeClr val="accent1"/>
+          </a:effectRef>
+          <a:fontRef idx="minor">
+            <a:schemeClr val="lt1"/>
+          </a:fontRef>
+        </p:style>
+        <p:txBody>
+          <a:bodyPr rtlCol="0" anchor="ctr"/>
+          <a:lstStyle/>
+          <a:p>
+            <a:pPr algn="ctr"/>
             <a:endParaRPr lang="ko-KR" altLang="en-US"/>
           </a:p>
         </p:txBody>
       </p:sp>
       <p:sp>
         <p:nvSpPr>
-          <p:cNvPr id="13" name="TextBox 12"/>
+          <p:cNvPr id="19" name="TextBox 18"/>
           <p:cNvSpPr txBox="1"/>
           <p:nvPr/>
         </p:nvSpPr>
         <p:spPr>
           <a:xfrm>
-            <a:off x="6895346" y="993775"/>
-            <a:ext cx="2442618" cy="276999"/>
+            <a:off x="3093720" y="3794760"/>
+            <a:ext cx="6050280" cy="276999"/>
           </a:xfrm>
           <a:prstGeom prst="rect">
             <a:avLst/>
@@ -23344,15 +23506,7 @@
           <a:p>
             <a:r>
               <a:rPr lang="ko-KR" altLang="en-US" sz="1200" dirty="0" smtClean="0"/>
-              <a:t>전체 직원 수 </a:t>
-            </a:r>
-            <a:r>
-              <a:rPr lang="en-US" altLang="ko-KR" sz="1200" dirty="0" smtClean="0"/>
-              <a:t>/ </a:t>
-            </a:r>
-            <a:r>
-              <a:rPr lang="ko-KR" altLang="en-US" sz="1200" dirty="0" smtClean="0"/>
-              <a:t>부서별 직원 비율</a:t>
+              <a:t>        사원코드                 사원이름                    직책                     권한</a:t>
             </a:r>
             <a:endParaRPr lang="ko-KR" altLang="en-US" sz="1200" dirty="0"/>
           </a:p>
@@ -23360,14 +23514,261 @@
       </p:sp>
       <p:sp>
         <p:nvSpPr>
-          <p:cNvPr id="16" name="TextBox 15"/>
+          <p:cNvPr id="27" name="직사각형 26"/>
+          <p:cNvSpPr/>
+          <p:nvPr/>
+        </p:nvSpPr>
+        <p:spPr>
+          <a:xfrm>
+            <a:off x="9044940" y="4023360"/>
+            <a:ext cx="144780" cy="1592580"/>
+          </a:xfrm>
+          <a:prstGeom prst="rect">
+            <a:avLst/>
+          </a:prstGeom>
+          <a:solidFill>
+            <a:schemeClr val="accent4">
+              <a:lumMod val="20000"/>
+              <a:lumOff val="80000"/>
+            </a:schemeClr>
+          </a:solidFill>
+          <a:ln w="6350">
+            <a:solidFill>
+              <a:schemeClr val="bg2"/>
+            </a:solidFill>
+          </a:ln>
+        </p:spPr>
+        <p:style>
+          <a:lnRef idx="2">
+            <a:schemeClr val="accent1">
+              <a:shade val="50000"/>
+            </a:schemeClr>
+          </a:lnRef>
+          <a:fillRef idx="1">
+            <a:schemeClr val="accent1"/>
+          </a:fillRef>
+          <a:effectRef idx="0">
+            <a:schemeClr val="accent1"/>
+          </a:effectRef>
+          <a:fontRef idx="minor">
+            <a:schemeClr val="lt1"/>
+          </a:fontRef>
+        </p:style>
+        <p:txBody>
+          <a:bodyPr rtlCol="0" anchor="ctr"/>
+          <a:lstStyle/>
+          <a:p>
+            <a:pPr algn="ctr"/>
+            <a:endParaRPr lang="ko-KR" altLang="en-US"/>
+          </a:p>
+        </p:txBody>
+      </p:sp>
+      <p:pic>
+        <p:nvPicPr>
+          <p:cNvPr id="29" name="그림 28"/>
+          <p:cNvPicPr>
+            <a:picLocks noChangeAspect="1"/>
+          </p:cNvPicPr>
+          <p:nvPr/>
+        </p:nvPicPr>
+        <p:blipFill>
+          <a:blip r:embed="rId3"/>
+          <a:stretch>
+            <a:fillRect/>
+          </a:stretch>
+        </p:blipFill>
+        <p:spPr>
+          <a:xfrm>
+            <a:off x="9052972" y="4033901"/>
+            <a:ext cx="133369" cy="161948"/>
+          </a:xfrm>
+          <a:prstGeom prst="rect">
+            <a:avLst/>
+          </a:prstGeom>
+        </p:spPr>
+      </p:pic>
+      <p:pic>
+        <p:nvPicPr>
+          <p:cNvPr id="30" name="그림 29"/>
+          <p:cNvPicPr>
+            <a:picLocks noChangeAspect="1"/>
+          </p:cNvPicPr>
+          <p:nvPr/>
+        </p:nvPicPr>
+        <p:blipFill>
+          <a:blip r:embed="rId4"/>
+          <a:stretch>
+            <a:fillRect/>
+          </a:stretch>
+        </p:blipFill>
+        <p:spPr>
+          <a:xfrm>
+            <a:off x="9050236" y="5439767"/>
+            <a:ext cx="142895" cy="171474"/>
+          </a:xfrm>
+          <a:prstGeom prst="rect">
+            <a:avLst/>
+          </a:prstGeom>
+        </p:spPr>
+      </p:pic>
+      <p:cxnSp>
+        <p:nvCxnSpPr>
+          <p:cNvPr id="47" name="직선 연결선 46"/>
+          <p:cNvCxnSpPr/>
+          <p:nvPr/>
+        </p:nvCxnSpPr>
+        <p:spPr>
+          <a:xfrm>
+            <a:off x="4706324" y="3799459"/>
+            <a:ext cx="7144" cy="1816481"/>
+          </a:xfrm>
+          <a:prstGeom prst="line">
+            <a:avLst/>
+          </a:prstGeom>
+          <a:ln w="3175">
+            <a:solidFill>
+              <a:schemeClr val="bg2">
+                <a:lumMod val="90000"/>
+              </a:schemeClr>
+            </a:solidFill>
+          </a:ln>
+        </p:spPr>
+        <p:style>
+          <a:lnRef idx="1">
+            <a:schemeClr val="accent1"/>
+          </a:lnRef>
+          <a:fillRef idx="0">
+            <a:schemeClr val="accent1"/>
+          </a:fillRef>
+          <a:effectRef idx="0">
+            <a:schemeClr val="accent1"/>
+          </a:effectRef>
+          <a:fontRef idx="minor">
+            <a:schemeClr val="tx1"/>
+          </a:fontRef>
+        </p:style>
+      </p:cxnSp>
+      <p:cxnSp>
+        <p:nvCxnSpPr>
+          <p:cNvPr id="48" name="직선 연결선 47"/>
+          <p:cNvCxnSpPr/>
+          <p:nvPr/>
+        </p:nvCxnSpPr>
+        <p:spPr>
+          <a:xfrm>
+            <a:off x="6318928" y="3796537"/>
+            <a:ext cx="7144" cy="1816481"/>
+          </a:xfrm>
+          <a:prstGeom prst="line">
+            <a:avLst/>
+          </a:prstGeom>
+          <a:ln w="3175">
+            <a:solidFill>
+              <a:schemeClr val="bg2">
+                <a:lumMod val="90000"/>
+              </a:schemeClr>
+            </a:solidFill>
+          </a:ln>
+        </p:spPr>
+        <p:style>
+          <a:lnRef idx="1">
+            <a:schemeClr val="accent1"/>
+          </a:lnRef>
+          <a:fillRef idx="0">
+            <a:schemeClr val="accent1"/>
+          </a:fillRef>
+          <a:effectRef idx="0">
+            <a:schemeClr val="accent1"/>
+          </a:effectRef>
+          <a:fontRef idx="minor">
+            <a:schemeClr val="tx1"/>
+          </a:fontRef>
+        </p:style>
+      </p:cxnSp>
+      <p:cxnSp>
+        <p:nvCxnSpPr>
+          <p:cNvPr id="51" name="직선 연결선 50"/>
+          <p:cNvCxnSpPr/>
+          <p:nvPr/>
+        </p:nvCxnSpPr>
+        <p:spPr>
+          <a:xfrm>
+            <a:off x="7726214" y="3784982"/>
+            <a:ext cx="7144" cy="1816481"/>
+          </a:xfrm>
+          <a:prstGeom prst="line">
+            <a:avLst/>
+          </a:prstGeom>
+          <a:ln w="3175">
+            <a:solidFill>
+              <a:schemeClr val="bg2">
+                <a:lumMod val="90000"/>
+              </a:schemeClr>
+            </a:solidFill>
+          </a:ln>
+        </p:spPr>
+        <p:style>
+          <a:lnRef idx="1">
+            <a:schemeClr val="accent1"/>
+          </a:lnRef>
+          <a:fillRef idx="0">
+            <a:schemeClr val="accent1"/>
+          </a:fillRef>
+          <a:effectRef idx="0">
+            <a:schemeClr val="accent1"/>
+          </a:effectRef>
+          <a:fontRef idx="minor">
+            <a:schemeClr val="tx1"/>
+          </a:fontRef>
+        </p:style>
+      </p:cxnSp>
+      <p:cxnSp>
+        <p:nvCxnSpPr>
+          <p:cNvPr id="52" name="직선 연결선 51"/>
+          <p:cNvCxnSpPr/>
+          <p:nvPr/>
+        </p:nvCxnSpPr>
+        <p:spPr>
+          <a:xfrm>
+            <a:off x="9035246" y="3792007"/>
+            <a:ext cx="7144" cy="1816481"/>
+          </a:xfrm>
+          <a:prstGeom prst="line">
+            <a:avLst/>
+          </a:prstGeom>
+          <a:ln w="3175">
+            <a:solidFill>
+              <a:schemeClr val="bg2">
+                <a:lumMod val="90000"/>
+              </a:schemeClr>
+            </a:solidFill>
+          </a:ln>
+        </p:spPr>
+        <p:style>
+          <a:lnRef idx="1">
+            <a:schemeClr val="accent1"/>
+          </a:lnRef>
+          <a:fillRef idx="0">
+            <a:schemeClr val="accent1"/>
+          </a:fillRef>
+          <a:effectRef idx="0">
+            <a:schemeClr val="accent1"/>
+          </a:effectRef>
+          <a:fontRef idx="minor">
+            <a:schemeClr val="tx1"/>
+          </a:fontRef>
+        </p:style>
+      </p:cxnSp>
+      <p:sp>
+        <p:nvSpPr>
+          <p:cNvPr id="35" name="TextBox 34"/>
           <p:cNvSpPr txBox="1"/>
           <p:nvPr/>
         </p:nvSpPr>
         <p:spPr>
           <a:xfrm>
-            <a:off x="7829550" y="1383030"/>
-            <a:ext cx="2159000" cy="307777"/>
+            <a:off x="985395" y="458031"/>
+            <a:ext cx="8478645" cy="369332"/>
           </a:xfrm>
           <a:prstGeom prst="rect">
             <a:avLst/>
@@ -23381,23 +23782,47 @@
           <a:lstStyle/>
           <a:p>
             <a:r>
-              <a:rPr lang="en-US" altLang="ko-KR" sz="1400" dirty="0" smtClean="0"/>
-              <a:t>Employee Pie Chart</a:t>
-            </a:r>
-            <a:endParaRPr lang="ko-KR" altLang="en-US" sz="1400" dirty="0"/>
-          </a:p>
-        </p:txBody>
-      </p:sp>
-      <p:sp>
-        <p:nvSpPr>
-          <p:cNvPr id="17" name="TextBox 16"/>
+              <a:rPr lang="en-US" altLang="ko-KR" dirty="0" smtClean="0"/>
+              <a:t>Main- </a:t>
+            </a:r>
+            <a:r>
+              <a:rPr lang="en-US" altLang="ko-KR" noProof="1" smtClean="0"/>
+              <a:t>MainFrame &gt; </a:t>
+            </a:r>
+            <a:r>
+              <a:rPr lang="ko-KR" altLang="en-US" noProof="1" smtClean="0"/>
+              <a:t>사원관리 </a:t>
+            </a:r>
+            <a:r>
+              <a:rPr lang="en-US" altLang="ko-KR" noProof="1" smtClean="0"/>
+              <a:t>&gt; </a:t>
+            </a:r>
+            <a:r>
+              <a:rPr lang="ko-KR" altLang="en-US" noProof="1" smtClean="0"/>
+              <a:t>사원권한  </a:t>
+            </a:r>
+            <a:r>
+              <a:rPr lang="en-US" altLang="ko-KR" noProof="1" smtClean="0"/>
+              <a:t>&gt;  </a:t>
+            </a:r>
+            <a:r>
+              <a:rPr lang="ko-KR" altLang="en-US" noProof="1" smtClean="0"/>
+              <a:t>조회</a:t>
+            </a:r>
+            <a:endParaRPr lang="en-US" altLang="ko-KR" noProof="1"/>
+          </a:p>
+        </p:txBody>
+      </p:sp>
+      <p:sp>
+        <p:nvSpPr>
+          <p:cNvPr id="31" name="TextBox 30"/>
           <p:cNvSpPr txBox="1"/>
           <p:nvPr/>
         </p:nvSpPr>
         <p:spPr>
           <a:xfrm>
-            <a:off x="8076727" y="1647632"/>
-            <a:ext cx="1970243" cy="261610"/>
+            <a:off x="6253014" y="2783614"/>
+            <a:ext cx="1514143" cy="307777"/>
           </a:xfrm>
           <a:prstGeom prst="rect">
             <a:avLst/>
@@ -23411,37 +23836,348 @@
           <a:lstStyle/>
           <a:p>
             <a:r>
+              <a:rPr lang="ko-KR" altLang="en-US" sz="1400" dirty="0" smtClean="0"/>
+              <a:t>테스트</a:t>
+            </a:r>
+            <a:endParaRPr lang="ko-KR" altLang="en-US" sz="1400" dirty="0"/>
+          </a:p>
+        </p:txBody>
+      </p:sp>
+      <p:sp>
+        <p:nvSpPr>
+          <p:cNvPr id="36" name="TextBox 35"/>
+          <p:cNvSpPr txBox="1"/>
+          <p:nvPr/>
+        </p:nvSpPr>
+        <p:spPr>
+          <a:xfrm>
+            <a:off x="5135728" y="4048721"/>
+            <a:ext cx="1514143" cy="261610"/>
+          </a:xfrm>
+          <a:prstGeom prst="rect">
+            <a:avLst/>
+          </a:prstGeom>
+          <a:noFill/>
+        </p:spPr>
+        <p:txBody>
+          <a:bodyPr wrap="square" rtlCol="0">
+            <a:spAutoFit/>
+          </a:bodyPr>
+          <a:lstStyle/>
+          <a:p>
+            <a:r>
               <a:rPr lang="ko-KR" altLang="en-US" sz="1100" dirty="0" smtClean="0"/>
-              <a:t>전체 직원 수 </a:t>
-            </a:r>
-            <a:r>
-              <a:rPr lang="en-US" altLang="ko-KR" sz="1100" dirty="0" smtClean="0"/>
-              <a:t>: N</a:t>
-            </a:r>
-            <a:r>
-              <a:rPr lang="ko-KR" altLang="en-US" sz="1100" dirty="0" smtClean="0"/>
-              <a:t>명</a:t>
+              <a:t>테스트</a:t>
             </a:r>
             <a:endParaRPr lang="ko-KR" altLang="en-US" sz="1100" dirty="0"/>
           </a:p>
         </p:txBody>
       </p:sp>
-      <p:sp>
-        <p:nvSpPr>
-          <p:cNvPr id="18" name="타원 17"/>
+    </p:spTree>
+    <p:extLst>
+      <p:ext uri="{BB962C8B-B14F-4D97-AF65-F5344CB8AC3E}">
+        <p14:creationId xmlns:p14="http://schemas.microsoft.com/office/powerpoint/2010/main" val="404772233"/>
+      </p:ext>
+    </p:extLst>
+  </p:cSld>
+  <p:clrMapOvr>
+    <a:masterClrMapping/>
+  </p:clrMapOvr>
+</p:sld>
+</file>
+
+<file path=ppt/slides/slide25.xml><?xml version="1.0" encoding="utf-8"?>
+<p:sld xmlns:a="http://schemas.openxmlformats.org/drawingml/2006/main" xmlns:r="http://schemas.openxmlformats.org/officeDocument/2006/relationships" xmlns:p="http://schemas.openxmlformats.org/presentationml/2006/main">
+  <p:cSld>
+    <p:spTree>
+      <p:nvGrpSpPr>
+        <p:cNvPr id="1" name=""/>
+        <p:cNvGrpSpPr/>
+        <p:nvPr/>
+      </p:nvGrpSpPr>
+      <p:grpSpPr>
+        <a:xfrm>
+          <a:off x="0" y="0"/>
+          <a:ext cx="0" cy="0"/>
+          <a:chOff x="0" y="0"/>
+          <a:chExt cx="0" cy="0"/>
+        </a:xfrm>
+      </p:grpSpPr>
+      <p:sp>
+        <p:nvSpPr>
+          <p:cNvPr id="4" name="직사각형 3"/>
           <p:cNvSpPr/>
           <p:nvPr/>
         </p:nvSpPr>
         <p:spPr>
           <a:xfrm>
-            <a:off x="7619707" y="2074790"/>
-            <a:ext cx="2229363" cy="2175374"/>
-          </a:xfrm>
-          <a:prstGeom prst="ellipse">
+            <a:off x="2788920" y="1478280"/>
+            <a:ext cx="6675120" cy="4312920"/>
+          </a:xfrm>
+          <a:prstGeom prst="rect">
+            <a:avLst/>
+          </a:prstGeom>
+          <a:noFill/>
+        </p:spPr>
+        <p:style>
+          <a:lnRef idx="2">
+            <a:schemeClr val="accent1">
+              <a:shade val="50000"/>
+            </a:schemeClr>
+          </a:lnRef>
+          <a:fillRef idx="1">
+            <a:schemeClr val="accent1"/>
+          </a:fillRef>
+          <a:effectRef idx="0">
+            <a:schemeClr val="accent1"/>
+          </a:effectRef>
+          <a:fontRef idx="minor">
+            <a:schemeClr val="lt1"/>
+          </a:fontRef>
+        </p:style>
+        <p:txBody>
+          <a:bodyPr rtlCol="0" anchor="ctr"/>
+          <a:lstStyle/>
+          <a:p>
+            <a:pPr algn="ctr"/>
+            <a:endParaRPr lang="ko-KR" altLang="en-US"/>
+          </a:p>
+        </p:txBody>
+      </p:sp>
+      <p:sp>
+        <p:nvSpPr>
+          <p:cNvPr id="5" name="직사각형 4"/>
+          <p:cNvSpPr/>
+          <p:nvPr/>
+        </p:nvSpPr>
+        <p:spPr>
+          <a:xfrm>
+            <a:off x="2788920" y="1478281"/>
+            <a:ext cx="6675120" cy="362734"/>
+          </a:xfrm>
+          <a:prstGeom prst="rect">
+            <a:avLst/>
+          </a:prstGeom>
+          <a:noFill/>
+        </p:spPr>
+        <p:style>
+          <a:lnRef idx="2">
+            <a:schemeClr val="accent1">
+              <a:shade val="50000"/>
+            </a:schemeClr>
+          </a:lnRef>
+          <a:fillRef idx="1">
+            <a:schemeClr val="accent1"/>
+          </a:fillRef>
+          <a:effectRef idx="0">
+            <a:schemeClr val="accent1"/>
+          </a:effectRef>
+          <a:fontRef idx="minor">
+            <a:schemeClr val="lt1"/>
+          </a:fontRef>
+        </p:style>
+        <p:txBody>
+          <a:bodyPr rtlCol="0" anchor="ctr"/>
+          <a:lstStyle/>
+          <a:p>
+            <a:pPr algn="ctr"/>
+            <a:endParaRPr lang="ko-KR" altLang="en-US"/>
+          </a:p>
+        </p:txBody>
+      </p:sp>
+      <p:sp>
+        <p:nvSpPr>
+          <p:cNvPr id="6" name="TextBox 5"/>
+          <p:cNvSpPr txBox="1"/>
+          <p:nvPr/>
+        </p:nvSpPr>
+        <p:spPr>
+          <a:xfrm>
+            <a:off x="2816628" y="1514765"/>
+            <a:ext cx="4350789" cy="307777"/>
+          </a:xfrm>
+          <a:prstGeom prst="rect">
+            <a:avLst/>
+          </a:prstGeom>
+          <a:noFill/>
+        </p:spPr>
+        <p:txBody>
+          <a:bodyPr wrap="square" rtlCol="0">
+            <a:spAutoFit/>
+          </a:bodyPr>
+          <a:lstStyle/>
+          <a:p>
+            <a:r>
+              <a:rPr lang="en-US" altLang="ko-KR" sz="1400" dirty="0" smtClean="0"/>
+              <a:t>YN Bank </a:t>
+            </a:r>
+            <a:r>
+              <a:rPr lang="ko-KR" altLang="en-US" sz="1400" dirty="0" smtClean="0"/>
+              <a:t>직원 프로그램</a:t>
+            </a:r>
+            <a:endParaRPr lang="ko-KR" altLang="en-US" sz="1400" dirty="0"/>
+          </a:p>
+        </p:txBody>
+      </p:sp>
+      <p:pic>
+        <p:nvPicPr>
+          <p:cNvPr id="3" name="그림 2"/>
+          <p:cNvPicPr>
+            <a:picLocks noChangeAspect="1"/>
+          </p:cNvPicPr>
+          <p:nvPr/>
+        </p:nvPicPr>
+        <p:blipFill>
+          <a:blip r:embed="rId2"/>
+          <a:stretch>
+            <a:fillRect/>
+          </a:stretch>
+        </p:blipFill>
+        <p:spPr>
+          <a:xfrm>
+            <a:off x="2847384" y="1957526"/>
+            <a:ext cx="1800476" cy="666843"/>
+          </a:xfrm>
+          <a:prstGeom prst="rect">
+            <a:avLst/>
+          </a:prstGeom>
+        </p:spPr>
+      </p:pic>
+      <p:sp>
+        <p:nvSpPr>
+          <p:cNvPr id="7" name="TextBox 6"/>
+          <p:cNvSpPr txBox="1"/>
+          <p:nvPr/>
+        </p:nvSpPr>
+        <p:spPr>
+          <a:xfrm>
+            <a:off x="4706324" y="2137058"/>
+            <a:ext cx="1263413" cy="307777"/>
+          </a:xfrm>
+          <a:prstGeom prst="rect">
+            <a:avLst/>
+          </a:prstGeom>
+          <a:noFill/>
+        </p:spPr>
+        <p:txBody>
+          <a:bodyPr wrap="square" rtlCol="0">
+            <a:spAutoFit/>
+          </a:bodyPr>
+          <a:lstStyle/>
+          <a:p>
+            <a:r>
+              <a:rPr lang="ko-KR" altLang="en-US" sz="1400" b="1" dirty="0" smtClean="0"/>
+              <a:t>사원관리</a:t>
+            </a:r>
+            <a:endParaRPr lang="ko-KR" altLang="en-US" sz="1400" b="1" dirty="0"/>
+          </a:p>
+        </p:txBody>
+      </p:sp>
+      <p:sp>
+        <p:nvSpPr>
+          <p:cNvPr id="33" name="TextBox 32"/>
+          <p:cNvSpPr txBox="1"/>
+          <p:nvPr/>
+        </p:nvSpPr>
+        <p:spPr>
+          <a:xfrm>
+            <a:off x="5892800" y="2137058"/>
+            <a:ext cx="1497093" cy="307777"/>
+          </a:xfrm>
+          <a:prstGeom prst="rect">
+            <a:avLst/>
+          </a:prstGeom>
+          <a:noFill/>
+        </p:spPr>
+        <p:txBody>
+          <a:bodyPr wrap="square" rtlCol="0">
+            <a:spAutoFit/>
+          </a:bodyPr>
+          <a:lstStyle/>
+          <a:p>
+            <a:r>
+              <a:rPr lang="ko-KR" altLang="en-US" sz="1400" b="1" smtClean="0"/>
+              <a:t>고객 정보 관리</a:t>
+            </a:r>
+            <a:endParaRPr lang="ko-KR" altLang="en-US" sz="1400" b="1" dirty="0"/>
+          </a:p>
+        </p:txBody>
+      </p:sp>
+      <p:sp>
+        <p:nvSpPr>
+          <p:cNvPr id="34" name="TextBox 33"/>
+          <p:cNvSpPr txBox="1"/>
+          <p:nvPr/>
+        </p:nvSpPr>
+        <p:spPr>
+          <a:xfrm>
+            <a:off x="7462982" y="2137058"/>
+            <a:ext cx="1513191" cy="307777"/>
+          </a:xfrm>
+          <a:prstGeom prst="rect">
+            <a:avLst/>
+          </a:prstGeom>
+          <a:noFill/>
+        </p:spPr>
+        <p:txBody>
+          <a:bodyPr wrap="square" rtlCol="0">
+            <a:spAutoFit/>
+          </a:bodyPr>
+          <a:lstStyle/>
+          <a:p>
+            <a:r>
+              <a:rPr lang="ko-KR" altLang="en-US" sz="1400" b="1" smtClean="0"/>
+              <a:t>은행 업무 관리</a:t>
+            </a:r>
+            <a:endParaRPr lang="ko-KR" altLang="en-US" sz="1400" b="1" dirty="0"/>
+          </a:p>
+        </p:txBody>
+      </p:sp>
+      <p:sp>
+        <p:nvSpPr>
+          <p:cNvPr id="8" name="TextBox 7"/>
+          <p:cNvSpPr txBox="1"/>
+          <p:nvPr/>
+        </p:nvSpPr>
+        <p:spPr>
+          <a:xfrm>
+            <a:off x="4786401" y="2532854"/>
+            <a:ext cx="983951" cy="307777"/>
+          </a:xfrm>
+          <a:prstGeom prst="rect">
+            <a:avLst/>
+          </a:prstGeom>
+          <a:noFill/>
+          <a:ln>
+            <a:noFill/>
+          </a:ln>
+        </p:spPr>
+        <p:txBody>
+          <a:bodyPr wrap="square" rtlCol="0">
+            <a:spAutoFit/>
+          </a:bodyPr>
+          <a:lstStyle/>
+          <a:p>
+            <a:endParaRPr lang="en-US" altLang="ko-KR" sz="1400" dirty="0" smtClean="0"/>
+          </a:p>
+        </p:txBody>
+      </p:sp>
+      <p:sp>
+        <p:nvSpPr>
+          <p:cNvPr id="10" name="직사각형 9"/>
+          <p:cNvSpPr/>
+          <p:nvPr/>
+        </p:nvSpPr>
+        <p:spPr>
+          <a:xfrm>
+            <a:off x="4821382" y="2553425"/>
+            <a:ext cx="948970" cy="277218"/>
+          </a:xfrm>
+          <a:prstGeom prst="rect">
             <a:avLst/>
           </a:prstGeom>
           <a:solidFill>
-            <a:schemeClr val="accent4"/>
+            <a:schemeClr val="bg1"/>
           </a:solidFill>
           <a:ln>
             <a:noFill/>
@@ -23474,79 +24210,22 @@
       </p:sp>
       <p:sp>
         <p:nvSpPr>
-          <p:cNvPr id="20" name="원형 19"/>
+          <p:cNvPr id="2" name="직사각형 1"/>
           <p:cNvSpPr/>
           <p:nvPr/>
         </p:nvSpPr>
         <p:spPr>
           <a:xfrm>
-            <a:off x="7601116" y="2007155"/>
-            <a:ext cx="2275661" cy="2211258"/>
-          </a:xfrm>
-          <a:prstGeom prst="pie">
+            <a:off x="2955636" y="2624369"/>
+            <a:ext cx="6382328" cy="3046758"/>
+          </a:xfrm>
+          <a:prstGeom prst="rect">
             <a:avLst/>
           </a:prstGeom>
           <a:solidFill>
-            <a:schemeClr val="accent2"/>
-          </a:solidFill>
-          <a:ln>
-            <a:solidFill>
-              <a:schemeClr val="accent2"/>
-            </a:solidFill>
-          </a:ln>
-          <a:scene3d>
-            <a:camera prst="orthographicFront">
-              <a:rot lat="0" lon="0" rev="16200000"/>
-            </a:camera>
-            <a:lightRig rig="threePt" dir="t"/>
-          </a:scene3d>
-        </p:spPr>
-        <p:style>
-          <a:lnRef idx="2">
-            <a:schemeClr val="accent1">
-              <a:shade val="50000"/>
-            </a:schemeClr>
-          </a:lnRef>
-          <a:fillRef idx="1">
-            <a:schemeClr val="accent1"/>
-          </a:fillRef>
-          <a:effectRef idx="0">
-            <a:schemeClr val="accent1"/>
-          </a:effectRef>
-          <a:fontRef idx="minor">
-            <a:schemeClr val="lt1"/>
-          </a:fontRef>
-        </p:style>
-        <p:txBody>
-          <a:bodyPr rtlCol="0" anchor="ctr"/>
-          <a:lstStyle/>
-          <a:p>
-            <a:pPr algn="ctr"/>
-            <a:endParaRPr lang="ko-KR" altLang="en-US">
-              <a:solidFill>
-                <a:schemeClr val="tx1"/>
-              </a:solidFill>
-            </a:endParaRPr>
-          </a:p>
-        </p:txBody>
-      </p:sp>
-      <p:sp>
-        <p:nvSpPr>
-          <p:cNvPr id="21" name="모서리가 둥근 직사각형 20"/>
-          <p:cNvSpPr/>
-          <p:nvPr/>
-        </p:nvSpPr>
-        <p:spPr>
-          <a:xfrm>
-            <a:off x="8166100" y="4457700"/>
-            <a:ext cx="1406192" cy="273050"/>
-          </a:xfrm>
-          <a:prstGeom prst="roundRect">
-            <a:avLst/>
-          </a:prstGeom>
-          <a:solidFill>
-            <a:schemeClr val="bg1">
-              <a:lumMod val="85000"/>
+            <a:schemeClr val="accent4">
+              <a:lumMod val="20000"/>
+              <a:lumOff val="80000"/>
             </a:schemeClr>
           </a:solidFill>
           <a:ln>
@@ -23580,20 +24259,20 @@
       </p:sp>
       <p:sp>
         <p:nvSpPr>
-          <p:cNvPr id="22" name="타원 21"/>
+          <p:cNvPr id="9" name="직사각형 8"/>
           <p:cNvSpPr/>
           <p:nvPr/>
         </p:nvSpPr>
         <p:spPr>
           <a:xfrm>
-            <a:off x="8301256" y="4506196"/>
-            <a:ext cx="174157" cy="171450"/>
-          </a:xfrm>
-          <a:prstGeom prst="ellipse">
+            <a:off x="3168073" y="2752436"/>
+            <a:ext cx="2946400" cy="341746"/>
+          </a:xfrm>
+          <a:prstGeom prst="rect">
             <a:avLst/>
           </a:prstGeom>
           <a:solidFill>
-            <a:schemeClr val="accent2"/>
+            <a:schemeClr val="bg1"/>
           </a:solidFill>
           <a:ln>
             <a:noFill/>
@@ -23626,23 +24305,28 @@
       </p:sp>
       <p:sp>
         <p:nvSpPr>
-          <p:cNvPr id="26" name="타원 25"/>
+          <p:cNvPr id="28" name="직사각형 27"/>
           <p:cNvSpPr/>
           <p:nvPr/>
         </p:nvSpPr>
         <p:spPr>
           <a:xfrm>
-            <a:off x="8887691" y="4506196"/>
-            <a:ext cx="174157" cy="171450"/>
-          </a:xfrm>
-          <a:prstGeom prst="ellipse">
+            <a:off x="6253014" y="2752436"/>
+            <a:ext cx="2946400" cy="341746"/>
+          </a:xfrm>
+          <a:prstGeom prst="rect">
             <a:avLst/>
           </a:prstGeom>
           <a:solidFill>
-            <a:schemeClr val="accent4"/>
+            <a:schemeClr val="bg1"/>
           </a:solidFill>
           <a:ln>
-            <a:noFill/>
+            <a:solidFill>
+              <a:schemeClr val="tx1">
+                <a:lumMod val="50000"/>
+                <a:lumOff val="50000"/>
+              </a:schemeClr>
+            </a:solidFill>
           </a:ln>
         </p:spPr>
         <p:style>
@@ -23672,14 +24356,14 @@
       </p:sp>
       <p:sp>
         <p:nvSpPr>
-          <p:cNvPr id="23" name="TextBox 22"/>
+          <p:cNvPr id="13" name="TextBox 12"/>
           <p:cNvSpPr txBox="1"/>
           <p:nvPr/>
         </p:nvSpPr>
         <p:spPr>
           <a:xfrm>
-            <a:off x="8406833" y="4484370"/>
-            <a:ext cx="500760" cy="215444"/>
+            <a:off x="4738652" y="2786405"/>
+            <a:ext cx="1484073" cy="307777"/>
           </a:xfrm>
           <a:prstGeom prst="rect">
             <a:avLst/>
@@ -23693,128 +24377,31 @@
           <a:lstStyle/>
           <a:p>
             <a:r>
-              <a:rPr lang="ko-KR" altLang="en-US" sz="800" noProof="1" smtClean="0"/>
-              <a:t>인사팀</a:t>
-            </a:r>
-            <a:endParaRPr lang="ko-KR" altLang="en-US" sz="800" noProof="1"/>
-          </a:p>
-        </p:txBody>
-      </p:sp>
-      <p:sp>
-        <p:nvSpPr>
-          <p:cNvPr id="28" name="TextBox 27"/>
-          <p:cNvSpPr txBox="1"/>
-          <p:nvPr/>
-        </p:nvSpPr>
-        <p:spPr>
-          <a:xfrm>
-            <a:off x="9011880" y="4484370"/>
-            <a:ext cx="500760" cy="215444"/>
-          </a:xfrm>
-          <a:prstGeom prst="rect">
-            <a:avLst/>
-          </a:prstGeom>
-          <a:noFill/>
-        </p:spPr>
-        <p:txBody>
-          <a:bodyPr wrap="square" rtlCol="0">
-            <a:spAutoFit/>
-          </a:bodyPr>
-          <a:lstStyle/>
-          <a:p>
-            <a:r>
-              <a:rPr lang="ko-KR" altLang="en-US" sz="800" noProof="1" smtClean="0"/>
-              <a:t>고객팀</a:t>
-            </a:r>
-            <a:endParaRPr lang="ko-KR" altLang="en-US" sz="800" noProof="1"/>
-          </a:p>
-        </p:txBody>
-      </p:sp>
-      <p:sp>
-        <p:nvSpPr>
-          <p:cNvPr id="29" name="TextBox 28"/>
-          <p:cNvSpPr txBox="1"/>
-          <p:nvPr/>
-        </p:nvSpPr>
-        <p:spPr>
-          <a:xfrm>
-            <a:off x="9545595" y="3774881"/>
-            <a:ext cx="717978" cy="215444"/>
-          </a:xfrm>
-          <a:prstGeom prst="rect">
-            <a:avLst/>
-          </a:prstGeom>
-          <a:noFill/>
-        </p:spPr>
-        <p:txBody>
-          <a:bodyPr wrap="square" rtlCol="0">
-            <a:spAutoFit/>
-          </a:bodyPr>
-          <a:lstStyle/>
-          <a:p>
-            <a:r>
-              <a:rPr lang="ko-KR" altLang="en-US" sz="800" noProof="1" smtClean="0"/>
-              <a:t>고객팀 </a:t>
-            </a:r>
-            <a:r>
-              <a:rPr lang="en-US" altLang="ko-KR" sz="800" noProof="1" smtClean="0"/>
-              <a:t>b%</a:t>
-            </a:r>
-            <a:endParaRPr lang="ko-KR" altLang="en-US" sz="800" noProof="1"/>
-          </a:p>
-        </p:txBody>
-      </p:sp>
-      <p:sp>
-        <p:nvSpPr>
-          <p:cNvPr id="30" name="TextBox 29"/>
-          <p:cNvSpPr txBox="1"/>
-          <p:nvPr/>
-        </p:nvSpPr>
-        <p:spPr>
-          <a:xfrm>
-            <a:off x="7278069" y="2258717"/>
-            <a:ext cx="683276" cy="215444"/>
-          </a:xfrm>
-          <a:prstGeom prst="rect">
-            <a:avLst/>
-          </a:prstGeom>
-          <a:noFill/>
-        </p:spPr>
-        <p:txBody>
-          <a:bodyPr wrap="square" rtlCol="0">
-            <a:spAutoFit/>
-          </a:bodyPr>
-          <a:lstStyle/>
-          <a:p>
-            <a:r>
-              <a:rPr lang="ko-KR" altLang="en-US" sz="800" noProof="1" smtClean="0"/>
-              <a:t>인사팀 </a:t>
-            </a:r>
-            <a:r>
-              <a:rPr lang="en-US" altLang="ko-KR" sz="800" noProof="1" smtClean="0"/>
-              <a:t>a%</a:t>
-            </a:r>
-            <a:endParaRPr lang="ko-KR" altLang="en-US" sz="800" noProof="1"/>
-          </a:p>
-        </p:txBody>
-      </p:sp>
-      <p:sp>
-        <p:nvSpPr>
-          <p:cNvPr id="31" name="직사각형 30"/>
+              <a:rPr lang="ko-KR" altLang="en-US" sz="1400" b="1" dirty="0" smtClean="0"/>
+              <a:t>사원 이름 입력</a:t>
+            </a:r>
+            <a:endParaRPr lang="ko-KR" altLang="en-US" sz="1400" b="1" dirty="0"/>
+          </a:p>
+        </p:txBody>
+      </p:sp>
+      <p:sp>
+        <p:nvSpPr>
+          <p:cNvPr id="14" name="모서리가 둥근 직사각형 13"/>
           <p:cNvSpPr/>
           <p:nvPr/>
         </p:nvSpPr>
         <p:spPr>
           <a:xfrm>
-            <a:off x="10369953" y="1041063"/>
-            <a:ext cx="215640" cy="201005"/>
-          </a:xfrm>
-          <a:prstGeom prst="rect">
+            <a:off x="5338030" y="3328069"/>
+            <a:ext cx="773477" cy="335840"/>
+          </a:xfrm>
+          <a:prstGeom prst="roundRect">
             <a:avLst/>
           </a:prstGeom>
           <a:solidFill>
-            <a:schemeClr val="bg2">
-              <a:lumMod val="75000"/>
+            <a:schemeClr val="accent2">
+              <a:lumMod val="20000"/>
+              <a:lumOff val="80000"/>
             </a:schemeClr>
           </a:solidFill>
           <a:ln>
@@ -23852,13 +24439,1242 @@
       </p:sp>
       <p:sp>
         <p:nvSpPr>
-          <p:cNvPr id="32" name="TextBox 31"/>
+          <p:cNvPr id="15" name="TextBox 14"/>
           <p:cNvSpPr txBox="1"/>
           <p:nvPr/>
         </p:nvSpPr>
         <p:spPr>
           <a:xfrm>
-            <a:off x="10337351" y="929981"/>
+            <a:off x="5461636" y="3351417"/>
+            <a:ext cx="662643" cy="307777"/>
+          </a:xfrm>
+          <a:prstGeom prst="rect">
+            <a:avLst/>
+          </a:prstGeom>
+          <a:noFill/>
+        </p:spPr>
+        <p:txBody>
+          <a:bodyPr wrap="square" rtlCol="0">
+            <a:spAutoFit/>
+          </a:bodyPr>
+          <a:lstStyle/>
+          <a:p>
+            <a:r>
+              <a:rPr lang="ko-KR" altLang="en-US" sz="1400" dirty="0" smtClean="0"/>
+              <a:t>조회</a:t>
+            </a:r>
+            <a:endParaRPr lang="ko-KR" altLang="en-US" sz="1400" dirty="0"/>
+          </a:p>
+        </p:txBody>
+      </p:sp>
+      <p:sp>
+        <p:nvSpPr>
+          <p:cNvPr id="32" name="모서리가 둥근 직사각형 31"/>
+          <p:cNvSpPr/>
+          <p:nvPr/>
+        </p:nvSpPr>
+        <p:spPr>
+          <a:xfrm>
+            <a:off x="6254607" y="3330819"/>
+            <a:ext cx="773477" cy="335840"/>
+          </a:xfrm>
+          <a:prstGeom prst="roundRect">
+            <a:avLst/>
+          </a:prstGeom>
+          <a:solidFill>
+            <a:schemeClr val="accent2">
+              <a:lumMod val="20000"/>
+              <a:lumOff val="80000"/>
+            </a:schemeClr>
+          </a:solidFill>
+          <a:ln>
+            <a:solidFill>
+              <a:schemeClr val="bg2">
+                <a:lumMod val="75000"/>
+              </a:schemeClr>
+            </a:solidFill>
+          </a:ln>
+        </p:spPr>
+        <p:style>
+          <a:lnRef idx="2">
+            <a:schemeClr val="accent1">
+              <a:shade val="50000"/>
+            </a:schemeClr>
+          </a:lnRef>
+          <a:fillRef idx="1">
+            <a:schemeClr val="accent1"/>
+          </a:fillRef>
+          <a:effectRef idx="0">
+            <a:schemeClr val="accent1"/>
+          </a:effectRef>
+          <a:fontRef idx="minor">
+            <a:schemeClr val="lt1"/>
+          </a:fontRef>
+        </p:style>
+        <p:txBody>
+          <a:bodyPr rtlCol="0" anchor="ctr"/>
+          <a:lstStyle/>
+          <a:p>
+            <a:pPr algn="ctr"/>
+            <a:endParaRPr lang="ko-KR" altLang="en-US"/>
+          </a:p>
+        </p:txBody>
+      </p:sp>
+      <p:sp>
+        <p:nvSpPr>
+          <p:cNvPr id="41" name="TextBox 40"/>
+          <p:cNvSpPr txBox="1"/>
+          <p:nvPr/>
+        </p:nvSpPr>
+        <p:spPr>
+          <a:xfrm>
+            <a:off x="6377958" y="3344405"/>
+            <a:ext cx="662643" cy="307777"/>
+          </a:xfrm>
+          <a:prstGeom prst="rect">
+            <a:avLst/>
+          </a:prstGeom>
+          <a:noFill/>
+        </p:spPr>
+        <p:txBody>
+          <a:bodyPr wrap="square" rtlCol="0">
+            <a:spAutoFit/>
+          </a:bodyPr>
+          <a:lstStyle/>
+          <a:p>
+            <a:r>
+              <a:rPr lang="ko-KR" altLang="en-US" sz="1400" dirty="0" smtClean="0"/>
+              <a:t>취소</a:t>
+            </a:r>
+            <a:endParaRPr lang="ko-KR" altLang="en-US" sz="1400" dirty="0"/>
+          </a:p>
+        </p:txBody>
+      </p:sp>
+      <p:sp>
+        <p:nvSpPr>
+          <p:cNvPr id="16" name="직사각형 15"/>
+          <p:cNvSpPr/>
+          <p:nvPr/>
+        </p:nvSpPr>
+        <p:spPr>
+          <a:xfrm>
+            <a:off x="3093720" y="3794760"/>
+            <a:ext cx="6105694" cy="1821180"/>
+          </a:xfrm>
+          <a:prstGeom prst="rect">
+            <a:avLst/>
+          </a:prstGeom>
+          <a:solidFill>
+            <a:schemeClr val="bg1"/>
+          </a:solidFill>
+          <a:ln w="3175">
+            <a:solidFill>
+              <a:schemeClr val="bg2">
+                <a:lumMod val="90000"/>
+              </a:schemeClr>
+            </a:solidFill>
+          </a:ln>
+        </p:spPr>
+        <p:style>
+          <a:lnRef idx="2">
+            <a:schemeClr val="accent1">
+              <a:shade val="50000"/>
+            </a:schemeClr>
+          </a:lnRef>
+          <a:fillRef idx="1">
+            <a:schemeClr val="accent1"/>
+          </a:fillRef>
+          <a:effectRef idx="0">
+            <a:schemeClr val="accent1"/>
+          </a:effectRef>
+          <a:fontRef idx="minor">
+            <a:schemeClr val="lt1"/>
+          </a:fontRef>
+        </p:style>
+        <p:txBody>
+          <a:bodyPr rtlCol="0" anchor="ctr"/>
+          <a:lstStyle/>
+          <a:p>
+            <a:pPr algn="ctr"/>
+            <a:endParaRPr lang="ko-KR" altLang="en-US" dirty="0"/>
+          </a:p>
+        </p:txBody>
+      </p:sp>
+      <p:sp>
+        <p:nvSpPr>
+          <p:cNvPr id="18" name="직사각형 17"/>
+          <p:cNvSpPr/>
+          <p:nvPr/>
+        </p:nvSpPr>
+        <p:spPr>
+          <a:xfrm>
+            <a:off x="3093720" y="3794760"/>
+            <a:ext cx="6105694" cy="228600"/>
+          </a:xfrm>
+          <a:prstGeom prst="rect">
+            <a:avLst/>
+          </a:prstGeom>
+          <a:solidFill>
+            <a:schemeClr val="accent4">
+              <a:lumMod val="20000"/>
+              <a:lumOff val="80000"/>
+            </a:schemeClr>
+          </a:solidFill>
+          <a:ln w="3175">
+            <a:solidFill>
+              <a:schemeClr val="bg2">
+                <a:lumMod val="90000"/>
+              </a:schemeClr>
+            </a:solidFill>
+          </a:ln>
+        </p:spPr>
+        <p:style>
+          <a:lnRef idx="2">
+            <a:schemeClr val="accent1">
+              <a:shade val="50000"/>
+            </a:schemeClr>
+          </a:lnRef>
+          <a:fillRef idx="1">
+            <a:schemeClr val="accent1"/>
+          </a:fillRef>
+          <a:effectRef idx="0">
+            <a:schemeClr val="accent1"/>
+          </a:effectRef>
+          <a:fontRef idx="minor">
+            <a:schemeClr val="lt1"/>
+          </a:fontRef>
+        </p:style>
+        <p:txBody>
+          <a:bodyPr rtlCol="0" anchor="ctr"/>
+          <a:lstStyle/>
+          <a:p>
+            <a:pPr algn="ctr"/>
+            <a:endParaRPr lang="ko-KR" altLang="en-US"/>
+          </a:p>
+        </p:txBody>
+      </p:sp>
+      <p:sp>
+        <p:nvSpPr>
+          <p:cNvPr id="19" name="TextBox 18"/>
+          <p:cNvSpPr txBox="1"/>
+          <p:nvPr/>
+        </p:nvSpPr>
+        <p:spPr>
+          <a:xfrm>
+            <a:off x="3093720" y="3794760"/>
+            <a:ext cx="6050280" cy="276999"/>
+          </a:xfrm>
+          <a:prstGeom prst="rect">
+            <a:avLst/>
+          </a:prstGeom>
+          <a:noFill/>
+        </p:spPr>
+        <p:txBody>
+          <a:bodyPr wrap="square" rtlCol="0">
+            <a:spAutoFit/>
+          </a:bodyPr>
+          <a:lstStyle/>
+          <a:p>
+            <a:r>
+              <a:rPr lang="ko-KR" altLang="en-US" sz="1200" dirty="0" smtClean="0"/>
+              <a:t>        사원코드                 사원이름                    직책                     권한</a:t>
+            </a:r>
+            <a:endParaRPr lang="ko-KR" altLang="en-US" sz="1200" dirty="0"/>
+          </a:p>
+        </p:txBody>
+      </p:sp>
+      <p:sp>
+        <p:nvSpPr>
+          <p:cNvPr id="27" name="직사각형 26"/>
+          <p:cNvSpPr/>
+          <p:nvPr/>
+        </p:nvSpPr>
+        <p:spPr>
+          <a:xfrm>
+            <a:off x="9044940" y="4023360"/>
+            <a:ext cx="144780" cy="1592580"/>
+          </a:xfrm>
+          <a:prstGeom prst="rect">
+            <a:avLst/>
+          </a:prstGeom>
+          <a:solidFill>
+            <a:schemeClr val="accent4">
+              <a:lumMod val="20000"/>
+              <a:lumOff val="80000"/>
+            </a:schemeClr>
+          </a:solidFill>
+          <a:ln w="6350">
+            <a:solidFill>
+              <a:schemeClr val="bg2"/>
+            </a:solidFill>
+          </a:ln>
+        </p:spPr>
+        <p:style>
+          <a:lnRef idx="2">
+            <a:schemeClr val="accent1">
+              <a:shade val="50000"/>
+            </a:schemeClr>
+          </a:lnRef>
+          <a:fillRef idx="1">
+            <a:schemeClr val="accent1"/>
+          </a:fillRef>
+          <a:effectRef idx="0">
+            <a:schemeClr val="accent1"/>
+          </a:effectRef>
+          <a:fontRef idx="minor">
+            <a:schemeClr val="lt1"/>
+          </a:fontRef>
+        </p:style>
+        <p:txBody>
+          <a:bodyPr rtlCol="0" anchor="ctr"/>
+          <a:lstStyle/>
+          <a:p>
+            <a:pPr algn="ctr"/>
+            <a:endParaRPr lang="ko-KR" altLang="en-US"/>
+          </a:p>
+        </p:txBody>
+      </p:sp>
+      <p:pic>
+        <p:nvPicPr>
+          <p:cNvPr id="29" name="그림 28"/>
+          <p:cNvPicPr>
+            <a:picLocks noChangeAspect="1"/>
+          </p:cNvPicPr>
+          <p:nvPr/>
+        </p:nvPicPr>
+        <p:blipFill>
+          <a:blip r:embed="rId3"/>
+          <a:stretch>
+            <a:fillRect/>
+          </a:stretch>
+        </p:blipFill>
+        <p:spPr>
+          <a:xfrm>
+            <a:off x="9052972" y="4033901"/>
+            <a:ext cx="133369" cy="161948"/>
+          </a:xfrm>
+          <a:prstGeom prst="rect">
+            <a:avLst/>
+          </a:prstGeom>
+        </p:spPr>
+      </p:pic>
+      <p:pic>
+        <p:nvPicPr>
+          <p:cNvPr id="30" name="그림 29"/>
+          <p:cNvPicPr>
+            <a:picLocks noChangeAspect="1"/>
+          </p:cNvPicPr>
+          <p:nvPr/>
+        </p:nvPicPr>
+        <p:blipFill>
+          <a:blip r:embed="rId4"/>
+          <a:stretch>
+            <a:fillRect/>
+          </a:stretch>
+        </p:blipFill>
+        <p:spPr>
+          <a:xfrm>
+            <a:off x="9050236" y="5439767"/>
+            <a:ext cx="142895" cy="171474"/>
+          </a:xfrm>
+          <a:prstGeom prst="rect">
+            <a:avLst/>
+          </a:prstGeom>
+        </p:spPr>
+      </p:pic>
+      <p:cxnSp>
+        <p:nvCxnSpPr>
+          <p:cNvPr id="47" name="직선 연결선 46"/>
+          <p:cNvCxnSpPr/>
+          <p:nvPr/>
+        </p:nvCxnSpPr>
+        <p:spPr>
+          <a:xfrm>
+            <a:off x="4706324" y="3799459"/>
+            <a:ext cx="7144" cy="1816481"/>
+          </a:xfrm>
+          <a:prstGeom prst="line">
+            <a:avLst/>
+          </a:prstGeom>
+          <a:ln w="3175">
+            <a:solidFill>
+              <a:schemeClr val="bg2">
+                <a:lumMod val="90000"/>
+              </a:schemeClr>
+            </a:solidFill>
+          </a:ln>
+        </p:spPr>
+        <p:style>
+          <a:lnRef idx="1">
+            <a:schemeClr val="accent1"/>
+          </a:lnRef>
+          <a:fillRef idx="0">
+            <a:schemeClr val="accent1"/>
+          </a:fillRef>
+          <a:effectRef idx="0">
+            <a:schemeClr val="accent1"/>
+          </a:effectRef>
+          <a:fontRef idx="minor">
+            <a:schemeClr val="tx1"/>
+          </a:fontRef>
+        </p:style>
+      </p:cxnSp>
+      <p:cxnSp>
+        <p:nvCxnSpPr>
+          <p:cNvPr id="48" name="직선 연결선 47"/>
+          <p:cNvCxnSpPr/>
+          <p:nvPr/>
+        </p:nvCxnSpPr>
+        <p:spPr>
+          <a:xfrm>
+            <a:off x="6318928" y="3796537"/>
+            <a:ext cx="7144" cy="1816481"/>
+          </a:xfrm>
+          <a:prstGeom prst="line">
+            <a:avLst/>
+          </a:prstGeom>
+          <a:ln w="3175">
+            <a:solidFill>
+              <a:schemeClr val="bg2">
+                <a:lumMod val="90000"/>
+              </a:schemeClr>
+            </a:solidFill>
+          </a:ln>
+        </p:spPr>
+        <p:style>
+          <a:lnRef idx="1">
+            <a:schemeClr val="accent1"/>
+          </a:lnRef>
+          <a:fillRef idx="0">
+            <a:schemeClr val="accent1"/>
+          </a:fillRef>
+          <a:effectRef idx="0">
+            <a:schemeClr val="accent1"/>
+          </a:effectRef>
+          <a:fontRef idx="minor">
+            <a:schemeClr val="tx1"/>
+          </a:fontRef>
+        </p:style>
+      </p:cxnSp>
+      <p:cxnSp>
+        <p:nvCxnSpPr>
+          <p:cNvPr id="51" name="직선 연결선 50"/>
+          <p:cNvCxnSpPr/>
+          <p:nvPr/>
+        </p:nvCxnSpPr>
+        <p:spPr>
+          <a:xfrm>
+            <a:off x="7726214" y="3784982"/>
+            <a:ext cx="7144" cy="1816481"/>
+          </a:xfrm>
+          <a:prstGeom prst="line">
+            <a:avLst/>
+          </a:prstGeom>
+          <a:ln w="3175">
+            <a:solidFill>
+              <a:schemeClr val="bg2">
+                <a:lumMod val="90000"/>
+              </a:schemeClr>
+            </a:solidFill>
+          </a:ln>
+        </p:spPr>
+        <p:style>
+          <a:lnRef idx="1">
+            <a:schemeClr val="accent1"/>
+          </a:lnRef>
+          <a:fillRef idx="0">
+            <a:schemeClr val="accent1"/>
+          </a:fillRef>
+          <a:effectRef idx="0">
+            <a:schemeClr val="accent1"/>
+          </a:effectRef>
+          <a:fontRef idx="minor">
+            <a:schemeClr val="tx1"/>
+          </a:fontRef>
+        </p:style>
+      </p:cxnSp>
+      <p:cxnSp>
+        <p:nvCxnSpPr>
+          <p:cNvPr id="52" name="직선 연결선 51"/>
+          <p:cNvCxnSpPr/>
+          <p:nvPr/>
+        </p:nvCxnSpPr>
+        <p:spPr>
+          <a:xfrm>
+            <a:off x="9035246" y="3792007"/>
+            <a:ext cx="7144" cy="1816481"/>
+          </a:xfrm>
+          <a:prstGeom prst="line">
+            <a:avLst/>
+          </a:prstGeom>
+          <a:ln w="3175">
+            <a:solidFill>
+              <a:schemeClr val="bg2">
+                <a:lumMod val="90000"/>
+              </a:schemeClr>
+            </a:solidFill>
+          </a:ln>
+        </p:spPr>
+        <p:style>
+          <a:lnRef idx="1">
+            <a:schemeClr val="accent1"/>
+          </a:lnRef>
+          <a:fillRef idx="0">
+            <a:schemeClr val="accent1"/>
+          </a:fillRef>
+          <a:effectRef idx="0">
+            <a:schemeClr val="accent1"/>
+          </a:effectRef>
+          <a:fontRef idx="minor">
+            <a:schemeClr val="tx1"/>
+          </a:fontRef>
+        </p:style>
+      </p:cxnSp>
+      <p:sp>
+        <p:nvSpPr>
+          <p:cNvPr id="35" name="TextBox 34"/>
+          <p:cNvSpPr txBox="1"/>
+          <p:nvPr/>
+        </p:nvSpPr>
+        <p:spPr>
+          <a:xfrm>
+            <a:off x="985395" y="458031"/>
+            <a:ext cx="8478645" cy="369332"/>
+          </a:xfrm>
+          <a:prstGeom prst="rect">
+            <a:avLst/>
+          </a:prstGeom>
+          <a:noFill/>
+        </p:spPr>
+        <p:txBody>
+          <a:bodyPr wrap="square" rtlCol="0">
+            <a:spAutoFit/>
+          </a:bodyPr>
+          <a:lstStyle/>
+          <a:p>
+            <a:r>
+              <a:rPr lang="en-US" altLang="ko-KR" dirty="0" smtClean="0"/>
+              <a:t>Main- </a:t>
+            </a:r>
+            <a:r>
+              <a:rPr lang="en-US" altLang="ko-KR" noProof="1" smtClean="0"/>
+              <a:t>MainFrame &gt; </a:t>
+            </a:r>
+            <a:r>
+              <a:rPr lang="ko-KR" altLang="en-US" noProof="1" smtClean="0"/>
+              <a:t>사원관리 </a:t>
+            </a:r>
+            <a:r>
+              <a:rPr lang="en-US" altLang="ko-KR" noProof="1" smtClean="0"/>
+              <a:t>&gt; </a:t>
+            </a:r>
+            <a:r>
+              <a:rPr lang="ko-KR" altLang="en-US" noProof="1" smtClean="0"/>
+              <a:t>사원권한  </a:t>
+            </a:r>
+            <a:r>
+              <a:rPr lang="en-US" altLang="ko-KR" noProof="1" smtClean="0"/>
+              <a:t>&gt;  </a:t>
+            </a:r>
+            <a:r>
+              <a:rPr lang="ko-KR" altLang="en-US" noProof="1" smtClean="0"/>
+              <a:t>수정</a:t>
+            </a:r>
+            <a:endParaRPr lang="en-US" altLang="ko-KR" noProof="1"/>
+          </a:p>
+        </p:txBody>
+      </p:sp>
+      <p:pic>
+        <p:nvPicPr>
+          <p:cNvPr id="31" name="그림 30"/>
+          <p:cNvPicPr>
+            <a:picLocks noChangeAspect="1"/>
+          </p:cNvPicPr>
+          <p:nvPr/>
+        </p:nvPicPr>
+        <p:blipFill>
+          <a:blip r:embed="rId5" cstate="print">
+            <a:extLst>
+              <a:ext uri="{28A0092B-C50C-407E-A947-70E740481C1C}">
+                <a14:useLocalDpi xmlns:a14="http://schemas.microsoft.com/office/drawing/2010/main" val="0"/>
+              </a:ext>
+            </a:extLst>
+          </a:blip>
+          <a:stretch>
+            <a:fillRect/>
+          </a:stretch>
+        </p:blipFill>
+        <p:spPr>
+          <a:xfrm>
+            <a:off x="5422412" y="4192143"/>
+            <a:ext cx="508104" cy="508104"/>
+          </a:xfrm>
+          <a:prstGeom prst="rect">
+            <a:avLst/>
+          </a:prstGeom>
+        </p:spPr>
+      </p:pic>
+      <p:sp>
+        <p:nvSpPr>
+          <p:cNvPr id="11" name="직사각형 10"/>
+          <p:cNvSpPr/>
+          <p:nvPr/>
+        </p:nvSpPr>
+        <p:spPr>
+          <a:xfrm>
+            <a:off x="5930516" y="4479636"/>
+            <a:ext cx="867448" cy="369455"/>
+          </a:xfrm>
+          <a:prstGeom prst="rect">
+            <a:avLst/>
+          </a:prstGeom>
+          <a:solidFill>
+            <a:schemeClr val="accent4"/>
+          </a:solidFill>
+        </p:spPr>
+        <p:style>
+          <a:lnRef idx="2">
+            <a:schemeClr val="accent1">
+              <a:shade val="50000"/>
+            </a:schemeClr>
+          </a:lnRef>
+          <a:fillRef idx="1">
+            <a:schemeClr val="accent1"/>
+          </a:fillRef>
+          <a:effectRef idx="0">
+            <a:schemeClr val="accent1"/>
+          </a:effectRef>
+          <a:fontRef idx="minor">
+            <a:schemeClr val="lt1"/>
+          </a:fontRef>
+        </p:style>
+        <p:txBody>
+          <a:bodyPr rtlCol="0" anchor="ctr"/>
+          <a:lstStyle/>
+          <a:p>
+            <a:pPr algn="ctr"/>
+            <a:endParaRPr lang="ko-KR" altLang="en-US"/>
+          </a:p>
+        </p:txBody>
+      </p:sp>
+      <p:sp>
+        <p:nvSpPr>
+          <p:cNvPr id="12" name="TextBox 11"/>
+          <p:cNvSpPr txBox="1"/>
+          <p:nvPr/>
+        </p:nvSpPr>
+        <p:spPr>
+          <a:xfrm>
+            <a:off x="6052862" y="4498111"/>
+            <a:ext cx="800518" cy="369332"/>
+          </a:xfrm>
+          <a:prstGeom prst="rect">
+            <a:avLst/>
+          </a:prstGeom>
+          <a:noFill/>
+        </p:spPr>
+        <p:txBody>
+          <a:bodyPr wrap="square" rtlCol="0">
+            <a:spAutoFit/>
+          </a:bodyPr>
+          <a:lstStyle/>
+          <a:p>
+            <a:r>
+              <a:rPr lang="ko-KR" altLang="en-US" dirty="0" smtClean="0"/>
+              <a:t>수정</a:t>
+            </a:r>
+            <a:endParaRPr lang="ko-KR" altLang="en-US" dirty="0"/>
+          </a:p>
+        </p:txBody>
+      </p:sp>
+      <p:sp>
+        <p:nvSpPr>
+          <p:cNvPr id="36" name="TextBox 35"/>
+          <p:cNvSpPr txBox="1"/>
+          <p:nvPr/>
+        </p:nvSpPr>
+        <p:spPr>
+          <a:xfrm>
+            <a:off x="7462982" y="2137058"/>
+            <a:ext cx="1513191" cy="307777"/>
+          </a:xfrm>
+          <a:prstGeom prst="rect">
+            <a:avLst/>
+          </a:prstGeom>
+          <a:noFill/>
+        </p:spPr>
+        <p:txBody>
+          <a:bodyPr wrap="square" rtlCol="0">
+            <a:spAutoFit/>
+          </a:bodyPr>
+          <a:lstStyle/>
+          <a:p>
+            <a:r>
+              <a:rPr lang="ko-KR" altLang="en-US" sz="1400" b="1" smtClean="0"/>
+              <a:t>은행 업무 관리</a:t>
+            </a:r>
+            <a:endParaRPr lang="ko-KR" altLang="en-US" sz="1400" b="1" dirty="0"/>
+          </a:p>
+        </p:txBody>
+      </p:sp>
+      <p:pic>
+        <p:nvPicPr>
+          <p:cNvPr id="37" name="그림 36"/>
+          <p:cNvPicPr>
+            <a:picLocks noChangeAspect="1"/>
+          </p:cNvPicPr>
+          <p:nvPr/>
+        </p:nvPicPr>
+        <p:blipFill>
+          <a:blip r:embed="rId3"/>
+          <a:stretch>
+            <a:fillRect/>
+          </a:stretch>
+        </p:blipFill>
+        <p:spPr>
+          <a:xfrm>
+            <a:off x="9052972" y="4033901"/>
+            <a:ext cx="133369" cy="161948"/>
+          </a:xfrm>
+          <a:prstGeom prst="rect">
+            <a:avLst/>
+          </a:prstGeom>
+        </p:spPr>
+      </p:pic>
+      <p:sp>
+        <p:nvSpPr>
+          <p:cNvPr id="38" name="직사각형 37"/>
+          <p:cNvSpPr/>
+          <p:nvPr/>
+        </p:nvSpPr>
+        <p:spPr>
+          <a:xfrm>
+            <a:off x="7389893" y="590296"/>
+            <a:ext cx="3176507" cy="3610252"/>
+          </a:xfrm>
+          <a:prstGeom prst="rect">
+            <a:avLst/>
+          </a:prstGeom>
+          <a:solidFill>
+            <a:schemeClr val="bg1"/>
+          </a:solidFill>
+          <a:ln w="6350">
+            <a:solidFill>
+              <a:schemeClr val="bg2">
+                <a:lumMod val="90000"/>
+              </a:schemeClr>
+            </a:solidFill>
+          </a:ln>
+        </p:spPr>
+        <p:style>
+          <a:lnRef idx="2">
+            <a:schemeClr val="accent1">
+              <a:shade val="50000"/>
+            </a:schemeClr>
+          </a:lnRef>
+          <a:fillRef idx="1">
+            <a:schemeClr val="accent1"/>
+          </a:fillRef>
+          <a:effectRef idx="0">
+            <a:schemeClr val="accent1"/>
+          </a:effectRef>
+          <a:fontRef idx="minor">
+            <a:schemeClr val="lt1"/>
+          </a:fontRef>
+        </p:style>
+        <p:txBody>
+          <a:bodyPr rtlCol="0" anchor="ctr"/>
+          <a:lstStyle/>
+          <a:p>
+            <a:pPr algn="ctr"/>
+            <a:endParaRPr lang="ko-KR" altLang="en-US"/>
+          </a:p>
+        </p:txBody>
+      </p:sp>
+      <p:sp>
+        <p:nvSpPr>
+          <p:cNvPr id="39" name="직사각형 38"/>
+          <p:cNvSpPr/>
+          <p:nvPr/>
+        </p:nvSpPr>
+        <p:spPr>
+          <a:xfrm>
+            <a:off x="7389893" y="581891"/>
+            <a:ext cx="3176507" cy="245472"/>
+          </a:xfrm>
+          <a:prstGeom prst="rect">
+            <a:avLst/>
+          </a:prstGeom>
+          <a:solidFill>
+            <a:schemeClr val="bg2">
+              <a:lumMod val="90000"/>
+            </a:schemeClr>
+          </a:solidFill>
+          <a:ln>
+            <a:noFill/>
+          </a:ln>
+        </p:spPr>
+        <p:style>
+          <a:lnRef idx="2">
+            <a:schemeClr val="accent1">
+              <a:shade val="50000"/>
+            </a:schemeClr>
+          </a:lnRef>
+          <a:fillRef idx="1">
+            <a:schemeClr val="accent1"/>
+          </a:fillRef>
+          <a:effectRef idx="0">
+            <a:schemeClr val="accent1"/>
+          </a:effectRef>
+          <a:fontRef idx="minor">
+            <a:schemeClr val="lt1"/>
+          </a:fontRef>
+        </p:style>
+        <p:txBody>
+          <a:bodyPr rtlCol="0" anchor="ctr"/>
+          <a:lstStyle/>
+          <a:p>
+            <a:pPr algn="ctr"/>
+            <a:endParaRPr lang="ko-KR" altLang="en-US"/>
+          </a:p>
+        </p:txBody>
+      </p:sp>
+      <p:sp>
+        <p:nvSpPr>
+          <p:cNvPr id="40" name="모서리가 둥근 직사각형 39"/>
+          <p:cNvSpPr/>
+          <p:nvPr/>
+        </p:nvSpPr>
+        <p:spPr>
+          <a:xfrm>
+            <a:off x="8318778" y="3813748"/>
+            <a:ext cx="637309" cy="272300"/>
+          </a:xfrm>
+          <a:prstGeom prst="roundRect">
+            <a:avLst/>
+          </a:prstGeom>
+          <a:noFill/>
+          <a:ln>
+            <a:solidFill>
+              <a:schemeClr val="bg2">
+                <a:lumMod val="75000"/>
+              </a:schemeClr>
+            </a:solidFill>
+          </a:ln>
+        </p:spPr>
+        <p:style>
+          <a:lnRef idx="2">
+            <a:schemeClr val="accent1">
+              <a:shade val="50000"/>
+            </a:schemeClr>
+          </a:lnRef>
+          <a:fillRef idx="1">
+            <a:schemeClr val="accent1"/>
+          </a:fillRef>
+          <a:effectRef idx="0">
+            <a:schemeClr val="accent1"/>
+          </a:effectRef>
+          <a:fontRef idx="minor">
+            <a:schemeClr val="lt1"/>
+          </a:fontRef>
+        </p:style>
+        <p:txBody>
+          <a:bodyPr rtlCol="0" anchor="ctr"/>
+          <a:lstStyle/>
+          <a:p>
+            <a:pPr algn="ctr"/>
+            <a:endParaRPr lang="ko-KR" altLang="en-US"/>
+          </a:p>
+        </p:txBody>
+      </p:sp>
+      <p:sp>
+        <p:nvSpPr>
+          <p:cNvPr id="42" name="TextBox 41"/>
+          <p:cNvSpPr txBox="1"/>
+          <p:nvPr/>
+        </p:nvSpPr>
+        <p:spPr>
+          <a:xfrm>
+            <a:off x="8399546" y="3820097"/>
+            <a:ext cx="537927" cy="276999"/>
+          </a:xfrm>
+          <a:prstGeom prst="rect">
+            <a:avLst/>
+          </a:prstGeom>
+          <a:noFill/>
+        </p:spPr>
+        <p:txBody>
+          <a:bodyPr wrap="square" rtlCol="0">
+            <a:spAutoFit/>
+          </a:bodyPr>
+          <a:lstStyle/>
+          <a:p>
+            <a:r>
+              <a:rPr lang="ko-KR" altLang="en-US" sz="1200" dirty="0" smtClean="0"/>
+              <a:t>수정</a:t>
+            </a:r>
+            <a:endParaRPr lang="ko-KR" altLang="en-US" sz="1200" dirty="0"/>
+          </a:p>
+        </p:txBody>
+      </p:sp>
+      <p:sp>
+        <p:nvSpPr>
+          <p:cNvPr id="43" name="모서리가 둥근 직사각형 42"/>
+          <p:cNvSpPr/>
+          <p:nvPr/>
+        </p:nvSpPr>
+        <p:spPr>
+          <a:xfrm>
+            <a:off x="9081739" y="3811836"/>
+            <a:ext cx="637309" cy="272300"/>
+          </a:xfrm>
+          <a:prstGeom prst="roundRect">
+            <a:avLst/>
+          </a:prstGeom>
+          <a:noFill/>
+          <a:ln>
+            <a:solidFill>
+              <a:schemeClr val="bg2">
+                <a:lumMod val="75000"/>
+              </a:schemeClr>
+            </a:solidFill>
+          </a:ln>
+        </p:spPr>
+        <p:style>
+          <a:lnRef idx="2">
+            <a:schemeClr val="accent1">
+              <a:shade val="50000"/>
+            </a:schemeClr>
+          </a:lnRef>
+          <a:fillRef idx="1">
+            <a:schemeClr val="accent1"/>
+          </a:fillRef>
+          <a:effectRef idx="0">
+            <a:schemeClr val="accent1"/>
+          </a:effectRef>
+          <a:fontRef idx="minor">
+            <a:schemeClr val="lt1"/>
+          </a:fontRef>
+        </p:style>
+        <p:txBody>
+          <a:bodyPr rtlCol="0" anchor="ctr"/>
+          <a:lstStyle/>
+          <a:p>
+            <a:pPr algn="ctr"/>
+            <a:endParaRPr lang="ko-KR" altLang="en-US"/>
+          </a:p>
+        </p:txBody>
+      </p:sp>
+      <p:sp>
+        <p:nvSpPr>
+          <p:cNvPr id="44" name="TextBox 43"/>
+          <p:cNvSpPr txBox="1"/>
+          <p:nvPr/>
+        </p:nvSpPr>
+        <p:spPr>
+          <a:xfrm>
+            <a:off x="9164788" y="3818510"/>
+            <a:ext cx="537927" cy="276999"/>
+          </a:xfrm>
+          <a:prstGeom prst="rect">
+            <a:avLst/>
+          </a:prstGeom>
+          <a:noFill/>
+        </p:spPr>
+        <p:txBody>
+          <a:bodyPr wrap="square" rtlCol="0">
+            <a:spAutoFit/>
+          </a:bodyPr>
+          <a:lstStyle/>
+          <a:p>
+            <a:r>
+              <a:rPr lang="ko-KR" altLang="en-US" sz="1200" dirty="0" smtClean="0"/>
+              <a:t>취소</a:t>
+            </a:r>
+            <a:endParaRPr lang="ko-KR" altLang="en-US" sz="1200" dirty="0"/>
+          </a:p>
+        </p:txBody>
+      </p:sp>
+      <p:sp>
+        <p:nvSpPr>
+          <p:cNvPr id="45" name="TextBox 44"/>
+          <p:cNvSpPr txBox="1"/>
+          <p:nvPr/>
+        </p:nvSpPr>
+        <p:spPr>
+          <a:xfrm>
+            <a:off x="8091906" y="879560"/>
+            <a:ext cx="955328" cy="2462213"/>
+          </a:xfrm>
+          <a:prstGeom prst="rect">
+            <a:avLst/>
+          </a:prstGeom>
+          <a:noFill/>
+        </p:spPr>
+        <p:txBody>
+          <a:bodyPr wrap="square" rtlCol="0">
+            <a:spAutoFit/>
+          </a:bodyPr>
+          <a:lstStyle/>
+          <a:p>
+            <a:r>
+              <a:rPr lang="ko-KR" altLang="en-US" sz="1400" dirty="0" smtClean="0"/>
+              <a:t>      </a:t>
+            </a:r>
+            <a:endParaRPr lang="en-US" altLang="ko-KR" sz="1400" dirty="0" smtClean="0"/>
+          </a:p>
+          <a:p>
+            <a:r>
+              <a:rPr lang="ko-KR" altLang="en-US" sz="1400" dirty="0" smtClean="0"/>
+              <a:t>코드</a:t>
+            </a:r>
+            <a:endParaRPr lang="en-US" altLang="ko-KR" sz="1400" dirty="0" smtClean="0"/>
+          </a:p>
+          <a:p>
+            <a:endParaRPr lang="en-US" altLang="ko-KR" sz="1400" dirty="0"/>
+          </a:p>
+          <a:p>
+            <a:r>
+              <a:rPr lang="ko-KR" altLang="en-US" sz="1400" dirty="0" smtClean="0"/>
+              <a:t>      </a:t>
+            </a:r>
+            <a:endParaRPr lang="en-US" altLang="ko-KR" sz="1400" dirty="0" smtClean="0"/>
+          </a:p>
+          <a:p>
+            <a:r>
+              <a:rPr lang="ko-KR" altLang="en-US" sz="1400" dirty="0" smtClean="0"/>
+              <a:t>이름</a:t>
+            </a:r>
+            <a:endParaRPr lang="en-US" altLang="ko-KR" sz="1400" dirty="0" smtClean="0"/>
+          </a:p>
+          <a:p>
+            <a:endParaRPr lang="en-US" altLang="ko-KR" sz="1400" dirty="0"/>
+          </a:p>
+          <a:p>
+            <a:r>
+              <a:rPr lang="ko-KR" altLang="en-US" sz="1400" dirty="0" smtClean="0"/>
+              <a:t>      </a:t>
+            </a:r>
+            <a:endParaRPr lang="en-US" altLang="ko-KR" sz="1400" dirty="0" smtClean="0"/>
+          </a:p>
+          <a:p>
+            <a:r>
+              <a:rPr lang="ko-KR" altLang="en-US" sz="1400" dirty="0" smtClean="0"/>
+              <a:t>직책</a:t>
+            </a:r>
+            <a:endParaRPr lang="en-US" altLang="ko-KR" sz="1400" dirty="0" smtClean="0"/>
+          </a:p>
+          <a:p>
+            <a:endParaRPr lang="en-US" altLang="ko-KR" sz="1400" dirty="0"/>
+          </a:p>
+          <a:p>
+            <a:r>
+              <a:rPr lang="ko-KR" altLang="en-US" sz="1400" dirty="0" smtClean="0"/>
+              <a:t>      </a:t>
+            </a:r>
+            <a:endParaRPr lang="en-US" altLang="ko-KR" sz="1400" dirty="0" smtClean="0"/>
+          </a:p>
+          <a:p>
+            <a:r>
+              <a:rPr lang="ko-KR" altLang="en-US" sz="1400" dirty="0" smtClean="0"/>
+              <a:t>권한</a:t>
+            </a:r>
+            <a:endParaRPr lang="en-US" altLang="ko-KR" sz="1400" dirty="0" smtClean="0"/>
+          </a:p>
+        </p:txBody>
+      </p:sp>
+      <p:sp>
+        <p:nvSpPr>
+          <p:cNvPr id="46" name="직사각형 45"/>
+          <p:cNvSpPr/>
+          <p:nvPr/>
+        </p:nvSpPr>
+        <p:spPr>
+          <a:xfrm>
+            <a:off x="8957884" y="1017542"/>
+            <a:ext cx="1341390" cy="403532"/>
+          </a:xfrm>
+          <a:prstGeom prst="rect">
+            <a:avLst/>
+          </a:prstGeom>
+          <a:solidFill>
+            <a:schemeClr val="bg1"/>
+          </a:solidFill>
+          <a:ln w="6350">
+            <a:solidFill>
+              <a:schemeClr val="bg2">
+                <a:lumMod val="90000"/>
+              </a:schemeClr>
+            </a:solidFill>
+          </a:ln>
+        </p:spPr>
+        <p:style>
+          <a:lnRef idx="2">
+            <a:schemeClr val="accent1">
+              <a:shade val="50000"/>
+            </a:schemeClr>
+          </a:lnRef>
+          <a:fillRef idx="1">
+            <a:schemeClr val="accent1"/>
+          </a:fillRef>
+          <a:effectRef idx="0">
+            <a:schemeClr val="accent1"/>
+          </a:effectRef>
+          <a:fontRef idx="minor">
+            <a:schemeClr val="lt1"/>
+          </a:fontRef>
+        </p:style>
+        <p:txBody>
+          <a:bodyPr rtlCol="0" anchor="ctr"/>
+          <a:lstStyle/>
+          <a:p>
+            <a:pPr algn="ctr"/>
+            <a:endParaRPr lang="ko-KR" altLang="en-US"/>
+          </a:p>
+        </p:txBody>
+      </p:sp>
+      <p:sp>
+        <p:nvSpPr>
+          <p:cNvPr id="58" name="직사각형 57"/>
+          <p:cNvSpPr/>
+          <p:nvPr/>
+        </p:nvSpPr>
+        <p:spPr>
+          <a:xfrm>
+            <a:off x="8967120" y="3011258"/>
+            <a:ext cx="1341390" cy="393928"/>
+          </a:xfrm>
+          <a:prstGeom prst="rect">
+            <a:avLst/>
+          </a:prstGeom>
+          <a:solidFill>
+            <a:schemeClr val="bg1"/>
+          </a:solidFill>
+          <a:ln w="6350">
+            <a:solidFill>
+              <a:schemeClr val="bg2">
+                <a:lumMod val="90000"/>
+              </a:schemeClr>
+            </a:solidFill>
+          </a:ln>
+        </p:spPr>
+        <p:style>
+          <a:lnRef idx="2">
+            <a:schemeClr val="accent1">
+              <a:shade val="50000"/>
+            </a:schemeClr>
+          </a:lnRef>
+          <a:fillRef idx="1">
+            <a:schemeClr val="accent1"/>
+          </a:fillRef>
+          <a:effectRef idx="0">
+            <a:schemeClr val="accent1"/>
+          </a:effectRef>
+          <a:fontRef idx="minor">
+            <a:schemeClr val="lt1"/>
+          </a:fontRef>
+        </p:style>
+        <p:txBody>
+          <a:bodyPr rtlCol="0" anchor="ctr"/>
+          <a:lstStyle/>
+          <a:p>
+            <a:pPr algn="ctr"/>
+            <a:endParaRPr lang="ko-KR" altLang="en-US"/>
+          </a:p>
+        </p:txBody>
+      </p:sp>
+      <p:pic>
+        <p:nvPicPr>
+          <p:cNvPr id="59" name="그림 58"/>
+          <p:cNvPicPr>
+            <a:picLocks noChangeAspect="1"/>
+          </p:cNvPicPr>
+          <p:nvPr/>
+        </p:nvPicPr>
+        <p:blipFill>
+          <a:blip r:embed="rId6"/>
+          <a:stretch>
+            <a:fillRect/>
+          </a:stretch>
+        </p:blipFill>
+        <p:spPr>
+          <a:xfrm>
+            <a:off x="9969306" y="3010788"/>
+            <a:ext cx="344295" cy="399162"/>
+          </a:xfrm>
+          <a:prstGeom prst="rect">
+            <a:avLst/>
+          </a:prstGeom>
+          <a:ln w="3175">
+            <a:solidFill>
+              <a:schemeClr val="bg2">
+                <a:lumMod val="90000"/>
+              </a:schemeClr>
+            </a:solidFill>
+          </a:ln>
+        </p:spPr>
+      </p:pic>
+      <p:sp>
+        <p:nvSpPr>
+          <p:cNvPr id="60" name="직사각형 59"/>
+          <p:cNvSpPr/>
+          <p:nvPr/>
+        </p:nvSpPr>
+        <p:spPr>
+          <a:xfrm>
+            <a:off x="10323772" y="606963"/>
+            <a:ext cx="215640" cy="201005"/>
+          </a:xfrm>
+          <a:prstGeom prst="rect">
+            <a:avLst/>
+          </a:prstGeom>
+          <a:solidFill>
+            <a:schemeClr val="bg2">
+              <a:lumMod val="75000"/>
+            </a:schemeClr>
+          </a:solidFill>
+          <a:ln>
+            <a:solidFill>
+              <a:schemeClr val="bg2">
+                <a:lumMod val="75000"/>
+              </a:schemeClr>
+            </a:solidFill>
+          </a:ln>
+        </p:spPr>
+        <p:style>
+          <a:lnRef idx="2">
+            <a:schemeClr val="accent1">
+              <a:shade val="50000"/>
+            </a:schemeClr>
+          </a:lnRef>
+          <a:fillRef idx="1">
+            <a:schemeClr val="accent1"/>
+          </a:fillRef>
+          <a:effectRef idx="0">
+            <a:schemeClr val="accent1"/>
+          </a:effectRef>
+          <a:fontRef idx="minor">
+            <a:schemeClr val="lt1"/>
+          </a:fontRef>
+        </p:style>
+        <p:txBody>
+          <a:bodyPr rtlCol="0" anchor="ctr"/>
+          <a:lstStyle/>
+          <a:p>
+            <a:pPr algn="ctr"/>
+            <a:endParaRPr lang="ko-KR" altLang="en-US"/>
+          </a:p>
+        </p:txBody>
+      </p:sp>
+      <p:sp>
+        <p:nvSpPr>
+          <p:cNvPr id="61" name="TextBox 60"/>
+          <p:cNvSpPr txBox="1"/>
+          <p:nvPr/>
+        </p:nvSpPr>
+        <p:spPr>
+          <a:xfrm>
+            <a:off x="10291170" y="495881"/>
             <a:ext cx="215640" cy="369332"/>
           </a:xfrm>
           <a:prstGeom prst="rect">
@@ -23888,10 +25704,110 @@
           </a:p>
         </p:txBody>
       </p:sp>
+      <p:sp>
+        <p:nvSpPr>
+          <p:cNvPr id="62" name="직사각형 61"/>
+          <p:cNvSpPr/>
+          <p:nvPr/>
+        </p:nvSpPr>
+        <p:spPr>
+          <a:xfrm>
+            <a:off x="8956087" y="1659648"/>
+            <a:ext cx="1341390" cy="403532"/>
+          </a:xfrm>
+          <a:prstGeom prst="rect">
+            <a:avLst/>
+          </a:prstGeom>
+          <a:solidFill>
+            <a:schemeClr val="bg1"/>
+          </a:solidFill>
+          <a:ln w="6350">
+            <a:solidFill>
+              <a:schemeClr val="bg2">
+                <a:lumMod val="90000"/>
+              </a:schemeClr>
+            </a:solidFill>
+          </a:ln>
+        </p:spPr>
+        <p:style>
+          <a:lnRef idx="2">
+            <a:schemeClr val="accent1">
+              <a:shade val="50000"/>
+            </a:schemeClr>
+          </a:lnRef>
+          <a:fillRef idx="1">
+            <a:schemeClr val="accent1"/>
+          </a:fillRef>
+          <a:effectRef idx="0">
+            <a:schemeClr val="accent1"/>
+          </a:effectRef>
+          <a:fontRef idx="minor">
+            <a:schemeClr val="lt1"/>
+          </a:fontRef>
+        </p:style>
+        <p:txBody>
+          <a:bodyPr rtlCol="0" anchor="ctr"/>
+          <a:lstStyle/>
+          <a:p>
+            <a:pPr algn="ctr"/>
+            <a:endParaRPr lang="ko-KR" altLang="en-US"/>
+          </a:p>
+        </p:txBody>
+      </p:sp>
+      <p:sp>
+        <p:nvSpPr>
+          <p:cNvPr id="63" name="직사각형 62"/>
+          <p:cNvSpPr/>
+          <p:nvPr/>
+        </p:nvSpPr>
+        <p:spPr>
+          <a:xfrm>
+            <a:off x="8956087" y="2332836"/>
+            <a:ext cx="1341390" cy="403532"/>
+          </a:xfrm>
+          <a:prstGeom prst="rect">
+            <a:avLst/>
+          </a:prstGeom>
+          <a:solidFill>
+            <a:schemeClr val="bg1"/>
+          </a:solidFill>
+          <a:ln w="6350">
+            <a:solidFill>
+              <a:schemeClr val="bg2">
+                <a:lumMod val="90000"/>
+              </a:schemeClr>
+            </a:solidFill>
+          </a:ln>
+        </p:spPr>
+        <p:style>
+          <a:lnRef idx="2">
+            <a:schemeClr val="accent1">
+              <a:shade val="50000"/>
+            </a:schemeClr>
+          </a:lnRef>
+          <a:fillRef idx="1">
+            <a:schemeClr val="accent1"/>
+          </a:fillRef>
+          <a:effectRef idx="0">
+            <a:schemeClr val="accent1"/>
+          </a:effectRef>
+          <a:fontRef idx="minor">
+            <a:schemeClr val="lt1"/>
+          </a:fontRef>
+        </p:style>
+        <p:txBody>
+          <a:bodyPr rtlCol="0" anchor="ctr"/>
+          <a:lstStyle/>
+          <a:p>
+            <a:pPr algn="ctr"/>
+            <a:endParaRPr lang="ko-KR" altLang="en-US"/>
+          </a:p>
+        </p:txBody>
+      </p:sp>
     </p:spTree>
     <p:extLst>
       <p:ext uri="{BB962C8B-B14F-4D97-AF65-F5344CB8AC3E}">
-        <p14:creationId xmlns:p14="http://schemas.microsoft.com/office/powerpoint/2010/main" val="692189930"/>
+        <p14:creationId xmlns:p14="http://schemas.microsoft.com/office/powerpoint/2010/main" val="2783672959"/>
       </p:ext>
     </p:extLst>
   </p:cSld>
